--- a/Introduction.pptx
+++ b/Introduction.pptx
@@ -243,7 +243,7 @@
           <a:p>
             <a:fld id="{A8FAF8E4-BF5D-4DEB-A491-76AF3FA8D3FD}" type="datetimeFigureOut">
               <a:rPr lang="ko-KR" altLang="en-US" smtClean="0"/>
-              <a:t>2019-08-20</a:t>
+              <a:t>2019-08-21</a:t>
             </a:fld>
             <a:endParaRPr lang="ko-KR" altLang="en-US"/>
           </a:p>
@@ -413,7 +413,7 @@
           <a:p>
             <a:fld id="{A8FAF8E4-BF5D-4DEB-A491-76AF3FA8D3FD}" type="datetimeFigureOut">
               <a:rPr lang="ko-KR" altLang="en-US" smtClean="0"/>
-              <a:t>2019-08-20</a:t>
+              <a:t>2019-08-21</a:t>
             </a:fld>
             <a:endParaRPr lang="ko-KR" altLang="en-US"/>
           </a:p>
@@ -593,7 +593,7 @@
           <a:p>
             <a:fld id="{A8FAF8E4-BF5D-4DEB-A491-76AF3FA8D3FD}" type="datetimeFigureOut">
               <a:rPr lang="ko-KR" altLang="en-US" smtClean="0"/>
-              <a:t>2019-08-20</a:t>
+              <a:t>2019-08-21</a:t>
             </a:fld>
             <a:endParaRPr lang="ko-KR" altLang="en-US"/>
           </a:p>
@@ -763,7 +763,7 @@
           <a:p>
             <a:fld id="{A8FAF8E4-BF5D-4DEB-A491-76AF3FA8D3FD}" type="datetimeFigureOut">
               <a:rPr lang="ko-KR" altLang="en-US" smtClean="0"/>
-              <a:t>2019-08-20</a:t>
+              <a:t>2019-08-21</a:t>
             </a:fld>
             <a:endParaRPr lang="ko-KR" altLang="en-US"/>
           </a:p>
@@ -1007,7 +1007,7 @@
           <a:p>
             <a:fld id="{A8FAF8E4-BF5D-4DEB-A491-76AF3FA8D3FD}" type="datetimeFigureOut">
               <a:rPr lang="ko-KR" altLang="en-US" smtClean="0"/>
-              <a:t>2019-08-20</a:t>
+              <a:t>2019-08-21</a:t>
             </a:fld>
             <a:endParaRPr lang="ko-KR" altLang="en-US"/>
           </a:p>
@@ -1239,7 +1239,7 @@
           <a:p>
             <a:fld id="{A8FAF8E4-BF5D-4DEB-A491-76AF3FA8D3FD}" type="datetimeFigureOut">
               <a:rPr lang="ko-KR" altLang="en-US" smtClean="0"/>
-              <a:t>2019-08-20</a:t>
+              <a:t>2019-08-21</a:t>
             </a:fld>
             <a:endParaRPr lang="ko-KR" altLang="en-US"/>
           </a:p>
@@ -1606,7 +1606,7 @@
           <a:p>
             <a:fld id="{A8FAF8E4-BF5D-4DEB-A491-76AF3FA8D3FD}" type="datetimeFigureOut">
               <a:rPr lang="ko-KR" altLang="en-US" smtClean="0"/>
-              <a:t>2019-08-20</a:t>
+              <a:t>2019-08-21</a:t>
             </a:fld>
             <a:endParaRPr lang="ko-KR" altLang="en-US"/>
           </a:p>
@@ -1724,7 +1724,7 @@
           <a:p>
             <a:fld id="{A8FAF8E4-BF5D-4DEB-A491-76AF3FA8D3FD}" type="datetimeFigureOut">
               <a:rPr lang="ko-KR" altLang="en-US" smtClean="0"/>
-              <a:t>2019-08-20</a:t>
+              <a:t>2019-08-21</a:t>
             </a:fld>
             <a:endParaRPr lang="ko-KR" altLang="en-US"/>
           </a:p>
@@ -1819,7 +1819,7 @@
           <a:p>
             <a:fld id="{A8FAF8E4-BF5D-4DEB-A491-76AF3FA8D3FD}" type="datetimeFigureOut">
               <a:rPr lang="ko-KR" altLang="en-US" smtClean="0"/>
-              <a:t>2019-08-20</a:t>
+              <a:t>2019-08-21</a:t>
             </a:fld>
             <a:endParaRPr lang="ko-KR" altLang="en-US"/>
           </a:p>
@@ -2096,7 +2096,7 @@
           <a:p>
             <a:fld id="{A8FAF8E4-BF5D-4DEB-A491-76AF3FA8D3FD}" type="datetimeFigureOut">
               <a:rPr lang="ko-KR" altLang="en-US" smtClean="0"/>
-              <a:t>2019-08-20</a:t>
+              <a:t>2019-08-21</a:t>
             </a:fld>
             <a:endParaRPr lang="ko-KR" altLang="en-US"/>
           </a:p>
@@ -2353,7 +2353,7 @@
           <a:p>
             <a:fld id="{A8FAF8E4-BF5D-4DEB-A491-76AF3FA8D3FD}" type="datetimeFigureOut">
               <a:rPr lang="ko-KR" altLang="en-US" smtClean="0"/>
-              <a:t>2019-08-20</a:t>
+              <a:t>2019-08-21</a:t>
             </a:fld>
             <a:endParaRPr lang="ko-KR" altLang="en-US"/>
           </a:p>
@@ -2566,7 +2566,7 @@
           <a:p>
             <a:fld id="{A8FAF8E4-BF5D-4DEB-A491-76AF3FA8D3FD}" type="datetimeFigureOut">
               <a:rPr lang="ko-KR" altLang="en-US" smtClean="0"/>
-              <a:t>2019-08-20</a:t>
+              <a:t>2019-08-21</a:t>
             </a:fld>
             <a:endParaRPr lang="ko-KR" altLang="en-US"/>
           </a:p>
@@ -4049,7 +4049,7 @@
         </p:nvSpPr>
         <p:spPr>
           <a:xfrm>
-            <a:off x="7106941" y="1103875"/>
+            <a:off x="7467598" y="1346776"/>
             <a:ext cx="1673407" cy="523220"/>
           </a:xfrm>
           <a:prstGeom prst="rect">
@@ -4097,7 +4097,7 @@
         </p:nvSpPr>
         <p:spPr>
           <a:xfrm>
-            <a:off x="7467599" y="1738821"/>
+            <a:off x="7467598" y="3682452"/>
             <a:ext cx="1531958" cy="307777"/>
           </a:xfrm>
           <a:prstGeom prst="rect">
@@ -4214,6 +4214,82 @@
                 </a:solidFill>
               </a:rPr>
               <a:t>8_DESeq2_for_count_data.R</a:t>
+            </a:r>
+            <a:endParaRPr lang="ko-KR" altLang="en-US" sz="1400" dirty="0">
+              <a:solidFill>
+                <a:srgbClr val="FF0000"/>
+              </a:solidFill>
+            </a:endParaRPr>
+          </a:p>
+        </p:txBody>
+      </p:sp>
+      <p:sp>
+        <p:nvSpPr>
+          <p:cNvPr id="30" name="TextBox 29"/>
+          <p:cNvSpPr txBox="1"/>
+          <p:nvPr/>
+        </p:nvSpPr>
+        <p:spPr>
+          <a:xfrm>
+            <a:off x="1810646" y="2090066"/>
+            <a:ext cx="2281715" cy="307777"/>
+          </a:xfrm>
+          <a:prstGeom prst="rect">
+            <a:avLst/>
+          </a:prstGeom>
+          <a:noFill/>
+        </p:spPr>
+        <p:txBody>
+          <a:bodyPr wrap="none" rtlCol="0">
+            <a:spAutoFit/>
+          </a:bodyPr>
+          <a:lstStyle/>
+          <a:p>
+            <a:r>
+              <a:rPr lang="en-US" altLang="ko-KR" sz="1400" dirty="0">
+                <a:solidFill>
+                  <a:srgbClr val="FF0000"/>
+                </a:solidFill>
+              </a:rPr>
+              <a:t>8_DESeq2_for_count_data.R</a:t>
+            </a:r>
+            <a:endParaRPr lang="ko-KR" altLang="en-US" sz="1400" dirty="0">
+              <a:solidFill>
+                <a:srgbClr val="FF0000"/>
+              </a:solidFill>
+            </a:endParaRPr>
+          </a:p>
+        </p:txBody>
+      </p:sp>
+      <p:sp>
+        <p:nvSpPr>
+          <p:cNvPr id="31" name="TextBox 30"/>
+          <p:cNvSpPr txBox="1"/>
+          <p:nvPr/>
+        </p:nvSpPr>
+        <p:spPr>
+          <a:xfrm>
+            <a:off x="-27885" y="3639576"/>
+            <a:ext cx="2721130" cy="307777"/>
+          </a:xfrm>
+          <a:prstGeom prst="rect">
+            <a:avLst/>
+          </a:prstGeom>
+          <a:noFill/>
+        </p:spPr>
+        <p:txBody>
+          <a:bodyPr wrap="none" rtlCol="0">
+            <a:spAutoFit/>
+          </a:bodyPr>
+          <a:lstStyle/>
+          <a:p>
+            <a:r>
+              <a:rPr lang="en-US" altLang="ko-KR" sz="1400" dirty="0" smtClean="0">
+                <a:solidFill>
+                  <a:srgbClr val="FF0000"/>
+                </a:solidFill>
+              </a:rPr>
+              <a:t>9_DESeq2_norm_count_to_NMF.R</a:t>
             </a:r>
             <a:endParaRPr lang="ko-KR" altLang="en-US" sz="1400" dirty="0">
               <a:solidFill>

--- a/Introduction.pptx
+++ b/Introduction.pptx
@@ -6,6 +6,24 @@
   </p:sldMasterIdLst>
   <p:sldIdLst>
     <p:sldId id="256" r:id="rId2"/>
+    <p:sldId id="257" r:id="rId3"/>
+    <p:sldId id="258" r:id="rId4"/>
+    <p:sldId id="272" r:id="rId5"/>
+    <p:sldId id="265" r:id="rId6"/>
+    <p:sldId id="259" r:id="rId7"/>
+    <p:sldId id="260" r:id="rId8"/>
+    <p:sldId id="266" r:id="rId9"/>
+    <p:sldId id="261" r:id="rId10"/>
+    <p:sldId id="267" r:id="rId11"/>
+    <p:sldId id="268" r:id="rId12"/>
+    <p:sldId id="269" r:id="rId13"/>
+    <p:sldId id="270" r:id="rId14"/>
+    <p:sldId id="262" r:id="rId15"/>
+    <p:sldId id="273" r:id="rId16"/>
+    <p:sldId id="274" r:id="rId17"/>
+    <p:sldId id="263" r:id="rId18"/>
+    <p:sldId id="264" r:id="rId19"/>
+    <p:sldId id="271" r:id="rId20"/>
   </p:sldIdLst>
   <p:sldSz cx="9906000" cy="6858000" type="A4"/>
   <p:notesSz cx="6858000" cy="9144000"/>
@@ -243,7 +261,7 @@
           <a:p>
             <a:fld id="{A8FAF8E4-BF5D-4DEB-A491-76AF3FA8D3FD}" type="datetimeFigureOut">
               <a:rPr lang="ko-KR" altLang="en-US" smtClean="0"/>
-              <a:t>2019-08-21</a:t>
+              <a:t>2019-08-22</a:t>
             </a:fld>
             <a:endParaRPr lang="ko-KR" altLang="en-US"/>
           </a:p>
@@ -413,7 +431,7 @@
           <a:p>
             <a:fld id="{A8FAF8E4-BF5D-4DEB-A491-76AF3FA8D3FD}" type="datetimeFigureOut">
               <a:rPr lang="ko-KR" altLang="en-US" smtClean="0"/>
-              <a:t>2019-08-21</a:t>
+              <a:t>2019-08-22</a:t>
             </a:fld>
             <a:endParaRPr lang="ko-KR" altLang="en-US"/>
           </a:p>
@@ -593,7 +611,7 @@
           <a:p>
             <a:fld id="{A8FAF8E4-BF5D-4DEB-A491-76AF3FA8D3FD}" type="datetimeFigureOut">
               <a:rPr lang="ko-KR" altLang="en-US" smtClean="0"/>
-              <a:t>2019-08-21</a:t>
+              <a:t>2019-08-22</a:t>
             </a:fld>
             <a:endParaRPr lang="ko-KR" altLang="en-US"/>
           </a:p>
@@ -763,7 +781,7 @@
           <a:p>
             <a:fld id="{A8FAF8E4-BF5D-4DEB-A491-76AF3FA8D3FD}" type="datetimeFigureOut">
               <a:rPr lang="ko-KR" altLang="en-US" smtClean="0"/>
-              <a:t>2019-08-21</a:t>
+              <a:t>2019-08-22</a:t>
             </a:fld>
             <a:endParaRPr lang="ko-KR" altLang="en-US"/>
           </a:p>
@@ -1007,7 +1025,7 @@
           <a:p>
             <a:fld id="{A8FAF8E4-BF5D-4DEB-A491-76AF3FA8D3FD}" type="datetimeFigureOut">
               <a:rPr lang="ko-KR" altLang="en-US" smtClean="0"/>
-              <a:t>2019-08-21</a:t>
+              <a:t>2019-08-22</a:t>
             </a:fld>
             <a:endParaRPr lang="ko-KR" altLang="en-US"/>
           </a:p>
@@ -1239,7 +1257,7 @@
           <a:p>
             <a:fld id="{A8FAF8E4-BF5D-4DEB-A491-76AF3FA8D3FD}" type="datetimeFigureOut">
               <a:rPr lang="ko-KR" altLang="en-US" smtClean="0"/>
-              <a:t>2019-08-21</a:t>
+              <a:t>2019-08-22</a:t>
             </a:fld>
             <a:endParaRPr lang="ko-KR" altLang="en-US"/>
           </a:p>
@@ -1606,7 +1624,7 @@
           <a:p>
             <a:fld id="{A8FAF8E4-BF5D-4DEB-A491-76AF3FA8D3FD}" type="datetimeFigureOut">
               <a:rPr lang="ko-KR" altLang="en-US" smtClean="0"/>
-              <a:t>2019-08-21</a:t>
+              <a:t>2019-08-22</a:t>
             </a:fld>
             <a:endParaRPr lang="ko-KR" altLang="en-US"/>
           </a:p>
@@ -1724,7 +1742,7 @@
           <a:p>
             <a:fld id="{A8FAF8E4-BF5D-4DEB-A491-76AF3FA8D3FD}" type="datetimeFigureOut">
               <a:rPr lang="ko-KR" altLang="en-US" smtClean="0"/>
-              <a:t>2019-08-21</a:t>
+              <a:t>2019-08-22</a:t>
             </a:fld>
             <a:endParaRPr lang="ko-KR" altLang="en-US"/>
           </a:p>
@@ -1819,7 +1837,7 @@
           <a:p>
             <a:fld id="{A8FAF8E4-BF5D-4DEB-A491-76AF3FA8D3FD}" type="datetimeFigureOut">
               <a:rPr lang="ko-KR" altLang="en-US" smtClean="0"/>
-              <a:t>2019-08-21</a:t>
+              <a:t>2019-08-22</a:t>
             </a:fld>
             <a:endParaRPr lang="ko-KR" altLang="en-US"/>
           </a:p>
@@ -2096,7 +2114,7 @@
           <a:p>
             <a:fld id="{A8FAF8E4-BF5D-4DEB-A491-76AF3FA8D3FD}" type="datetimeFigureOut">
               <a:rPr lang="ko-KR" altLang="en-US" smtClean="0"/>
-              <a:t>2019-08-21</a:t>
+              <a:t>2019-08-22</a:t>
             </a:fld>
             <a:endParaRPr lang="ko-KR" altLang="en-US"/>
           </a:p>
@@ -2353,7 +2371,7 @@
           <a:p>
             <a:fld id="{A8FAF8E4-BF5D-4DEB-A491-76AF3FA8D3FD}" type="datetimeFigureOut">
               <a:rPr lang="ko-KR" altLang="en-US" smtClean="0"/>
-              <a:t>2019-08-21</a:t>
+              <a:t>2019-08-22</a:t>
             </a:fld>
             <a:endParaRPr lang="ko-KR" altLang="en-US"/>
           </a:p>
@@ -2566,7 +2584,7 @@
           <a:p>
             <a:fld id="{A8FAF8E4-BF5D-4DEB-A491-76AF3FA8D3FD}" type="datetimeFigureOut">
               <a:rPr lang="ko-KR" altLang="en-US" smtClean="0"/>
-              <a:t>2019-08-21</a:t>
+              <a:t>2019-08-22</a:t>
             </a:fld>
             <a:endParaRPr lang="ko-KR" altLang="en-US"/>
           </a:p>
@@ -4299,6 +4317,47 @@
           </a:p>
         </p:txBody>
       </p:sp>
+      <p:sp>
+        <p:nvSpPr>
+          <p:cNvPr id="33" name="TextBox 32"/>
+          <p:cNvSpPr txBox="1"/>
+          <p:nvPr/>
+        </p:nvSpPr>
+        <p:spPr>
+          <a:xfrm>
+            <a:off x="3648331" y="3635070"/>
+            <a:ext cx="1647823" cy="307777"/>
+          </a:xfrm>
+          <a:prstGeom prst="rect">
+            <a:avLst/>
+          </a:prstGeom>
+          <a:noFill/>
+        </p:spPr>
+        <p:txBody>
+          <a:bodyPr wrap="none" rtlCol="0">
+            <a:spAutoFit/>
+          </a:bodyPr>
+          <a:lstStyle/>
+          <a:p>
+            <a:r>
+              <a:rPr lang="en-US" altLang="ko-KR" sz="1400" dirty="0" smtClean="0">
+                <a:solidFill>
+                  <a:srgbClr val="FF0000"/>
+                </a:solidFill>
+              </a:rPr>
+              <a:t>10_</a:t>
+            </a:r>
+            <a:r>
+              <a:rPr lang="en-US" altLang="ko-KR" sz="1400" dirty="0" smtClean="0">
+                <a:solidFill>
+                  <a:srgbClr val="FF0000"/>
+                </a:solidFill>
+              </a:rPr>
+              <a:t>GSEA_analysis.R</a:t>
+            </a:r>
+          </a:p>
+        </p:txBody>
+      </p:sp>
     </p:spTree>
     <p:extLst>
       <p:ext uri="{BB962C8B-B14F-4D97-AF65-F5344CB8AC3E}">
@@ -4309,6 +4368,8883 @@
   <p:clrMapOvr>
     <a:masterClrMapping/>
   </p:clrMapOvr>
+  <p:timing>
+    <p:tnLst>
+      <p:par>
+        <p:cTn id="1" dur="indefinite" restart="never" nodeType="tmRoot"/>
+      </p:par>
+    </p:tnLst>
+  </p:timing>
+</p:sld>
+</file>
+
+<file path=ppt/slides/slide10.xml><?xml version="1.0" encoding="utf-8"?>
+<p:sld xmlns:a="http://schemas.openxmlformats.org/drawingml/2006/main" xmlns:r="http://schemas.openxmlformats.org/officeDocument/2006/relationships" xmlns:p="http://schemas.openxmlformats.org/presentationml/2006/main">
+  <p:cSld>
+    <p:spTree>
+      <p:nvGrpSpPr>
+        <p:cNvPr id="1" name=""/>
+        <p:cNvGrpSpPr/>
+        <p:nvPr/>
+      </p:nvGrpSpPr>
+      <p:grpSpPr>
+        <a:xfrm>
+          <a:off x="0" y="0"/>
+          <a:ext cx="0" cy="0"/>
+          <a:chOff x="0" y="0"/>
+          <a:chExt cx="0" cy="0"/>
+        </a:xfrm>
+      </p:grpSpPr>
+      <p:sp>
+        <p:nvSpPr>
+          <p:cNvPr id="6" name="TextBox 5"/>
+          <p:cNvSpPr txBox="1"/>
+          <p:nvPr/>
+        </p:nvSpPr>
+        <p:spPr>
+          <a:xfrm>
+            <a:off x="424425" y="405982"/>
+            <a:ext cx="5474930" cy="369332"/>
+          </a:xfrm>
+          <a:prstGeom prst="rect">
+            <a:avLst/>
+          </a:prstGeom>
+          <a:noFill/>
+        </p:spPr>
+        <p:txBody>
+          <a:bodyPr wrap="square" rtlCol="0">
+            <a:spAutoFit/>
+          </a:bodyPr>
+          <a:lstStyle/>
+          <a:p>
+            <a:r>
+              <a:rPr lang="en-US" altLang="ko-KR" dirty="0" err="1" smtClean="0"/>
+              <a:t>Yonsei</a:t>
+            </a:r>
+            <a:r>
+              <a:rPr lang="en-US" altLang="ko-KR" dirty="0" smtClean="0"/>
+              <a:t> data validation: Survival / DFS / </a:t>
+            </a:r>
+            <a:r>
+              <a:rPr lang="en-US" altLang="ko-KR" dirty="0" err="1" smtClean="0"/>
+              <a:t>pCR</a:t>
+            </a:r>
+            <a:endParaRPr lang="en-US" altLang="ko-KR" dirty="0" smtClean="0"/>
+          </a:p>
+        </p:txBody>
+      </p:sp>
+      <p:pic>
+        <p:nvPicPr>
+          <p:cNvPr id="2" name="그림 1"/>
+          <p:cNvPicPr>
+            <a:picLocks noChangeAspect="1"/>
+          </p:cNvPicPr>
+          <p:nvPr/>
+        </p:nvPicPr>
+        <p:blipFill>
+          <a:blip r:embed="rId2"/>
+          <a:stretch>
+            <a:fillRect/>
+          </a:stretch>
+        </p:blipFill>
+        <p:spPr>
+          <a:xfrm>
+            <a:off x="957762" y="795666"/>
+            <a:ext cx="7990476" cy="5266667"/>
+          </a:xfrm>
+          <a:prstGeom prst="rect">
+            <a:avLst/>
+          </a:prstGeom>
+        </p:spPr>
+      </p:pic>
+      <p:sp>
+        <p:nvSpPr>
+          <p:cNvPr id="5" name="TextBox 4"/>
+          <p:cNvSpPr txBox="1"/>
+          <p:nvPr/>
+        </p:nvSpPr>
+        <p:spPr>
+          <a:xfrm>
+            <a:off x="3757560" y="6095376"/>
+            <a:ext cx="5474930" cy="369332"/>
+          </a:xfrm>
+          <a:prstGeom prst="rect">
+            <a:avLst/>
+          </a:prstGeom>
+          <a:noFill/>
+        </p:spPr>
+        <p:txBody>
+          <a:bodyPr wrap="square" rtlCol="0">
+            <a:spAutoFit/>
+          </a:bodyPr>
+          <a:lstStyle/>
+          <a:p>
+            <a:pPr algn="r"/>
+            <a:r>
+              <a:rPr lang="en-US" altLang="ko-KR" dirty="0" smtClean="0">
+                <a:solidFill>
+                  <a:srgbClr val="FF0000"/>
+                </a:solidFill>
+              </a:rPr>
+              <a:t>FDR &lt; 0.2</a:t>
+            </a:r>
+          </a:p>
+        </p:txBody>
+      </p:sp>
+    </p:spTree>
+    <p:extLst>
+      <p:ext uri="{BB962C8B-B14F-4D97-AF65-F5344CB8AC3E}">
+        <p14:creationId xmlns:p14="http://schemas.microsoft.com/office/powerpoint/2010/main" val="1870000008"/>
+      </p:ext>
+    </p:extLst>
+  </p:cSld>
+  <p:clrMapOvr>
+    <a:masterClrMapping/>
+  </p:clrMapOvr>
+  <p:timing>
+    <p:tnLst>
+      <p:par>
+        <p:cTn id="1" dur="indefinite" restart="never" nodeType="tmRoot"/>
+      </p:par>
+    </p:tnLst>
+  </p:timing>
+</p:sld>
+</file>
+
+<file path=ppt/slides/slide11.xml><?xml version="1.0" encoding="utf-8"?>
+<p:sld xmlns:a="http://schemas.openxmlformats.org/drawingml/2006/main" xmlns:r="http://schemas.openxmlformats.org/officeDocument/2006/relationships" xmlns:p="http://schemas.openxmlformats.org/presentationml/2006/main">
+  <p:cSld>
+    <p:spTree>
+      <p:nvGrpSpPr>
+        <p:cNvPr id="1" name=""/>
+        <p:cNvGrpSpPr/>
+        <p:nvPr/>
+      </p:nvGrpSpPr>
+      <p:grpSpPr>
+        <a:xfrm>
+          <a:off x="0" y="0"/>
+          <a:ext cx="0" cy="0"/>
+          <a:chOff x="0" y="0"/>
+          <a:chExt cx="0" cy="0"/>
+        </a:xfrm>
+      </p:grpSpPr>
+      <p:sp>
+        <p:nvSpPr>
+          <p:cNvPr id="6" name="TextBox 5"/>
+          <p:cNvSpPr txBox="1"/>
+          <p:nvPr/>
+        </p:nvSpPr>
+        <p:spPr>
+          <a:xfrm>
+            <a:off x="424425" y="405982"/>
+            <a:ext cx="5474930" cy="369332"/>
+          </a:xfrm>
+          <a:prstGeom prst="rect">
+            <a:avLst/>
+          </a:prstGeom>
+          <a:noFill/>
+        </p:spPr>
+        <p:txBody>
+          <a:bodyPr wrap="square" rtlCol="0">
+            <a:spAutoFit/>
+          </a:bodyPr>
+          <a:lstStyle/>
+          <a:p>
+            <a:r>
+              <a:rPr lang="en-US" altLang="ko-KR" dirty="0" err="1" smtClean="0"/>
+              <a:t>Yonsei</a:t>
+            </a:r>
+            <a:r>
+              <a:rPr lang="en-US" altLang="ko-KR" dirty="0" smtClean="0"/>
+              <a:t> data validation: Survival / DFS / </a:t>
+            </a:r>
+            <a:r>
+              <a:rPr lang="en-US" altLang="ko-KR" dirty="0" err="1" smtClean="0"/>
+              <a:t>pCR</a:t>
+            </a:r>
+            <a:endParaRPr lang="en-US" altLang="ko-KR" dirty="0" smtClean="0"/>
+          </a:p>
+        </p:txBody>
+      </p:sp>
+      <p:sp>
+        <p:nvSpPr>
+          <p:cNvPr id="5" name="TextBox 4"/>
+          <p:cNvSpPr txBox="1"/>
+          <p:nvPr/>
+        </p:nvSpPr>
+        <p:spPr>
+          <a:xfrm>
+            <a:off x="3757560" y="6095376"/>
+            <a:ext cx="5474930" cy="369332"/>
+          </a:xfrm>
+          <a:prstGeom prst="rect">
+            <a:avLst/>
+          </a:prstGeom>
+          <a:noFill/>
+        </p:spPr>
+        <p:txBody>
+          <a:bodyPr wrap="square" rtlCol="0">
+            <a:spAutoFit/>
+          </a:bodyPr>
+          <a:lstStyle/>
+          <a:p>
+            <a:pPr algn="r"/>
+            <a:r>
+              <a:rPr lang="en-US" altLang="ko-KR" dirty="0" smtClean="0">
+                <a:solidFill>
+                  <a:srgbClr val="FF0000"/>
+                </a:solidFill>
+              </a:rPr>
+              <a:t>FDR not filtered</a:t>
+            </a:r>
+          </a:p>
+        </p:txBody>
+      </p:sp>
+      <p:pic>
+        <p:nvPicPr>
+          <p:cNvPr id="3" name="그림 2"/>
+          <p:cNvPicPr>
+            <a:picLocks noChangeAspect="1"/>
+          </p:cNvPicPr>
+          <p:nvPr/>
+        </p:nvPicPr>
+        <p:blipFill>
+          <a:blip r:embed="rId2"/>
+          <a:stretch>
+            <a:fillRect/>
+          </a:stretch>
+        </p:blipFill>
+        <p:spPr>
+          <a:xfrm>
+            <a:off x="957762" y="795666"/>
+            <a:ext cx="7990476" cy="5266667"/>
+          </a:xfrm>
+          <a:prstGeom prst="rect">
+            <a:avLst/>
+          </a:prstGeom>
+        </p:spPr>
+      </p:pic>
+    </p:spTree>
+    <p:extLst>
+      <p:ext uri="{BB962C8B-B14F-4D97-AF65-F5344CB8AC3E}">
+        <p14:creationId xmlns:p14="http://schemas.microsoft.com/office/powerpoint/2010/main" val="2366102214"/>
+      </p:ext>
+    </p:extLst>
+  </p:cSld>
+  <p:clrMapOvr>
+    <a:masterClrMapping/>
+  </p:clrMapOvr>
+  <p:timing>
+    <p:tnLst>
+      <p:par>
+        <p:cTn id="1" dur="indefinite" restart="never" nodeType="tmRoot"/>
+      </p:par>
+    </p:tnLst>
+  </p:timing>
+</p:sld>
+</file>
+
+<file path=ppt/slides/slide12.xml><?xml version="1.0" encoding="utf-8"?>
+<p:sld xmlns:a="http://schemas.openxmlformats.org/drawingml/2006/main" xmlns:r="http://schemas.openxmlformats.org/officeDocument/2006/relationships" xmlns:p="http://schemas.openxmlformats.org/presentationml/2006/main">
+  <p:cSld>
+    <p:spTree>
+      <p:nvGrpSpPr>
+        <p:cNvPr id="1" name=""/>
+        <p:cNvGrpSpPr/>
+        <p:nvPr/>
+      </p:nvGrpSpPr>
+      <p:grpSpPr>
+        <a:xfrm>
+          <a:off x="0" y="0"/>
+          <a:ext cx="0" cy="0"/>
+          <a:chOff x="0" y="0"/>
+          <a:chExt cx="0" cy="0"/>
+        </a:xfrm>
+      </p:grpSpPr>
+      <p:sp>
+        <p:nvSpPr>
+          <p:cNvPr id="6" name="TextBox 5"/>
+          <p:cNvSpPr txBox="1"/>
+          <p:nvPr/>
+        </p:nvSpPr>
+        <p:spPr>
+          <a:xfrm>
+            <a:off x="424425" y="405982"/>
+            <a:ext cx="5474930" cy="369332"/>
+          </a:xfrm>
+          <a:prstGeom prst="rect">
+            <a:avLst/>
+          </a:prstGeom>
+          <a:noFill/>
+        </p:spPr>
+        <p:txBody>
+          <a:bodyPr wrap="square" rtlCol="0">
+            <a:spAutoFit/>
+          </a:bodyPr>
+          <a:lstStyle/>
+          <a:p>
+            <a:r>
+              <a:rPr lang="en-US" altLang="ko-KR" dirty="0" err="1" smtClean="0"/>
+              <a:t>Yonsei</a:t>
+            </a:r>
+            <a:r>
+              <a:rPr lang="en-US" altLang="ko-KR" dirty="0" smtClean="0"/>
+              <a:t> data validation: Survival / DFS / </a:t>
+            </a:r>
+            <a:r>
+              <a:rPr lang="en-US" altLang="ko-KR" dirty="0" err="1" smtClean="0"/>
+              <a:t>pCR</a:t>
+            </a:r>
+            <a:endParaRPr lang="en-US" altLang="ko-KR" dirty="0" smtClean="0"/>
+          </a:p>
+        </p:txBody>
+      </p:sp>
+      <p:sp>
+        <p:nvSpPr>
+          <p:cNvPr id="5" name="TextBox 4"/>
+          <p:cNvSpPr txBox="1"/>
+          <p:nvPr/>
+        </p:nvSpPr>
+        <p:spPr>
+          <a:xfrm>
+            <a:off x="3757560" y="6095376"/>
+            <a:ext cx="5474930" cy="369332"/>
+          </a:xfrm>
+          <a:prstGeom prst="rect">
+            <a:avLst/>
+          </a:prstGeom>
+          <a:noFill/>
+        </p:spPr>
+        <p:txBody>
+          <a:bodyPr wrap="square" rtlCol="0">
+            <a:spAutoFit/>
+          </a:bodyPr>
+          <a:lstStyle/>
+          <a:p>
+            <a:pPr algn="r"/>
+            <a:r>
+              <a:rPr lang="en-US" altLang="ko-KR" dirty="0" smtClean="0">
+                <a:solidFill>
+                  <a:srgbClr val="FF0000"/>
+                </a:solidFill>
+              </a:rPr>
+              <a:t>FDR &lt; 0.2</a:t>
+            </a:r>
+          </a:p>
+        </p:txBody>
+      </p:sp>
+      <p:pic>
+        <p:nvPicPr>
+          <p:cNvPr id="3" name="그림 2"/>
+          <p:cNvPicPr>
+            <a:picLocks noChangeAspect="1"/>
+          </p:cNvPicPr>
+          <p:nvPr/>
+        </p:nvPicPr>
+        <p:blipFill>
+          <a:blip r:embed="rId2"/>
+          <a:stretch>
+            <a:fillRect/>
+          </a:stretch>
+        </p:blipFill>
+        <p:spPr>
+          <a:xfrm>
+            <a:off x="957762" y="795666"/>
+            <a:ext cx="7990476" cy="5266667"/>
+          </a:xfrm>
+          <a:prstGeom prst="rect">
+            <a:avLst/>
+          </a:prstGeom>
+        </p:spPr>
+      </p:pic>
+    </p:spTree>
+    <p:extLst>
+      <p:ext uri="{BB962C8B-B14F-4D97-AF65-F5344CB8AC3E}">
+        <p14:creationId xmlns:p14="http://schemas.microsoft.com/office/powerpoint/2010/main" val="2050702723"/>
+      </p:ext>
+    </p:extLst>
+  </p:cSld>
+  <p:clrMapOvr>
+    <a:masterClrMapping/>
+  </p:clrMapOvr>
+  <p:timing>
+    <p:tnLst>
+      <p:par>
+        <p:cTn id="1" dur="indefinite" restart="never" nodeType="tmRoot"/>
+      </p:par>
+    </p:tnLst>
+  </p:timing>
+</p:sld>
+</file>
+
+<file path=ppt/slides/slide13.xml><?xml version="1.0" encoding="utf-8"?>
+<p:sld xmlns:a="http://schemas.openxmlformats.org/drawingml/2006/main" xmlns:r="http://schemas.openxmlformats.org/officeDocument/2006/relationships" xmlns:p="http://schemas.openxmlformats.org/presentationml/2006/main">
+  <p:cSld>
+    <p:spTree>
+      <p:nvGrpSpPr>
+        <p:cNvPr id="1" name=""/>
+        <p:cNvGrpSpPr/>
+        <p:nvPr/>
+      </p:nvGrpSpPr>
+      <p:grpSpPr>
+        <a:xfrm>
+          <a:off x="0" y="0"/>
+          <a:ext cx="0" cy="0"/>
+          <a:chOff x="0" y="0"/>
+          <a:chExt cx="0" cy="0"/>
+        </a:xfrm>
+      </p:grpSpPr>
+      <p:sp>
+        <p:nvSpPr>
+          <p:cNvPr id="6" name="TextBox 5"/>
+          <p:cNvSpPr txBox="1"/>
+          <p:nvPr/>
+        </p:nvSpPr>
+        <p:spPr>
+          <a:xfrm>
+            <a:off x="424425" y="405982"/>
+            <a:ext cx="5474930" cy="369332"/>
+          </a:xfrm>
+          <a:prstGeom prst="rect">
+            <a:avLst/>
+          </a:prstGeom>
+          <a:noFill/>
+        </p:spPr>
+        <p:txBody>
+          <a:bodyPr wrap="square" rtlCol="0">
+            <a:spAutoFit/>
+          </a:bodyPr>
+          <a:lstStyle/>
+          <a:p>
+            <a:r>
+              <a:rPr lang="en-US" altLang="ko-KR" dirty="0" err="1" smtClean="0"/>
+              <a:t>Yonsei</a:t>
+            </a:r>
+            <a:r>
+              <a:rPr lang="en-US" altLang="ko-KR" dirty="0" smtClean="0"/>
+              <a:t> data validation: Survival / DFS / </a:t>
+            </a:r>
+            <a:r>
+              <a:rPr lang="en-US" altLang="ko-KR" dirty="0" err="1" smtClean="0"/>
+              <a:t>pCR</a:t>
+            </a:r>
+            <a:endParaRPr lang="en-US" altLang="ko-KR" dirty="0" smtClean="0"/>
+          </a:p>
+        </p:txBody>
+      </p:sp>
+      <p:sp>
+        <p:nvSpPr>
+          <p:cNvPr id="5" name="TextBox 4"/>
+          <p:cNvSpPr txBox="1"/>
+          <p:nvPr/>
+        </p:nvSpPr>
+        <p:spPr>
+          <a:xfrm>
+            <a:off x="613633" y="4803804"/>
+            <a:ext cx="2340128" cy="646331"/>
+          </a:xfrm>
+          <a:prstGeom prst="rect">
+            <a:avLst/>
+          </a:prstGeom>
+          <a:noFill/>
+        </p:spPr>
+        <p:txBody>
+          <a:bodyPr wrap="square" rtlCol="0">
+            <a:spAutoFit/>
+          </a:bodyPr>
+          <a:lstStyle/>
+          <a:p>
+            <a:r>
+              <a:rPr lang="en-US" altLang="ko-KR" dirty="0" smtClean="0">
+                <a:solidFill>
+                  <a:srgbClr val="FF0000"/>
+                </a:solidFill>
+              </a:rPr>
+              <a:t>FDR not filtered</a:t>
+            </a:r>
+          </a:p>
+          <a:p>
+            <a:r>
+              <a:rPr lang="en-US" altLang="ko-KR" dirty="0" smtClean="0">
+                <a:solidFill>
+                  <a:srgbClr val="FF0000"/>
+                </a:solidFill>
+              </a:rPr>
+              <a:t>P=0.005855</a:t>
+            </a:r>
+          </a:p>
+        </p:txBody>
+      </p:sp>
+      <p:pic>
+        <p:nvPicPr>
+          <p:cNvPr id="2" name="그림 1"/>
+          <p:cNvPicPr>
+            <a:picLocks noChangeAspect="1"/>
+          </p:cNvPicPr>
+          <p:nvPr/>
+        </p:nvPicPr>
+        <p:blipFill>
+          <a:blip r:embed="rId2"/>
+          <a:stretch>
+            <a:fillRect/>
+          </a:stretch>
+        </p:blipFill>
+        <p:spPr>
+          <a:xfrm>
+            <a:off x="613633" y="2222090"/>
+            <a:ext cx="3916922" cy="2581714"/>
+          </a:xfrm>
+          <a:prstGeom prst="rect">
+            <a:avLst/>
+          </a:prstGeom>
+        </p:spPr>
+      </p:pic>
+      <p:pic>
+        <p:nvPicPr>
+          <p:cNvPr id="4" name="그림 3"/>
+          <p:cNvPicPr>
+            <a:picLocks noChangeAspect="1"/>
+          </p:cNvPicPr>
+          <p:nvPr/>
+        </p:nvPicPr>
+        <p:blipFill>
+          <a:blip r:embed="rId3"/>
+          <a:stretch>
+            <a:fillRect/>
+          </a:stretch>
+        </p:blipFill>
+        <p:spPr>
+          <a:xfrm>
+            <a:off x="5038149" y="2222090"/>
+            <a:ext cx="3916922" cy="2581714"/>
+          </a:xfrm>
+          <a:prstGeom prst="rect">
+            <a:avLst/>
+          </a:prstGeom>
+        </p:spPr>
+      </p:pic>
+      <p:sp>
+        <p:nvSpPr>
+          <p:cNvPr id="7" name="TextBox 6"/>
+          <p:cNvSpPr txBox="1"/>
+          <p:nvPr/>
+        </p:nvSpPr>
+        <p:spPr>
+          <a:xfrm>
+            <a:off x="5038149" y="4803803"/>
+            <a:ext cx="2340128" cy="646331"/>
+          </a:xfrm>
+          <a:prstGeom prst="rect">
+            <a:avLst/>
+          </a:prstGeom>
+          <a:noFill/>
+        </p:spPr>
+        <p:txBody>
+          <a:bodyPr wrap="square" rtlCol="0">
+            <a:spAutoFit/>
+          </a:bodyPr>
+          <a:lstStyle/>
+          <a:p>
+            <a:r>
+              <a:rPr lang="en-US" altLang="ko-KR" dirty="0" smtClean="0">
+                <a:solidFill>
+                  <a:srgbClr val="FF0000"/>
+                </a:solidFill>
+              </a:rPr>
+              <a:t>FDR &lt; 0.2</a:t>
+            </a:r>
+          </a:p>
+          <a:p>
+            <a:r>
+              <a:rPr lang="en-US" altLang="ko-KR" dirty="0" smtClean="0">
+                <a:solidFill>
+                  <a:srgbClr val="FF0000"/>
+                </a:solidFill>
+              </a:rPr>
+              <a:t>P=0.0006822</a:t>
+            </a:r>
+          </a:p>
+        </p:txBody>
+      </p:sp>
+    </p:spTree>
+    <p:extLst>
+      <p:ext uri="{BB962C8B-B14F-4D97-AF65-F5344CB8AC3E}">
+        <p14:creationId xmlns:p14="http://schemas.microsoft.com/office/powerpoint/2010/main" val="3086426530"/>
+      </p:ext>
+    </p:extLst>
+  </p:cSld>
+  <p:clrMapOvr>
+    <a:masterClrMapping/>
+  </p:clrMapOvr>
+  <p:timing>
+    <p:tnLst>
+      <p:par>
+        <p:cTn id="1" dur="indefinite" restart="never" nodeType="tmRoot"/>
+      </p:par>
+    </p:tnLst>
+  </p:timing>
+</p:sld>
+</file>
+
+<file path=ppt/slides/slide14.xml><?xml version="1.0" encoding="utf-8"?>
+<p:sld xmlns:a="http://schemas.openxmlformats.org/drawingml/2006/main" xmlns:r="http://schemas.openxmlformats.org/officeDocument/2006/relationships" xmlns:p="http://schemas.openxmlformats.org/presentationml/2006/main">
+  <p:cSld>
+    <p:spTree>
+      <p:nvGrpSpPr>
+        <p:cNvPr id="1" name=""/>
+        <p:cNvGrpSpPr/>
+        <p:nvPr/>
+      </p:nvGrpSpPr>
+      <p:grpSpPr>
+        <a:xfrm>
+          <a:off x="0" y="0"/>
+          <a:ext cx="0" cy="0"/>
+          <a:chOff x="0" y="0"/>
+          <a:chExt cx="0" cy="0"/>
+        </a:xfrm>
+      </p:grpSpPr>
+      <p:sp>
+        <p:nvSpPr>
+          <p:cNvPr id="2" name="TextBox 1"/>
+          <p:cNvSpPr txBox="1"/>
+          <p:nvPr/>
+        </p:nvSpPr>
+        <p:spPr>
+          <a:xfrm>
+            <a:off x="424425" y="405982"/>
+            <a:ext cx="5474930" cy="646331"/>
+          </a:xfrm>
+          <a:prstGeom prst="rect">
+            <a:avLst/>
+          </a:prstGeom>
+          <a:noFill/>
+        </p:spPr>
+        <p:txBody>
+          <a:bodyPr wrap="square" rtlCol="0">
+            <a:spAutoFit/>
+          </a:bodyPr>
+          <a:lstStyle/>
+          <a:p>
+            <a:r>
+              <a:rPr lang="en-US" altLang="ko-KR" dirty="0" smtClean="0"/>
+              <a:t>Normalization</a:t>
+            </a:r>
+          </a:p>
+          <a:p>
+            <a:r>
+              <a:rPr lang="en-US" altLang="ko-KR" dirty="0" smtClean="0"/>
+              <a:t>Differential gene expression by DESeq2</a:t>
+            </a:r>
+          </a:p>
+        </p:txBody>
+      </p:sp>
+      <p:pic>
+        <p:nvPicPr>
+          <p:cNvPr id="3" name="그림 2"/>
+          <p:cNvPicPr>
+            <a:picLocks noChangeAspect="1"/>
+          </p:cNvPicPr>
+          <p:nvPr/>
+        </p:nvPicPr>
+        <p:blipFill>
+          <a:blip r:embed="rId2"/>
+          <a:stretch>
+            <a:fillRect/>
+          </a:stretch>
+        </p:blipFill>
+        <p:spPr>
+          <a:xfrm>
+            <a:off x="1105246" y="1169292"/>
+            <a:ext cx="7990476" cy="5266667"/>
+          </a:xfrm>
+          <a:prstGeom prst="rect">
+            <a:avLst/>
+          </a:prstGeom>
+        </p:spPr>
+      </p:pic>
+    </p:spTree>
+    <p:extLst>
+      <p:ext uri="{BB962C8B-B14F-4D97-AF65-F5344CB8AC3E}">
+        <p14:creationId xmlns:p14="http://schemas.microsoft.com/office/powerpoint/2010/main" val="3581874753"/>
+      </p:ext>
+    </p:extLst>
+  </p:cSld>
+  <p:clrMapOvr>
+    <a:masterClrMapping/>
+  </p:clrMapOvr>
+  <p:timing>
+    <p:tnLst>
+      <p:par>
+        <p:cTn id="1" dur="indefinite" restart="never" nodeType="tmRoot"/>
+      </p:par>
+    </p:tnLst>
+  </p:timing>
+</p:sld>
+</file>
+
+<file path=ppt/slides/slide15.xml><?xml version="1.0" encoding="utf-8"?>
+<p:sld xmlns:a="http://schemas.openxmlformats.org/drawingml/2006/main" xmlns:r="http://schemas.openxmlformats.org/officeDocument/2006/relationships" xmlns:p="http://schemas.openxmlformats.org/presentationml/2006/main">
+  <p:cSld>
+    <p:spTree>
+      <p:nvGrpSpPr>
+        <p:cNvPr id="1" name=""/>
+        <p:cNvGrpSpPr/>
+        <p:nvPr/>
+      </p:nvGrpSpPr>
+      <p:grpSpPr>
+        <a:xfrm>
+          <a:off x="0" y="0"/>
+          <a:ext cx="0" cy="0"/>
+          <a:chOff x="0" y="0"/>
+          <a:chExt cx="0" cy="0"/>
+        </a:xfrm>
+      </p:grpSpPr>
+      <p:sp>
+        <p:nvSpPr>
+          <p:cNvPr id="2" name="TextBox 1"/>
+          <p:cNvSpPr txBox="1"/>
+          <p:nvPr/>
+        </p:nvSpPr>
+        <p:spPr>
+          <a:xfrm>
+            <a:off x="424424" y="405982"/>
+            <a:ext cx="9481575" cy="369332"/>
+          </a:xfrm>
+          <a:prstGeom prst="rect">
+            <a:avLst/>
+          </a:prstGeom>
+          <a:noFill/>
+        </p:spPr>
+        <p:txBody>
+          <a:bodyPr wrap="square" rtlCol="0">
+            <a:spAutoFit/>
+          </a:bodyPr>
+          <a:lstStyle/>
+          <a:p>
+            <a:r>
+              <a:rPr lang="en-US" altLang="ko-KR" dirty="0"/>
+              <a:t>DESeq2 normalized TCGA-READ count data -&gt; NMF </a:t>
+            </a:r>
+            <a:r>
+              <a:rPr lang="en-US" altLang="ko-KR" dirty="0" smtClean="0"/>
+              <a:t>clustering rank estimation</a:t>
+            </a:r>
+            <a:endParaRPr lang="ko-KR" altLang="en-US" dirty="0"/>
+          </a:p>
+        </p:txBody>
+      </p:sp>
+      <p:pic>
+        <p:nvPicPr>
+          <p:cNvPr id="4" name="그림 3"/>
+          <p:cNvPicPr>
+            <a:picLocks noChangeAspect="1"/>
+          </p:cNvPicPr>
+          <p:nvPr/>
+        </p:nvPicPr>
+        <p:blipFill>
+          <a:blip r:embed="rId2"/>
+          <a:stretch>
+            <a:fillRect/>
+          </a:stretch>
+        </p:blipFill>
+        <p:spPr>
+          <a:xfrm>
+            <a:off x="957762" y="795666"/>
+            <a:ext cx="7990476" cy="5266667"/>
+          </a:xfrm>
+          <a:prstGeom prst="rect">
+            <a:avLst/>
+          </a:prstGeom>
+        </p:spPr>
+      </p:pic>
+    </p:spTree>
+    <p:extLst>
+      <p:ext uri="{BB962C8B-B14F-4D97-AF65-F5344CB8AC3E}">
+        <p14:creationId xmlns:p14="http://schemas.microsoft.com/office/powerpoint/2010/main" val="2001379325"/>
+      </p:ext>
+    </p:extLst>
+  </p:cSld>
+  <p:clrMapOvr>
+    <a:masterClrMapping/>
+  </p:clrMapOvr>
+  <p:timing>
+    <p:tnLst>
+      <p:par>
+        <p:cTn id="1" dur="indefinite" restart="never" nodeType="tmRoot"/>
+      </p:par>
+    </p:tnLst>
+  </p:timing>
+</p:sld>
+</file>
+
+<file path=ppt/slides/slide16.xml><?xml version="1.0" encoding="utf-8"?>
+<p:sld xmlns:a="http://schemas.openxmlformats.org/drawingml/2006/main" xmlns:r="http://schemas.openxmlformats.org/officeDocument/2006/relationships" xmlns:p="http://schemas.openxmlformats.org/presentationml/2006/main">
+  <p:cSld>
+    <p:spTree>
+      <p:nvGrpSpPr>
+        <p:cNvPr id="1" name=""/>
+        <p:cNvGrpSpPr/>
+        <p:nvPr/>
+      </p:nvGrpSpPr>
+      <p:grpSpPr>
+        <a:xfrm>
+          <a:off x="0" y="0"/>
+          <a:ext cx="0" cy="0"/>
+          <a:chOff x="0" y="0"/>
+          <a:chExt cx="0" cy="0"/>
+        </a:xfrm>
+      </p:grpSpPr>
+      <p:sp>
+        <p:nvSpPr>
+          <p:cNvPr id="2" name="TextBox 1"/>
+          <p:cNvSpPr txBox="1"/>
+          <p:nvPr/>
+        </p:nvSpPr>
+        <p:spPr>
+          <a:xfrm>
+            <a:off x="0" y="-14850"/>
+            <a:ext cx="8356600" cy="369332"/>
+          </a:xfrm>
+          <a:prstGeom prst="rect">
+            <a:avLst/>
+          </a:prstGeom>
+          <a:noFill/>
+        </p:spPr>
+        <p:txBody>
+          <a:bodyPr wrap="square" rtlCol="0">
+            <a:spAutoFit/>
+          </a:bodyPr>
+          <a:lstStyle/>
+          <a:p>
+            <a:r>
+              <a:rPr lang="en-US" altLang="ko-KR" dirty="0"/>
+              <a:t>DESeq2 normalized TCGA-READ count data -&gt; NMF clustering rank estimation</a:t>
+            </a:r>
+            <a:endParaRPr lang="ko-KR" altLang="en-US" dirty="0"/>
+          </a:p>
+        </p:txBody>
+      </p:sp>
+      <p:pic>
+        <p:nvPicPr>
+          <p:cNvPr id="3" name="그림 2"/>
+          <p:cNvPicPr>
+            <a:picLocks noChangeAspect="1"/>
+          </p:cNvPicPr>
+          <p:nvPr/>
+        </p:nvPicPr>
+        <p:blipFill>
+          <a:blip r:embed="rId2"/>
+          <a:stretch>
+            <a:fillRect/>
+          </a:stretch>
+        </p:blipFill>
+        <p:spPr>
+          <a:xfrm>
+            <a:off x="916442" y="381000"/>
+            <a:ext cx="8073116" cy="6426200"/>
+          </a:xfrm>
+          <a:prstGeom prst="rect">
+            <a:avLst/>
+          </a:prstGeom>
+        </p:spPr>
+      </p:pic>
+    </p:spTree>
+    <p:extLst>
+      <p:ext uri="{BB962C8B-B14F-4D97-AF65-F5344CB8AC3E}">
+        <p14:creationId xmlns:p14="http://schemas.microsoft.com/office/powerpoint/2010/main" val="2403599902"/>
+      </p:ext>
+    </p:extLst>
+  </p:cSld>
+  <p:clrMapOvr>
+    <a:masterClrMapping/>
+  </p:clrMapOvr>
+  <p:timing>
+    <p:tnLst>
+      <p:par>
+        <p:cTn id="1" dur="indefinite" restart="never" nodeType="tmRoot"/>
+      </p:par>
+    </p:tnLst>
+  </p:timing>
+</p:sld>
+</file>
+
+<file path=ppt/slides/slide17.xml><?xml version="1.0" encoding="utf-8"?>
+<p:sld xmlns:a="http://schemas.openxmlformats.org/drawingml/2006/main" xmlns:r="http://schemas.openxmlformats.org/officeDocument/2006/relationships" xmlns:p="http://schemas.openxmlformats.org/presentationml/2006/main">
+  <p:cSld>
+    <p:spTree>
+      <p:nvGrpSpPr>
+        <p:cNvPr id="1" name=""/>
+        <p:cNvGrpSpPr/>
+        <p:nvPr/>
+      </p:nvGrpSpPr>
+      <p:grpSpPr>
+        <a:xfrm>
+          <a:off x="0" y="0"/>
+          <a:ext cx="0" cy="0"/>
+          <a:chOff x="0" y="0"/>
+          <a:chExt cx="0" cy="0"/>
+        </a:xfrm>
+      </p:grpSpPr>
+      <p:pic>
+        <p:nvPicPr>
+          <p:cNvPr id="2" name="그림 1"/>
+          <p:cNvPicPr>
+            <a:picLocks noChangeAspect="1"/>
+          </p:cNvPicPr>
+          <p:nvPr/>
+        </p:nvPicPr>
+        <p:blipFill>
+          <a:blip r:embed="rId2"/>
+          <a:stretch>
+            <a:fillRect/>
+          </a:stretch>
+        </p:blipFill>
+        <p:spPr>
+          <a:xfrm>
+            <a:off x="957762" y="1149627"/>
+            <a:ext cx="7990476" cy="5266667"/>
+          </a:xfrm>
+          <a:prstGeom prst="rect">
+            <a:avLst/>
+          </a:prstGeom>
+        </p:spPr>
+      </p:pic>
+      <p:sp>
+        <p:nvSpPr>
+          <p:cNvPr id="3" name="TextBox 2"/>
+          <p:cNvSpPr txBox="1"/>
+          <p:nvPr/>
+        </p:nvSpPr>
+        <p:spPr>
+          <a:xfrm>
+            <a:off x="424425" y="405982"/>
+            <a:ext cx="6930104" cy="369332"/>
+          </a:xfrm>
+          <a:prstGeom prst="rect">
+            <a:avLst/>
+          </a:prstGeom>
+          <a:noFill/>
+        </p:spPr>
+        <p:txBody>
+          <a:bodyPr wrap="square" rtlCol="0">
+            <a:spAutoFit/>
+          </a:bodyPr>
+          <a:lstStyle/>
+          <a:p>
+            <a:r>
+              <a:rPr lang="en-US" altLang="ko-KR" dirty="0" smtClean="0"/>
+              <a:t>DESeq2 normalized TCGA-READ count data -&gt; NMF clustering</a:t>
+            </a:r>
+          </a:p>
+        </p:txBody>
+      </p:sp>
+    </p:spTree>
+    <p:extLst>
+      <p:ext uri="{BB962C8B-B14F-4D97-AF65-F5344CB8AC3E}">
+        <p14:creationId xmlns:p14="http://schemas.microsoft.com/office/powerpoint/2010/main" val="1925069060"/>
+      </p:ext>
+    </p:extLst>
+  </p:cSld>
+  <p:clrMapOvr>
+    <a:masterClrMapping/>
+  </p:clrMapOvr>
+  <p:timing>
+    <p:tnLst>
+      <p:par>
+        <p:cTn id="1" dur="indefinite" restart="never" nodeType="tmRoot"/>
+      </p:par>
+    </p:tnLst>
+  </p:timing>
+</p:sld>
+</file>
+
+<file path=ppt/slides/slide18.xml><?xml version="1.0" encoding="utf-8"?>
+<p:sld xmlns:a="http://schemas.openxmlformats.org/drawingml/2006/main" xmlns:r="http://schemas.openxmlformats.org/officeDocument/2006/relationships" xmlns:p="http://schemas.openxmlformats.org/presentationml/2006/main">
+  <p:cSld>
+    <p:spTree>
+      <p:nvGrpSpPr>
+        <p:cNvPr id="1" name=""/>
+        <p:cNvGrpSpPr/>
+        <p:nvPr/>
+      </p:nvGrpSpPr>
+      <p:grpSpPr>
+        <a:xfrm>
+          <a:off x="0" y="0"/>
+          <a:ext cx="0" cy="0"/>
+          <a:chOff x="0" y="0"/>
+          <a:chExt cx="0" cy="0"/>
+        </a:xfrm>
+      </p:grpSpPr>
+      <p:sp>
+        <p:nvSpPr>
+          <p:cNvPr id="2" name="TextBox 1"/>
+          <p:cNvSpPr txBox="1"/>
+          <p:nvPr/>
+        </p:nvSpPr>
+        <p:spPr>
+          <a:xfrm>
+            <a:off x="424425" y="405982"/>
+            <a:ext cx="6930104" cy="369332"/>
+          </a:xfrm>
+          <a:prstGeom prst="rect">
+            <a:avLst/>
+          </a:prstGeom>
+          <a:noFill/>
+        </p:spPr>
+        <p:txBody>
+          <a:bodyPr wrap="square" rtlCol="0">
+            <a:spAutoFit/>
+          </a:bodyPr>
+          <a:lstStyle/>
+          <a:p>
+            <a:r>
+              <a:rPr lang="en-US" altLang="ko-KR" dirty="0" smtClean="0"/>
+              <a:t>GSEA analysis: Hallmarks</a:t>
+            </a:r>
+          </a:p>
+        </p:txBody>
+      </p:sp>
+      <p:pic>
+        <p:nvPicPr>
+          <p:cNvPr id="3" name="그림 2"/>
+          <p:cNvPicPr>
+            <a:picLocks noChangeAspect="1"/>
+          </p:cNvPicPr>
+          <p:nvPr/>
+        </p:nvPicPr>
+        <p:blipFill>
+          <a:blip r:embed="rId2">
+            <a:extLst>
+              <a:ext uri="{28A0092B-C50C-407E-A947-70E740481C1C}">
+                <a14:useLocalDpi xmlns:a14="http://schemas.microsoft.com/office/drawing/2010/main" val="0"/>
+              </a:ext>
+            </a:extLst>
+          </a:blip>
+          <a:stretch>
+            <a:fillRect/>
+          </a:stretch>
+        </p:blipFill>
+        <p:spPr>
+          <a:xfrm>
+            <a:off x="237612" y="783721"/>
+            <a:ext cx="4859423" cy="6074279"/>
+          </a:xfrm>
+          <a:prstGeom prst="rect">
+            <a:avLst/>
+          </a:prstGeom>
+        </p:spPr>
+      </p:pic>
+      <p:sp>
+        <p:nvSpPr>
+          <p:cNvPr id="4" name="TextBox 3"/>
+          <p:cNvSpPr txBox="1"/>
+          <p:nvPr/>
+        </p:nvSpPr>
+        <p:spPr>
+          <a:xfrm>
+            <a:off x="5447951" y="5996647"/>
+            <a:ext cx="4308998" cy="646331"/>
+          </a:xfrm>
+          <a:prstGeom prst="rect">
+            <a:avLst/>
+          </a:prstGeom>
+          <a:noFill/>
+        </p:spPr>
+        <p:txBody>
+          <a:bodyPr wrap="square" rtlCol="0">
+            <a:spAutoFit/>
+          </a:bodyPr>
+          <a:lstStyle/>
+          <a:p>
+            <a:r>
+              <a:rPr lang="en-US" altLang="ko-KR" dirty="0" smtClean="0"/>
+              <a:t>GSEA analysis: Top &amp; Bottom 10 pathways</a:t>
+            </a:r>
+          </a:p>
+          <a:p>
+            <a:r>
+              <a:rPr lang="en-US" altLang="ko-KR" dirty="0"/>
+              <a:t> </a:t>
+            </a:r>
+            <a:r>
+              <a:rPr lang="en-US" altLang="ko-KR" dirty="0" smtClean="0"/>
+              <a:t>                          (by </a:t>
+            </a:r>
+            <a:r>
+              <a:rPr lang="en-US" altLang="ko-KR" dirty="0" err="1" smtClean="0"/>
+              <a:t>p.adj</a:t>
+            </a:r>
+            <a:r>
+              <a:rPr lang="en-US" altLang="ko-KR" dirty="0" smtClean="0"/>
+              <a:t>)</a:t>
+            </a:r>
+          </a:p>
+        </p:txBody>
+      </p:sp>
+    </p:spTree>
+    <p:extLst>
+      <p:ext uri="{BB962C8B-B14F-4D97-AF65-F5344CB8AC3E}">
+        <p14:creationId xmlns:p14="http://schemas.microsoft.com/office/powerpoint/2010/main" val="947598524"/>
+      </p:ext>
+    </p:extLst>
+  </p:cSld>
+  <p:clrMapOvr>
+    <a:masterClrMapping/>
+  </p:clrMapOvr>
+  <p:timing>
+    <p:tnLst>
+      <p:par>
+        <p:cTn id="1" dur="indefinite" restart="never" nodeType="tmRoot"/>
+      </p:par>
+    </p:tnLst>
+  </p:timing>
+</p:sld>
+</file>
+
+<file path=ppt/slides/slide19.xml><?xml version="1.0" encoding="utf-8"?>
+<p:sld xmlns:a="http://schemas.openxmlformats.org/drawingml/2006/main" xmlns:r="http://schemas.openxmlformats.org/officeDocument/2006/relationships" xmlns:p="http://schemas.openxmlformats.org/presentationml/2006/main">
+  <p:cSld>
+    <p:spTree>
+      <p:nvGrpSpPr>
+        <p:cNvPr id="1" name=""/>
+        <p:cNvGrpSpPr/>
+        <p:nvPr/>
+      </p:nvGrpSpPr>
+      <p:grpSpPr>
+        <a:xfrm>
+          <a:off x="0" y="0"/>
+          <a:ext cx="0" cy="0"/>
+          <a:chOff x="0" y="0"/>
+          <a:chExt cx="0" cy="0"/>
+        </a:xfrm>
+      </p:grpSpPr>
+    </p:spTree>
+    <p:extLst>
+      <p:ext uri="{BB962C8B-B14F-4D97-AF65-F5344CB8AC3E}">
+        <p14:creationId xmlns:p14="http://schemas.microsoft.com/office/powerpoint/2010/main" val="1305043355"/>
+      </p:ext>
+    </p:extLst>
+  </p:cSld>
+  <p:clrMapOvr>
+    <a:masterClrMapping/>
+  </p:clrMapOvr>
+  <p:timing>
+    <p:tnLst>
+      <p:par>
+        <p:cTn id="1" dur="indefinite" restart="never" nodeType="tmRoot"/>
+      </p:par>
+    </p:tnLst>
+  </p:timing>
+</p:sld>
+</file>
+
+<file path=ppt/slides/slide2.xml><?xml version="1.0" encoding="utf-8"?>
+<p:sld xmlns:a="http://schemas.openxmlformats.org/drawingml/2006/main" xmlns:r="http://schemas.openxmlformats.org/officeDocument/2006/relationships" xmlns:p="http://schemas.openxmlformats.org/presentationml/2006/main">
+  <p:cSld>
+    <p:spTree>
+      <p:nvGrpSpPr>
+        <p:cNvPr id="1" name=""/>
+        <p:cNvGrpSpPr/>
+        <p:nvPr/>
+      </p:nvGrpSpPr>
+      <p:grpSpPr>
+        <a:xfrm>
+          <a:off x="0" y="0"/>
+          <a:ext cx="0" cy="0"/>
+          <a:chOff x="0" y="0"/>
+          <a:chExt cx="0" cy="0"/>
+        </a:xfrm>
+      </p:grpSpPr>
+      <p:pic>
+        <p:nvPicPr>
+          <p:cNvPr id="2" name="그림 1"/>
+          <p:cNvPicPr>
+            <a:picLocks noChangeAspect="1"/>
+          </p:cNvPicPr>
+          <p:nvPr/>
+        </p:nvPicPr>
+        <p:blipFill>
+          <a:blip r:embed="rId2"/>
+          <a:stretch>
+            <a:fillRect/>
+          </a:stretch>
+        </p:blipFill>
+        <p:spPr>
+          <a:xfrm>
+            <a:off x="731621" y="943150"/>
+            <a:ext cx="7990476" cy="5266667"/>
+          </a:xfrm>
+          <a:prstGeom prst="rect">
+            <a:avLst/>
+          </a:prstGeom>
+        </p:spPr>
+      </p:pic>
+      <p:sp>
+        <p:nvSpPr>
+          <p:cNvPr id="3" name="TextBox 2"/>
+          <p:cNvSpPr txBox="1"/>
+          <p:nvPr/>
+        </p:nvSpPr>
+        <p:spPr>
+          <a:xfrm>
+            <a:off x="424425" y="405982"/>
+            <a:ext cx="5474930" cy="369332"/>
+          </a:xfrm>
+          <a:prstGeom prst="rect">
+            <a:avLst/>
+          </a:prstGeom>
+          <a:noFill/>
+        </p:spPr>
+        <p:txBody>
+          <a:bodyPr wrap="square" rtlCol="0">
+            <a:spAutoFit/>
+          </a:bodyPr>
+          <a:lstStyle/>
+          <a:p>
+            <a:r>
+              <a:rPr lang="en-US" altLang="ko-KR" dirty="0" smtClean="0"/>
+              <a:t>TCGA-</a:t>
+            </a:r>
+            <a:r>
+              <a:rPr lang="en-US" altLang="ko-KR" dirty="0" err="1" smtClean="0"/>
+              <a:t>READ.htseq_fpkm</a:t>
+            </a:r>
+            <a:r>
+              <a:rPr lang="en-US" altLang="ko-KR" dirty="0" smtClean="0"/>
+              <a:t>-</a:t>
+            </a:r>
+            <a:r>
+              <a:rPr lang="en-US" altLang="ko-KR" dirty="0" err="1" smtClean="0"/>
+              <a:t>uq</a:t>
+            </a:r>
+            <a:endParaRPr lang="ko-KR" altLang="en-US" dirty="0"/>
+          </a:p>
+        </p:txBody>
+      </p:sp>
+    </p:spTree>
+    <p:extLst>
+      <p:ext uri="{BB962C8B-B14F-4D97-AF65-F5344CB8AC3E}">
+        <p14:creationId xmlns:p14="http://schemas.microsoft.com/office/powerpoint/2010/main" val="3185010765"/>
+      </p:ext>
+    </p:extLst>
+  </p:cSld>
+  <p:clrMapOvr>
+    <a:masterClrMapping/>
+  </p:clrMapOvr>
+  <p:timing>
+    <p:tnLst>
+      <p:par>
+        <p:cTn id="1" dur="indefinite" restart="never" nodeType="tmRoot"/>
+      </p:par>
+    </p:tnLst>
+  </p:timing>
+</p:sld>
+</file>
+
+<file path=ppt/slides/slide3.xml><?xml version="1.0" encoding="utf-8"?>
+<p:sld xmlns:a="http://schemas.openxmlformats.org/drawingml/2006/main" xmlns:r="http://schemas.openxmlformats.org/officeDocument/2006/relationships" xmlns:p="http://schemas.openxmlformats.org/presentationml/2006/main">
+  <p:cSld>
+    <p:spTree>
+      <p:nvGrpSpPr>
+        <p:cNvPr id="1" name=""/>
+        <p:cNvGrpSpPr/>
+        <p:nvPr/>
+      </p:nvGrpSpPr>
+      <p:grpSpPr>
+        <a:xfrm>
+          <a:off x="0" y="0"/>
+          <a:ext cx="0" cy="0"/>
+          <a:chOff x="0" y="0"/>
+          <a:chExt cx="0" cy="0"/>
+        </a:xfrm>
+      </p:grpSpPr>
+      <p:sp>
+        <p:nvSpPr>
+          <p:cNvPr id="2" name="TextBox 1"/>
+          <p:cNvSpPr txBox="1"/>
+          <p:nvPr/>
+        </p:nvSpPr>
+        <p:spPr>
+          <a:xfrm>
+            <a:off x="424425" y="405982"/>
+            <a:ext cx="5474930" cy="369332"/>
+          </a:xfrm>
+          <a:prstGeom prst="rect">
+            <a:avLst/>
+          </a:prstGeom>
+          <a:noFill/>
+        </p:spPr>
+        <p:txBody>
+          <a:bodyPr wrap="square" rtlCol="0">
+            <a:spAutoFit/>
+          </a:bodyPr>
+          <a:lstStyle/>
+          <a:p>
+            <a:r>
+              <a:rPr lang="en-US" altLang="ko-KR" dirty="0" smtClean="0"/>
+              <a:t>NMF Rank estimation</a:t>
+            </a:r>
+            <a:endParaRPr lang="ko-KR" altLang="en-US" dirty="0"/>
+          </a:p>
+        </p:txBody>
+      </p:sp>
+      <p:pic>
+        <p:nvPicPr>
+          <p:cNvPr id="3" name="그림 2"/>
+          <p:cNvPicPr>
+            <a:picLocks noChangeAspect="1"/>
+          </p:cNvPicPr>
+          <p:nvPr/>
+        </p:nvPicPr>
+        <p:blipFill>
+          <a:blip r:embed="rId2"/>
+          <a:stretch>
+            <a:fillRect/>
+          </a:stretch>
+        </p:blipFill>
+        <p:spPr>
+          <a:xfrm>
+            <a:off x="957762" y="795666"/>
+            <a:ext cx="7990476" cy="5266667"/>
+          </a:xfrm>
+          <a:prstGeom prst="rect">
+            <a:avLst/>
+          </a:prstGeom>
+        </p:spPr>
+      </p:pic>
+    </p:spTree>
+    <p:extLst>
+      <p:ext uri="{BB962C8B-B14F-4D97-AF65-F5344CB8AC3E}">
+        <p14:creationId xmlns:p14="http://schemas.microsoft.com/office/powerpoint/2010/main" val="3440753181"/>
+      </p:ext>
+    </p:extLst>
+  </p:cSld>
+  <p:clrMapOvr>
+    <a:masterClrMapping/>
+  </p:clrMapOvr>
+  <p:timing>
+    <p:tnLst>
+      <p:par>
+        <p:cTn id="1" dur="indefinite" restart="never" nodeType="tmRoot"/>
+      </p:par>
+    </p:tnLst>
+  </p:timing>
+</p:sld>
+</file>
+
+<file path=ppt/slides/slide4.xml><?xml version="1.0" encoding="utf-8"?>
+<p:sld xmlns:a="http://schemas.openxmlformats.org/drawingml/2006/main" xmlns:r="http://schemas.openxmlformats.org/officeDocument/2006/relationships" xmlns:p="http://schemas.openxmlformats.org/presentationml/2006/main">
+  <p:cSld>
+    <p:spTree>
+      <p:nvGrpSpPr>
+        <p:cNvPr id="1" name=""/>
+        <p:cNvGrpSpPr/>
+        <p:nvPr/>
+      </p:nvGrpSpPr>
+      <p:grpSpPr>
+        <a:xfrm>
+          <a:off x="0" y="0"/>
+          <a:ext cx="0" cy="0"/>
+          <a:chOff x="0" y="0"/>
+          <a:chExt cx="0" cy="0"/>
+        </a:xfrm>
+      </p:grpSpPr>
+      <p:sp>
+        <p:nvSpPr>
+          <p:cNvPr id="2" name="TextBox 1"/>
+          <p:cNvSpPr txBox="1"/>
+          <p:nvPr/>
+        </p:nvSpPr>
+        <p:spPr>
+          <a:xfrm>
+            <a:off x="0" y="-14850"/>
+            <a:ext cx="5474930" cy="369332"/>
+          </a:xfrm>
+          <a:prstGeom prst="rect">
+            <a:avLst/>
+          </a:prstGeom>
+          <a:noFill/>
+        </p:spPr>
+        <p:txBody>
+          <a:bodyPr wrap="square" rtlCol="0">
+            <a:spAutoFit/>
+          </a:bodyPr>
+          <a:lstStyle/>
+          <a:p>
+            <a:r>
+              <a:rPr lang="en-US" altLang="ko-KR" dirty="0" smtClean="0"/>
+              <a:t>NMF Rank estimation</a:t>
+            </a:r>
+            <a:endParaRPr lang="ko-KR" altLang="en-US" dirty="0"/>
+          </a:p>
+        </p:txBody>
+      </p:sp>
+      <p:pic>
+        <p:nvPicPr>
+          <p:cNvPr id="4" name="그림 3"/>
+          <p:cNvPicPr>
+            <a:picLocks noChangeAspect="1"/>
+          </p:cNvPicPr>
+          <p:nvPr/>
+        </p:nvPicPr>
+        <p:blipFill>
+          <a:blip r:embed="rId2"/>
+          <a:stretch>
+            <a:fillRect/>
+          </a:stretch>
+        </p:blipFill>
+        <p:spPr>
+          <a:xfrm>
+            <a:off x="787399" y="354482"/>
+            <a:ext cx="8331202" cy="6631636"/>
+          </a:xfrm>
+          <a:prstGeom prst="rect">
+            <a:avLst/>
+          </a:prstGeom>
+        </p:spPr>
+      </p:pic>
+    </p:spTree>
+    <p:extLst>
+      <p:ext uri="{BB962C8B-B14F-4D97-AF65-F5344CB8AC3E}">
+        <p14:creationId xmlns:p14="http://schemas.microsoft.com/office/powerpoint/2010/main" val="1200346396"/>
+      </p:ext>
+    </p:extLst>
+  </p:cSld>
+  <p:clrMapOvr>
+    <a:masterClrMapping/>
+  </p:clrMapOvr>
+  <p:timing>
+    <p:tnLst>
+      <p:par>
+        <p:cTn id="1" dur="indefinite" restart="never" nodeType="tmRoot"/>
+      </p:par>
+    </p:tnLst>
+  </p:timing>
+</p:sld>
+</file>
+
+<file path=ppt/slides/slide5.xml><?xml version="1.0" encoding="utf-8"?>
+<p:sld xmlns:a="http://schemas.openxmlformats.org/drawingml/2006/main" xmlns:r="http://schemas.openxmlformats.org/officeDocument/2006/relationships" xmlns:p="http://schemas.openxmlformats.org/presentationml/2006/main">
+  <p:cSld>
+    <p:spTree>
+      <p:nvGrpSpPr>
+        <p:cNvPr id="1" name=""/>
+        <p:cNvGrpSpPr/>
+        <p:nvPr/>
+      </p:nvGrpSpPr>
+      <p:grpSpPr>
+        <a:xfrm>
+          <a:off x="0" y="0"/>
+          <a:ext cx="0" cy="0"/>
+          <a:chOff x="0" y="0"/>
+          <a:chExt cx="0" cy="0"/>
+        </a:xfrm>
+      </p:grpSpPr>
+      <p:sp>
+        <p:nvSpPr>
+          <p:cNvPr id="2" name="TextBox 1"/>
+          <p:cNvSpPr txBox="1"/>
+          <p:nvPr/>
+        </p:nvSpPr>
+        <p:spPr>
+          <a:xfrm>
+            <a:off x="424425" y="405982"/>
+            <a:ext cx="5474930" cy="923330"/>
+          </a:xfrm>
+          <a:prstGeom prst="rect">
+            <a:avLst/>
+          </a:prstGeom>
+          <a:noFill/>
+        </p:spPr>
+        <p:txBody>
+          <a:bodyPr wrap="square" rtlCol="0">
+            <a:spAutoFit/>
+          </a:bodyPr>
+          <a:lstStyle/>
+          <a:p>
+            <a:r>
+              <a:rPr lang="en-US" altLang="ko-KR" dirty="0" smtClean="0"/>
+              <a:t>Survival by NMF – TCGA-READ data</a:t>
+            </a:r>
+          </a:p>
+          <a:p>
+            <a:endParaRPr lang="en-US" altLang="ko-KR" dirty="0"/>
+          </a:p>
+          <a:p>
+            <a:r>
+              <a:rPr lang="en-US" altLang="ko-KR" dirty="0" smtClean="0"/>
+              <a:t>P=0.56</a:t>
+            </a:r>
+            <a:endParaRPr lang="ko-KR" altLang="en-US" dirty="0"/>
+          </a:p>
+        </p:txBody>
+      </p:sp>
+      <p:pic>
+        <p:nvPicPr>
+          <p:cNvPr id="3" name="그림 2"/>
+          <p:cNvPicPr>
+            <a:picLocks noChangeAspect="1"/>
+          </p:cNvPicPr>
+          <p:nvPr/>
+        </p:nvPicPr>
+        <p:blipFill>
+          <a:blip r:embed="rId2"/>
+          <a:stretch>
+            <a:fillRect/>
+          </a:stretch>
+        </p:blipFill>
+        <p:spPr>
+          <a:xfrm>
+            <a:off x="1803335" y="1534605"/>
+            <a:ext cx="6377103" cy="4203264"/>
+          </a:xfrm>
+          <a:prstGeom prst="rect">
+            <a:avLst/>
+          </a:prstGeom>
+        </p:spPr>
+      </p:pic>
+    </p:spTree>
+    <p:extLst>
+      <p:ext uri="{BB962C8B-B14F-4D97-AF65-F5344CB8AC3E}">
+        <p14:creationId xmlns:p14="http://schemas.microsoft.com/office/powerpoint/2010/main" val="2920637006"/>
+      </p:ext>
+    </p:extLst>
+  </p:cSld>
+  <p:clrMapOvr>
+    <a:masterClrMapping/>
+  </p:clrMapOvr>
+  <p:timing>
+    <p:tnLst>
+      <p:par>
+        <p:cTn id="1" dur="indefinite" restart="never" nodeType="tmRoot"/>
+      </p:par>
+    </p:tnLst>
+  </p:timing>
+</p:sld>
+</file>
+
+<file path=ppt/slides/slide6.xml><?xml version="1.0" encoding="utf-8"?>
+<p:sld xmlns:a="http://schemas.openxmlformats.org/drawingml/2006/main" xmlns:r="http://schemas.openxmlformats.org/officeDocument/2006/relationships" xmlns:p="http://schemas.openxmlformats.org/presentationml/2006/main">
+  <p:cSld>
+    <p:spTree>
+      <p:nvGrpSpPr>
+        <p:cNvPr id="1" name=""/>
+        <p:cNvGrpSpPr/>
+        <p:nvPr/>
+      </p:nvGrpSpPr>
+      <p:grpSpPr>
+        <a:xfrm>
+          <a:off x="0" y="0"/>
+          <a:ext cx="0" cy="0"/>
+          <a:chOff x="0" y="0"/>
+          <a:chExt cx="0" cy="0"/>
+        </a:xfrm>
+      </p:grpSpPr>
+      <p:sp>
+        <p:nvSpPr>
+          <p:cNvPr id="2" name="TextBox 1"/>
+          <p:cNvSpPr txBox="1"/>
+          <p:nvPr/>
+        </p:nvSpPr>
+        <p:spPr>
+          <a:xfrm>
+            <a:off x="424425" y="405982"/>
+            <a:ext cx="5474930" cy="369332"/>
+          </a:xfrm>
+          <a:prstGeom prst="rect">
+            <a:avLst/>
+          </a:prstGeom>
+          <a:noFill/>
+        </p:spPr>
+        <p:txBody>
+          <a:bodyPr wrap="square" rtlCol="0">
+            <a:spAutoFit/>
+          </a:bodyPr>
+          <a:lstStyle/>
+          <a:p>
+            <a:r>
+              <a:rPr lang="en-US" altLang="ko-KR" dirty="0" smtClean="0"/>
+              <a:t>PAMR</a:t>
+            </a:r>
+            <a:endParaRPr lang="ko-KR" altLang="en-US" dirty="0"/>
+          </a:p>
+        </p:txBody>
+      </p:sp>
+      <p:pic>
+        <p:nvPicPr>
+          <p:cNvPr id="3" name="그림 2"/>
+          <p:cNvPicPr>
+            <a:picLocks noChangeAspect="1"/>
+          </p:cNvPicPr>
+          <p:nvPr/>
+        </p:nvPicPr>
+        <p:blipFill>
+          <a:blip r:embed="rId2"/>
+          <a:stretch>
+            <a:fillRect/>
+          </a:stretch>
+        </p:blipFill>
+        <p:spPr>
+          <a:xfrm>
+            <a:off x="1134743" y="405982"/>
+            <a:ext cx="7990476" cy="5266667"/>
+          </a:xfrm>
+          <a:prstGeom prst="rect">
+            <a:avLst/>
+          </a:prstGeom>
+        </p:spPr>
+      </p:pic>
+      <p:sp>
+        <p:nvSpPr>
+          <p:cNvPr id="4" name="TextBox 3"/>
+          <p:cNvSpPr txBox="1"/>
+          <p:nvPr/>
+        </p:nvSpPr>
+        <p:spPr>
+          <a:xfrm>
+            <a:off x="3767393" y="6039867"/>
+            <a:ext cx="5474930" cy="369332"/>
+          </a:xfrm>
+          <a:prstGeom prst="rect">
+            <a:avLst/>
+          </a:prstGeom>
+          <a:noFill/>
+        </p:spPr>
+        <p:txBody>
+          <a:bodyPr wrap="square" rtlCol="0">
+            <a:spAutoFit/>
+          </a:bodyPr>
+          <a:lstStyle/>
+          <a:p>
+            <a:pPr algn="r"/>
+            <a:r>
+              <a:rPr lang="en-US" altLang="ko-KR" dirty="0" smtClean="0"/>
+              <a:t>Threshold = 4.4</a:t>
+            </a:r>
+            <a:r>
+              <a:rPr lang="ko-KR" altLang="en-US" dirty="0" smtClean="0"/>
+              <a:t>로 결정</a:t>
+            </a:r>
+            <a:r>
+              <a:rPr lang="en-US" altLang="ko-KR" dirty="0" smtClean="0"/>
+              <a:t>.</a:t>
+            </a:r>
+            <a:endParaRPr lang="ko-KR" altLang="en-US" dirty="0"/>
+          </a:p>
+        </p:txBody>
+      </p:sp>
+    </p:spTree>
+    <p:extLst>
+      <p:ext uri="{BB962C8B-B14F-4D97-AF65-F5344CB8AC3E}">
+        <p14:creationId xmlns:p14="http://schemas.microsoft.com/office/powerpoint/2010/main" val="3747843553"/>
+      </p:ext>
+    </p:extLst>
+  </p:cSld>
+  <p:clrMapOvr>
+    <a:masterClrMapping/>
+  </p:clrMapOvr>
+  <p:timing>
+    <p:tnLst>
+      <p:par>
+        <p:cTn id="1" dur="indefinite" restart="never" nodeType="tmRoot"/>
+      </p:par>
+    </p:tnLst>
+  </p:timing>
+</p:sld>
+</file>
+
+<file path=ppt/slides/slide7.xml><?xml version="1.0" encoding="utf-8"?>
+<p:sld xmlns:a="http://schemas.openxmlformats.org/drawingml/2006/main" xmlns:r="http://schemas.openxmlformats.org/officeDocument/2006/relationships" xmlns:p="http://schemas.openxmlformats.org/presentationml/2006/main">
+  <p:cSld>
+    <p:spTree>
+      <p:nvGrpSpPr>
+        <p:cNvPr id="1" name=""/>
+        <p:cNvGrpSpPr/>
+        <p:nvPr/>
+      </p:nvGrpSpPr>
+      <p:grpSpPr>
+        <a:xfrm>
+          <a:off x="0" y="0"/>
+          <a:ext cx="0" cy="0"/>
+          <a:chOff x="0" y="0"/>
+          <a:chExt cx="0" cy="0"/>
+        </a:xfrm>
+      </p:grpSpPr>
+      <p:pic>
+        <p:nvPicPr>
+          <p:cNvPr id="2" name="그림 1"/>
+          <p:cNvPicPr>
+            <a:picLocks noChangeAspect="1"/>
+          </p:cNvPicPr>
+          <p:nvPr/>
+        </p:nvPicPr>
+        <p:blipFill>
+          <a:blip r:embed="rId2" cstate="print">
+            <a:extLst>
+              <a:ext uri="{28A0092B-C50C-407E-A947-70E740481C1C}">
+                <a14:useLocalDpi xmlns:a14="http://schemas.microsoft.com/office/drawing/2010/main" val="0"/>
+              </a:ext>
+            </a:extLst>
+          </a:blip>
+          <a:stretch>
+            <a:fillRect/>
+          </a:stretch>
+        </p:blipFill>
+        <p:spPr>
+          <a:xfrm>
+            <a:off x="2786216" y="0"/>
+            <a:ext cx="3429000" cy="6858000"/>
+          </a:xfrm>
+          <a:prstGeom prst="rect">
+            <a:avLst/>
+          </a:prstGeom>
+        </p:spPr>
+      </p:pic>
+      <p:sp>
+        <p:nvSpPr>
+          <p:cNvPr id="3" name="TextBox 2"/>
+          <p:cNvSpPr txBox="1"/>
+          <p:nvPr/>
+        </p:nvSpPr>
+        <p:spPr>
+          <a:xfrm>
+            <a:off x="48751" y="140511"/>
+            <a:ext cx="5474930" cy="1200329"/>
+          </a:xfrm>
+          <a:prstGeom prst="rect">
+            <a:avLst/>
+          </a:prstGeom>
+          <a:noFill/>
+        </p:spPr>
+        <p:txBody>
+          <a:bodyPr wrap="square" rtlCol="0">
+            <a:spAutoFit/>
+          </a:bodyPr>
+          <a:lstStyle/>
+          <a:p>
+            <a:r>
+              <a:rPr lang="en-US" altLang="ko-KR" dirty="0" smtClean="0"/>
+              <a:t>Centroid plot</a:t>
+            </a:r>
+          </a:p>
+          <a:p>
+            <a:endParaRPr lang="en-US" altLang="ko-KR" dirty="0"/>
+          </a:p>
+          <a:p>
+            <a:r>
+              <a:rPr lang="en-US" altLang="ko-KR" dirty="0" smtClean="0"/>
+              <a:t>Gene sets…</a:t>
+            </a:r>
+            <a:br>
+              <a:rPr lang="en-US" altLang="ko-KR" dirty="0" smtClean="0"/>
+            </a:br>
+            <a:r>
+              <a:rPr lang="en-US" altLang="ko-KR" dirty="0" smtClean="0"/>
+              <a:t> (Only a part is shown, total 698 genes)</a:t>
+            </a:r>
+            <a:endParaRPr lang="ko-KR" altLang="en-US" dirty="0"/>
+          </a:p>
+        </p:txBody>
+      </p:sp>
+      <p:graphicFrame>
+        <p:nvGraphicFramePr>
+          <p:cNvPr id="4" name="표 3"/>
+          <p:cNvGraphicFramePr>
+            <a:graphicFrameLocks noGrp="1"/>
+          </p:cNvGraphicFramePr>
+          <p:nvPr>
+            <p:extLst>
+              <p:ext uri="{D42A27DB-BD31-4B8C-83A1-F6EECF244321}">
+                <p14:modId xmlns:p14="http://schemas.microsoft.com/office/powerpoint/2010/main" val="3949353613"/>
+              </p:ext>
+            </p:extLst>
+          </p:nvPr>
+        </p:nvGraphicFramePr>
+        <p:xfrm>
+          <a:off x="6310593" y="69599"/>
+          <a:ext cx="3413511" cy="6748400"/>
+        </p:xfrm>
+        <a:graphic>
+          <a:graphicData uri="http://schemas.openxmlformats.org/drawingml/2006/table">
+            <a:tbl>
+              <a:tblPr/>
+              <a:tblGrid>
+                <a:gridCol w="1137837">
+                  <a:extLst>
+                    <a:ext uri="{9D8B030D-6E8A-4147-A177-3AD203B41FA5}">
+                      <a16:colId xmlns:a16="http://schemas.microsoft.com/office/drawing/2014/main" val="993996035"/>
+                    </a:ext>
+                  </a:extLst>
+                </a:gridCol>
+                <a:gridCol w="1137837">
+                  <a:extLst>
+                    <a:ext uri="{9D8B030D-6E8A-4147-A177-3AD203B41FA5}">
+                      <a16:colId xmlns:a16="http://schemas.microsoft.com/office/drawing/2014/main" val="144100353"/>
+                    </a:ext>
+                  </a:extLst>
+                </a:gridCol>
+                <a:gridCol w="1137837">
+                  <a:extLst>
+                    <a:ext uri="{9D8B030D-6E8A-4147-A177-3AD203B41FA5}">
+                      <a16:colId xmlns:a16="http://schemas.microsoft.com/office/drawing/2014/main" val="64875737"/>
+                    </a:ext>
+                  </a:extLst>
+                </a:gridCol>
+              </a:tblGrid>
+              <a:tr h="135420">
+                <a:tc>
+                  <a:txBody>
+                    <a:bodyPr/>
+                    <a:lstStyle/>
+                    <a:p>
+                      <a:pPr algn="r"/>
+                      <a:r>
+                        <a:rPr lang="en-US" altLang="ko-KR" sz="1000" b="1">
+                          <a:solidFill>
+                            <a:srgbClr val="000000"/>
+                          </a:solidFill>
+                          <a:effectLst/>
+                        </a:rPr>
+                        <a:t>1</a:t>
+                      </a:r>
+                    </a:p>
+                  </a:txBody>
+                  <a:tcPr marL="10193" marR="10193" marT="8155" marB="8155" anchor="ctr">
+                    <a:lnL>
+                      <a:noFill/>
+                    </a:lnL>
+                    <a:lnR w="9525" cap="flat" cmpd="sng" algn="ctr">
+                      <a:solidFill>
+                        <a:srgbClr val="D6DADC"/>
+                      </a:solidFill>
+                      <a:prstDash val="solid"/>
+                      <a:round/>
+                      <a:headEnd type="none" w="med" len="med"/>
+                      <a:tailEnd type="none" w="med" len="med"/>
+                    </a:lnR>
+                    <a:lnT>
+                      <a:noFill/>
+                    </a:lnT>
+                    <a:lnB w="9525" cap="flat" cmpd="sng" algn="ctr">
+                      <a:solidFill>
+                        <a:srgbClr val="D6DADC"/>
+                      </a:solidFill>
+                      <a:prstDash val="solid"/>
+                      <a:round/>
+                      <a:headEnd type="none" w="med" len="med"/>
+                      <a:tailEnd type="none" w="med" len="med"/>
+                    </a:lnB>
+                    <a:solidFill>
+                      <a:srgbClr val="F4F8F9"/>
+                    </a:solidFill>
+                  </a:tcPr>
+                </a:tc>
+                <a:tc>
+                  <a:txBody>
+                    <a:bodyPr/>
+                    <a:lstStyle/>
+                    <a:p>
+                      <a:r>
+                        <a:rPr lang="en-US" sz="1000">
+                          <a:effectLst/>
+                        </a:rPr>
+                        <a:t>GTF2IP1</a:t>
+                      </a:r>
+                    </a:p>
+                  </a:txBody>
+                  <a:tcPr marL="10193" marR="10193" marT="8155" marB="8155" anchor="ctr">
+                    <a:lnL w="9525" cap="flat" cmpd="sng" algn="ctr">
+                      <a:solidFill>
+                        <a:srgbClr val="D6DADC"/>
+                      </a:solidFill>
+                      <a:prstDash val="solid"/>
+                      <a:round/>
+                      <a:headEnd type="none" w="med" len="med"/>
+                      <a:tailEnd type="none" w="med" len="med"/>
+                    </a:lnL>
+                    <a:lnR w="9525" cap="flat" cmpd="sng" algn="ctr">
+                      <a:solidFill>
+                        <a:srgbClr val="D6DADC"/>
+                      </a:solidFill>
+                      <a:prstDash val="solid"/>
+                      <a:round/>
+                      <a:headEnd type="none" w="med" len="med"/>
+                      <a:tailEnd type="none" w="med" len="med"/>
+                    </a:lnR>
+                    <a:lnT>
+                      <a:noFill/>
+                    </a:lnT>
+                    <a:lnB w="9525" cap="flat" cmpd="sng" algn="ctr">
+                      <a:solidFill>
+                        <a:srgbClr val="D6DADC"/>
+                      </a:solidFill>
+                      <a:prstDash val="solid"/>
+                      <a:round/>
+                      <a:headEnd type="none" w="med" len="med"/>
+                      <a:tailEnd type="none" w="med" len="med"/>
+                    </a:lnB>
+                    <a:solidFill>
+                      <a:srgbClr val="FFFFFF"/>
+                    </a:solidFill>
+                  </a:tcPr>
+                </a:tc>
+                <a:tc>
+                  <a:txBody>
+                    <a:bodyPr/>
+                    <a:lstStyle/>
+                    <a:p>
+                      <a:r>
+                        <a:rPr lang="en-US" altLang="ko-KR" sz="1000">
+                          <a:effectLst/>
+                        </a:rPr>
+                        <a:t>2</a:t>
+                      </a:r>
+                    </a:p>
+                  </a:txBody>
+                  <a:tcPr marL="10193" marR="10193" marT="8155" marB="8155" anchor="ctr">
+                    <a:lnL w="9525" cap="flat" cmpd="sng" algn="ctr">
+                      <a:solidFill>
+                        <a:srgbClr val="D6DADC"/>
+                      </a:solidFill>
+                      <a:prstDash val="solid"/>
+                      <a:round/>
+                      <a:headEnd type="none" w="med" len="med"/>
+                      <a:tailEnd type="none" w="med" len="med"/>
+                    </a:lnL>
+                    <a:lnR w="9525" cap="flat" cmpd="sng" algn="ctr">
+                      <a:solidFill>
+                        <a:srgbClr val="D6DADC"/>
+                      </a:solidFill>
+                      <a:prstDash val="solid"/>
+                      <a:round/>
+                      <a:headEnd type="none" w="med" len="med"/>
+                      <a:tailEnd type="none" w="med" len="med"/>
+                    </a:lnR>
+                    <a:lnT>
+                      <a:noFill/>
+                    </a:lnT>
+                    <a:lnB w="9525" cap="flat" cmpd="sng" algn="ctr">
+                      <a:solidFill>
+                        <a:srgbClr val="D6DADC"/>
+                      </a:solidFill>
+                      <a:prstDash val="solid"/>
+                      <a:round/>
+                      <a:headEnd type="none" w="med" len="med"/>
+                      <a:tailEnd type="none" w="med" len="med"/>
+                    </a:lnB>
+                    <a:solidFill>
+                      <a:srgbClr val="FFFFFF"/>
+                    </a:solidFill>
+                  </a:tcPr>
+                </a:tc>
+                <a:extLst>
+                  <a:ext uri="{0D108BD9-81ED-4DB2-BD59-A6C34878D82A}">
+                    <a16:rowId xmlns:a16="http://schemas.microsoft.com/office/drawing/2014/main" val="3470610467"/>
+                  </a:ext>
+                </a:extLst>
+              </a:tr>
+              <a:tr h="135420">
+                <a:tc>
+                  <a:txBody>
+                    <a:bodyPr/>
+                    <a:lstStyle/>
+                    <a:p>
+                      <a:pPr algn="r"/>
+                      <a:r>
+                        <a:rPr lang="en-US" altLang="ko-KR" sz="1000" b="1">
+                          <a:solidFill>
+                            <a:srgbClr val="000000"/>
+                          </a:solidFill>
+                          <a:effectLst/>
+                        </a:rPr>
+                        <a:t>2</a:t>
+                      </a:r>
+                    </a:p>
+                  </a:txBody>
+                  <a:tcPr marL="10193" marR="10193" marT="8155" marB="8155" anchor="ctr">
+                    <a:lnL>
+                      <a:noFill/>
+                    </a:lnL>
+                    <a:lnR w="9525" cap="flat" cmpd="sng" algn="ctr">
+                      <a:solidFill>
+                        <a:srgbClr val="D6DADC"/>
+                      </a:solidFill>
+                      <a:prstDash val="solid"/>
+                      <a:round/>
+                      <a:headEnd type="none" w="med" len="med"/>
+                      <a:tailEnd type="none" w="med" len="med"/>
+                    </a:lnR>
+                    <a:lnT w="9525" cap="flat" cmpd="sng" algn="ctr">
+                      <a:solidFill>
+                        <a:srgbClr val="D6DADC"/>
+                      </a:solidFill>
+                      <a:prstDash val="solid"/>
+                      <a:round/>
+                      <a:headEnd type="none" w="med" len="med"/>
+                      <a:tailEnd type="none" w="med" len="med"/>
+                    </a:lnT>
+                    <a:lnB w="9525" cap="flat" cmpd="sng" algn="ctr">
+                      <a:solidFill>
+                        <a:srgbClr val="D6DADC"/>
+                      </a:solidFill>
+                      <a:prstDash val="solid"/>
+                      <a:round/>
+                      <a:headEnd type="none" w="med" len="med"/>
+                      <a:tailEnd type="none" w="med" len="med"/>
+                    </a:lnB>
+                    <a:solidFill>
+                      <a:srgbClr val="F4F8F9"/>
+                    </a:solidFill>
+                  </a:tcPr>
+                </a:tc>
+                <a:tc>
+                  <a:txBody>
+                    <a:bodyPr/>
+                    <a:lstStyle/>
+                    <a:p>
+                      <a:r>
+                        <a:rPr lang="en-US" sz="1000">
+                          <a:effectLst/>
+                        </a:rPr>
+                        <a:t>TBC1D3L</a:t>
+                      </a:r>
+                    </a:p>
+                  </a:txBody>
+                  <a:tcPr marL="10193" marR="10193" marT="8155" marB="8155" anchor="ctr">
+                    <a:lnL w="9525" cap="flat" cmpd="sng" algn="ctr">
+                      <a:solidFill>
+                        <a:srgbClr val="D6DADC"/>
+                      </a:solidFill>
+                      <a:prstDash val="solid"/>
+                      <a:round/>
+                      <a:headEnd type="none" w="med" len="med"/>
+                      <a:tailEnd type="none" w="med" len="med"/>
+                    </a:lnL>
+                    <a:lnR w="9525" cap="flat" cmpd="sng" algn="ctr">
+                      <a:solidFill>
+                        <a:srgbClr val="D6DADC"/>
+                      </a:solidFill>
+                      <a:prstDash val="solid"/>
+                      <a:round/>
+                      <a:headEnd type="none" w="med" len="med"/>
+                      <a:tailEnd type="none" w="med" len="med"/>
+                    </a:lnR>
+                    <a:lnT w="9525" cap="flat" cmpd="sng" algn="ctr">
+                      <a:solidFill>
+                        <a:srgbClr val="D6DADC"/>
+                      </a:solidFill>
+                      <a:prstDash val="solid"/>
+                      <a:round/>
+                      <a:headEnd type="none" w="med" len="med"/>
+                      <a:tailEnd type="none" w="med" len="med"/>
+                    </a:lnT>
+                    <a:lnB w="9525" cap="flat" cmpd="sng" algn="ctr">
+                      <a:solidFill>
+                        <a:srgbClr val="D6DADC"/>
+                      </a:solidFill>
+                      <a:prstDash val="solid"/>
+                      <a:round/>
+                      <a:headEnd type="none" w="med" len="med"/>
+                      <a:tailEnd type="none" w="med" len="med"/>
+                    </a:lnB>
+                    <a:solidFill>
+                      <a:srgbClr val="FFFFFF"/>
+                    </a:solidFill>
+                  </a:tcPr>
+                </a:tc>
+                <a:tc>
+                  <a:txBody>
+                    <a:bodyPr/>
+                    <a:lstStyle/>
+                    <a:p>
+                      <a:r>
+                        <a:rPr lang="en-US" altLang="ko-KR" sz="1000">
+                          <a:effectLst/>
+                        </a:rPr>
+                        <a:t>2</a:t>
+                      </a:r>
+                    </a:p>
+                  </a:txBody>
+                  <a:tcPr marL="10193" marR="10193" marT="8155" marB="8155" anchor="ctr">
+                    <a:lnL w="9525" cap="flat" cmpd="sng" algn="ctr">
+                      <a:solidFill>
+                        <a:srgbClr val="D6DADC"/>
+                      </a:solidFill>
+                      <a:prstDash val="solid"/>
+                      <a:round/>
+                      <a:headEnd type="none" w="med" len="med"/>
+                      <a:tailEnd type="none" w="med" len="med"/>
+                    </a:lnL>
+                    <a:lnR w="9525" cap="flat" cmpd="sng" algn="ctr">
+                      <a:solidFill>
+                        <a:srgbClr val="D6DADC"/>
+                      </a:solidFill>
+                      <a:prstDash val="solid"/>
+                      <a:round/>
+                      <a:headEnd type="none" w="med" len="med"/>
+                      <a:tailEnd type="none" w="med" len="med"/>
+                    </a:lnR>
+                    <a:lnT w="9525" cap="flat" cmpd="sng" algn="ctr">
+                      <a:solidFill>
+                        <a:srgbClr val="D6DADC"/>
+                      </a:solidFill>
+                      <a:prstDash val="solid"/>
+                      <a:round/>
+                      <a:headEnd type="none" w="med" len="med"/>
+                      <a:tailEnd type="none" w="med" len="med"/>
+                    </a:lnT>
+                    <a:lnB w="9525" cap="flat" cmpd="sng" algn="ctr">
+                      <a:solidFill>
+                        <a:srgbClr val="D6DADC"/>
+                      </a:solidFill>
+                      <a:prstDash val="solid"/>
+                      <a:round/>
+                      <a:headEnd type="none" w="med" len="med"/>
+                      <a:tailEnd type="none" w="med" len="med"/>
+                    </a:lnB>
+                    <a:solidFill>
+                      <a:srgbClr val="FFFFFF"/>
+                    </a:solidFill>
+                  </a:tcPr>
+                </a:tc>
+                <a:extLst>
+                  <a:ext uri="{0D108BD9-81ED-4DB2-BD59-A6C34878D82A}">
+                    <a16:rowId xmlns:a16="http://schemas.microsoft.com/office/drawing/2014/main" val="802633603"/>
+                  </a:ext>
+                </a:extLst>
+              </a:tr>
+              <a:tr h="135420">
+                <a:tc>
+                  <a:txBody>
+                    <a:bodyPr/>
+                    <a:lstStyle/>
+                    <a:p>
+                      <a:pPr algn="r"/>
+                      <a:r>
+                        <a:rPr lang="en-US" altLang="ko-KR" sz="1000" b="1">
+                          <a:solidFill>
+                            <a:srgbClr val="000000"/>
+                          </a:solidFill>
+                          <a:effectLst/>
+                        </a:rPr>
+                        <a:t>3</a:t>
+                      </a:r>
+                    </a:p>
+                  </a:txBody>
+                  <a:tcPr marL="10193" marR="10193" marT="8155" marB="8155" anchor="ctr">
+                    <a:lnL>
+                      <a:noFill/>
+                    </a:lnL>
+                    <a:lnR w="9525" cap="flat" cmpd="sng" algn="ctr">
+                      <a:solidFill>
+                        <a:srgbClr val="D6DADC"/>
+                      </a:solidFill>
+                      <a:prstDash val="solid"/>
+                      <a:round/>
+                      <a:headEnd type="none" w="med" len="med"/>
+                      <a:tailEnd type="none" w="med" len="med"/>
+                    </a:lnR>
+                    <a:lnT w="9525" cap="flat" cmpd="sng" algn="ctr">
+                      <a:solidFill>
+                        <a:srgbClr val="D6DADC"/>
+                      </a:solidFill>
+                      <a:prstDash val="solid"/>
+                      <a:round/>
+                      <a:headEnd type="none" w="med" len="med"/>
+                      <a:tailEnd type="none" w="med" len="med"/>
+                    </a:lnT>
+                    <a:lnB w="9525" cap="flat" cmpd="sng" algn="ctr">
+                      <a:solidFill>
+                        <a:srgbClr val="D6DADC"/>
+                      </a:solidFill>
+                      <a:prstDash val="solid"/>
+                      <a:round/>
+                      <a:headEnd type="none" w="med" len="med"/>
+                      <a:tailEnd type="none" w="med" len="med"/>
+                    </a:lnB>
+                    <a:solidFill>
+                      <a:srgbClr val="F4F8F9"/>
+                    </a:solidFill>
+                  </a:tcPr>
+                </a:tc>
+                <a:tc>
+                  <a:txBody>
+                    <a:bodyPr/>
+                    <a:lstStyle/>
+                    <a:p>
+                      <a:r>
+                        <a:rPr lang="en-US" sz="1000">
+                          <a:effectLst/>
+                        </a:rPr>
+                        <a:t>MIR4477B</a:t>
+                      </a:r>
+                    </a:p>
+                  </a:txBody>
+                  <a:tcPr marL="10193" marR="10193" marT="8155" marB="8155" anchor="ctr">
+                    <a:lnL w="9525" cap="flat" cmpd="sng" algn="ctr">
+                      <a:solidFill>
+                        <a:srgbClr val="D6DADC"/>
+                      </a:solidFill>
+                      <a:prstDash val="solid"/>
+                      <a:round/>
+                      <a:headEnd type="none" w="med" len="med"/>
+                      <a:tailEnd type="none" w="med" len="med"/>
+                    </a:lnL>
+                    <a:lnR w="9525" cap="flat" cmpd="sng" algn="ctr">
+                      <a:solidFill>
+                        <a:srgbClr val="D6DADC"/>
+                      </a:solidFill>
+                      <a:prstDash val="solid"/>
+                      <a:round/>
+                      <a:headEnd type="none" w="med" len="med"/>
+                      <a:tailEnd type="none" w="med" len="med"/>
+                    </a:lnR>
+                    <a:lnT w="9525" cap="flat" cmpd="sng" algn="ctr">
+                      <a:solidFill>
+                        <a:srgbClr val="D6DADC"/>
+                      </a:solidFill>
+                      <a:prstDash val="solid"/>
+                      <a:round/>
+                      <a:headEnd type="none" w="med" len="med"/>
+                      <a:tailEnd type="none" w="med" len="med"/>
+                    </a:lnT>
+                    <a:lnB w="9525" cap="flat" cmpd="sng" algn="ctr">
+                      <a:solidFill>
+                        <a:srgbClr val="D6DADC"/>
+                      </a:solidFill>
+                      <a:prstDash val="solid"/>
+                      <a:round/>
+                      <a:headEnd type="none" w="med" len="med"/>
+                      <a:tailEnd type="none" w="med" len="med"/>
+                    </a:lnB>
+                    <a:solidFill>
+                      <a:srgbClr val="FFFFFF"/>
+                    </a:solidFill>
+                  </a:tcPr>
+                </a:tc>
+                <a:tc>
+                  <a:txBody>
+                    <a:bodyPr/>
+                    <a:lstStyle/>
+                    <a:p>
+                      <a:r>
+                        <a:rPr lang="en-US" altLang="ko-KR" sz="1000">
+                          <a:effectLst/>
+                        </a:rPr>
+                        <a:t>2</a:t>
+                      </a:r>
+                    </a:p>
+                  </a:txBody>
+                  <a:tcPr marL="10193" marR="10193" marT="8155" marB="8155" anchor="ctr">
+                    <a:lnL w="9525" cap="flat" cmpd="sng" algn="ctr">
+                      <a:solidFill>
+                        <a:srgbClr val="D6DADC"/>
+                      </a:solidFill>
+                      <a:prstDash val="solid"/>
+                      <a:round/>
+                      <a:headEnd type="none" w="med" len="med"/>
+                      <a:tailEnd type="none" w="med" len="med"/>
+                    </a:lnL>
+                    <a:lnR w="9525" cap="flat" cmpd="sng" algn="ctr">
+                      <a:solidFill>
+                        <a:srgbClr val="D6DADC"/>
+                      </a:solidFill>
+                      <a:prstDash val="solid"/>
+                      <a:round/>
+                      <a:headEnd type="none" w="med" len="med"/>
+                      <a:tailEnd type="none" w="med" len="med"/>
+                    </a:lnR>
+                    <a:lnT w="9525" cap="flat" cmpd="sng" algn="ctr">
+                      <a:solidFill>
+                        <a:srgbClr val="D6DADC"/>
+                      </a:solidFill>
+                      <a:prstDash val="solid"/>
+                      <a:round/>
+                      <a:headEnd type="none" w="med" len="med"/>
+                      <a:tailEnd type="none" w="med" len="med"/>
+                    </a:lnT>
+                    <a:lnB w="9525" cap="flat" cmpd="sng" algn="ctr">
+                      <a:solidFill>
+                        <a:srgbClr val="D6DADC"/>
+                      </a:solidFill>
+                      <a:prstDash val="solid"/>
+                      <a:round/>
+                      <a:headEnd type="none" w="med" len="med"/>
+                      <a:tailEnd type="none" w="med" len="med"/>
+                    </a:lnB>
+                    <a:solidFill>
+                      <a:srgbClr val="FFFFFF"/>
+                    </a:solidFill>
+                  </a:tcPr>
+                </a:tc>
+                <a:extLst>
+                  <a:ext uri="{0D108BD9-81ED-4DB2-BD59-A6C34878D82A}">
+                    <a16:rowId xmlns:a16="http://schemas.microsoft.com/office/drawing/2014/main" val="2953153619"/>
+                  </a:ext>
+                </a:extLst>
+              </a:tr>
+              <a:tr h="135420">
+                <a:tc>
+                  <a:txBody>
+                    <a:bodyPr/>
+                    <a:lstStyle/>
+                    <a:p>
+                      <a:pPr algn="r"/>
+                      <a:r>
+                        <a:rPr lang="en-US" altLang="ko-KR" sz="1000" b="1">
+                          <a:solidFill>
+                            <a:srgbClr val="000000"/>
+                          </a:solidFill>
+                          <a:effectLst/>
+                        </a:rPr>
+                        <a:t>4</a:t>
+                      </a:r>
+                    </a:p>
+                  </a:txBody>
+                  <a:tcPr marL="10193" marR="10193" marT="8155" marB="8155" anchor="ctr">
+                    <a:lnL>
+                      <a:noFill/>
+                    </a:lnL>
+                    <a:lnR w="9525" cap="flat" cmpd="sng" algn="ctr">
+                      <a:solidFill>
+                        <a:srgbClr val="D6DADC"/>
+                      </a:solidFill>
+                      <a:prstDash val="solid"/>
+                      <a:round/>
+                      <a:headEnd type="none" w="med" len="med"/>
+                      <a:tailEnd type="none" w="med" len="med"/>
+                    </a:lnR>
+                    <a:lnT w="9525" cap="flat" cmpd="sng" algn="ctr">
+                      <a:solidFill>
+                        <a:srgbClr val="D6DADC"/>
+                      </a:solidFill>
+                      <a:prstDash val="solid"/>
+                      <a:round/>
+                      <a:headEnd type="none" w="med" len="med"/>
+                      <a:tailEnd type="none" w="med" len="med"/>
+                    </a:lnT>
+                    <a:lnB w="9525" cap="flat" cmpd="sng" algn="ctr">
+                      <a:solidFill>
+                        <a:srgbClr val="D6DADC"/>
+                      </a:solidFill>
+                      <a:prstDash val="solid"/>
+                      <a:round/>
+                      <a:headEnd type="none" w="med" len="med"/>
+                      <a:tailEnd type="none" w="med" len="med"/>
+                    </a:lnB>
+                    <a:solidFill>
+                      <a:srgbClr val="F4F8F9"/>
+                    </a:solidFill>
+                  </a:tcPr>
+                </a:tc>
+                <a:tc>
+                  <a:txBody>
+                    <a:bodyPr/>
+                    <a:lstStyle/>
+                    <a:p>
+                      <a:r>
+                        <a:rPr lang="en-US" sz="1000">
+                          <a:effectLst/>
+                        </a:rPr>
+                        <a:t>BLOC1S5-TXNDC5</a:t>
+                      </a:r>
+                    </a:p>
+                  </a:txBody>
+                  <a:tcPr marL="10193" marR="10193" marT="8155" marB="8155" anchor="ctr">
+                    <a:lnL w="9525" cap="flat" cmpd="sng" algn="ctr">
+                      <a:solidFill>
+                        <a:srgbClr val="D6DADC"/>
+                      </a:solidFill>
+                      <a:prstDash val="solid"/>
+                      <a:round/>
+                      <a:headEnd type="none" w="med" len="med"/>
+                      <a:tailEnd type="none" w="med" len="med"/>
+                    </a:lnL>
+                    <a:lnR w="9525" cap="flat" cmpd="sng" algn="ctr">
+                      <a:solidFill>
+                        <a:srgbClr val="D6DADC"/>
+                      </a:solidFill>
+                      <a:prstDash val="solid"/>
+                      <a:round/>
+                      <a:headEnd type="none" w="med" len="med"/>
+                      <a:tailEnd type="none" w="med" len="med"/>
+                    </a:lnR>
+                    <a:lnT w="9525" cap="flat" cmpd="sng" algn="ctr">
+                      <a:solidFill>
+                        <a:srgbClr val="D6DADC"/>
+                      </a:solidFill>
+                      <a:prstDash val="solid"/>
+                      <a:round/>
+                      <a:headEnd type="none" w="med" len="med"/>
+                      <a:tailEnd type="none" w="med" len="med"/>
+                    </a:lnT>
+                    <a:lnB w="9525" cap="flat" cmpd="sng" algn="ctr">
+                      <a:solidFill>
+                        <a:srgbClr val="D6DADC"/>
+                      </a:solidFill>
+                      <a:prstDash val="solid"/>
+                      <a:round/>
+                      <a:headEnd type="none" w="med" len="med"/>
+                      <a:tailEnd type="none" w="med" len="med"/>
+                    </a:lnB>
+                    <a:solidFill>
+                      <a:srgbClr val="FFFFFF"/>
+                    </a:solidFill>
+                  </a:tcPr>
+                </a:tc>
+                <a:tc>
+                  <a:txBody>
+                    <a:bodyPr/>
+                    <a:lstStyle/>
+                    <a:p>
+                      <a:r>
+                        <a:rPr lang="en-US" altLang="ko-KR" sz="1000">
+                          <a:effectLst/>
+                        </a:rPr>
+                        <a:t>2</a:t>
+                      </a:r>
+                    </a:p>
+                  </a:txBody>
+                  <a:tcPr marL="10193" marR="10193" marT="8155" marB="8155" anchor="ctr">
+                    <a:lnL w="9525" cap="flat" cmpd="sng" algn="ctr">
+                      <a:solidFill>
+                        <a:srgbClr val="D6DADC"/>
+                      </a:solidFill>
+                      <a:prstDash val="solid"/>
+                      <a:round/>
+                      <a:headEnd type="none" w="med" len="med"/>
+                      <a:tailEnd type="none" w="med" len="med"/>
+                    </a:lnL>
+                    <a:lnR w="9525" cap="flat" cmpd="sng" algn="ctr">
+                      <a:solidFill>
+                        <a:srgbClr val="D6DADC"/>
+                      </a:solidFill>
+                      <a:prstDash val="solid"/>
+                      <a:round/>
+                      <a:headEnd type="none" w="med" len="med"/>
+                      <a:tailEnd type="none" w="med" len="med"/>
+                    </a:lnR>
+                    <a:lnT w="9525" cap="flat" cmpd="sng" algn="ctr">
+                      <a:solidFill>
+                        <a:srgbClr val="D6DADC"/>
+                      </a:solidFill>
+                      <a:prstDash val="solid"/>
+                      <a:round/>
+                      <a:headEnd type="none" w="med" len="med"/>
+                      <a:tailEnd type="none" w="med" len="med"/>
+                    </a:lnT>
+                    <a:lnB w="9525" cap="flat" cmpd="sng" algn="ctr">
+                      <a:solidFill>
+                        <a:srgbClr val="D6DADC"/>
+                      </a:solidFill>
+                      <a:prstDash val="solid"/>
+                      <a:round/>
+                      <a:headEnd type="none" w="med" len="med"/>
+                      <a:tailEnd type="none" w="med" len="med"/>
+                    </a:lnB>
+                    <a:solidFill>
+                      <a:srgbClr val="FFFFFF"/>
+                    </a:solidFill>
+                  </a:tcPr>
+                </a:tc>
+                <a:extLst>
+                  <a:ext uri="{0D108BD9-81ED-4DB2-BD59-A6C34878D82A}">
+                    <a16:rowId xmlns:a16="http://schemas.microsoft.com/office/drawing/2014/main" val="4001445734"/>
+                  </a:ext>
+                </a:extLst>
+              </a:tr>
+              <a:tr h="135420">
+                <a:tc>
+                  <a:txBody>
+                    <a:bodyPr/>
+                    <a:lstStyle/>
+                    <a:p>
+                      <a:pPr algn="r"/>
+                      <a:r>
+                        <a:rPr lang="en-US" altLang="ko-KR" sz="1000" b="1">
+                          <a:solidFill>
+                            <a:srgbClr val="000000"/>
+                          </a:solidFill>
+                          <a:effectLst/>
+                        </a:rPr>
+                        <a:t>5</a:t>
+                      </a:r>
+                    </a:p>
+                  </a:txBody>
+                  <a:tcPr marL="10193" marR="10193" marT="8155" marB="8155" anchor="ctr">
+                    <a:lnL>
+                      <a:noFill/>
+                    </a:lnL>
+                    <a:lnR w="9525" cap="flat" cmpd="sng" algn="ctr">
+                      <a:solidFill>
+                        <a:srgbClr val="D6DADC"/>
+                      </a:solidFill>
+                      <a:prstDash val="solid"/>
+                      <a:round/>
+                      <a:headEnd type="none" w="med" len="med"/>
+                      <a:tailEnd type="none" w="med" len="med"/>
+                    </a:lnR>
+                    <a:lnT w="9525" cap="flat" cmpd="sng" algn="ctr">
+                      <a:solidFill>
+                        <a:srgbClr val="D6DADC"/>
+                      </a:solidFill>
+                      <a:prstDash val="solid"/>
+                      <a:round/>
+                      <a:headEnd type="none" w="med" len="med"/>
+                      <a:tailEnd type="none" w="med" len="med"/>
+                    </a:lnT>
+                    <a:lnB w="9525" cap="flat" cmpd="sng" algn="ctr">
+                      <a:solidFill>
+                        <a:srgbClr val="D6DADC"/>
+                      </a:solidFill>
+                      <a:prstDash val="solid"/>
+                      <a:round/>
+                      <a:headEnd type="none" w="med" len="med"/>
+                      <a:tailEnd type="none" w="med" len="med"/>
+                    </a:lnB>
+                    <a:solidFill>
+                      <a:srgbClr val="F4F8F9"/>
+                    </a:solidFill>
+                  </a:tcPr>
+                </a:tc>
+                <a:tc>
+                  <a:txBody>
+                    <a:bodyPr/>
+                    <a:lstStyle/>
+                    <a:p>
+                      <a:r>
+                        <a:rPr lang="en-US" sz="1000">
+                          <a:effectLst/>
+                        </a:rPr>
+                        <a:t>HIST2H3C</a:t>
+                      </a:r>
+                    </a:p>
+                  </a:txBody>
+                  <a:tcPr marL="10193" marR="10193" marT="8155" marB="8155" anchor="ctr">
+                    <a:lnL w="9525" cap="flat" cmpd="sng" algn="ctr">
+                      <a:solidFill>
+                        <a:srgbClr val="D6DADC"/>
+                      </a:solidFill>
+                      <a:prstDash val="solid"/>
+                      <a:round/>
+                      <a:headEnd type="none" w="med" len="med"/>
+                      <a:tailEnd type="none" w="med" len="med"/>
+                    </a:lnL>
+                    <a:lnR w="9525" cap="flat" cmpd="sng" algn="ctr">
+                      <a:solidFill>
+                        <a:srgbClr val="D6DADC"/>
+                      </a:solidFill>
+                      <a:prstDash val="solid"/>
+                      <a:round/>
+                      <a:headEnd type="none" w="med" len="med"/>
+                      <a:tailEnd type="none" w="med" len="med"/>
+                    </a:lnR>
+                    <a:lnT w="9525" cap="flat" cmpd="sng" algn="ctr">
+                      <a:solidFill>
+                        <a:srgbClr val="D6DADC"/>
+                      </a:solidFill>
+                      <a:prstDash val="solid"/>
+                      <a:round/>
+                      <a:headEnd type="none" w="med" len="med"/>
+                      <a:tailEnd type="none" w="med" len="med"/>
+                    </a:lnT>
+                    <a:lnB w="9525" cap="flat" cmpd="sng" algn="ctr">
+                      <a:solidFill>
+                        <a:srgbClr val="D6DADC"/>
+                      </a:solidFill>
+                      <a:prstDash val="solid"/>
+                      <a:round/>
+                      <a:headEnd type="none" w="med" len="med"/>
+                      <a:tailEnd type="none" w="med" len="med"/>
+                    </a:lnB>
+                    <a:solidFill>
+                      <a:srgbClr val="FFFFFF"/>
+                    </a:solidFill>
+                  </a:tcPr>
+                </a:tc>
+                <a:tc>
+                  <a:txBody>
+                    <a:bodyPr/>
+                    <a:lstStyle/>
+                    <a:p>
+                      <a:r>
+                        <a:rPr lang="en-US" altLang="ko-KR" sz="1000">
+                          <a:effectLst/>
+                        </a:rPr>
+                        <a:t>2</a:t>
+                      </a:r>
+                    </a:p>
+                  </a:txBody>
+                  <a:tcPr marL="10193" marR="10193" marT="8155" marB="8155" anchor="ctr">
+                    <a:lnL w="9525" cap="flat" cmpd="sng" algn="ctr">
+                      <a:solidFill>
+                        <a:srgbClr val="D6DADC"/>
+                      </a:solidFill>
+                      <a:prstDash val="solid"/>
+                      <a:round/>
+                      <a:headEnd type="none" w="med" len="med"/>
+                      <a:tailEnd type="none" w="med" len="med"/>
+                    </a:lnL>
+                    <a:lnR w="9525" cap="flat" cmpd="sng" algn="ctr">
+                      <a:solidFill>
+                        <a:srgbClr val="D6DADC"/>
+                      </a:solidFill>
+                      <a:prstDash val="solid"/>
+                      <a:round/>
+                      <a:headEnd type="none" w="med" len="med"/>
+                      <a:tailEnd type="none" w="med" len="med"/>
+                    </a:lnR>
+                    <a:lnT w="9525" cap="flat" cmpd="sng" algn="ctr">
+                      <a:solidFill>
+                        <a:srgbClr val="D6DADC"/>
+                      </a:solidFill>
+                      <a:prstDash val="solid"/>
+                      <a:round/>
+                      <a:headEnd type="none" w="med" len="med"/>
+                      <a:tailEnd type="none" w="med" len="med"/>
+                    </a:lnT>
+                    <a:lnB w="9525" cap="flat" cmpd="sng" algn="ctr">
+                      <a:solidFill>
+                        <a:srgbClr val="D6DADC"/>
+                      </a:solidFill>
+                      <a:prstDash val="solid"/>
+                      <a:round/>
+                      <a:headEnd type="none" w="med" len="med"/>
+                      <a:tailEnd type="none" w="med" len="med"/>
+                    </a:lnB>
+                    <a:solidFill>
+                      <a:srgbClr val="FFFFFF"/>
+                    </a:solidFill>
+                  </a:tcPr>
+                </a:tc>
+                <a:extLst>
+                  <a:ext uri="{0D108BD9-81ED-4DB2-BD59-A6C34878D82A}">
+                    <a16:rowId xmlns:a16="http://schemas.microsoft.com/office/drawing/2014/main" val="745955699"/>
+                  </a:ext>
+                </a:extLst>
+              </a:tr>
+              <a:tr h="135420">
+                <a:tc>
+                  <a:txBody>
+                    <a:bodyPr/>
+                    <a:lstStyle/>
+                    <a:p>
+                      <a:pPr algn="r"/>
+                      <a:r>
+                        <a:rPr lang="en-US" altLang="ko-KR" sz="1000" b="1">
+                          <a:solidFill>
+                            <a:srgbClr val="000000"/>
+                          </a:solidFill>
+                          <a:effectLst/>
+                        </a:rPr>
+                        <a:t>6</a:t>
+                      </a:r>
+                    </a:p>
+                  </a:txBody>
+                  <a:tcPr marL="10193" marR="10193" marT="8155" marB="8155" anchor="ctr">
+                    <a:lnL>
+                      <a:noFill/>
+                    </a:lnL>
+                    <a:lnR w="9525" cap="flat" cmpd="sng" algn="ctr">
+                      <a:solidFill>
+                        <a:srgbClr val="D6DADC"/>
+                      </a:solidFill>
+                      <a:prstDash val="solid"/>
+                      <a:round/>
+                      <a:headEnd type="none" w="med" len="med"/>
+                      <a:tailEnd type="none" w="med" len="med"/>
+                    </a:lnR>
+                    <a:lnT w="9525" cap="flat" cmpd="sng" algn="ctr">
+                      <a:solidFill>
+                        <a:srgbClr val="D6DADC"/>
+                      </a:solidFill>
+                      <a:prstDash val="solid"/>
+                      <a:round/>
+                      <a:headEnd type="none" w="med" len="med"/>
+                      <a:tailEnd type="none" w="med" len="med"/>
+                    </a:lnT>
+                    <a:lnB w="9525" cap="flat" cmpd="sng" algn="ctr">
+                      <a:solidFill>
+                        <a:srgbClr val="D6DADC"/>
+                      </a:solidFill>
+                      <a:prstDash val="solid"/>
+                      <a:round/>
+                      <a:headEnd type="none" w="med" len="med"/>
+                      <a:tailEnd type="none" w="med" len="med"/>
+                    </a:lnB>
+                    <a:solidFill>
+                      <a:srgbClr val="F4F8F9"/>
+                    </a:solidFill>
+                  </a:tcPr>
+                </a:tc>
+                <a:tc>
+                  <a:txBody>
+                    <a:bodyPr/>
+                    <a:lstStyle/>
+                    <a:p>
+                      <a:r>
+                        <a:rPr lang="en-US" sz="1000">
+                          <a:effectLst/>
+                        </a:rPr>
+                        <a:t>CTAGE8</a:t>
+                      </a:r>
+                    </a:p>
+                  </a:txBody>
+                  <a:tcPr marL="10193" marR="10193" marT="8155" marB="8155" anchor="ctr">
+                    <a:lnL w="9525" cap="flat" cmpd="sng" algn="ctr">
+                      <a:solidFill>
+                        <a:srgbClr val="D6DADC"/>
+                      </a:solidFill>
+                      <a:prstDash val="solid"/>
+                      <a:round/>
+                      <a:headEnd type="none" w="med" len="med"/>
+                      <a:tailEnd type="none" w="med" len="med"/>
+                    </a:lnL>
+                    <a:lnR w="9525" cap="flat" cmpd="sng" algn="ctr">
+                      <a:solidFill>
+                        <a:srgbClr val="D6DADC"/>
+                      </a:solidFill>
+                      <a:prstDash val="solid"/>
+                      <a:round/>
+                      <a:headEnd type="none" w="med" len="med"/>
+                      <a:tailEnd type="none" w="med" len="med"/>
+                    </a:lnR>
+                    <a:lnT w="9525" cap="flat" cmpd="sng" algn="ctr">
+                      <a:solidFill>
+                        <a:srgbClr val="D6DADC"/>
+                      </a:solidFill>
+                      <a:prstDash val="solid"/>
+                      <a:round/>
+                      <a:headEnd type="none" w="med" len="med"/>
+                      <a:tailEnd type="none" w="med" len="med"/>
+                    </a:lnT>
+                    <a:lnB w="9525" cap="flat" cmpd="sng" algn="ctr">
+                      <a:solidFill>
+                        <a:srgbClr val="D6DADC"/>
+                      </a:solidFill>
+                      <a:prstDash val="solid"/>
+                      <a:round/>
+                      <a:headEnd type="none" w="med" len="med"/>
+                      <a:tailEnd type="none" w="med" len="med"/>
+                    </a:lnB>
+                    <a:solidFill>
+                      <a:srgbClr val="FFFFFF"/>
+                    </a:solidFill>
+                  </a:tcPr>
+                </a:tc>
+                <a:tc>
+                  <a:txBody>
+                    <a:bodyPr/>
+                    <a:lstStyle/>
+                    <a:p>
+                      <a:r>
+                        <a:rPr lang="en-US" altLang="ko-KR" sz="1000">
+                          <a:effectLst/>
+                        </a:rPr>
+                        <a:t>2</a:t>
+                      </a:r>
+                    </a:p>
+                  </a:txBody>
+                  <a:tcPr marL="10193" marR="10193" marT="8155" marB="8155" anchor="ctr">
+                    <a:lnL w="9525" cap="flat" cmpd="sng" algn="ctr">
+                      <a:solidFill>
+                        <a:srgbClr val="D6DADC"/>
+                      </a:solidFill>
+                      <a:prstDash val="solid"/>
+                      <a:round/>
+                      <a:headEnd type="none" w="med" len="med"/>
+                      <a:tailEnd type="none" w="med" len="med"/>
+                    </a:lnL>
+                    <a:lnR w="9525" cap="flat" cmpd="sng" algn="ctr">
+                      <a:solidFill>
+                        <a:srgbClr val="D6DADC"/>
+                      </a:solidFill>
+                      <a:prstDash val="solid"/>
+                      <a:round/>
+                      <a:headEnd type="none" w="med" len="med"/>
+                      <a:tailEnd type="none" w="med" len="med"/>
+                    </a:lnR>
+                    <a:lnT w="9525" cap="flat" cmpd="sng" algn="ctr">
+                      <a:solidFill>
+                        <a:srgbClr val="D6DADC"/>
+                      </a:solidFill>
+                      <a:prstDash val="solid"/>
+                      <a:round/>
+                      <a:headEnd type="none" w="med" len="med"/>
+                      <a:tailEnd type="none" w="med" len="med"/>
+                    </a:lnT>
+                    <a:lnB w="9525" cap="flat" cmpd="sng" algn="ctr">
+                      <a:solidFill>
+                        <a:srgbClr val="D6DADC"/>
+                      </a:solidFill>
+                      <a:prstDash val="solid"/>
+                      <a:round/>
+                      <a:headEnd type="none" w="med" len="med"/>
+                      <a:tailEnd type="none" w="med" len="med"/>
+                    </a:lnB>
+                    <a:solidFill>
+                      <a:srgbClr val="FFFFFF"/>
+                    </a:solidFill>
+                  </a:tcPr>
+                </a:tc>
+                <a:extLst>
+                  <a:ext uri="{0D108BD9-81ED-4DB2-BD59-A6C34878D82A}">
+                    <a16:rowId xmlns:a16="http://schemas.microsoft.com/office/drawing/2014/main" val="3827340838"/>
+                  </a:ext>
+                </a:extLst>
+              </a:tr>
+              <a:tr h="135420">
+                <a:tc>
+                  <a:txBody>
+                    <a:bodyPr/>
+                    <a:lstStyle/>
+                    <a:p>
+                      <a:pPr algn="r"/>
+                      <a:r>
+                        <a:rPr lang="en-US" altLang="ko-KR" sz="1000" b="1">
+                          <a:solidFill>
+                            <a:srgbClr val="000000"/>
+                          </a:solidFill>
+                          <a:effectLst/>
+                        </a:rPr>
+                        <a:t>7</a:t>
+                      </a:r>
+                    </a:p>
+                  </a:txBody>
+                  <a:tcPr marL="10193" marR="10193" marT="8155" marB="8155" anchor="ctr">
+                    <a:lnL>
+                      <a:noFill/>
+                    </a:lnL>
+                    <a:lnR w="9525" cap="flat" cmpd="sng" algn="ctr">
+                      <a:solidFill>
+                        <a:srgbClr val="D6DADC"/>
+                      </a:solidFill>
+                      <a:prstDash val="solid"/>
+                      <a:round/>
+                      <a:headEnd type="none" w="med" len="med"/>
+                      <a:tailEnd type="none" w="med" len="med"/>
+                    </a:lnR>
+                    <a:lnT w="9525" cap="flat" cmpd="sng" algn="ctr">
+                      <a:solidFill>
+                        <a:srgbClr val="D6DADC"/>
+                      </a:solidFill>
+                      <a:prstDash val="solid"/>
+                      <a:round/>
+                      <a:headEnd type="none" w="med" len="med"/>
+                      <a:tailEnd type="none" w="med" len="med"/>
+                    </a:lnT>
+                    <a:lnB w="9525" cap="flat" cmpd="sng" algn="ctr">
+                      <a:solidFill>
+                        <a:srgbClr val="D6DADC"/>
+                      </a:solidFill>
+                      <a:prstDash val="solid"/>
+                      <a:round/>
+                      <a:headEnd type="none" w="med" len="med"/>
+                      <a:tailEnd type="none" w="med" len="med"/>
+                    </a:lnB>
+                    <a:solidFill>
+                      <a:srgbClr val="F4F8F9"/>
+                    </a:solidFill>
+                  </a:tcPr>
+                </a:tc>
+                <a:tc>
+                  <a:txBody>
+                    <a:bodyPr/>
+                    <a:lstStyle/>
+                    <a:p>
+                      <a:r>
+                        <a:rPr lang="en-US" sz="1000">
+                          <a:effectLst/>
+                        </a:rPr>
+                        <a:t>HNRNPA1P33</a:t>
+                      </a:r>
+                    </a:p>
+                  </a:txBody>
+                  <a:tcPr marL="10193" marR="10193" marT="8155" marB="8155" anchor="ctr">
+                    <a:lnL w="9525" cap="flat" cmpd="sng" algn="ctr">
+                      <a:solidFill>
+                        <a:srgbClr val="D6DADC"/>
+                      </a:solidFill>
+                      <a:prstDash val="solid"/>
+                      <a:round/>
+                      <a:headEnd type="none" w="med" len="med"/>
+                      <a:tailEnd type="none" w="med" len="med"/>
+                    </a:lnL>
+                    <a:lnR w="9525" cap="flat" cmpd="sng" algn="ctr">
+                      <a:solidFill>
+                        <a:srgbClr val="D6DADC"/>
+                      </a:solidFill>
+                      <a:prstDash val="solid"/>
+                      <a:round/>
+                      <a:headEnd type="none" w="med" len="med"/>
+                      <a:tailEnd type="none" w="med" len="med"/>
+                    </a:lnR>
+                    <a:lnT w="9525" cap="flat" cmpd="sng" algn="ctr">
+                      <a:solidFill>
+                        <a:srgbClr val="D6DADC"/>
+                      </a:solidFill>
+                      <a:prstDash val="solid"/>
+                      <a:round/>
+                      <a:headEnd type="none" w="med" len="med"/>
+                      <a:tailEnd type="none" w="med" len="med"/>
+                    </a:lnT>
+                    <a:lnB w="9525" cap="flat" cmpd="sng" algn="ctr">
+                      <a:solidFill>
+                        <a:srgbClr val="D6DADC"/>
+                      </a:solidFill>
+                      <a:prstDash val="solid"/>
+                      <a:round/>
+                      <a:headEnd type="none" w="med" len="med"/>
+                      <a:tailEnd type="none" w="med" len="med"/>
+                    </a:lnB>
+                    <a:solidFill>
+                      <a:srgbClr val="FFFFFF"/>
+                    </a:solidFill>
+                  </a:tcPr>
+                </a:tc>
+                <a:tc>
+                  <a:txBody>
+                    <a:bodyPr/>
+                    <a:lstStyle/>
+                    <a:p>
+                      <a:r>
+                        <a:rPr lang="en-US" altLang="ko-KR" sz="1000">
+                          <a:effectLst/>
+                        </a:rPr>
+                        <a:t>2</a:t>
+                      </a:r>
+                    </a:p>
+                  </a:txBody>
+                  <a:tcPr marL="10193" marR="10193" marT="8155" marB="8155" anchor="ctr">
+                    <a:lnL w="9525" cap="flat" cmpd="sng" algn="ctr">
+                      <a:solidFill>
+                        <a:srgbClr val="D6DADC"/>
+                      </a:solidFill>
+                      <a:prstDash val="solid"/>
+                      <a:round/>
+                      <a:headEnd type="none" w="med" len="med"/>
+                      <a:tailEnd type="none" w="med" len="med"/>
+                    </a:lnL>
+                    <a:lnR w="9525" cap="flat" cmpd="sng" algn="ctr">
+                      <a:solidFill>
+                        <a:srgbClr val="D6DADC"/>
+                      </a:solidFill>
+                      <a:prstDash val="solid"/>
+                      <a:round/>
+                      <a:headEnd type="none" w="med" len="med"/>
+                      <a:tailEnd type="none" w="med" len="med"/>
+                    </a:lnR>
+                    <a:lnT w="9525" cap="flat" cmpd="sng" algn="ctr">
+                      <a:solidFill>
+                        <a:srgbClr val="D6DADC"/>
+                      </a:solidFill>
+                      <a:prstDash val="solid"/>
+                      <a:round/>
+                      <a:headEnd type="none" w="med" len="med"/>
+                      <a:tailEnd type="none" w="med" len="med"/>
+                    </a:lnT>
+                    <a:lnB w="9525" cap="flat" cmpd="sng" algn="ctr">
+                      <a:solidFill>
+                        <a:srgbClr val="D6DADC"/>
+                      </a:solidFill>
+                      <a:prstDash val="solid"/>
+                      <a:round/>
+                      <a:headEnd type="none" w="med" len="med"/>
+                      <a:tailEnd type="none" w="med" len="med"/>
+                    </a:lnB>
+                    <a:solidFill>
+                      <a:srgbClr val="FFFFFF"/>
+                    </a:solidFill>
+                  </a:tcPr>
+                </a:tc>
+                <a:extLst>
+                  <a:ext uri="{0D108BD9-81ED-4DB2-BD59-A6C34878D82A}">
+                    <a16:rowId xmlns:a16="http://schemas.microsoft.com/office/drawing/2014/main" val="2245729423"/>
+                  </a:ext>
+                </a:extLst>
+              </a:tr>
+              <a:tr h="135420">
+                <a:tc>
+                  <a:txBody>
+                    <a:bodyPr/>
+                    <a:lstStyle/>
+                    <a:p>
+                      <a:pPr algn="r"/>
+                      <a:r>
+                        <a:rPr lang="en-US" altLang="ko-KR" sz="1000" b="1">
+                          <a:solidFill>
+                            <a:srgbClr val="000000"/>
+                          </a:solidFill>
+                          <a:effectLst/>
+                        </a:rPr>
+                        <a:t>8</a:t>
+                      </a:r>
+                    </a:p>
+                  </a:txBody>
+                  <a:tcPr marL="10193" marR="10193" marT="8155" marB="8155" anchor="ctr">
+                    <a:lnL>
+                      <a:noFill/>
+                    </a:lnL>
+                    <a:lnR w="9525" cap="flat" cmpd="sng" algn="ctr">
+                      <a:solidFill>
+                        <a:srgbClr val="D6DADC"/>
+                      </a:solidFill>
+                      <a:prstDash val="solid"/>
+                      <a:round/>
+                      <a:headEnd type="none" w="med" len="med"/>
+                      <a:tailEnd type="none" w="med" len="med"/>
+                    </a:lnR>
+                    <a:lnT w="9525" cap="flat" cmpd="sng" algn="ctr">
+                      <a:solidFill>
+                        <a:srgbClr val="D6DADC"/>
+                      </a:solidFill>
+                      <a:prstDash val="solid"/>
+                      <a:round/>
+                      <a:headEnd type="none" w="med" len="med"/>
+                      <a:tailEnd type="none" w="med" len="med"/>
+                    </a:lnT>
+                    <a:lnB w="9525" cap="flat" cmpd="sng" algn="ctr">
+                      <a:solidFill>
+                        <a:srgbClr val="D6DADC"/>
+                      </a:solidFill>
+                      <a:prstDash val="solid"/>
+                      <a:round/>
+                      <a:headEnd type="none" w="med" len="med"/>
+                      <a:tailEnd type="none" w="med" len="med"/>
+                    </a:lnB>
+                    <a:solidFill>
+                      <a:srgbClr val="F4F8F9"/>
+                    </a:solidFill>
+                  </a:tcPr>
+                </a:tc>
+                <a:tc>
+                  <a:txBody>
+                    <a:bodyPr/>
+                    <a:lstStyle/>
+                    <a:p>
+                      <a:r>
+                        <a:rPr lang="en-US" sz="1000">
+                          <a:effectLst/>
+                        </a:rPr>
+                        <a:t>GOLGA8K</a:t>
+                      </a:r>
+                    </a:p>
+                  </a:txBody>
+                  <a:tcPr marL="10193" marR="10193" marT="8155" marB="8155" anchor="ctr">
+                    <a:lnL w="9525" cap="flat" cmpd="sng" algn="ctr">
+                      <a:solidFill>
+                        <a:srgbClr val="D6DADC"/>
+                      </a:solidFill>
+                      <a:prstDash val="solid"/>
+                      <a:round/>
+                      <a:headEnd type="none" w="med" len="med"/>
+                      <a:tailEnd type="none" w="med" len="med"/>
+                    </a:lnL>
+                    <a:lnR w="9525" cap="flat" cmpd="sng" algn="ctr">
+                      <a:solidFill>
+                        <a:srgbClr val="D6DADC"/>
+                      </a:solidFill>
+                      <a:prstDash val="solid"/>
+                      <a:round/>
+                      <a:headEnd type="none" w="med" len="med"/>
+                      <a:tailEnd type="none" w="med" len="med"/>
+                    </a:lnR>
+                    <a:lnT w="9525" cap="flat" cmpd="sng" algn="ctr">
+                      <a:solidFill>
+                        <a:srgbClr val="D6DADC"/>
+                      </a:solidFill>
+                      <a:prstDash val="solid"/>
+                      <a:round/>
+                      <a:headEnd type="none" w="med" len="med"/>
+                      <a:tailEnd type="none" w="med" len="med"/>
+                    </a:lnT>
+                    <a:lnB w="9525" cap="flat" cmpd="sng" algn="ctr">
+                      <a:solidFill>
+                        <a:srgbClr val="D6DADC"/>
+                      </a:solidFill>
+                      <a:prstDash val="solid"/>
+                      <a:round/>
+                      <a:headEnd type="none" w="med" len="med"/>
+                      <a:tailEnd type="none" w="med" len="med"/>
+                    </a:lnB>
+                    <a:solidFill>
+                      <a:srgbClr val="FFFFFF"/>
+                    </a:solidFill>
+                  </a:tcPr>
+                </a:tc>
+                <a:tc>
+                  <a:txBody>
+                    <a:bodyPr/>
+                    <a:lstStyle/>
+                    <a:p>
+                      <a:r>
+                        <a:rPr lang="en-US" altLang="ko-KR" sz="1000">
+                          <a:effectLst/>
+                        </a:rPr>
+                        <a:t>2</a:t>
+                      </a:r>
+                    </a:p>
+                  </a:txBody>
+                  <a:tcPr marL="10193" marR="10193" marT="8155" marB="8155" anchor="ctr">
+                    <a:lnL w="9525" cap="flat" cmpd="sng" algn="ctr">
+                      <a:solidFill>
+                        <a:srgbClr val="D6DADC"/>
+                      </a:solidFill>
+                      <a:prstDash val="solid"/>
+                      <a:round/>
+                      <a:headEnd type="none" w="med" len="med"/>
+                      <a:tailEnd type="none" w="med" len="med"/>
+                    </a:lnL>
+                    <a:lnR w="9525" cap="flat" cmpd="sng" algn="ctr">
+                      <a:solidFill>
+                        <a:srgbClr val="D6DADC"/>
+                      </a:solidFill>
+                      <a:prstDash val="solid"/>
+                      <a:round/>
+                      <a:headEnd type="none" w="med" len="med"/>
+                      <a:tailEnd type="none" w="med" len="med"/>
+                    </a:lnR>
+                    <a:lnT w="9525" cap="flat" cmpd="sng" algn="ctr">
+                      <a:solidFill>
+                        <a:srgbClr val="D6DADC"/>
+                      </a:solidFill>
+                      <a:prstDash val="solid"/>
+                      <a:round/>
+                      <a:headEnd type="none" w="med" len="med"/>
+                      <a:tailEnd type="none" w="med" len="med"/>
+                    </a:lnT>
+                    <a:lnB w="9525" cap="flat" cmpd="sng" algn="ctr">
+                      <a:solidFill>
+                        <a:srgbClr val="D6DADC"/>
+                      </a:solidFill>
+                      <a:prstDash val="solid"/>
+                      <a:round/>
+                      <a:headEnd type="none" w="med" len="med"/>
+                      <a:tailEnd type="none" w="med" len="med"/>
+                    </a:lnB>
+                    <a:solidFill>
+                      <a:srgbClr val="FFFFFF"/>
+                    </a:solidFill>
+                  </a:tcPr>
+                </a:tc>
+                <a:extLst>
+                  <a:ext uri="{0D108BD9-81ED-4DB2-BD59-A6C34878D82A}">
+                    <a16:rowId xmlns:a16="http://schemas.microsoft.com/office/drawing/2014/main" val="1559713519"/>
+                  </a:ext>
+                </a:extLst>
+              </a:tr>
+              <a:tr h="135420">
+                <a:tc>
+                  <a:txBody>
+                    <a:bodyPr/>
+                    <a:lstStyle/>
+                    <a:p>
+                      <a:pPr algn="r"/>
+                      <a:r>
+                        <a:rPr lang="en-US" altLang="ko-KR" sz="1000" b="1">
+                          <a:solidFill>
+                            <a:srgbClr val="000000"/>
+                          </a:solidFill>
+                          <a:effectLst/>
+                        </a:rPr>
+                        <a:t>9</a:t>
+                      </a:r>
+                    </a:p>
+                  </a:txBody>
+                  <a:tcPr marL="10193" marR="10193" marT="8155" marB="8155" anchor="ctr">
+                    <a:lnL>
+                      <a:noFill/>
+                    </a:lnL>
+                    <a:lnR w="9525" cap="flat" cmpd="sng" algn="ctr">
+                      <a:solidFill>
+                        <a:srgbClr val="D6DADC"/>
+                      </a:solidFill>
+                      <a:prstDash val="solid"/>
+                      <a:round/>
+                      <a:headEnd type="none" w="med" len="med"/>
+                      <a:tailEnd type="none" w="med" len="med"/>
+                    </a:lnR>
+                    <a:lnT w="9525" cap="flat" cmpd="sng" algn="ctr">
+                      <a:solidFill>
+                        <a:srgbClr val="D6DADC"/>
+                      </a:solidFill>
+                      <a:prstDash val="solid"/>
+                      <a:round/>
+                      <a:headEnd type="none" w="med" len="med"/>
+                      <a:tailEnd type="none" w="med" len="med"/>
+                    </a:lnT>
+                    <a:lnB w="9525" cap="flat" cmpd="sng" algn="ctr">
+                      <a:solidFill>
+                        <a:srgbClr val="D6DADC"/>
+                      </a:solidFill>
+                      <a:prstDash val="solid"/>
+                      <a:round/>
+                      <a:headEnd type="none" w="med" len="med"/>
+                      <a:tailEnd type="none" w="med" len="med"/>
+                    </a:lnB>
+                    <a:solidFill>
+                      <a:srgbClr val="F4F8F9"/>
+                    </a:solidFill>
+                  </a:tcPr>
+                </a:tc>
+                <a:tc>
+                  <a:txBody>
+                    <a:bodyPr/>
+                    <a:lstStyle/>
+                    <a:p>
+                      <a:r>
+                        <a:rPr lang="en-US" sz="1000">
+                          <a:effectLst/>
+                        </a:rPr>
+                        <a:t>LOC440434</a:t>
+                      </a:r>
+                    </a:p>
+                  </a:txBody>
+                  <a:tcPr marL="10193" marR="10193" marT="8155" marB="8155" anchor="ctr">
+                    <a:lnL w="9525" cap="flat" cmpd="sng" algn="ctr">
+                      <a:solidFill>
+                        <a:srgbClr val="D6DADC"/>
+                      </a:solidFill>
+                      <a:prstDash val="solid"/>
+                      <a:round/>
+                      <a:headEnd type="none" w="med" len="med"/>
+                      <a:tailEnd type="none" w="med" len="med"/>
+                    </a:lnL>
+                    <a:lnR w="9525" cap="flat" cmpd="sng" algn="ctr">
+                      <a:solidFill>
+                        <a:srgbClr val="D6DADC"/>
+                      </a:solidFill>
+                      <a:prstDash val="solid"/>
+                      <a:round/>
+                      <a:headEnd type="none" w="med" len="med"/>
+                      <a:tailEnd type="none" w="med" len="med"/>
+                    </a:lnR>
+                    <a:lnT w="9525" cap="flat" cmpd="sng" algn="ctr">
+                      <a:solidFill>
+                        <a:srgbClr val="D6DADC"/>
+                      </a:solidFill>
+                      <a:prstDash val="solid"/>
+                      <a:round/>
+                      <a:headEnd type="none" w="med" len="med"/>
+                      <a:tailEnd type="none" w="med" len="med"/>
+                    </a:lnT>
+                    <a:lnB w="9525" cap="flat" cmpd="sng" algn="ctr">
+                      <a:solidFill>
+                        <a:srgbClr val="D6DADC"/>
+                      </a:solidFill>
+                      <a:prstDash val="solid"/>
+                      <a:round/>
+                      <a:headEnd type="none" w="med" len="med"/>
+                      <a:tailEnd type="none" w="med" len="med"/>
+                    </a:lnB>
+                    <a:solidFill>
+                      <a:srgbClr val="FFFFFF"/>
+                    </a:solidFill>
+                  </a:tcPr>
+                </a:tc>
+                <a:tc>
+                  <a:txBody>
+                    <a:bodyPr/>
+                    <a:lstStyle/>
+                    <a:p>
+                      <a:r>
+                        <a:rPr lang="en-US" altLang="ko-KR" sz="1000">
+                          <a:effectLst/>
+                        </a:rPr>
+                        <a:t>2</a:t>
+                      </a:r>
+                    </a:p>
+                  </a:txBody>
+                  <a:tcPr marL="10193" marR="10193" marT="8155" marB="8155" anchor="ctr">
+                    <a:lnL w="9525" cap="flat" cmpd="sng" algn="ctr">
+                      <a:solidFill>
+                        <a:srgbClr val="D6DADC"/>
+                      </a:solidFill>
+                      <a:prstDash val="solid"/>
+                      <a:round/>
+                      <a:headEnd type="none" w="med" len="med"/>
+                      <a:tailEnd type="none" w="med" len="med"/>
+                    </a:lnL>
+                    <a:lnR w="9525" cap="flat" cmpd="sng" algn="ctr">
+                      <a:solidFill>
+                        <a:srgbClr val="D6DADC"/>
+                      </a:solidFill>
+                      <a:prstDash val="solid"/>
+                      <a:round/>
+                      <a:headEnd type="none" w="med" len="med"/>
+                      <a:tailEnd type="none" w="med" len="med"/>
+                    </a:lnR>
+                    <a:lnT w="9525" cap="flat" cmpd="sng" algn="ctr">
+                      <a:solidFill>
+                        <a:srgbClr val="D6DADC"/>
+                      </a:solidFill>
+                      <a:prstDash val="solid"/>
+                      <a:round/>
+                      <a:headEnd type="none" w="med" len="med"/>
+                      <a:tailEnd type="none" w="med" len="med"/>
+                    </a:lnT>
+                    <a:lnB w="9525" cap="flat" cmpd="sng" algn="ctr">
+                      <a:solidFill>
+                        <a:srgbClr val="D6DADC"/>
+                      </a:solidFill>
+                      <a:prstDash val="solid"/>
+                      <a:round/>
+                      <a:headEnd type="none" w="med" len="med"/>
+                      <a:tailEnd type="none" w="med" len="med"/>
+                    </a:lnB>
+                    <a:solidFill>
+                      <a:srgbClr val="FFFFFF"/>
+                    </a:solidFill>
+                  </a:tcPr>
+                </a:tc>
+                <a:extLst>
+                  <a:ext uri="{0D108BD9-81ED-4DB2-BD59-A6C34878D82A}">
+                    <a16:rowId xmlns:a16="http://schemas.microsoft.com/office/drawing/2014/main" val="3287107836"/>
+                  </a:ext>
+                </a:extLst>
+              </a:tr>
+              <a:tr h="135420">
+                <a:tc>
+                  <a:txBody>
+                    <a:bodyPr/>
+                    <a:lstStyle/>
+                    <a:p>
+                      <a:pPr algn="r"/>
+                      <a:r>
+                        <a:rPr lang="en-US" altLang="ko-KR" sz="1000" b="1">
+                          <a:solidFill>
+                            <a:srgbClr val="000000"/>
+                          </a:solidFill>
+                          <a:effectLst/>
+                        </a:rPr>
+                        <a:t>10</a:t>
+                      </a:r>
+                    </a:p>
+                  </a:txBody>
+                  <a:tcPr marL="10193" marR="10193" marT="8155" marB="8155" anchor="ctr">
+                    <a:lnL>
+                      <a:noFill/>
+                    </a:lnL>
+                    <a:lnR w="9525" cap="flat" cmpd="sng" algn="ctr">
+                      <a:solidFill>
+                        <a:srgbClr val="D6DADC"/>
+                      </a:solidFill>
+                      <a:prstDash val="solid"/>
+                      <a:round/>
+                      <a:headEnd type="none" w="med" len="med"/>
+                      <a:tailEnd type="none" w="med" len="med"/>
+                    </a:lnR>
+                    <a:lnT w="9525" cap="flat" cmpd="sng" algn="ctr">
+                      <a:solidFill>
+                        <a:srgbClr val="D6DADC"/>
+                      </a:solidFill>
+                      <a:prstDash val="solid"/>
+                      <a:round/>
+                      <a:headEnd type="none" w="med" len="med"/>
+                      <a:tailEnd type="none" w="med" len="med"/>
+                    </a:lnT>
+                    <a:lnB w="9525" cap="flat" cmpd="sng" algn="ctr">
+                      <a:solidFill>
+                        <a:srgbClr val="D6DADC"/>
+                      </a:solidFill>
+                      <a:prstDash val="solid"/>
+                      <a:round/>
+                      <a:headEnd type="none" w="med" len="med"/>
+                      <a:tailEnd type="none" w="med" len="med"/>
+                    </a:lnB>
+                    <a:solidFill>
+                      <a:srgbClr val="F4F8F9"/>
+                    </a:solidFill>
+                  </a:tcPr>
+                </a:tc>
+                <a:tc>
+                  <a:txBody>
+                    <a:bodyPr/>
+                    <a:lstStyle/>
+                    <a:p>
+                      <a:r>
+                        <a:rPr lang="en-US" sz="1000">
+                          <a:effectLst/>
+                        </a:rPr>
+                        <a:t>ACADL</a:t>
+                      </a:r>
+                    </a:p>
+                  </a:txBody>
+                  <a:tcPr marL="10193" marR="10193" marT="8155" marB="8155" anchor="ctr">
+                    <a:lnL w="9525" cap="flat" cmpd="sng" algn="ctr">
+                      <a:solidFill>
+                        <a:srgbClr val="D6DADC"/>
+                      </a:solidFill>
+                      <a:prstDash val="solid"/>
+                      <a:round/>
+                      <a:headEnd type="none" w="med" len="med"/>
+                      <a:tailEnd type="none" w="med" len="med"/>
+                    </a:lnL>
+                    <a:lnR w="9525" cap="flat" cmpd="sng" algn="ctr">
+                      <a:solidFill>
+                        <a:srgbClr val="D6DADC"/>
+                      </a:solidFill>
+                      <a:prstDash val="solid"/>
+                      <a:round/>
+                      <a:headEnd type="none" w="med" len="med"/>
+                      <a:tailEnd type="none" w="med" len="med"/>
+                    </a:lnR>
+                    <a:lnT w="9525" cap="flat" cmpd="sng" algn="ctr">
+                      <a:solidFill>
+                        <a:srgbClr val="D6DADC"/>
+                      </a:solidFill>
+                      <a:prstDash val="solid"/>
+                      <a:round/>
+                      <a:headEnd type="none" w="med" len="med"/>
+                      <a:tailEnd type="none" w="med" len="med"/>
+                    </a:lnT>
+                    <a:lnB w="9525" cap="flat" cmpd="sng" algn="ctr">
+                      <a:solidFill>
+                        <a:srgbClr val="D6DADC"/>
+                      </a:solidFill>
+                      <a:prstDash val="solid"/>
+                      <a:round/>
+                      <a:headEnd type="none" w="med" len="med"/>
+                      <a:tailEnd type="none" w="med" len="med"/>
+                    </a:lnB>
+                    <a:solidFill>
+                      <a:srgbClr val="FFFFFF"/>
+                    </a:solidFill>
+                  </a:tcPr>
+                </a:tc>
+                <a:tc>
+                  <a:txBody>
+                    <a:bodyPr/>
+                    <a:lstStyle/>
+                    <a:p>
+                      <a:r>
+                        <a:rPr lang="en-US" altLang="ko-KR" sz="1000">
+                          <a:effectLst/>
+                        </a:rPr>
+                        <a:t>2</a:t>
+                      </a:r>
+                    </a:p>
+                  </a:txBody>
+                  <a:tcPr marL="10193" marR="10193" marT="8155" marB="8155" anchor="ctr">
+                    <a:lnL w="9525" cap="flat" cmpd="sng" algn="ctr">
+                      <a:solidFill>
+                        <a:srgbClr val="D6DADC"/>
+                      </a:solidFill>
+                      <a:prstDash val="solid"/>
+                      <a:round/>
+                      <a:headEnd type="none" w="med" len="med"/>
+                      <a:tailEnd type="none" w="med" len="med"/>
+                    </a:lnL>
+                    <a:lnR w="9525" cap="flat" cmpd="sng" algn="ctr">
+                      <a:solidFill>
+                        <a:srgbClr val="D6DADC"/>
+                      </a:solidFill>
+                      <a:prstDash val="solid"/>
+                      <a:round/>
+                      <a:headEnd type="none" w="med" len="med"/>
+                      <a:tailEnd type="none" w="med" len="med"/>
+                    </a:lnR>
+                    <a:lnT w="9525" cap="flat" cmpd="sng" algn="ctr">
+                      <a:solidFill>
+                        <a:srgbClr val="D6DADC"/>
+                      </a:solidFill>
+                      <a:prstDash val="solid"/>
+                      <a:round/>
+                      <a:headEnd type="none" w="med" len="med"/>
+                      <a:tailEnd type="none" w="med" len="med"/>
+                    </a:lnT>
+                    <a:lnB w="9525" cap="flat" cmpd="sng" algn="ctr">
+                      <a:solidFill>
+                        <a:srgbClr val="D6DADC"/>
+                      </a:solidFill>
+                      <a:prstDash val="solid"/>
+                      <a:round/>
+                      <a:headEnd type="none" w="med" len="med"/>
+                      <a:tailEnd type="none" w="med" len="med"/>
+                    </a:lnB>
+                    <a:solidFill>
+                      <a:srgbClr val="FFFFFF"/>
+                    </a:solidFill>
+                  </a:tcPr>
+                </a:tc>
+                <a:extLst>
+                  <a:ext uri="{0D108BD9-81ED-4DB2-BD59-A6C34878D82A}">
+                    <a16:rowId xmlns:a16="http://schemas.microsoft.com/office/drawing/2014/main" val="3763596889"/>
+                  </a:ext>
+                </a:extLst>
+              </a:tr>
+              <a:tr h="135420">
+                <a:tc>
+                  <a:txBody>
+                    <a:bodyPr/>
+                    <a:lstStyle/>
+                    <a:p>
+                      <a:pPr algn="r"/>
+                      <a:r>
+                        <a:rPr lang="en-US" altLang="ko-KR" sz="1000" b="1">
+                          <a:solidFill>
+                            <a:srgbClr val="000000"/>
+                          </a:solidFill>
+                          <a:effectLst/>
+                        </a:rPr>
+                        <a:t>11</a:t>
+                      </a:r>
+                    </a:p>
+                  </a:txBody>
+                  <a:tcPr marL="10193" marR="10193" marT="8155" marB="8155" anchor="ctr">
+                    <a:lnL>
+                      <a:noFill/>
+                    </a:lnL>
+                    <a:lnR w="9525" cap="flat" cmpd="sng" algn="ctr">
+                      <a:solidFill>
+                        <a:srgbClr val="D6DADC"/>
+                      </a:solidFill>
+                      <a:prstDash val="solid"/>
+                      <a:round/>
+                      <a:headEnd type="none" w="med" len="med"/>
+                      <a:tailEnd type="none" w="med" len="med"/>
+                    </a:lnR>
+                    <a:lnT w="9525" cap="flat" cmpd="sng" algn="ctr">
+                      <a:solidFill>
+                        <a:srgbClr val="D6DADC"/>
+                      </a:solidFill>
+                      <a:prstDash val="solid"/>
+                      <a:round/>
+                      <a:headEnd type="none" w="med" len="med"/>
+                      <a:tailEnd type="none" w="med" len="med"/>
+                    </a:lnT>
+                    <a:lnB w="9525" cap="flat" cmpd="sng" algn="ctr">
+                      <a:solidFill>
+                        <a:srgbClr val="D6DADC"/>
+                      </a:solidFill>
+                      <a:prstDash val="solid"/>
+                      <a:round/>
+                      <a:headEnd type="none" w="med" len="med"/>
+                      <a:tailEnd type="none" w="med" len="med"/>
+                    </a:lnB>
+                    <a:solidFill>
+                      <a:srgbClr val="F4F8F9"/>
+                    </a:solidFill>
+                  </a:tcPr>
+                </a:tc>
+                <a:tc>
+                  <a:txBody>
+                    <a:bodyPr/>
+                    <a:lstStyle/>
+                    <a:p>
+                      <a:r>
+                        <a:rPr lang="en-US" sz="1000">
+                          <a:effectLst/>
+                        </a:rPr>
+                        <a:t>TMEM160</a:t>
+                      </a:r>
+                    </a:p>
+                  </a:txBody>
+                  <a:tcPr marL="10193" marR="10193" marT="8155" marB="8155" anchor="ctr">
+                    <a:lnL w="9525" cap="flat" cmpd="sng" algn="ctr">
+                      <a:solidFill>
+                        <a:srgbClr val="D6DADC"/>
+                      </a:solidFill>
+                      <a:prstDash val="solid"/>
+                      <a:round/>
+                      <a:headEnd type="none" w="med" len="med"/>
+                      <a:tailEnd type="none" w="med" len="med"/>
+                    </a:lnL>
+                    <a:lnR w="9525" cap="flat" cmpd="sng" algn="ctr">
+                      <a:solidFill>
+                        <a:srgbClr val="D6DADC"/>
+                      </a:solidFill>
+                      <a:prstDash val="solid"/>
+                      <a:round/>
+                      <a:headEnd type="none" w="med" len="med"/>
+                      <a:tailEnd type="none" w="med" len="med"/>
+                    </a:lnR>
+                    <a:lnT w="9525" cap="flat" cmpd="sng" algn="ctr">
+                      <a:solidFill>
+                        <a:srgbClr val="D6DADC"/>
+                      </a:solidFill>
+                      <a:prstDash val="solid"/>
+                      <a:round/>
+                      <a:headEnd type="none" w="med" len="med"/>
+                      <a:tailEnd type="none" w="med" len="med"/>
+                    </a:lnT>
+                    <a:lnB w="9525" cap="flat" cmpd="sng" algn="ctr">
+                      <a:solidFill>
+                        <a:srgbClr val="D6DADC"/>
+                      </a:solidFill>
+                      <a:prstDash val="solid"/>
+                      <a:round/>
+                      <a:headEnd type="none" w="med" len="med"/>
+                      <a:tailEnd type="none" w="med" len="med"/>
+                    </a:lnB>
+                    <a:solidFill>
+                      <a:srgbClr val="FFFFFF"/>
+                    </a:solidFill>
+                  </a:tcPr>
+                </a:tc>
+                <a:tc>
+                  <a:txBody>
+                    <a:bodyPr/>
+                    <a:lstStyle/>
+                    <a:p>
+                      <a:r>
+                        <a:rPr lang="en-US" altLang="ko-KR" sz="1000">
+                          <a:effectLst/>
+                        </a:rPr>
+                        <a:t>1</a:t>
+                      </a:r>
+                    </a:p>
+                  </a:txBody>
+                  <a:tcPr marL="10193" marR="10193" marT="8155" marB="8155" anchor="ctr">
+                    <a:lnL w="9525" cap="flat" cmpd="sng" algn="ctr">
+                      <a:solidFill>
+                        <a:srgbClr val="D6DADC"/>
+                      </a:solidFill>
+                      <a:prstDash val="solid"/>
+                      <a:round/>
+                      <a:headEnd type="none" w="med" len="med"/>
+                      <a:tailEnd type="none" w="med" len="med"/>
+                    </a:lnL>
+                    <a:lnR w="9525" cap="flat" cmpd="sng" algn="ctr">
+                      <a:solidFill>
+                        <a:srgbClr val="D6DADC"/>
+                      </a:solidFill>
+                      <a:prstDash val="solid"/>
+                      <a:round/>
+                      <a:headEnd type="none" w="med" len="med"/>
+                      <a:tailEnd type="none" w="med" len="med"/>
+                    </a:lnR>
+                    <a:lnT w="9525" cap="flat" cmpd="sng" algn="ctr">
+                      <a:solidFill>
+                        <a:srgbClr val="D6DADC"/>
+                      </a:solidFill>
+                      <a:prstDash val="solid"/>
+                      <a:round/>
+                      <a:headEnd type="none" w="med" len="med"/>
+                      <a:tailEnd type="none" w="med" len="med"/>
+                    </a:lnT>
+                    <a:lnB w="9525" cap="flat" cmpd="sng" algn="ctr">
+                      <a:solidFill>
+                        <a:srgbClr val="D6DADC"/>
+                      </a:solidFill>
+                      <a:prstDash val="solid"/>
+                      <a:round/>
+                      <a:headEnd type="none" w="med" len="med"/>
+                      <a:tailEnd type="none" w="med" len="med"/>
+                    </a:lnB>
+                    <a:solidFill>
+                      <a:srgbClr val="FFFFFF"/>
+                    </a:solidFill>
+                  </a:tcPr>
+                </a:tc>
+                <a:extLst>
+                  <a:ext uri="{0D108BD9-81ED-4DB2-BD59-A6C34878D82A}">
+                    <a16:rowId xmlns:a16="http://schemas.microsoft.com/office/drawing/2014/main" val="28565685"/>
+                  </a:ext>
+                </a:extLst>
+              </a:tr>
+              <a:tr h="135420">
+                <a:tc>
+                  <a:txBody>
+                    <a:bodyPr/>
+                    <a:lstStyle/>
+                    <a:p>
+                      <a:pPr algn="r"/>
+                      <a:r>
+                        <a:rPr lang="en-US" altLang="ko-KR" sz="1000" b="1">
+                          <a:solidFill>
+                            <a:srgbClr val="000000"/>
+                          </a:solidFill>
+                          <a:effectLst/>
+                        </a:rPr>
+                        <a:t>12</a:t>
+                      </a:r>
+                    </a:p>
+                  </a:txBody>
+                  <a:tcPr marL="10193" marR="10193" marT="8155" marB="8155" anchor="ctr">
+                    <a:lnL>
+                      <a:noFill/>
+                    </a:lnL>
+                    <a:lnR w="9525" cap="flat" cmpd="sng" algn="ctr">
+                      <a:solidFill>
+                        <a:srgbClr val="D6DADC"/>
+                      </a:solidFill>
+                      <a:prstDash val="solid"/>
+                      <a:round/>
+                      <a:headEnd type="none" w="med" len="med"/>
+                      <a:tailEnd type="none" w="med" len="med"/>
+                    </a:lnR>
+                    <a:lnT w="9525" cap="flat" cmpd="sng" algn="ctr">
+                      <a:solidFill>
+                        <a:srgbClr val="D6DADC"/>
+                      </a:solidFill>
+                      <a:prstDash val="solid"/>
+                      <a:round/>
+                      <a:headEnd type="none" w="med" len="med"/>
+                      <a:tailEnd type="none" w="med" len="med"/>
+                    </a:lnT>
+                    <a:lnB w="9525" cap="flat" cmpd="sng" algn="ctr">
+                      <a:solidFill>
+                        <a:srgbClr val="D6DADC"/>
+                      </a:solidFill>
+                      <a:prstDash val="solid"/>
+                      <a:round/>
+                      <a:headEnd type="none" w="med" len="med"/>
+                      <a:tailEnd type="none" w="med" len="med"/>
+                    </a:lnB>
+                    <a:solidFill>
+                      <a:srgbClr val="F4F8F9"/>
+                    </a:solidFill>
+                  </a:tcPr>
+                </a:tc>
+                <a:tc>
+                  <a:txBody>
+                    <a:bodyPr/>
+                    <a:lstStyle/>
+                    <a:p>
+                      <a:r>
+                        <a:rPr lang="en-US" sz="1000">
+                          <a:effectLst/>
+                        </a:rPr>
+                        <a:t>C10orf131</a:t>
+                      </a:r>
+                    </a:p>
+                  </a:txBody>
+                  <a:tcPr marL="10193" marR="10193" marT="8155" marB="8155" anchor="ctr">
+                    <a:lnL w="9525" cap="flat" cmpd="sng" algn="ctr">
+                      <a:solidFill>
+                        <a:srgbClr val="D6DADC"/>
+                      </a:solidFill>
+                      <a:prstDash val="solid"/>
+                      <a:round/>
+                      <a:headEnd type="none" w="med" len="med"/>
+                      <a:tailEnd type="none" w="med" len="med"/>
+                    </a:lnL>
+                    <a:lnR w="9525" cap="flat" cmpd="sng" algn="ctr">
+                      <a:solidFill>
+                        <a:srgbClr val="D6DADC"/>
+                      </a:solidFill>
+                      <a:prstDash val="solid"/>
+                      <a:round/>
+                      <a:headEnd type="none" w="med" len="med"/>
+                      <a:tailEnd type="none" w="med" len="med"/>
+                    </a:lnR>
+                    <a:lnT w="9525" cap="flat" cmpd="sng" algn="ctr">
+                      <a:solidFill>
+                        <a:srgbClr val="D6DADC"/>
+                      </a:solidFill>
+                      <a:prstDash val="solid"/>
+                      <a:round/>
+                      <a:headEnd type="none" w="med" len="med"/>
+                      <a:tailEnd type="none" w="med" len="med"/>
+                    </a:lnT>
+                    <a:lnB w="9525" cap="flat" cmpd="sng" algn="ctr">
+                      <a:solidFill>
+                        <a:srgbClr val="D6DADC"/>
+                      </a:solidFill>
+                      <a:prstDash val="solid"/>
+                      <a:round/>
+                      <a:headEnd type="none" w="med" len="med"/>
+                      <a:tailEnd type="none" w="med" len="med"/>
+                    </a:lnB>
+                    <a:solidFill>
+                      <a:srgbClr val="FFFFFF"/>
+                    </a:solidFill>
+                  </a:tcPr>
+                </a:tc>
+                <a:tc>
+                  <a:txBody>
+                    <a:bodyPr/>
+                    <a:lstStyle/>
+                    <a:p>
+                      <a:r>
+                        <a:rPr lang="en-US" altLang="ko-KR" sz="1000">
+                          <a:effectLst/>
+                        </a:rPr>
+                        <a:t>2</a:t>
+                      </a:r>
+                    </a:p>
+                  </a:txBody>
+                  <a:tcPr marL="10193" marR="10193" marT="8155" marB="8155" anchor="ctr">
+                    <a:lnL w="9525" cap="flat" cmpd="sng" algn="ctr">
+                      <a:solidFill>
+                        <a:srgbClr val="D6DADC"/>
+                      </a:solidFill>
+                      <a:prstDash val="solid"/>
+                      <a:round/>
+                      <a:headEnd type="none" w="med" len="med"/>
+                      <a:tailEnd type="none" w="med" len="med"/>
+                    </a:lnL>
+                    <a:lnR w="9525" cap="flat" cmpd="sng" algn="ctr">
+                      <a:solidFill>
+                        <a:srgbClr val="D6DADC"/>
+                      </a:solidFill>
+                      <a:prstDash val="solid"/>
+                      <a:round/>
+                      <a:headEnd type="none" w="med" len="med"/>
+                      <a:tailEnd type="none" w="med" len="med"/>
+                    </a:lnR>
+                    <a:lnT w="9525" cap="flat" cmpd="sng" algn="ctr">
+                      <a:solidFill>
+                        <a:srgbClr val="D6DADC"/>
+                      </a:solidFill>
+                      <a:prstDash val="solid"/>
+                      <a:round/>
+                      <a:headEnd type="none" w="med" len="med"/>
+                      <a:tailEnd type="none" w="med" len="med"/>
+                    </a:lnT>
+                    <a:lnB w="9525" cap="flat" cmpd="sng" algn="ctr">
+                      <a:solidFill>
+                        <a:srgbClr val="D6DADC"/>
+                      </a:solidFill>
+                      <a:prstDash val="solid"/>
+                      <a:round/>
+                      <a:headEnd type="none" w="med" len="med"/>
+                      <a:tailEnd type="none" w="med" len="med"/>
+                    </a:lnB>
+                    <a:solidFill>
+                      <a:srgbClr val="FFFFFF"/>
+                    </a:solidFill>
+                  </a:tcPr>
+                </a:tc>
+                <a:extLst>
+                  <a:ext uri="{0D108BD9-81ED-4DB2-BD59-A6C34878D82A}">
+                    <a16:rowId xmlns:a16="http://schemas.microsoft.com/office/drawing/2014/main" val="1038025004"/>
+                  </a:ext>
+                </a:extLst>
+              </a:tr>
+              <a:tr h="135420">
+                <a:tc>
+                  <a:txBody>
+                    <a:bodyPr/>
+                    <a:lstStyle/>
+                    <a:p>
+                      <a:pPr algn="r"/>
+                      <a:r>
+                        <a:rPr lang="en-US" altLang="ko-KR" sz="1000" b="1">
+                          <a:solidFill>
+                            <a:srgbClr val="000000"/>
+                          </a:solidFill>
+                          <a:effectLst/>
+                        </a:rPr>
+                        <a:t>13</a:t>
+                      </a:r>
+                    </a:p>
+                  </a:txBody>
+                  <a:tcPr marL="10193" marR="10193" marT="8155" marB="8155" anchor="ctr">
+                    <a:lnL>
+                      <a:noFill/>
+                    </a:lnL>
+                    <a:lnR w="9525" cap="flat" cmpd="sng" algn="ctr">
+                      <a:solidFill>
+                        <a:srgbClr val="D6DADC"/>
+                      </a:solidFill>
+                      <a:prstDash val="solid"/>
+                      <a:round/>
+                      <a:headEnd type="none" w="med" len="med"/>
+                      <a:tailEnd type="none" w="med" len="med"/>
+                    </a:lnR>
+                    <a:lnT w="9525" cap="flat" cmpd="sng" algn="ctr">
+                      <a:solidFill>
+                        <a:srgbClr val="D6DADC"/>
+                      </a:solidFill>
+                      <a:prstDash val="solid"/>
+                      <a:round/>
+                      <a:headEnd type="none" w="med" len="med"/>
+                      <a:tailEnd type="none" w="med" len="med"/>
+                    </a:lnT>
+                    <a:lnB w="9525" cap="flat" cmpd="sng" algn="ctr">
+                      <a:solidFill>
+                        <a:srgbClr val="D6DADC"/>
+                      </a:solidFill>
+                      <a:prstDash val="solid"/>
+                      <a:round/>
+                      <a:headEnd type="none" w="med" len="med"/>
+                      <a:tailEnd type="none" w="med" len="med"/>
+                    </a:lnB>
+                    <a:solidFill>
+                      <a:srgbClr val="F4F8F9"/>
+                    </a:solidFill>
+                  </a:tcPr>
+                </a:tc>
+                <a:tc>
+                  <a:txBody>
+                    <a:bodyPr/>
+                    <a:lstStyle/>
+                    <a:p>
+                      <a:r>
+                        <a:rPr lang="en-US" sz="1000">
+                          <a:effectLst/>
+                        </a:rPr>
+                        <a:t>TRAPPC5</a:t>
+                      </a:r>
+                    </a:p>
+                  </a:txBody>
+                  <a:tcPr marL="10193" marR="10193" marT="8155" marB="8155" anchor="ctr">
+                    <a:lnL w="9525" cap="flat" cmpd="sng" algn="ctr">
+                      <a:solidFill>
+                        <a:srgbClr val="D6DADC"/>
+                      </a:solidFill>
+                      <a:prstDash val="solid"/>
+                      <a:round/>
+                      <a:headEnd type="none" w="med" len="med"/>
+                      <a:tailEnd type="none" w="med" len="med"/>
+                    </a:lnL>
+                    <a:lnR w="9525" cap="flat" cmpd="sng" algn="ctr">
+                      <a:solidFill>
+                        <a:srgbClr val="D6DADC"/>
+                      </a:solidFill>
+                      <a:prstDash val="solid"/>
+                      <a:round/>
+                      <a:headEnd type="none" w="med" len="med"/>
+                      <a:tailEnd type="none" w="med" len="med"/>
+                    </a:lnR>
+                    <a:lnT w="9525" cap="flat" cmpd="sng" algn="ctr">
+                      <a:solidFill>
+                        <a:srgbClr val="D6DADC"/>
+                      </a:solidFill>
+                      <a:prstDash val="solid"/>
+                      <a:round/>
+                      <a:headEnd type="none" w="med" len="med"/>
+                      <a:tailEnd type="none" w="med" len="med"/>
+                    </a:lnT>
+                    <a:lnB w="9525" cap="flat" cmpd="sng" algn="ctr">
+                      <a:solidFill>
+                        <a:srgbClr val="D6DADC"/>
+                      </a:solidFill>
+                      <a:prstDash val="solid"/>
+                      <a:round/>
+                      <a:headEnd type="none" w="med" len="med"/>
+                      <a:tailEnd type="none" w="med" len="med"/>
+                    </a:lnB>
+                    <a:solidFill>
+                      <a:srgbClr val="FFFFFF"/>
+                    </a:solidFill>
+                  </a:tcPr>
+                </a:tc>
+                <a:tc>
+                  <a:txBody>
+                    <a:bodyPr/>
+                    <a:lstStyle/>
+                    <a:p>
+                      <a:r>
+                        <a:rPr lang="en-US" altLang="ko-KR" sz="1000">
+                          <a:effectLst/>
+                        </a:rPr>
+                        <a:t>1</a:t>
+                      </a:r>
+                    </a:p>
+                  </a:txBody>
+                  <a:tcPr marL="10193" marR="10193" marT="8155" marB="8155" anchor="ctr">
+                    <a:lnL w="9525" cap="flat" cmpd="sng" algn="ctr">
+                      <a:solidFill>
+                        <a:srgbClr val="D6DADC"/>
+                      </a:solidFill>
+                      <a:prstDash val="solid"/>
+                      <a:round/>
+                      <a:headEnd type="none" w="med" len="med"/>
+                      <a:tailEnd type="none" w="med" len="med"/>
+                    </a:lnL>
+                    <a:lnR w="9525" cap="flat" cmpd="sng" algn="ctr">
+                      <a:solidFill>
+                        <a:srgbClr val="D6DADC"/>
+                      </a:solidFill>
+                      <a:prstDash val="solid"/>
+                      <a:round/>
+                      <a:headEnd type="none" w="med" len="med"/>
+                      <a:tailEnd type="none" w="med" len="med"/>
+                    </a:lnR>
+                    <a:lnT w="9525" cap="flat" cmpd="sng" algn="ctr">
+                      <a:solidFill>
+                        <a:srgbClr val="D6DADC"/>
+                      </a:solidFill>
+                      <a:prstDash val="solid"/>
+                      <a:round/>
+                      <a:headEnd type="none" w="med" len="med"/>
+                      <a:tailEnd type="none" w="med" len="med"/>
+                    </a:lnT>
+                    <a:lnB w="9525" cap="flat" cmpd="sng" algn="ctr">
+                      <a:solidFill>
+                        <a:srgbClr val="D6DADC"/>
+                      </a:solidFill>
+                      <a:prstDash val="solid"/>
+                      <a:round/>
+                      <a:headEnd type="none" w="med" len="med"/>
+                      <a:tailEnd type="none" w="med" len="med"/>
+                    </a:lnB>
+                    <a:solidFill>
+                      <a:srgbClr val="FFFFFF"/>
+                    </a:solidFill>
+                  </a:tcPr>
+                </a:tc>
+                <a:extLst>
+                  <a:ext uri="{0D108BD9-81ED-4DB2-BD59-A6C34878D82A}">
+                    <a16:rowId xmlns:a16="http://schemas.microsoft.com/office/drawing/2014/main" val="2890040046"/>
+                  </a:ext>
+                </a:extLst>
+              </a:tr>
+              <a:tr h="135420">
+                <a:tc>
+                  <a:txBody>
+                    <a:bodyPr/>
+                    <a:lstStyle/>
+                    <a:p>
+                      <a:pPr algn="r"/>
+                      <a:r>
+                        <a:rPr lang="en-US" altLang="ko-KR" sz="1000" b="1">
+                          <a:solidFill>
+                            <a:srgbClr val="000000"/>
+                          </a:solidFill>
+                          <a:effectLst/>
+                        </a:rPr>
+                        <a:t>14</a:t>
+                      </a:r>
+                    </a:p>
+                  </a:txBody>
+                  <a:tcPr marL="10193" marR="10193" marT="8155" marB="8155" anchor="ctr">
+                    <a:lnL>
+                      <a:noFill/>
+                    </a:lnL>
+                    <a:lnR w="9525" cap="flat" cmpd="sng" algn="ctr">
+                      <a:solidFill>
+                        <a:srgbClr val="D6DADC"/>
+                      </a:solidFill>
+                      <a:prstDash val="solid"/>
+                      <a:round/>
+                      <a:headEnd type="none" w="med" len="med"/>
+                      <a:tailEnd type="none" w="med" len="med"/>
+                    </a:lnR>
+                    <a:lnT w="9525" cap="flat" cmpd="sng" algn="ctr">
+                      <a:solidFill>
+                        <a:srgbClr val="D6DADC"/>
+                      </a:solidFill>
+                      <a:prstDash val="solid"/>
+                      <a:round/>
+                      <a:headEnd type="none" w="med" len="med"/>
+                      <a:tailEnd type="none" w="med" len="med"/>
+                    </a:lnT>
+                    <a:lnB w="9525" cap="flat" cmpd="sng" algn="ctr">
+                      <a:solidFill>
+                        <a:srgbClr val="D6DADC"/>
+                      </a:solidFill>
+                      <a:prstDash val="solid"/>
+                      <a:round/>
+                      <a:headEnd type="none" w="med" len="med"/>
+                      <a:tailEnd type="none" w="med" len="med"/>
+                    </a:lnB>
+                    <a:solidFill>
+                      <a:srgbClr val="F4F8F9"/>
+                    </a:solidFill>
+                  </a:tcPr>
+                </a:tc>
+                <a:tc>
+                  <a:txBody>
+                    <a:bodyPr/>
+                    <a:lstStyle/>
+                    <a:p>
+                      <a:r>
+                        <a:rPr lang="en-US" sz="1000">
+                          <a:effectLst/>
+                        </a:rPr>
+                        <a:t>FEZF2</a:t>
+                      </a:r>
+                    </a:p>
+                  </a:txBody>
+                  <a:tcPr marL="10193" marR="10193" marT="8155" marB="8155" anchor="ctr">
+                    <a:lnL w="9525" cap="flat" cmpd="sng" algn="ctr">
+                      <a:solidFill>
+                        <a:srgbClr val="D6DADC"/>
+                      </a:solidFill>
+                      <a:prstDash val="solid"/>
+                      <a:round/>
+                      <a:headEnd type="none" w="med" len="med"/>
+                      <a:tailEnd type="none" w="med" len="med"/>
+                    </a:lnL>
+                    <a:lnR w="9525" cap="flat" cmpd="sng" algn="ctr">
+                      <a:solidFill>
+                        <a:srgbClr val="D6DADC"/>
+                      </a:solidFill>
+                      <a:prstDash val="solid"/>
+                      <a:round/>
+                      <a:headEnd type="none" w="med" len="med"/>
+                      <a:tailEnd type="none" w="med" len="med"/>
+                    </a:lnR>
+                    <a:lnT w="9525" cap="flat" cmpd="sng" algn="ctr">
+                      <a:solidFill>
+                        <a:srgbClr val="D6DADC"/>
+                      </a:solidFill>
+                      <a:prstDash val="solid"/>
+                      <a:round/>
+                      <a:headEnd type="none" w="med" len="med"/>
+                      <a:tailEnd type="none" w="med" len="med"/>
+                    </a:lnT>
+                    <a:lnB w="9525" cap="flat" cmpd="sng" algn="ctr">
+                      <a:solidFill>
+                        <a:srgbClr val="D6DADC"/>
+                      </a:solidFill>
+                      <a:prstDash val="solid"/>
+                      <a:round/>
+                      <a:headEnd type="none" w="med" len="med"/>
+                      <a:tailEnd type="none" w="med" len="med"/>
+                    </a:lnB>
+                    <a:solidFill>
+                      <a:srgbClr val="FFFFFF"/>
+                    </a:solidFill>
+                  </a:tcPr>
+                </a:tc>
+                <a:tc>
+                  <a:txBody>
+                    <a:bodyPr/>
+                    <a:lstStyle/>
+                    <a:p>
+                      <a:r>
+                        <a:rPr lang="en-US" altLang="ko-KR" sz="1000">
+                          <a:effectLst/>
+                        </a:rPr>
+                        <a:t>1</a:t>
+                      </a:r>
+                    </a:p>
+                  </a:txBody>
+                  <a:tcPr marL="10193" marR="10193" marT="8155" marB="8155" anchor="ctr">
+                    <a:lnL w="9525" cap="flat" cmpd="sng" algn="ctr">
+                      <a:solidFill>
+                        <a:srgbClr val="D6DADC"/>
+                      </a:solidFill>
+                      <a:prstDash val="solid"/>
+                      <a:round/>
+                      <a:headEnd type="none" w="med" len="med"/>
+                      <a:tailEnd type="none" w="med" len="med"/>
+                    </a:lnL>
+                    <a:lnR w="9525" cap="flat" cmpd="sng" algn="ctr">
+                      <a:solidFill>
+                        <a:srgbClr val="D6DADC"/>
+                      </a:solidFill>
+                      <a:prstDash val="solid"/>
+                      <a:round/>
+                      <a:headEnd type="none" w="med" len="med"/>
+                      <a:tailEnd type="none" w="med" len="med"/>
+                    </a:lnR>
+                    <a:lnT w="9525" cap="flat" cmpd="sng" algn="ctr">
+                      <a:solidFill>
+                        <a:srgbClr val="D6DADC"/>
+                      </a:solidFill>
+                      <a:prstDash val="solid"/>
+                      <a:round/>
+                      <a:headEnd type="none" w="med" len="med"/>
+                      <a:tailEnd type="none" w="med" len="med"/>
+                    </a:lnT>
+                    <a:lnB w="9525" cap="flat" cmpd="sng" algn="ctr">
+                      <a:solidFill>
+                        <a:srgbClr val="D6DADC"/>
+                      </a:solidFill>
+                      <a:prstDash val="solid"/>
+                      <a:round/>
+                      <a:headEnd type="none" w="med" len="med"/>
+                      <a:tailEnd type="none" w="med" len="med"/>
+                    </a:lnB>
+                    <a:solidFill>
+                      <a:srgbClr val="FFFFFF"/>
+                    </a:solidFill>
+                  </a:tcPr>
+                </a:tc>
+                <a:extLst>
+                  <a:ext uri="{0D108BD9-81ED-4DB2-BD59-A6C34878D82A}">
+                    <a16:rowId xmlns:a16="http://schemas.microsoft.com/office/drawing/2014/main" val="3586225267"/>
+                  </a:ext>
+                </a:extLst>
+              </a:tr>
+              <a:tr h="135420">
+                <a:tc>
+                  <a:txBody>
+                    <a:bodyPr/>
+                    <a:lstStyle/>
+                    <a:p>
+                      <a:pPr algn="r"/>
+                      <a:r>
+                        <a:rPr lang="en-US" altLang="ko-KR" sz="1000" b="1">
+                          <a:solidFill>
+                            <a:srgbClr val="000000"/>
+                          </a:solidFill>
+                          <a:effectLst/>
+                        </a:rPr>
+                        <a:t>15</a:t>
+                      </a:r>
+                    </a:p>
+                  </a:txBody>
+                  <a:tcPr marL="10193" marR="10193" marT="8155" marB="8155" anchor="ctr">
+                    <a:lnL>
+                      <a:noFill/>
+                    </a:lnL>
+                    <a:lnR w="9525" cap="flat" cmpd="sng" algn="ctr">
+                      <a:solidFill>
+                        <a:srgbClr val="D6DADC"/>
+                      </a:solidFill>
+                      <a:prstDash val="solid"/>
+                      <a:round/>
+                      <a:headEnd type="none" w="med" len="med"/>
+                      <a:tailEnd type="none" w="med" len="med"/>
+                    </a:lnR>
+                    <a:lnT w="9525" cap="flat" cmpd="sng" algn="ctr">
+                      <a:solidFill>
+                        <a:srgbClr val="D6DADC"/>
+                      </a:solidFill>
+                      <a:prstDash val="solid"/>
+                      <a:round/>
+                      <a:headEnd type="none" w="med" len="med"/>
+                      <a:tailEnd type="none" w="med" len="med"/>
+                    </a:lnT>
+                    <a:lnB w="9525" cap="flat" cmpd="sng" algn="ctr">
+                      <a:solidFill>
+                        <a:srgbClr val="D6DADC"/>
+                      </a:solidFill>
+                      <a:prstDash val="solid"/>
+                      <a:round/>
+                      <a:headEnd type="none" w="med" len="med"/>
+                      <a:tailEnd type="none" w="med" len="med"/>
+                    </a:lnB>
+                    <a:solidFill>
+                      <a:srgbClr val="F4F8F9"/>
+                    </a:solidFill>
+                  </a:tcPr>
+                </a:tc>
+                <a:tc>
+                  <a:txBody>
+                    <a:bodyPr/>
+                    <a:lstStyle/>
+                    <a:p>
+                      <a:r>
+                        <a:rPr lang="en-US" sz="1000">
+                          <a:effectLst/>
+                        </a:rPr>
+                        <a:t>LOC101929607</a:t>
+                      </a:r>
+                    </a:p>
+                  </a:txBody>
+                  <a:tcPr marL="10193" marR="10193" marT="8155" marB="8155" anchor="ctr">
+                    <a:lnL w="9525" cap="flat" cmpd="sng" algn="ctr">
+                      <a:solidFill>
+                        <a:srgbClr val="D6DADC"/>
+                      </a:solidFill>
+                      <a:prstDash val="solid"/>
+                      <a:round/>
+                      <a:headEnd type="none" w="med" len="med"/>
+                      <a:tailEnd type="none" w="med" len="med"/>
+                    </a:lnL>
+                    <a:lnR w="9525" cap="flat" cmpd="sng" algn="ctr">
+                      <a:solidFill>
+                        <a:srgbClr val="D6DADC"/>
+                      </a:solidFill>
+                      <a:prstDash val="solid"/>
+                      <a:round/>
+                      <a:headEnd type="none" w="med" len="med"/>
+                      <a:tailEnd type="none" w="med" len="med"/>
+                    </a:lnR>
+                    <a:lnT w="9525" cap="flat" cmpd="sng" algn="ctr">
+                      <a:solidFill>
+                        <a:srgbClr val="D6DADC"/>
+                      </a:solidFill>
+                      <a:prstDash val="solid"/>
+                      <a:round/>
+                      <a:headEnd type="none" w="med" len="med"/>
+                      <a:tailEnd type="none" w="med" len="med"/>
+                    </a:lnT>
+                    <a:lnB w="9525" cap="flat" cmpd="sng" algn="ctr">
+                      <a:solidFill>
+                        <a:srgbClr val="D6DADC"/>
+                      </a:solidFill>
+                      <a:prstDash val="solid"/>
+                      <a:round/>
+                      <a:headEnd type="none" w="med" len="med"/>
+                      <a:tailEnd type="none" w="med" len="med"/>
+                    </a:lnB>
+                    <a:solidFill>
+                      <a:srgbClr val="FFFFFF"/>
+                    </a:solidFill>
+                  </a:tcPr>
+                </a:tc>
+                <a:tc>
+                  <a:txBody>
+                    <a:bodyPr/>
+                    <a:lstStyle/>
+                    <a:p>
+                      <a:r>
+                        <a:rPr lang="en-US" altLang="ko-KR" sz="1000">
+                          <a:effectLst/>
+                        </a:rPr>
+                        <a:t>2</a:t>
+                      </a:r>
+                    </a:p>
+                  </a:txBody>
+                  <a:tcPr marL="10193" marR="10193" marT="8155" marB="8155" anchor="ctr">
+                    <a:lnL w="9525" cap="flat" cmpd="sng" algn="ctr">
+                      <a:solidFill>
+                        <a:srgbClr val="D6DADC"/>
+                      </a:solidFill>
+                      <a:prstDash val="solid"/>
+                      <a:round/>
+                      <a:headEnd type="none" w="med" len="med"/>
+                      <a:tailEnd type="none" w="med" len="med"/>
+                    </a:lnL>
+                    <a:lnR w="9525" cap="flat" cmpd="sng" algn="ctr">
+                      <a:solidFill>
+                        <a:srgbClr val="D6DADC"/>
+                      </a:solidFill>
+                      <a:prstDash val="solid"/>
+                      <a:round/>
+                      <a:headEnd type="none" w="med" len="med"/>
+                      <a:tailEnd type="none" w="med" len="med"/>
+                    </a:lnR>
+                    <a:lnT w="9525" cap="flat" cmpd="sng" algn="ctr">
+                      <a:solidFill>
+                        <a:srgbClr val="D6DADC"/>
+                      </a:solidFill>
+                      <a:prstDash val="solid"/>
+                      <a:round/>
+                      <a:headEnd type="none" w="med" len="med"/>
+                      <a:tailEnd type="none" w="med" len="med"/>
+                    </a:lnT>
+                    <a:lnB w="9525" cap="flat" cmpd="sng" algn="ctr">
+                      <a:solidFill>
+                        <a:srgbClr val="D6DADC"/>
+                      </a:solidFill>
+                      <a:prstDash val="solid"/>
+                      <a:round/>
+                      <a:headEnd type="none" w="med" len="med"/>
+                      <a:tailEnd type="none" w="med" len="med"/>
+                    </a:lnB>
+                    <a:solidFill>
+                      <a:srgbClr val="FFFFFF"/>
+                    </a:solidFill>
+                  </a:tcPr>
+                </a:tc>
+                <a:extLst>
+                  <a:ext uri="{0D108BD9-81ED-4DB2-BD59-A6C34878D82A}">
+                    <a16:rowId xmlns:a16="http://schemas.microsoft.com/office/drawing/2014/main" val="1271217263"/>
+                  </a:ext>
+                </a:extLst>
+              </a:tr>
+              <a:tr h="135420">
+                <a:tc>
+                  <a:txBody>
+                    <a:bodyPr/>
+                    <a:lstStyle/>
+                    <a:p>
+                      <a:pPr algn="r"/>
+                      <a:r>
+                        <a:rPr lang="en-US" altLang="ko-KR" sz="1000" b="1">
+                          <a:solidFill>
+                            <a:srgbClr val="000000"/>
+                          </a:solidFill>
+                          <a:effectLst/>
+                        </a:rPr>
+                        <a:t>16</a:t>
+                      </a:r>
+                    </a:p>
+                  </a:txBody>
+                  <a:tcPr marL="10193" marR="10193" marT="8155" marB="8155" anchor="ctr">
+                    <a:lnL>
+                      <a:noFill/>
+                    </a:lnL>
+                    <a:lnR w="9525" cap="flat" cmpd="sng" algn="ctr">
+                      <a:solidFill>
+                        <a:srgbClr val="D6DADC"/>
+                      </a:solidFill>
+                      <a:prstDash val="solid"/>
+                      <a:round/>
+                      <a:headEnd type="none" w="med" len="med"/>
+                      <a:tailEnd type="none" w="med" len="med"/>
+                    </a:lnR>
+                    <a:lnT w="9525" cap="flat" cmpd="sng" algn="ctr">
+                      <a:solidFill>
+                        <a:srgbClr val="D6DADC"/>
+                      </a:solidFill>
+                      <a:prstDash val="solid"/>
+                      <a:round/>
+                      <a:headEnd type="none" w="med" len="med"/>
+                      <a:tailEnd type="none" w="med" len="med"/>
+                    </a:lnT>
+                    <a:lnB w="9525" cap="flat" cmpd="sng" algn="ctr">
+                      <a:solidFill>
+                        <a:srgbClr val="D6DADC"/>
+                      </a:solidFill>
+                      <a:prstDash val="solid"/>
+                      <a:round/>
+                      <a:headEnd type="none" w="med" len="med"/>
+                      <a:tailEnd type="none" w="med" len="med"/>
+                    </a:lnB>
+                    <a:solidFill>
+                      <a:srgbClr val="F4F8F9"/>
+                    </a:solidFill>
+                  </a:tcPr>
+                </a:tc>
+                <a:tc>
+                  <a:txBody>
+                    <a:bodyPr/>
+                    <a:lstStyle/>
+                    <a:p>
+                      <a:r>
+                        <a:rPr lang="en-US" sz="1000">
+                          <a:effectLst/>
+                        </a:rPr>
+                        <a:t>KRT222</a:t>
+                      </a:r>
+                    </a:p>
+                  </a:txBody>
+                  <a:tcPr marL="10193" marR="10193" marT="8155" marB="8155" anchor="ctr">
+                    <a:lnL w="9525" cap="flat" cmpd="sng" algn="ctr">
+                      <a:solidFill>
+                        <a:srgbClr val="D6DADC"/>
+                      </a:solidFill>
+                      <a:prstDash val="solid"/>
+                      <a:round/>
+                      <a:headEnd type="none" w="med" len="med"/>
+                      <a:tailEnd type="none" w="med" len="med"/>
+                    </a:lnL>
+                    <a:lnR w="9525" cap="flat" cmpd="sng" algn="ctr">
+                      <a:solidFill>
+                        <a:srgbClr val="D6DADC"/>
+                      </a:solidFill>
+                      <a:prstDash val="solid"/>
+                      <a:round/>
+                      <a:headEnd type="none" w="med" len="med"/>
+                      <a:tailEnd type="none" w="med" len="med"/>
+                    </a:lnR>
+                    <a:lnT w="9525" cap="flat" cmpd="sng" algn="ctr">
+                      <a:solidFill>
+                        <a:srgbClr val="D6DADC"/>
+                      </a:solidFill>
+                      <a:prstDash val="solid"/>
+                      <a:round/>
+                      <a:headEnd type="none" w="med" len="med"/>
+                      <a:tailEnd type="none" w="med" len="med"/>
+                    </a:lnT>
+                    <a:lnB w="9525" cap="flat" cmpd="sng" algn="ctr">
+                      <a:solidFill>
+                        <a:srgbClr val="D6DADC"/>
+                      </a:solidFill>
+                      <a:prstDash val="solid"/>
+                      <a:round/>
+                      <a:headEnd type="none" w="med" len="med"/>
+                      <a:tailEnd type="none" w="med" len="med"/>
+                    </a:lnB>
+                    <a:solidFill>
+                      <a:srgbClr val="FFFFFF"/>
+                    </a:solidFill>
+                  </a:tcPr>
+                </a:tc>
+                <a:tc>
+                  <a:txBody>
+                    <a:bodyPr/>
+                    <a:lstStyle/>
+                    <a:p>
+                      <a:r>
+                        <a:rPr lang="en-US" altLang="ko-KR" sz="1000">
+                          <a:effectLst/>
+                        </a:rPr>
+                        <a:t>2</a:t>
+                      </a:r>
+                    </a:p>
+                  </a:txBody>
+                  <a:tcPr marL="10193" marR="10193" marT="8155" marB="8155" anchor="ctr">
+                    <a:lnL w="9525" cap="flat" cmpd="sng" algn="ctr">
+                      <a:solidFill>
+                        <a:srgbClr val="D6DADC"/>
+                      </a:solidFill>
+                      <a:prstDash val="solid"/>
+                      <a:round/>
+                      <a:headEnd type="none" w="med" len="med"/>
+                      <a:tailEnd type="none" w="med" len="med"/>
+                    </a:lnL>
+                    <a:lnR w="9525" cap="flat" cmpd="sng" algn="ctr">
+                      <a:solidFill>
+                        <a:srgbClr val="D6DADC"/>
+                      </a:solidFill>
+                      <a:prstDash val="solid"/>
+                      <a:round/>
+                      <a:headEnd type="none" w="med" len="med"/>
+                      <a:tailEnd type="none" w="med" len="med"/>
+                    </a:lnR>
+                    <a:lnT w="9525" cap="flat" cmpd="sng" algn="ctr">
+                      <a:solidFill>
+                        <a:srgbClr val="D6DADC"/>
+                      </a:solidFill>
+                      <a:prstDash val="solid"/>
+                      <a:round/>
+                      <a:headEnd type="none" w="med" len="med"/>
+                      <a:tailEnd type="none" w="med" len="med"/>
+                    </a:lnT>
+                    <a:lnB w="9525" cap="flat" cmpd="sng" algn="ctr">
+                      <a:solidFill>
+                        <a:srgbClr val="D6DADC"/>
+                      </a:solidFill>
+                      <a:prstDash val="solid"/>
+                      <a:round/>
+                      <a:headEnd type="none" w="med" len="med"/>
+                      <a:tailEnd type="none" w="med" len="med"/>
+                    </a:lnB>
+                    <a:solidFill>
+                      <a:srgbClr val="FFFFFF"/>
+                    </a:solidFill>
+                  </a:tcPr>
+                </a:tc>
+                <a:extLst>
+                  <a:ext uri="{0D108BD9-81ED-4DB2-BD59-A6C34878D82A}">
+                    <a16:rowId xmlns:a16="http://schemas.microsoft.com/office/drawing/2014/main" val="4003883516"/>
+                  </a:ext>
+                </a:extLst>
+              </a:tr>
+              <a:tr h="135420">
+                <a:tc>
+                  <a:txBody>
+                    <a:bodyPr/>
+                    <a:lstStyle/>
+                    <a:p>
+                      <a:pPr algn="r"/>
+                      <a:r>
+                        <a:rPr lang="en-US" altLang="ko-KR" sz="1000" b="1">
+                          <a:solidFill>
+                            <a:srgbClr val="000000"/>
+                          </a:solidFill>
+                          <a:effectLst/>
+                        </a:rPr>
+                        <a:t>17</a:t>
+                      </a:r>
+                    </a:p>
+                  </a:txBody>
+                  <a:tcPr marL="10193" marR="10193" marT="8155" marB="8155" anchor="ctr">
+                    <a:lnL>
+                      <a:noFill/>
+                    </a:lnL>
+                    <a:lnR w="9525" cap="flat" cmpd="sng" algn="ctr">
+                      <a:solidFill>
+                        <a:srgbClr val="D6DADC"/>
+                      </a:solidFill>
+                      <a:prstDash val="solid"/>
+                      <a:round/>
+                      <a:headEnd type="none" w="med" len="med"/>
+                      <a:tailEnd type="none" w="med" len="med"/>
+                    </a:lnR>
+                    <a:lnT w="9525" cap="flat" cmpd="sng" algn="ctr">
+                      <a:solidFill>
+                        <a:srgbClr val="D6DADC"/>
+                      </a:solidFill>
+                      <a:prstDash val="solid"/>
+                      <a:round/>
+                      <a:headEnd type="none" w="med" len="med"/>
+                      <a:tailEnd type="none" w="med" len="med"/>
+                    </a:lnT>
+                    <a:lnB w="9525" cap="flat" cmpd="sng" algn="ctr">
+                      <a:solidFill>
+                        <a:srgbClr val="D6DADC"/>
+                      </a:solidFill>
+                      <a:prstDash val="solid"/>
+                      <a:round/>
+                      <a:headEnd type="none" w="med" len="med"/>
+                      <a:tailEnd type="none" w="med" len="med"/>
+                    </a:lnB>
+                    <a:solidFill>
+                      <a:srgbClr val="F4F8F9"/>
+                    </a:solidFill>
+                  </a:tcPr>
+                </a:tc>
+                <a:tc>
+                  <a:txBody>
+                    <a:bodyPr/>
+                    <a:lstStyle/>
+                    <a:p>
+                      <a:r>
+                        <a:rPr lang="en-US" sz="1000">
+                          <a:effectLst/>
+                        </a:rPr>
+                        <a:t>KIAA0408</a:t>
+                      </a:r>
+                    </a:p>
+                  </a:txBody>
+                  <a:tcPr marL="10193" marR="10193" marT="8155" marB="8155" anchor="ctr">
+                    <a:lnL w="9525" cap="flat" cmpd="sng" algn="ctr">
+                      <a:solidFill>
+                        <a:srgbClr val="D6DADC"/>
+                      </a:solidFill>
+                      <a:prstDash val="solid"/>
+                      <a:round/>
+                      <a:headEnd type="none" w="med" len="med"/>
+                      <a:tailEnd type="none" w="med" len="med"/>
+                    </a:lnL>
+                    <a:lnR w="9525" cap="flat" cmpd="sng" algn="ctr">
+                      <a:solidFill>
+                        <a:srgbClr val="D6DADC"/>
+                      </a:solidFill>
+                      <a:prstDash val="solid"/>
+                      <a:round/>
+                      <a:headEnd type="none" w="med" len="med"/>
+                      <a:tailEnd type="none" w="med" len="med"/>
+                    </a:lnR>
+                    <a:lnT w="9525" cap="flat" cmpd="sng" algn="ctr">
+                      <a:solidFill>
+                        <a:srgbClr val="D6DADC"/>
+                      </a:solidFill>
+                      <a:prstDash val="solid"/>
+                      <a:round/>
+                      <a:headEnd type="none" w="med" len="med"/>
+                      <a:tailEnd type="none" w="med" len="med"/>
+                    </a:lnT>
+                    <a:lnB w="9525" cap="flat" cmpd="sng" algn="ctr">
+                      <a:solidFill>
+                        <a:srgbClr val="D6DADC"/>
+                      </a:solidFill>
+                      <a:prstDash val="solid"/>
+                      <a:round/>
+                      <a:headEnd type="none" w="med" len="med"/>
+                      <a:tailEnd type="none" w="med" len="med"/>
+                    </a:lnB>
+                    <a:solidFill>
+                      <a:srgbClr val="FFFFFF"/>
+                    </a:solidFill>
+                  </a:tcPr>
+                </a:tc>
+                <a:tc>
+                  <a:txBody>
+                    <a:bodyPr/>
+                    <a:lstStyle/>
+                    <a:p>
+                      <a:r>
+                        <a:rPr lang="en-US" altLang="ko-KR" sz="1000">
+                          <a:effectLst/>
+                        </a:rPr>
+                        <a:t>2</a:t>
+                      </a:r>
+                    </a:p>
+                  </a:txBody>
+                  <a:tcPr marL="10193" marR="10193" marT="8155" marB="8155" anchor="ctr">
+                    <a:lnL w="9525" cap="flat" cmpd="sng" algn="ctr">
+                      <a:solidFill>
+                        <a:srgbClr val="D6DADC"/>
+                      </a:solidFill>
+                      <a:prstDash val="solid"/>
+                      <a:round/>
+                      <a:headEnd type="none" w="med" len="med"/>
+                      <a:tailEnd type="none" w="med" len="med"/>
+                    </a:lnL>
+                    <a:lnR w="9525" cap="flat" cmpd="sng" algn="ctr">
+                      <a:solidFill>
+                        <a:srgbClr val="D6DADC"/>
+                      </a:solidFill>
+                      <a:prstDash val="solid"/>
+                      <a:round/>
+                      <a:headEnd type="none" w="med" len="med"/>
+                      <a:tailEnd type="none" w="med" len="med"/>
+                    </a:lnR>
+                    <a:lnT w="9525" cap="flat" cmpd="sng" algn="ctr">
+                      <a:solidFill>
+                        <a:srgbClr val="D6DADC"/>
+                      </a:solidFill>
+                      <a:prstDash val="solid"/>
+                      <a:round/>
+                      <a:headEnd type="none" w="med" len="med"/>
+                      <a:tailEnd type="none" w="med" len="med"/>
+                    </a:lnT>
+                    <a:lnB w="9525" cap="flat" cmpd="sng" algn="ctr">
+                      <a:solidFill>
+                        <a:srgbClr val="D6DADC"/>
+                      </a:solidFill>
+                      <a:prstDash val="solid"/>
+                      <a:round/>
+                      <a:headEnd type="none" w="med" len="med"/>
+                      <a:tailEnd type="none" w="med" len="med"/>
+                    </a:lnB>
+                    <a:solidFill>
+                      <a:srgbClr val="FFFFFF"/>
+                    </a:solidFill>
+                  </a:tcPr>
+                </a:tc>
+                <a:extLst>
+                  <a:ext uri="{0D108BD9-81ED-4DB2-BD59-A6C34878D82A}">
+                    <a16:rowId xmlns:a16="http://schemas.microsoft.com/office/drawing/2014/main" val="3620685483"/>
+                  </a:ext>
+                </a:extLst>
+              </a:tr>
+              <a:tr h="135420">
+                <a:tc>
+                  <a:txBody>
+                    <a:bodyPr/>
+                    <a:lstStyle/>
+                    <a:p>
+                      <a:pPr algn="r"/>
+                      <a:r>
+                        <a:rPr lang="en-US" altLang="ko-KR" sz="1000" b="1">
+                          <a:solidFill>
+                            <a:srgbClr val="000000"/>
+                          </a:solidFill>
+                          <a:effectLst/>
+                        </a:rPr>
+                        <a:t>18</a:t>
+                      </a:r>
+                    </a:p>
+                  </a:txBody>
+                  <a:tcPr marL="10193" marR="10193" marT="8155" marB="8155" anchor="ctr">
+                    <a:lnL>
+                      <a:noFill/>
+                    </a:lnL>
+                    <a:lnR w="9525" cap="flat" cmpd="sng" algn="ctr">
+                      <a:solidFill>
+                        <a:srgbClr val="D6DADC"/>
+                      </a:solidFill>
+                      <a:prstDash val="solid"/>
+                      <a:round/>
+                      <a:headEnd type="none" w="med" len="med"/>
+                      <a:tailEnd type="none" w="med" len="med"/>
+                    </a:lnR>
+                    <a:lnT w="9525" cap="flat" cmpd="sng" algn="ctr">
+                      <a:solidFill>
+                        <a:srgbClr val="D6DADC"/>
+                      </a:solidFill>
+                      <a:prstDash val="solid"/>
+                      <a:round/>
+                      <a:headEnd type="none" w="med" len="med"/>
+                      <a:tailEnd type="none" w="med" len="med"/>
+                    </a:lnT>
+                    <a:lnB w="9525" cap="flat" cmpd="sng" algn="ctr">
+                      <a:solidFill>
+                        <a:srgbClr val="D6DADC"/>
+                      </a:solidFill>
+                      <a:prstDash val="solid"/>
+                      <a:round/>
+                      <a:headEnd type="none" w="med" len="med"/>
+                      <a:tailEnd type="none" w="med" len="med"/>
+                    </a:lnB>
+                    <a:solidFill>
+                      <a:srgbClr val="F4F8F9"/>
+                    </a:solidFill>
+                  </a:tcPr>
+                </a:tc>
+                <a:tc>
+                  <a:txBody>
+                    <a:bodyPr/>
+                    <a:lstStyle/>
+                    <a:p>
+                      <a:r>
+                        <a:rPr lang="en-US" sz="1000">
+                          <a:effectLst/>
+                        </a:rPr>
+                        <a:t>SNHG25</a:t>
+                      </a:r>
+                    </a:p>
+                  </a:txBody>
+                  <a:tcPr marL="10193" marR="10193" marT="8155" marB="8155" anchor="ctr">
+                    <a:lnL w="9525" cap="flat" cmpd="sng" algn="ctr">
+                      <a:solidFill>
+                        <a:srgbClr val="D6DADC"/>
+                      </a:solidFill>
+                      <a:prstDash val="solid"/>
+                      <a:round/>
+                      <a:headEnd type="none" w="med" len="med"/>
+                      <a:tailEnd type="none" w="med" len="med"/>
+                    </a:lnL>
+                    <a:lnR w="9525" cap="flat" cmpd="sng" algn="ctr">
+                      <a:solidFill>
+                        <a:srgbClr val="D6DADC"/>
+                      </a:solidFill>
+                      <a:prstDash val="solid"/>
+                      <a:round/>
+                      <a:headEnd type="none" w="med" len="med"/>
+                      <a:tailEnd type="none" w="med" len="med"/>
+                    </a:lnR>
+                    <a:lnT w="9525" cap="flat" cmpd="sng" algn="ctr">
+                      <a:solidFill>
+                        <a:srgbClr val="D6DADC"/>
+                      </a:solidFill>
+                      <a:prstDash val="solid"/>
+                      <a:round/>
+                      <a:headEnd type="none" w="med" len="med"/>
+                      <a:tailEnd type="none" w="med" len="med"/>
+                    </a:lnT>
+                    <a:lnB w="9525" cap="flat" cmpd="sng" algn="ctr">
+                      <a:solidFill>
+                        <a:srgbClr val="D6DADC"/>
+                      </a:solidFill>
+                      <a:prstDash val="solid"/>
+                      <a:round/>
+                      <a:headEnd type="none" w="med" len="med"/>
+                      <a:tailEnd type="none" w="med" len="med"/>
+                    </a:lnB>
+                    <a:solidFill>
+                      <a:srgbClr val="FFFFFF"/>
+                    </a:solidFill>
+                  </a:tcPr>
+                </a:tc>
+                <a:tc>
+                  <a:txBody>
+                    <a:bodyPr/>
+                    <a:lstStyle/>
+                    <a:p>
+                      <a:r>
+                        <a:rPr lang="en-US" altLang="ko-KR" sz="1000">
+                          <a:effectLst/>
+                        </a:rPr>
+                        <a:t>1</a:t>
+                      </a:r>
+                    </a:p>
+                  </a:txBody>
+                  <a:tcPr marL="10193" marR="10193" marT="8155" marB="8155" anchor="ctr">
+                    <a:lnL w="9525" cap="flat" cmpd="sng" algn="ctr">
+                      <a:solidFill>
+                        <a:srgbClr val="D6DADC"/>
+                      </a:solidFill>
+                      <a:prstDash val="solid"/>
+                      <a:round/>
+                      <a:headEnd type="none" w="med" len="med"/>
+                      <a:tailEnd type="none" w="med" len="med"/>
+                    </a:lnL>
+                    <a:lnR w="9525" cap="flat" cmpd="sng" algn="ctr">
+                      <a:solidFill>
+                        <a:srgbClr val="D6DADC"/>
+                      </a:solidFill>
+                      <a:prstDash val="solid"/>
+                      <a:round/>
+                      <a:headEnd type="none" w="med" len="med"/>
+                      <a:tailEnd type="none" w="med" len="med"/>
+                    </a:lnR>
+                    <a:lnT w="9525" cap="flat" cmpd="sng" algn="ctr">
+                      <a:solidFill>
+                        <a:srgbClr val="D6DADC"/>
+                      </a:solidFill>
+                      <a:prstDash val="solid"/>
+                      <a:round/>
+                      <a:headEnd type="none" w="med" len="med"/>
+                      <a:tailEnd type="none" w="med" len="med"/>
+                    </a:lnT>
+                    <a:lnB w="9525" cap="flat" cmpd="sng" algn="ctr">
+                      <a:solidFill>
+                        <a:srgbClr val="D6DADC"/>
+                      </a:solidFill>
+                      <a:prstDash val="solid"/>
+                      <a:round/>
+                      <a:headEnd type="none" w="med" len="med"/>
+                      <a:tailEnd type="none" w="med" len="med"/>
+                    </a:lnB>
+                    <a:solidFill>
+                      <a:srgbClr val="FFFFFF"/>
+                    </a:solidFill>
+                  </a:tcPr>
+                </a:tc>
+                <a:extLst>
+                  <a:ext uri="{0D108BD9-81ED-4DB2-BD59-A6C34878D82A}">
+                    <a16:rowId xmlns:a16="http://schemas.microsoft.com/office/drawing/2014/main" val="2134161697"/>
+                  </a:ext>
+                </a:extLst>
+              </a:tr>
+              <a:tr h="135420">
+                <a:tc>
+                  <a:txBody>
+                    <a:bodyPr/>
+                    <a:lstStyle/>
+                    <a:p>
+                      <a:pPr algn="r"/>
+                      <a:r>
+                        <a:rPr lang="en-US" altLang="ko-KR" sz="1000" b="1">
+                          <a:solidFill>
+                            <a:srgbClr val="000000"/>
+                          </a:solidFill>
+                          <a:effectLst/>
+                        </a:rPr>
+                        <a:t>19</a:t>
+                      </a:r>
+                    </a:p>
+                  </a:txBody>
+                  <a:tcPr marL="10193" marR="10193" marT="8155" marB="8155" anchor="ctr">
+                    <a:lnL>
+                      <a:noFill/>
+                    </a:lnL>
+                    <a:lnR w="9525" cap="flat" cmpd="sng" algn="ctr">
+                      <a:solidFill>
+                        <a:srgbClr val="D6DADC"/>
+                      </a:solidFill>
+                      <a:prstDash val="solid"/>
+                      <a:round/>
+                      <a:headEnd type="none" w="med" len="med"/>
+                      <a:tailEnd type="none" w="med" len="med"/>
+                    </a:lnR>
+                    <a:lnT w="9525" cap="flat" cmpd="sng" algn="ctr">
+                      <a:solidFill>
+                        <a:srgbClr val="D6DADC"/>
+                      </a:solidFill>
+                      <a:prstDash val="solid"/>
+                      <a:round/>
+                      <a:headEnd type="none" w="med" len="med"/>
+                      <a:tailEnd type="none" w="med" len="med"/>
+                    </a:lnT>
+                    <a:lnB w="9525" cap="flat" cmpd="sng" algn="ctr">
+                      <a:solidFill>
+                        <a:srgbClr val="D6DADC"/>
+                      </a:solidFill>
+                      <a:prstDash val="solid"/>
+                      <a:round/>
+                      <a:headEnd type="none" w="med" len="med"/>
+                      <a:tailEnd type="none" w="med" len="med"/>
+                    </a:lnB>
+                    <a:solidFill>
+                      <a:srgbClr val="F4F8F9"/>
+                    </a:solidFill>
+                  </a:tcPr>
+                </a:tc>
+                <a:tc>
+                  <a:txBody>
+                    <a:bodyPr/>
+                    <a:lstStyle/>
+                    <a:p>
+                      <a:r>
+                        <a:rPr lang="en-US" sz="1000">
+                          <a:effectLst/>
+                        </a:rPr>
+                        <a:t>PLGLB2</a:t>
+                      </a:r>
+                    </a:p>
+                  </a:txBody>
+                  <a:tcPr marL="10193" marR="10193" marT="8155" marB="8155" anchor="ctr">
+                    <a:lnL w="9525" cap="flat" cmpd="sng" algn="ctr">
+                      <a:solidFill>
+                        <a:srgbClr val="D6DADC"/>
+                      </a:solidFill>
+                      <a:prstDash val="solid"/>
+                      <a:round/>
+                      <a:headEnd type="none" w="med" len="med"/>
+                      <a:tailEnd type="none" w="med" len="med"/>
+                    </a:lnL>
+                    <a:lnR w="9525" cap="flat" cmpd="sng" algn="ctr">
+                      <a:solidFill>
+                        <a:srgbClr val="D6DADC"/>
+                      </a:solidFill>
+                      <a:prstDash val="solid"/>
+                      <a:round/>
+                      <a:headEnd type="none" w="med" len="med"/>
+                      <a:tailEnd type="none" w="med" len="med"/>
+                    </a:lnR>
+                    <a:lnT w="9525" cap="flat" cmpd="sng" algn="ctr">
+                      <a:solidFill>
+                        <a:srgbClr val="D6DADC"/>
+                      </a:solidFill>
+                      <a:prstDash val="solid"/>
+                      <a:round/>
+                      <a:headEnd type="none" w="med" len="med"/>
+                      <a:tailEnd type="none" w="med" len="med"/>
+                    </a:lnT>
+                    <a:lnB w="9525" cap="flat" cmpd="sng" algn="ctr">
+                      <a:solidFill>
+                        <a:srgbClr val="D6DADC"/>
+                      </a:solidFill>
+                      <a:prstDash val="solid"/>
+                      <a:round/>
+                      <a:headEnd type="none" w="med" len="med"/>
+                      <a:tailEnd type="none" w="med" len="med"/>
+                    </a:lnB>
+                    <a:solidFill>
+                      <a:srgbClr val="FFFFFF"/>
+                    </a:solidFill>
+                  </a:tcPr>
+                </a:tc>
+                <a:tc>
+                  <a:txBody>
+                    <a:bodyPr/>
+                    <a:lstStyle/>
+                    <a:p>
+                      <a:r>
+                        <a:rPr lang="en-US" altLang="ko-KR" sz="1000">
+                          <a:effectLst/>
+                        </a:rPr>
+                        <a:t>2</a:t>
+                      </a:r>
+                    </a:p>
+                  </a:txBody>
+                  <a:tcPr marL="10193" marR="10193" marT="8155" marB="8155" anchor="ctr">
+                    <a:lnL w="9525" cap="flat" cmpd="sng" algn="ctr">
+                      <a:solidFill>
+                        <a:srgbClr val="D6DADC"/>
+                      </a:solidFill>
+                      <a:prstDash val="solid"/>
+                      <a:round/>
+                      <a:headEnd type="none" w="med" len="med"/>
+                      <a:tailEnd type="none" w="med" len="med"/>
+                    </a:lnL>
+                    <a:lnR w="9525" cap="flat" cmpd="sng" algn="ctr">
+                      <a:solidFill>
+                        <a:srgbClr val="D6DADC"/>
+                      </a:solidFill>
+                      <a:prstDash val="solid"/>
+                      <a:round/>
+                      <a:headEnd type="none" w="med" len="med"/>
+                      <a:tailEnd type="none" w="med" len="med"/>
+                    </a:lnR>
+                    <a:lnT w="9525" cap="flat" cmpd="sng" algn="ctr">
+                      <a:solidFill>
+                        <a:srgbClr val="D6DADC"/>
+                      </a:solidFill>
+                      <a:prstDash val="solid"/>
+                      <a:round/>
+                      <a:headEnd type="none" w="med" len="med"/>
+                      <a:tailEnd type="none" w="med" len="med"/>
+                    </a:lnT>
+                    <a:lnB w="9525" cap="flat" cmpd="sng" algn="ctr">
+                      <a:solidFill>
+                        <a:srgbClr val="D6DADC"/>
+                      </a:solidFill>
+                      <a:prstDash val="solid"/>
+                      <a:round/>
+                      <a:headEnd type="none" w="med" len="med"/>
+                      <a:tailEnd type="none" w="med" len="med"/>
+                    </a:lnB>
+                    <a:solidFill>
+                      <a:srgbClr val="FFFFFF"/>
+                    </a:solidFill>
+                  </a:tcPr>
+                </a:tc>
+                <a:extLst>
+                  <a:ext uri="{0D108BD9-81ED-4DB2-BD59-A6C34878D82A}">
+                    <a16:rowId xmlns:a16="http://schemas.microsoft.com/office/drawing/2014/main" val="114164041"/>
+                  </a:ext>
+                </a:extLst>
+              </a:tr>
+              <a:tr h="135420">
+                <a:tc>
+                  <a:txBody>
+                    <a:bodyPr/>
+                    <a:lstStyle/>
+                    <a:p>
+                      <a:pPr algn="r"/>
+                      <a:r>
+                        <a:rPr lang="en-US" altLang="ko-KR" sz="1000" b="1">
+                          <a:solidFill>
+                            <a:srgbClr val="000000"/>
+                          </a:solidFill>
+                          <a:effectLst/>
+                        </a:rPr>
+                        <a:t>20</a:t>
+                      </a:r>
+                    </a:p>
+                  </a:txBody>
+                  <a:tcPr marL="10193" marR="10193" marT="8155" marB="8155" anchor="ctr">
+                    <a:lnL>
+                      <a:noFill/>
+                    </a:lnL>
+                    <a:lnR w="9525" cap="flat" cmpd="sng" algn="ctr">
+                      <a:solidFill>
+                        <a:srgbClr val="D6DADC"/>
+                      </a:solidFill>
+                      <a:prstDash val="solid"/>
+                      <a:round/>
+                      <a:headEnd type="none" w="med" len="med"/>
+                      <a:tailEnd type="none" w="med" len="med"/>
+                    </a:lnR>
+                    <a:lnT w="9525" cap="flat" cmpd="sng" algn="ctr">
+                      <a:solidFill>
+                        <a:srgbClr val="D6DADC"/>
+                      </a:solidFill>
+                      <a:prstDash val="solid"/>
+                      <a:round/>
+                      <a:headEnd type="none" w="med" len="med"/>
+                      <a:tailEnd type="none" w="med" len="med"/>
+                    </a:lnT>
+                    <a:lnB w="9525" cap="flat" cmpd="sng" algn="ctr">
+                      <a:solidFill>
+                        <a:srgbClr val="D6DADC"/>
+                      </a:solidFill>
+                      <a:prstDash val="solid"/>
+                      <a:round/>
+                      <a:headEnd type="none" w="med" len="med"/>
+                      <a:tailEnd type="none" w="med" len="med"/>
+                    </a:lnB>
+                    <a:solidFill>
+                      <a:srgbClr val="F4F8F9"/>
+                    </a:solidFill>
+                  </a:tcPr>
+                </a:tc>
+                <a:tc>
+                  <a:txBody>
+                    <a:bodyPr/>
+                    <a:lstStyle/>
+                    <a:p>
+                      <a:r>
+                        <a:rPr lang="en-US" sz="1000">
+                          <a:effectLst/>
+                        </a:rPr>
+                        <a:t>LOC644838</a:t>
+                      </a:r>
+                    </a:p>
+                  </a:txBody>
+                  <a:tcPr marL="10193" marR="10193" marT="8155" marB="8155" anchor="ctr">
+                    <a:lnL w="9525" cap="flat" cmpd="sng" algn="ctr">
+                      <a:solidFill>
+                        <a:srgbClr val="D6DADC"/>
+                      </a:solidFill>
+                      <a:prstDash val="solid"/>
+                      <a:round/>
+                      <a:headEnd type="none" w="med" len="med"/>
+                      <a:tailEnd type="none" w="med" len="med"/>
+                    </a:lnL>
+                    <a:lnR w="9525" cap="flat" cmpd="sng" algn="ctr">
+                      <a:solidFill>
+                        <a:srgbClr val="D6DADC"/>
+                      </a:solidFill>
+                      <a:prstDash val="solid"/>
+                      <a:round/>
+                      <a:headEnd type="none" w="med" len="med"/>
+                      <a:tailEnd type="none" w="med" len="med"/>
+                    </a:lnR>
+                    <a:lnT w="9525" cap="flat" cmpd="sng" algn="ctr">
+                      <a:solidFill>
+                        <a:srgbClr val="D6DADC"/>
+                      </a:solidFill>
+                      <a:prstDash val="solid"/>
+                      <a:round/>
+                      <a:headEnd type="none" w="med" len="med"/>
+                      <a:tailEnd type="none" w="med" len="med"/>
+                    </a:lnT>
+                    <a:lnB w="9525" cap="flat" cmpd="sng" algn="ctr">
+                      <a:solidFill>
+                        <a:srgbClr val="D6DADC"/>
+                      </a:solidFill>
+                      <a:prstDash val="solid"/>
+                      <a:round/>
+                      <a:headEnd type="none" w="med" len="med"/>
+                      <a:tailEnd type="none" w="med" len="med"/>
+                    </a:lnB>
+                    <a:solidFill>
+                      <a:srgbClr val="FFFFFF"/>
+                    </a:solidFill>
+                  </a:tcPr>
+                </a:tc>
+                <a:tc>
+                  <a:txBody>
+                    <a:bodyPr/>
+                    <a:lstStyle/>
+                    <a:p>
+                      <a:r>
+                        <a:rPr lang="en-US" altLang="ko-KR" sz="1000">
+                          <a:effectLst/>
+                        </a:rPr>
+                        <a:t>2</a:t>
+                      </a:r>
+                    </a:p>
+                  </a:txBody>
+                  <a:tcPr marL="10193" marR="10193" marT="8155" marB="8155" anchor="ctr">
+                    <a:lnL w="9525" cap="flat" cmpd="sng" algn="ctr">
+                      <a:solidFill>
+                        <a:srgbClr val="D6DADC"/>
+                      </a:solidFill>
+                      <a:prstDash val="solid"/>
+                      <a:round/>
+                      <a:headEnd type="none" w="med" len="med"/>
+                      <a:tailEnd type="none" w="med" len="med"/>
+                    </a:lnL>
+                    <a:lnR w="9525" cap="flat" cmpd="sng" algn="ctr">
+                      <a:solidFill>
+                        <a:srgbClr val="D6DADC"/>
+                      </a:solidFill>
+                      <a:prstDash val="solid"/>
+                      <a:round/>
+                      <a:headEnd type="none" w="med" len="med"/>
+                      <a:tailEnd type="none" w="med" len="med"/>
+                    </a:lnR>
+                    <a:lnT w="9525" cap="flat" cmpd="sng" algn="ctr">
+                      <a:solidFill>
+                        <a:srgbClr val="D6DADC"/>
+                      </a:solidFill>
+                      <a:prstDash val="solid"/>
+                      <a:round/>
+                      <a:headEnd type="none" w="med" len="med"/>
+                      <a:tailEnd type="none" w="med" len="med"/>
+                    </a:lnT>
+                    <a:lnB w="9525" cap="flat" cmpd="sng" algn="ctr">
+                      <a:solidFill>
+                        <a:srgbClr val="D6DADC"/>
+                      </a:solidFill>
+                      <a:prstDash val="solid"/>
+                      <a:round/>
+                      <a:headEnd type="none" w="med" len="med"/>
+                      <a:tailEnd type="none" w="med" len="med"/>
+                    </a:lnB>
+                    <a:solidFill>
+                      <a:srgbClr val="FFFFFF"/>
+                    </a:solidFill>
+                  </a:tcPr>
+                </a:tc>
+                <a:extLst>
+                  <a:ext uri="{0D108BD9-81ED-4DB2-BD59-A6C34878D82A}">
+                    <a16:rowId xmlns:a16="http://schemas.microsoft.com/office/drawing/2014/main" val="3704241971"/>
+                  </a:ext>
+                </a:extLst>
+              </a:tr>
+              <a:tr h="135420">
+                <a:tc>
+                  <a:txBody>
+                    <a:bodyPr/>
+                    <a:lstStyle/>
+                    <a:p>
+                      <a:pPr algn="r"/>
+                      <a:r>
+                        <a:rPr lang="en-US" altLang="ko-KR" sz="1000" b="1">
+                          <a:solidFill>
+                            <a:srgbClr val="000000"/>
+                          </a:solidFill>
+                          <a:effectLst/>
+                        </a:rPr>
+                        <a:t>21</a:t>
+                      </a:r>
+                    </a:p>
+                  </a:txBody>
+                  <a:tcPr marL="10193" marR="10193" marT="8155" marB="8155" anchor="ctr">
+                    <a:lnL>
+                      <a:noFill/>
+                    </a:lnL>
+                    <a:lnR w="9525" cap="flat" cmpd="sng" algn="ctr">
+                      <a:solidFill>
+                        <a:srgbClr val="D6DADC"/>
+                      </a:solidFill>
+                      <a:prstDash val="solid"/>
+                      <a:round/>
+                      <a:headEnd type="none" w="med" len="med"/>
+                      <a:tailEnd type="none" w="med" len="med"/>
+                    </a:lnR>
+                    <a:lnT w="9525" cap="flat" cmpd="sng" algn="ctr">
+                      <a:solidFill>
+                        <a:srgbClr val="D6DADC"/>
+                      </a:solidFill>
+                      <a:prstDash val="solid"/>
+                      <a:round/>
+                      <a:headEnd type="none" w="med" len="med"/>
+                      <a:tailEnd type="none" w="med" len="med"/>
+                    </a:lnT>
+                    <a:lnB w="9525" cap="flat" cmpd="sng" algn="ctr">
+                      <a:solidFill>
+                        <a:srgbClr val="D6DADC"/>
+                      </a:solidFill>
+                      <a:prstDash val="solid"/>
+                      <a:round/>
+                      <a:headEnd type="none" w="med" len="med"/>
+                      <a:tailEnd type="none" w="med" len="med"/>
+                    </a:lnB>
+                    <a:solidFill>
+                      <a:srgbClr val="F4F8F9"/>
+                    </a:solidFill>
+                  </a:tcPr>
+                </a:tc>
+                <a:tc>
+                  <a:txBody>
+                    <a:bodyPr/>
+                    <a:lstStyle/>
+                    <a:p>
+                      <a:r>
+                        <a:rPr lang="en-US" sz="1000">
+                          <a:effectLst/>
+                        </a:rPr>
+                        <a:t>SNORD38A</a:t>
+                      </a:r>
+                    </a:p>
+                  </a:txBody>
+                  <a:tcPr marL="10193" marR="10193" marT="8155" marB="8155" anchor="ctr">
+                    <a:lnL w="9525" cap="flat" cmpd="sng" algn="ctr">
+                      <a:solidFill>
+                        <a:srgbClr val="D6DADC"/>
+                      </a:solidFill>
+                      <a:prstDash val="solid"/>
+                      <a:round/>
+                      <a:headEnd type="none" w="med" len="med"/>
+                      <a:tailEnd type="none" w="med" len="med"/>
+                    </a:lnL>
+                    <a:lnR w="9525" cap="flat" cmpd="sng" algn="ctr">
+                      <a:solidFill>
+                        <a:srgbClr val="D6DADC"/>
+                      </a:solidFill>
+                      <a:prstDash val="solid"/>
+                      <a:round/>
+                      <a:headEnd type="none" w="med" len="med"/>
+                      <a:tailEnd type="none" w="med" len="med"/>
+                    </a:lnR>
+                    <a:lnT w="9525" cap="flat" cmpd="sng" algn="ctr">
+                      <a:solidFill>
+                        <a:srgbClr val="D6DADC"/>
+                      </a:solidFill>
+                      <a:prstDash val="solid"/>
+                      <a:round/>
+                      <a:headEnd type="none" w="med" len="med"/>
+                      <a:tailEnd type="none" w="med" len="med"/>
+                    </a:lnT>
+                    <a:lnB w="9525" cap="flat" cmpd="sng" algn="ctr">
+                      <a:solidFill>
+                        <a:srgbClr val="D6DADC"/>
+                      </a:solidFill>
+                      <a:prstDash val="solid"/>
+                      <a:round/>
+                      <a:headEnd type="none" w="med" len="med"/>
+                      <a:tailEnd type="none" w="med" len="med"/>
+                    </a:lnB>
+                    <a:solidFill>
+                      <a:srgbClr val="FFFFFF"/>
+                    </a:solidFill>
+                  </a:tcPr>
+                </a:tc>
+                <a:tc>
+                  <a:txBody>
+                    <a:bodyPr/>
+                    <a:lstStyle/>
+                    <a:p>
+                      <a:r>
+                        <a:rPr lang="en-US" altLang="ko-KR" sz="1000">
+                          <a:effectLst/>
+                        </a:rPr>
+                        <a:t>1</a:t>
+                      </a:r>
+                    </a:p>
+                  </a:txBody>
+                  <a:tcPr marL="10193" marR="10193" marT="8155" marB="8155" anchor="ctr">
+                    <a:lnL w="9525" cap="flat" cmpd="sng" algn="ctr">
+                      <a:solidFill>
+                        <a:srgbClr val="D6DADC"/>
+                      </a:solidFill>
+                      <a:prstDash val="solid"/>
+                      <a:round/>
+                      <a:headEnd type="none" w="med" len="med"/>
+                      <a:tailEnd type="none" w="med" len="med"/>
+                    </a:lnL>
+                    <a:lnR w="9525" cap="flat" cmpd="sng" algn="ctr">
+                      <a:solidFill>
+                        <a:srgbClr val="D6DADC"/>
+                      </a:solidFill>
+                      <a:prstDash val="solid"/>
+                      <a:round/>
+                      <a:headEnd type="none" w="med" len="med"/>
+                      <a:tailEnd type="none" w="med" len="med"/>
+                    </a:lnR>
+                    <a:lnT w="9525" cap="flat" cmpd="sng" algn="ctr">
+                      <a:solidFill>
+                        <a:srgbClr val="D6DADC"/>
+                      </a:solidFill>
+                      <a:prstDash val="solid"/>
+                      <a:round/>
+                      <a:headEnd type="none" w="med" len="med"/>
+                      <a:tailEnd type="none" w="med" len="med"/>
+                    </a:lnT>
+                    <a:lnB w="9525" cap="flat" cmpd="sng" algn="ctr">
+                      <a:solidFill>
+                        <a:srgbClr val="D6DADC"/>
+                      </a:solidFill>
+                      <a:prstDash val="solid"/>
+                      <a:round/>
+                      <a:headEnd type="none" w="med" len="med"/>
+                      <a:tailEnd type="none" w="med" len="med"/>
+                    </a:lnB>
+                    <a:solidFill>
+                      <a:srgbClr val="FFFFFF"/>
+                    </a:solidFill>
+                  </a:tcPr>
+                </a:tc>
+                <a:extLst>
+                  <a:ext uri="{0D108BD9-81ED-4DB2-BD59-A6C34878D82A}">
+                    <a16:rowId xmlns:a16="http://schemas.microsoft.com/office/drawing/2014/main" val="2993202408"/>
+                  </a:ext>
+                </a:extLst>
+              </a:tr>
+              <a:tr h="135420">
+                <a:tc>
+                  <a:txBody>
+                    <a:bodyPr/>
+                    <a:lstStyle/>
+                    <a:p>
+                      <a:pPr algn="r"/>
+                      <a:r>
+                        <a:rPr lang="en-US" altLang="ko-KR" sz="1000" b="1">
+                          <a:solidFill>
+                            <a:srgbClr val="000000"/>
+                          </a:solidFill>
+                          <a:effectLst/>
+                        </a:rPr>
+                        <a:t>22</a:t>
+                      </a:r>
+                    </a:p>
+                  </a:txBody>
+                  <a:tcPr marL="10193" marR="10193" marT="8155" marB="8155" anchor="ctr">
+                    <a:lnL>
+                      <a:noFill/>
+                    </a:lnL>
+                    <a:lnR w="9525" cap="flat" cmpd="sng" algn="ctr">
+                      <a:solidFill>
+                        <a:srgbClr val="D6DADC"/>
+                      </a:solidFill>
+                      <a:prstDash val="solid"/>
+                      <a:round/>
+                      <a:headEnd type="none" w="med" len="med"/>
+                      <a:tailEnd type="none" w="med" len="med"/>
+                    </a:lnR>
+                    <a:lnT w="9525" cap="flat" cmpd="sng" algn="ctr">
+                      <a:solidFill>
+                        <a:srgbClr val="D6DADC"/>
+                      </a:solidFill>
+                      <a:prstDash val="solid"/>
+                      <a:round/>
+                      <a:headEnd type="none" w="med" len="med"/>
+                      <a:tailEnd type="none" w="med" len="med"/>
+                    </a:lnT>
+                    <a:lnB w="9525" cap="flat" cmpd="sng" algn="ctr">
+                      <a:solidFill>
+                        <a:srgbClr val="D6DADC"/>
+                      </a:solidFill>
+                      <a:prstDash val="solid"/>
+                      <a:round/>
+                      <a:headEnd type="none" w="med" len="med"/>
+                      <a:tailEnd type="none" w="med" len="med"/>
+                    </a:lnB>
+                    <a:solidFill>
+                      <a:srgbClr val="F4F8F9"/>
+                    </a:solidFill>
+                  </a:tcPr>
+                </a:tc>
+                <a:tc>
+                  <a:txBody>
+                    <a:bodyPr/>
+                    <a:lstStyle/>
+                    <a:p>
+                      <a:r>
+                        <a:rPr lang="en-US" sz="1000">
+                          <a:effectLst/>
+                        </a:rPr>
+                        <a:t>TCEAL2</a:t>
+                      </a:r>
+                    </a:p>
+                  </a:txBody>
+                  <a:tcPr marL="10193" marR="10193" marT="8155" marB="8155" anchor="ctr">
+                    <a:lnL w="9525" cap="flat" cmpd="sng" algn="ctr">
+                      <a:solidFill>
+                        <a:srgbClr val="D6DADC"/>
+                      </a:solidFill>
+                      <a:prstDash val="solid"/>
+                      <a:round/>
+                      <a:headEnd type="none" w="med" len="med"/>
+                      <a:tailEnd type="none" w="med" len="med"/>
+                    </a:lnL>
+                    <a:lnR w="9525" cap="flat" cmpd="sng" algn="ctr">
+                      <a:solidFill>
+                        <a:srgbClr val="D6DADC"/>
+                      </a:solidFill>
+                      <a:prstDash val="solid"/>
+                      <a:round/>
+                      <a:headEnd type="none" w="med" len="med"/>
+                      <a:tailEnd type="none" w="med" len="med"/>
+                    </a:lnR>
+                    <a:lnT w="9525" cap="flat" cmpd="sng" algn="ctr">
+                      <a:solidFill>
+                        <a:srgbClr val="D6DADC"/>
+                      </a:solidFill>
+                      <a:prstDash val="solid"/>
+                      <a:round/>
+                      <a:headEnd type="none" w="med" len="med"/>
+                      <a:tailEnd type="none" w="med" len="med"/>
+                    </a:lnT>
+                    <a:lnB w="9525" cap="flat" cmpd="sng" algn="ctr">
+                      <a:solidFill>
+                        <a:srgbClr val="D6DADC"/>
+                      </a:solidFill>
+                      <a:prstDash val="solid"/>
+                      <a:round/>
+                      <a:headEnd type="none" w="med" len="med"/>
+                      <a:tailEnd type="none" w="med" len="med"/>
+                    </a:lnB>
+                    <a:solidFill>
+                      <a:srgbClr val="FFFFFF"/>
+                    </a:solidFill>
+                  </a:tcPr>
+                </a:tc>
+                <a:tc>
+                  <a:txBody>
+                    <a:bodyPr/>
+                    <a:lstStyle/>
+                    <a:p>
+                      <a:r>
+                        <a:rPr lang="en-US" altLang="ko-KR" sz="1000">
+                          <a:effectLst/>
+                        </a:rPr>
+                        <a:t>2</a:t>
+                      </a:r>
+                    </a:p>
+                  </a:txBody>
+                  <a:tcPr marL="10193" marR="10193" marT="8155" marB="8155" anchor="ctr">
+                    <a:lnL w="9525" cap="flat" cmpd="sng" algn="ctr">
+                      <a:solidFill>
+                        <a:srgbClr val="D6DADC"/>
+                      </a:solidFill>
+                      <a:prstDash val="solid"/>
+                      <a:round/>
+                      <a:headEnd type="none" w="med" len="med"/>
+                      <a:tailEnd type="none" w="med" len="med"/>
+                    </a:lnL>
+                    <a:lnR w="9525" cap="flat" cmpd="sng" algn="ctr">
+                      <a:solidFill>
+                        <a:srgbClr val="D6DADC"/>
+                      </a:solidFill>
+                      <a:prstDash val="solid"/>
+                      <a:round/>
+                      <a:headEnd type="none" w="med" len="med"/>
+                      <a:tailEnd type="none" w="med" len="med"/>
+                    </a:lnR>
+                    <a:lnT w="9525" cap="flat" cmpd="sng" algn="ctr">
+                      <a:solidFill>
+                        <a:srgbClr val="D6DADC"/>
+                      </a:solidFill>
+                      <a:prstDash val="solid"/>
+                      <a:round/>
+                      <a:headEnd type="none" w="med" len="med"/>
+                      <a:tailEnd type="none" w="med" len="med"/>
+                    </a:lnT>
+                    <a:lnB w="9525" cap="flat" cmpd="sng" algn="ctr">
+                      <a:solidFill>
+                        <a:srgbClr val="D6DADC"/>
+                      </a:solidFill>
+                      <a:prstDash val="solid"/>
+                      <a:round/>
+                      <a:headEnd type="none" w="med" len="med"/>
+                      <a:tailEnd type="none" w="med" len="med"/>
+                    </a:lnB>
+                    <a:solidFill>
+                      <a:srgbClr val="FFFFFF"/>
+                    </a:solidFill>
+                  </a:tcPr>
+                </a:tc>
+                <a:extLst>
+                  <a:ext uri="{0D108BD9-81ED-4DB2-BD59-A6C34878D82A}">
+                    <a16:rowId xmlns:a16="http://schemas.microsoft.com/office/drawing/2014/main" val="2864481999"/>
+                  </a:ext>
+                </a:extLst>
+              </a:tr>
+              <a:tr h="135420">
+                <a:tc>
+                  <a:txBody>
+                    <a:bodyPr/>
+                    <a:lstStyle/>
+                    <a:p>
+                      <a:pPr algn="r"/>
+                      <a:r>
+                        <a:rPr lang="en-US" altLang="ko-KR" sz="1000" b="1">
+                          <a:solidFill>
+                            <a:srgbClr val="000000"/>
+                          </a:solidFill>
+                          <a:effectLst/>
+                        </a:rPr>
+                        <a:t>23</a:t>
+                      </a:r>
+                    </a:p>
+                  </a:txBody>
+                  <a:tcPr marL="10193" marR="10193" marT="8155" marB="8155" anchor="ctr">
+                    <a:lnL>
+                      <a:noFill/>
+                    </a:lnL>
+                    <a:lnR w="9525" cap="flat" cmpd="sng" algn="ctr">
+                      <a:solidFill>
+                        <a:srgbClr val="D6DADC"/>
+                      </a:solidFill>
+                      <a:prstDash val="solid"/>
+                      <a:round/>
+                      <a:headEnd type="none" w="med" len="med"/>
+                      <a:tailEnd type="none" w="med" len="med"/>
+                    </a:lnR>
+                    <a:lnT w="9525" cap="flat" cmpd="sng" algn="ctr">
+                      <a:solidFill>
+                        <a:srgbClr val="D6DADC"/>
+                      </a:solidFill>
+                      <a:prstDash val="solid"/>
+                      <a:round/>
+                      <a:headEnd type="none" w="med" len="med"/>
+                      <a:tailEnd type="none" w="med" len="med"/>
+                    </a:lnT>
+                    <a:lnB w="9525" cap="flat" cmpd="sng" algn="ctr">
+                      <a:solidFill>
+                        <a:srgbClr val="D6DADC"/>
+                      </a:solidFill>
+                      <a:prstDash val="solid"/>
+                      <a:round/>
+                      <a:headEnd type="none" w="med" len="med"/>
+                      <a:tailEnd type="none" w="med" len="med"/>
+                    </a:lnB>
+                    <a:solidFill>
+                      <a:srgbClr val="F4F8F9"/>
+                    </a:solidFill>
+                  </a:tcPr>
+                </a:tc>
+                <a:tc>
+                  <a:txBody>
+                    <a:bodyPr/>
+                    <a:lstStyle/>
+                    <a:p>
+                      <a:r>
+                        <a:rPr lang="en-US" sz="1000">
+                          <a:effectLst/>
+                        </a:rPr>
+                        <a:t>PGM5P3-AS1</a:t>
+                      </a:r>
+                    </a:p>
+                  </a:txBody>
+                  <a:tcPr marL="10193" marR="10193" marT="8155" marB="8155" anchor="ctr">
+                    <a:lnL w="9525" cap="flat" cmpd="sng" algn="ctr">
+                      <a:solidFill>
+                        <a:srgbClr val="D6DADC"/>
+                      </a:solidFill>
+                      <a:prstDash val="solid"/>
+                      <a:round/>
+                      <a:headEnd type="none" w="med" len="med"/>
+                      <a:tailEnd type="none" w="med" len="med"/>
+                    </a:lnL>
+                    <a:lnR w="9525" cap="flat" cmpd="sng" algn="ctr">
+                      <a:solidFill>
+                        <a:srgbClr val="D6DADC"/>
+                      </a:solidFill>
+                      <a:prstDash val="solid"/>
+                      <a:round/>
+                      <a:headEnd type="none" w="med" len="med"/>
+                      <a:tailEnd type="none" w="med" len="med"/>
+                    </a:lnR>
+                    <a:lnT w="9525" cap="flat" cmpd="sng" algn="ctr">
+                      <a:solidFill>
+                        <a:srgbClr val="D6DADC"/>
+                      </a:solidFill>
+                      <a:prstDash val="solid"/>
+                      <a:round/>
+                      <a:headEnd type="none" w="med" len="med"/>
+                      <a:tailEnd type="none" w="med" len="med"/>
+                    </a:lnT>
+                    <a:lnB w="9525" cap="flat" cmpd="sng" algn="ctr">
+                      <a:solidFill>
+                        <a:srgbClr val="D6DADC"/>
+                      </a:solidFill>
+                      <a:prstDash val="solid"/>
+                      <a:round/>
+                      <a:headEnd type="none" w="med" len="med"/>
+                      <a:tailEnd type="none" w="med" len="med"/>
+                    </a:lnB>
+                    <a:solidFill>
+                      <a:srgbClr val="FFFFFF"/>
+                    </a:solidFill>
+                  </a:tcPr>
+                </a:tc>
+                <a:tc>
+                  <a:txBody>
+                    <a:bodyPr/>
+                    <a:lstStyle/>
+                    <a:p>
+                      <a:r>
+                        <a:rPr lang="en-US" altLang="ko-KR" sz="1000">
+                          <a:effectLst/>
+                        </a:rPr>
+                        <a:t>2</a:t>
+                      </a:r>
+                    </a:p>
+                  </a:txBody>
+                  <a:tcPr marL="10193" marR="10193" marT="8155" marB="8155" anchor="ctr">
+                    <a:lnL w="9525" cap="flat" cmpd="sng" algn="ctr">
+                      <a:solidFill>
+                        <a:srgbClr val="D6DADC"/>
+                      </a:solidFill>
+                      <a:prstDash val="solid"/>
+                      <a:round/>
+                      <a:headEnd type="none" w="med" len="med"/>
+                      <a:tailEnd type="none" w="med" len="med"/>
+                    </a:lnL>
+                    <a:lnR w="9525" cap="flat" cmpd="sng" algn="ctr">
+                      <a:solidFill>
+                        <a:srgbClr val="D6DADC"/>
+                      </a:solidFill>
+                      <a:prstDash val="solid"/>
+                      <a:round/>
+                      <a:headEnd type="none" w="med" len="med"/>
+                      <a:tailEnd type="none" w="med" len="med"/>
+                    </a:lnR>
+                    <a:lnT w="9525" cap="flat" cmpd="sng" algn="ctr">
+                      <a:solidFill>
+                        <a:srgbClr val="D6DADC"/>
+                      </a:solidFill>
+                      <a:prstDash val="solid"/>
+                      <a:round/>
+                      <a:headEnd type="none" w="med" len="med"/>
+                      <a:tailEnd type="none" w="med" len="med"/>
+                    </a:lnT>
+                    <a:lnB w="9525" cap="flat" cmpd="sng" algn="ctr">
+                      <a:solidFill>
+                        <a:srgbClr val="D6DADC"/>
+                      </a:solidFill>
+                      <a:prstDash val="solid"/>
+                      <a:round/>
+                      <a:headEnd type="none" w="med" len="med"/>
+                      <a:tailEnd type="none" w="med" len="med"/>
+                    </a:lnB>
+                    <a:solidFill>
+                      <a:srgbClr val="FFFFFF"/>
+                    </a:solidFill>
+                  </a:tcPr>
+                </a:tc>
+                <a:extLst>
+                  <a:ext uri="{0D108BD9-81ED-4DB2-BD59-A6C34878D82A}">
+                    <a16:rowId xmlns:a16="http://schemas.microsoft.com/office/drawing/2014/main" val="1376740167"/>
+                  </a:ext>
+                </a:extLst>
+              </a:tr>
+              <a:tr h="135420">
+                <a:tc>
+                  <a:txBody>
+                    <a:bodyPr/>
+                    <a:lstStyle/>
+                    <a:p>
+                      <a:pPr algn="r"/>
+                      <a:r>
+                        <a:rPr lang="en-US" altLang="ko-KR" sz="1000" b="1">
+                          <a:solidFill>
+                            <a:srgbClr val="000000"/>
+                          </a:solidFill>
+                          <a:effectLst/>
+                        </a:rPr>
+                        <a:t>24</a:t>
+                      </a:r>
+                    </a:p>
+                  </a:txBody>
+                  <a:tcPr marL="10193" marR="10193" marT="8155" marB="8155" anchor="ctr">
+                    <a:lnL>
+                      <a:noFill/>
+                    </a:lnL>
+                    <a:lnR w="9525" cap="flat" cmpd="sng" algn="ctr">
+                      <a:solidFill>
+                        <a:srgbClr val="D6DADC"/>
+                      </a:solidFill>
+                      <a:prstDash val="solid"/>
+                      <a:round/>
+                      <a:headEnd type="none" w="med" len="med"/>
+                      <a:tailEnd type="none" w="med" len="med"/>
+                    </a:lnR>
+                    <a:lnT w="9525" cap="flat" cmpd="sng" algn="ctr">
+                      <a:solidFill>
+                        <a:srgbClr val="D6DADC"/>
+                      </a:solidFill>
+                      <a:prstDash val="solid"/>
+                      <a:round/>
+                      <a:headEnd type="none" w="med" len="med"/>
+                      <a:tailEnd type="none" w="med" len="med"/>
+                    </a:lnT>
+                    <a:lnB w="9525" cap="flat" cmpd="sng" algn="ctr">
+                      <a:solidFill>
+                        <a:srgbClr val="D6DADC"/>
+                      </a:solidFill>
+                      <a:prstDash val="solid"/>
+                      <a:round/>
+                      <a:headEnd type="none" w="med" len="med"/>
+                      <a:tailEnd type="none" w="med" len="med"/>
+                    </a:lnB>
+                    <a:solidFill>
+                      <a:srgbClr val="F4F8F9"/>
+                    </a:solidFill>
+                  </a:tcPr>
+                </a:tc>
+                <a:tc>
+                  <a:txBody>
+                    <a:bodyPr/>
+                    <a:lstStyle/>
+                    <a:p>
+                      <a:r>
+                        <a:rPr lang="en-US" sz="1000">
+                          <a:effectLst/>
+                        </a:rPr>
+                        <a:t>FAM47E-STBD1</a:t>
+                      </a:r>
+                    </a:p>
+                  </a:txBody>
+                  <a:tcPr marL="10193" marR="10193" marT="8155" marB="8155" anchor="ctr">
+                    <a:lnL w="9525" cap="flat" cmpd="sng" algn="ctr">
+                      <a:solidFill>
+                        <a:srgbClr val="D6DADC"/>
+                      </a:solidFill>
+                      <a:prstDash val="solid"/>
+                      <a:round/>
+                      <a:headEnd type="none" w="med" len="med"/>
+                      <a:tailEnd type="none" w="med" len="med"/>
+                    </a:lnL>
+                    <a:lnR w="9525" cap="flat" cmpd="sng" algn="ctr">
+                      <a:solidFill>
+                        <a:srgbClr val="D6DADC"/>
+                      </a:solidFill>
+                      <a:prstDash val="solid"/>
+                      <a:round/>
+                      <a:headEnd type="none" w="med" len="med"/>
+                      <a:tailEnd type="none" w="med" len="med"/>
+                    </a:lnR>
+                    <a:lnT w="9525" cap="flat" cmpd="sng" algn="ctr">
+                      <a:solidFill>
+                        <a:srgbClr val="D6DADC"/>
+                      </a:solidFill>
+                      <a:prstDash val="solid"/>
+                      <a:round/>
+                      <a:headEnd type="none" w="med" len="med"/>
+                      <a:tailEnd type="none" w="med" len="med"/>
+                    </a:lnT>
+                    <a:lnB w="9525" cap="flat" cmpd="sng" algn="ctr">
+                      <a:solidFill>
+                        <a:srgbClr val="D6DADC"/>
+                      </a:solidFill>
+                      <a:prstDash val="solid"/>
+                      <a:round/>
+                      <a:headEnd type="none" w="med" len="med"/>
+                      <a:tailEnd type="none" w="med" len="med"/>
+                    </a:lnB>
+                    <a:solidFill>
+                      <a:srgbClr val="FFFFFF"/>
+                    </a:solidFill>
+                  </a:tcPr>
+                </a:tc>
+                <a:tc>
+                  <a:txBody>
+                    <a:bodyPr/>
+                    <a:lstStyle/>
+                    <a:p>
+                      <a:r>
+                        <a:rPr lang="en-US" altLang="ko-KR" sz="1000">
+                          <a:effectLst/>
+                        </a:rPr>
+                        <a:t>2</a:t>
+                      </a:r>
+                    </a:p>
+                  </a:txBody>
+                  <a:tcPr marL="10193" marR="10193" marT="8155" marB="8155" anchor="ctr">
+                    <a:lnL w="9525" cap="flat" cmpd="sng" algn="ctr">
+                      <a:solidFill>
+                        <a:srgbClr val="D6DADC"/>
+                      </a:solidFill>
+                      <a:prstDash val="solid"/>
+                      <a:round/>
+                      <a:headEnd type="none" w="med" len="med"/>
+                      <a:tailEnd type="none" w="med" len="med"/>
+                    </a:lnL>
+                    <a:lnR w="9525" cap="flat" cmpd="sng" algn="ctr">
+                      <a:solidFill>
+                        <a:srgbClr val="D6DADC"/>
+                      </a:solidFill>
+                      <a:prstDash val="solid"/>
+                      <a:round/>
+                      <a:headEnd type="none" w="med" len="med"/>
+                      <a:tailEnd type="none" w="med" len="med"/>
+                    </a:lnR>
+                    <a:lnT w="9525" cap="flat" cmpd="sng" algn="ctr">
+                      <a:solidFill>
+                        <a:srgbClr val="D6DADC"/>
+                      </a:solidFill>
+                      <a:prstDash val="solid"/>
+                      <a:round/>
+                      <a:headEnd type="none" w="med" len="med"/>
+                      <a:tailEnd type="none" w="med" len="med"/>
+                    </a:lnT>
+                    <a:lnB w="9525" cap="flat" cmpd="sng" algn="ctr">
+                      <a:solidFill>
+                        <a:srgbClr val="D6DADC"/>
+                      </a:solidFill>
+                      <a:prstDash val="solid"/>
+                      <a:round/>
+                      <a:headEnd type="none" w="med" len="med"/>
+                      <a:tailEnd type="none" w="med" len="med"/>
+                    </a:lnB>
+                    <a:solidFill>
+                      <a:srgbClr val="FFFFFF"/>
+                    </a:solidFill>
+                  </a:tcPr>
+                </a:tc>
+                <a:extLst>
+                  <a:ext uri="{0D108BD9-81ED-4DB2-BD59-A6C34878D82A}">
+                    <a16:rowId xmlns:a16="http://schemas.microsoft.com/office/drawing/2014/main" val="3744283831"/>
+                  </a:ext>
+                </a:extLst>
+              </a:tr>
+              <a:tr h="135420">
+                <a:tc>
+                  <a:txBody>
+                    <a:bodyPr/>
+                    <a:lstStyle/>
+                    <a:p>
+                      <a:pPr algn="r"/>
+                      <a:r>
+                        <a:rPr lang="en-US" altLang="ko-KR" sz="1000" b="1">
+                          <a:solidFill>
+                            <a:srgbClr val="000000"/>
+                          </a:solidFill>
+                          <a:effectLst/>
+                        </a:rPr>
+                        <a:t>25</a:t>
+                      </a:r>
+                    </a:p>
+                  </a:txBody>
+                  <a:tcPr marL="10193" marR="10193" marT="8155" marB="8155" anchor="ctr">
+                    <a:lnL>
+                      <a:noFill/>
+                    </a:lnL>
+                    <a:lnR w="9525" cap="flat" cmpd="sng" algn="ctr">
+                      <a:solidFill>
+                        <a:srgbClr val="D6DADC"/>
+                      </a:solidFill>
+                      <a:prstDash val="solid"/>
+                      <a:round/>
+                      <a:headEnd type="none" w="med" len="med"/>
+                      <a:tailEnd type="none" w="med" len="med"/>
+                    </a:lnR>
+                    <a:lnT w="9525" cap="flat" cmpd="sng" algn="ctr">
+                      <a:solidFill>
+                        <a:srgbClr val="D6DADC"/>
+                      </a:solidFill>
+                      <a:prstDash val="solid"/>
+                      <a:round/>
+                      <a:headEnd type="none" w="med" len="med"/>
+                      <a:tailEnd type="none" w="med" len="med"/>
+                    </a:lnT>
+                    <a:lnB w="9525" cap="flat" cmpd="sng" algn="ctr">
+                      <a:solidFill>
+                        <a:srgbClr val="D6DADC"/>
+                      </a:solidFill>
+                      <a:prstDash val="solid"/>
+                      <a:round/>
+                      <a:headEnd type="none" w="med" len="med"/>
+                      <a:tailEnd type="none" w="med" len="med"/>
+                    </a:lnB>
+                    <a:solidFill>
+                      <a:srgbClr val="F4F8F9"/>
+                    </a:solidFill>
+                  </a:tcPr>
+                </a:tc>
+                <a:tc>
+                  <a:txBody>
+                    <a:bodyPr/>
+                    <a:lstStyle/>
+                    <a:p>
+                      <a:r>
+                        <a:rPr lang="en-US" sz="1000">
+                          <a:effectLst/>
+                        </a:rPr>
+                        <a:t>ADAMTS9-AS1</a:t>
+                      </a:r>
+                    </a:p>
+                  </a:txBody>
+                  <a:tcPr marL="10193" marR="10193" marT="8155" marB="8155" anchor="ctr">
+                    <a:lnL w="9525" cap="flat" cmpd="sng" algn="ctr">
+                      <a:solidFill>
+                        <a:srgbClr val="D6DADC"/>
+                      </a:solidFill>
+                      <a:prstDash val="solid"/>
+                      <a:round/>
+                      <a:headEnd type="none" w="med" len="med"/>
+                      <a:tailEnd type="none" w="med" len="med"/>
+                    </a:lnL>
+                    <a:lnR w="9525" cap="flat" cmpd="sng" algn="ctr">
+                      <a:solidFill>
+                        <a:srgbClr val="D6DADC"/>
+                      </a:solidFill>
+                      <a:prstDash val="solid"/>
+                      <a:round/>
+                      <a:headEnd type="none" w="med" len="med"/>
+                      <a:tailEnd type="none" w="med" len="med"/>
+                    </a:lnR>
+                    <a:lnT w="9525" cap="flat" cmpd="sng" algn="ctr">
+                      <a:solidFill>
+                        <a:srgbClr val="D6DADC"/>
+                      </a:solidFill>
+                      <a:prstDash val="solid"/>
+                      <a:round/>
+                      <a:headEnd type="none" w="med" len="med"/>
+                      <a:tailEnd type="none" w="med" len="med"/>
+                    </a:lnT>
+                    <a:lnB w="9525" cap="flat" cmpd="sng" algn="ctr">
+                      <a:solidFill>
+                        <a:srgbClr val="D6DADC"/>
+                      </a:solidFill>
+                      <a:prstDash val="solid"/>
+                      <a:round/>
+                      <a:headEnd type="none" w="med" len="med"/>
+                      <a:tailEnd type="none" w="med" len="med"/>
+                    </a:lnB>
+                    <a:solidFill>
+                      <a:srgbClr val="FFFFFF"/>
+                    </a:solidFill>
+                  </a:tcPr>
+                </a:tc>
+                <a:tc>
+                  <a:txBody>
+                    <a:bodyPr/>
+                    <a:lstStyle/>
+                    <a:p>
+                      <a:r>
+                        <a:rPr lang="en-US" altLang="ko-KR" sz="1000">
+                          <a:effectLst/>
+                        </a:rPr>
+                        <a:t>2</a:t>
+                      </a:r>
+                    </a:p>
+                  </a:txBody>
+                  <a:tcPr marL="10193" marR="10193" marT="8155" marB="8155" anchor="ctr">
+                    <a:lnL w="9525" cap="flat" cmpd="sng" algn="ctr">
+                      <a:solidFill>
+                        <a:srgbClr val="D6DADC"/>
+                      </a:solidFill>
+                      <a:prstDash val="solid"/>
+                      <a:round/>
+                      <a:headEnd type="none" w="med" len="med"/>
+                      <a:tailEnd type="none" w="med" len="med"/>
+                    </a:lnL>
+                    <a:lnR w="9525" cap="flat" cmpd="sng" algn="ctr">
+                      <a:solidFill>
+                        <a:srgbClr val="D6DADC"/>
+                      </a:solidFill>
+                      <a:prstDash val="solid"/>
+                      <a:round/>
+                      <a:headEnd type="none" w="med" len="med"/>
+                      <a:tailEnd type="none" w="med" len="med"/>
+                    </a:lnR>
+                    <a:lnT w="9525" cap="flat" cmpd="sng" algn="ctr">
+                      <a:solidFill>
+                        <a:srgbClr val="D6DADC"/>
+                      </a:solidFill>
+                      <a:prstDash val="solid"/>
+                      <a:round/>
+                      <a:headEnd type="none" w="med" len="med"/>
+                      <a:tailEnd type="none" w="med" len="med"/>
+                    </a:lnT>
+                    <a:lnB w="9525" cap="flat" cmpd="sng" algn="ctr">
+                      <a:solidFill>
+                        <a:srgbClr val="D6DADC"/>
+                      </a:solidFill>
+                      <a:prstDash val="solid"/>
+                      <a:round/>
+                      <a:headEnd type="none" w="med" len="med"/>
+                      <a:tailEnd type="none" w="med" len="med"/>
+                    </a:lnB>
+                    <a:solidFill>
+                      <a:srgbClr val="FFFFFF"/>
+                    </a:solidFill>
+                  </a:tcPr>
+                </a:tc>
+                <a:extLst>
+                  <a:ext uri="{0D108BD9-81ED-4DB2-BD59-A6C34878D82A}">
+                    <a16:rowId xmlns:a16="http://schemas.microsoft.com/office/drawing/2014/main" val="4226304007"/>
+                  </a:ext>
+                </a:extLst>
+              </a:tr>
+              <a:tr h="135420">
+                <a:tc>
+                  <a:txBody>
+                    <a:bodyPr/>
+                    <a:lstStyle/>
+                    <a:p>
+                      <a:pPr algn="r"/>
+                      <a:r>
+                        <a:rPr lang="en-US" altLang="ko-KR" sz="1000" b="1">
+                          <a:solidFill>
+                            <a:srgbClr val="000000"/>
+                          </a:solidFill>
+                          <a:effectLst/>
+                        </a:rPr>
+                        <a:t>26</a:t>
+                      </a:r>
+                    </a:p>
+                  </a:txBody>
+                  <a:tcPr marL="10193" marR="10193" marT="8155" marB="8155" anchor="ctr">
+                    <a:lnL>
+                      <a:noFill/>
+                    </a:lnL>
+                    <a:lnR w="9525" cap="flat" cmpd="sng" algn="ctr">
+                      <a:solidFill>
+                        <a:srgbClr val="D6DADC"/>
+                      </a:solidFill>
+                      <a:prstDash val="solid"/>
+                      <a:round/>
+                      <a:headEnd type="none" w="med" len="med"/>
+                      <a:tailEnd type="none" w="med" len="med"/>
+                    </a:lnR>
+                    <a:lnT w="9525" cap="flat" cmpd="sng" algn="ctr">
+                      <a:solidFill>
+                        <a:srgbClr val="D6DADC"/>
+                      </a:solidFill>
+                      <a:prstDash val="solid"/>
+                      <a:round/>
+                      <a:headEnd type="none" w="med" len="med"/>
+                      <a:tailEnd type="none" w="med" len="med"/>
+                    </a:lnT>
+                    <a:lnB w="9525" cap="flat" cmpd="sng" algn="ctr">
+                      <a:solidFill>
+                        <a:srgbClr val="D6DADC"/>
+                      </a:solidFill>
+                      <a:prstDash val="solid"/>
+                      <a:round/>
+                      <a:headEnd type="none" w="med" len="med"/>
+                      <a:tailEnd type="none" w="med" len="med"/>
+                    </a:lnB>
+                    <a:solidFill>
+                      <a:srgbClr val="F4F8F9"/>
+                    </a:solidFill>
+                  </a:tcPr>
+                </a:tc>
+                <a:tc>
+                  <a:txBody>
+                    <a:bodyPr/>
+                    <a:lstStyle/>
+                    <a:p>
+                      <a:r>
+                        <a:rPr lang="en-US" sz="1000">
+                          <a:effectLst/>
+                        </a:rPr>
+                        <a:t>MIR186</a:t>
+                      </a:r>
+                    </a:p>
+                  </a:txBody>
+                  <a:tcPr marL="10193" marR="10193" marT="8155" marB="8155" anchor="ctr">
+                    <a:lnL w="9525" cap="flat" cmpd="sng" algn="ctr">
+                      <a:solidFill>
+                        <a:srgbClr val="D6DADC"/>
+                      </a:solidFill>
+                      <a:prstDash val="solid"/>
+                      <a:round/>
+                      <a:headEnd type="none" w="med" len="med"/>
+                      <a:tailEnd type="none" w="med" len="med"/>
+                    </a:lnL>
+                    <a:lnR w="9525" cap="flat" cmpd="sng" algn="ctr">
+                      <a:solidFill>
+                        <a:srgbClr val="D6DADC"/>
+                      </a:solidFill>
+                      <a:prstDash val="solid"/>
+                      <a:round/>
+                      <a:headEnd type="none" w="med" len="med"/>
+                      <a:tailEnd type="none" w="med" len="med"/>
+                    </a:lnR>
+                    <a:lnT w="9525" cap="flat" cmpd="sng" algn="ctr">
+                      <a:solidFill>
+                        <a:srgbClr val="D6DADC"/>
+                      </a:solidFill>
+                      <a:prstDash val="solid"/>
+                      <a:round/>
+                      <a:headEnd type="none" w="med" len="med"/>
+                      <a:tailEnd type="none" w="med" len="med"/>
+                    </a:lnT>
+                    <a:lnB w="9525" cap="flat" cmpd="sng" algn="ctr">
+                      <a:solidFill>
+                        <a:srgbClr val="D6DADC"/>
+                      </a:solidFill>
+                      <a:prstDash val="solid"/>
+                      <a:round/>
+                      <a:headEnd type="none" w="med" len="med"/>
+                      <a:tailEnd type="none" w="med" len="med"/>
+                    </a:lnB>
+                    <a:solidFill>
+                      <a:srgbClr val="FFFFFF"/>
+                    </a:solidFill>
+                  </a:tcPr>
+                </a:tc>
+                <a:tc>
+                  <a:txBody>
+                    <a:bodyPr/>
+                    <a:lstStyle/>
+                    <a:p>
+                      <a:r>
+                        <a:rPr lang="en-US" altLang="ko-KR" sz="1000">
+                          <a:effectLst/>
+                        </a:rPr>
+                        <a:t>2</a:t>
+                      </a:r>
+                    </a:p>
+                  </a:txBody>
+                  <a:tcPr marL="10193" marR="10193" marT="8155" marB="8155" anchor="ctr">
+                    <a:lnL w="9525" cap="flat" cmpd="sng" algn="ctr">
+                      <a:solidFill>
+                        <a:srgbClr val="D6DADC"/>
+                      </a:solidFill>
+                      <a:prstDash val="solid"/>
+                      <a:round/>
+                      <a:headEnd type="none" w="med" len="med"/>
+                      <a:tailEnd type="none" w="med" len="med"/>
+                    </a:lnL>
+                    <a:lnR w="9525" cap="flat" cmpd="sng" algn="ctr">
+                      <a:solidFill>
+                        <a:srgbClr val="D6DADC"/>
+                      </a:solidFill>
+                      <a:prstDash val="solid"/>
+                      <a:round/>
+                      <a:headEnd type="none" w="med" len="med"/>
+                      <a:tailEnd type="none" w="med" len="med"/>
+                    </a:lnR>
+                    <a:lnT w="9525" cap="flat" cmpd="sng" algn="ctr">
+                      <a:solidFill>
+                        <a:srgbClr val="D6DADC"/>
+                      </a:solidFill>
+                      <a:prstDash val="solid"/>
+                      <a:round/>
+                      <a:headEnd type="none" w="med" len="med"/>
+                      <a:tailEnd type="none" w="med" len="med"/>
+                    </a:lnT>
+                    <a:lnB w="9525" cap="flat" cmpd="sng" algn="ctr">
+                      <a:solidFill>
+                        <a:srgbClr val="D6DADC"/>
+                      </a:solidFill>
+                      <a:prstDash val="solid"/>
+                      <a:round/>
+                      <a:headEnd type="none" w="med" len="med"/>
+                      <a:tailEnd type="none" w="med" len="med"/>
+                    </a:lnB>
+                    <a:solidFill>
+                      <a:srgbClr val="FFFFFF"/>
+                    </a:solidFill>
+                  </a:tcPr>
+                </a:tc>
+                <a:extLst>
+                  <a:ext uri="{0D108BD9-81ED-4DB2-BD59-A6C34878D82A}">
+                    <a16:rowId xmlns:a16="http://schemas.microsoft.com/office/drawing/2014/main" val="3358651463"/>
+                  </a:ext>
+                </a:extLst>
+              </a:tr>
+              <a:tr h="135420">
+                <a:tc>
+                  <a:txBody>
+                    <a:bodyPr/>
+                    <a:lstStyle/>
+                    <a:p>
+                      <a:pPr algn="r"/>
+                      <a:r>
+                        <a:rPr lang="en-US" altLang="ko-KR" sz="1000" b="1">
+                          <a:solidFill>
+                            <a:srgbClr val="000000"/>
+                          </a:solidFill>
+                          <a:effectLst/>
+                        </a:rPr>
+                        <a:t>27</a:t>
+                      </a:r>
+                    </a:p>
+                  </a:txBody>
+                  <a:tcPr marL="10193" marR="10193" marT="8155" marB="8155" anchor="ctr">
+                    <a:lnL>
+                      <a:noFill/>
+                    </a:lnL>
+                    <a:lnR w="9525" cap="flat" cmpd="sng" algn="ctr">
+                      <a:solidFill>
+                        <a:srgbClr val="D6DADC"/>
+                      </a:solidFill>
+                      <a:prstDash val="solid"/>
+                      <a:round/>
+                      <a:headEnd type="none" w="med" len="med"/>
+                      <a:tailEnd type="none" w="med" len="med"/>
+                    </a:lnR>
+                    <a:lnT w="9525" cap="flat" cmpd="sng" algn="ctr">
+                      <a:solidFill>
+                        <a:srgbClr val="D6DADC"/>
+                      </a:solidFill>
+                      <a:prstDash val="solid"/>
+                      <a:round/>
+                      <a:headEnd type="none" w="med" len="med"/>
+                      <a:tailEnd type="none" w="med" len="med"/>
+                    </a:lnT>
+                    <a:lnB w="9525" cap="flat" cmpd="sng" algn="ctr">
+                      <a:solidFill>
+                        <a:srgbClr val="D6DADC"/>
+                      </a:solidFill>
+                      <a:prstDash val="solid"/>
+                      <a:round/>
+                      <a:headEnd type="none" w="med" len="med"/>
+                      <a:tailEnd type="none" w="med" len="med"/>
+                    </a:lnB>
+                    <a:solidFill>
+                      <a:srgbClr val="F4F8F9"/>
+                    </a:solidFill>
+                  </a:tcPr>
+                </a:tc>
+                <a:tc>
+                  <a:txBody>
+                    <a:bodyPr/>
+                    <a:lstStyle/>
+                    <a:p>
+                      <a:r>
+                        <a:rPr lang="en-US" sz="1000">
+                          <a:effectLst/>
+                        </a:rPr>
+                        <a:t>C4orf48</a:t>
+                      </a:r>
+                    </a:p>
+                  </a:txBody>
+                  <a:tcPr marL="10193" marR="10193" marT="8155" marB="8155" anchor="ctr">
+                    <a:lnL w="9525" cap="flat" cmpd="sng" algn="ctr">
+                      <a:solidFill>
+                        <a:srgbClr val="D6DADC"/>
+                      </a:solidFill>
+                      <a:prstDash val="solid"/>
+                      <a:round/>
+                      <a:headEnd type="none" w="med" len="med"/>
+                      <a:tailEnd type="none" w="med" len="med"/>
+                    </a:lnL>
+                    <a:lnR w="9525" cap="flat" cmpd="sng" algn="ctr">
+                      <a:solidFill>
+                        <a:srgbClr val="D6DADC"/>
+                      </a:solidFill>
+                      <a:prstDash val="solid"/>
+                      <a:round/>
+                      <a:headEnd type="none" w="med" len="med"/>
+                      <a:tailEnd type="none" w="med" len="med"/>
+                    </a:lnR>
+                    <a:lnT w="9525" cap="flat" cmpd="sng" algn="ctr">
+                      <a:solidFill>
+                        <a:srgbClr val="D6DADC"/>
+                      </a:solidFill>
+                      <a:prstDash val="solid"/>
+                      <a:round/>
+                      <a:headEnd type="none" w="med" len="med"/>
+                      <a:tailEnd type="none" w="med" len="med"/>
+                    </a:lnT>
+                    <a:lnB w="9525" cap="flat" cmpd="sng" algn="ctr">
+                      <a:solidFill>
+                        <a:srgbClr val="D6DADC"/>
+                      </a:solidFill>
+                      <a:prstDash val="solid"/>
+                      <a:round/>
+                      <a:headEnd type="none" w="med" len="med"/>
+                      <a:tailEnd type="none" w="med" len="med"/>
+                    </a:lnB>
+                    <a:solidFill>
+                      <a:srgbClr val="FFFFFF"/>
+                    </a:solidFill>
+                  </a:tcPr>
+                </a:tc>
+                <a:tc>
+                  <a:txBody>
+                    <a:bodyPr/>
+                    <a:lstStyle/>
+                    <a:p>
+                      <a:r>
+                        <a:rPr lang="en-US" altLang="ko-KR" sz="1000">
+                          <a:effectLst/>
+                        </a:rPr>
+                        <a:t>1</a:t>
+                      </a:r>
+                    </a:p>
+                  </a:txBody>
+                  <a:tcPr marL="10193" marR="10193" marT="8155" marB="8155" anchor="ctr">
+                    <a:lnL w="9525" cap="flat" cmpd="sng" algn="ctr">
+                      <a:solidFill>
+                        <a:srgbClr val="D6DADC"/>
+                      </a:solidFill>
+                      <a:prstDash val="solid"/>
+                      <a:round/>
+                      <a:headEnd type="none" w="med" len="med"/>
+                      <a:tailEnd type="none" w="med" len="med"/>
+                    </a:lnL>
+                    <a:lnR w="9525" cap="flat" cmpd="sng" algn="ctr">
+                      <a:solidFill>
+                        <a:srgbClr val="D6DADC"/>
+                      </a:solidFill>
+                      <a:prstDash val="solid"/>
+                      <a:round/>
+                      <a:headEnd type="none" w="med" len="med"/>
+                      <a:tailEnd type="none" w="med" len="med"/>
+                    </a:lnR>
+                    <a:lnT w="9525" cap="flat" cmpd="sng" algn="ctr">
+                      <a:solidFill>
+                        <a:srgbClr val="D6DADC"/>
+                      </a:solidFill>
+                      <a:prstDash val="solid"/>
+                      <a:round/>
+                      <a:headEnd type="none" w="med" len="med"/>
+                      <a:tailEnd type="none" w="med" len="med"/>
+                    </a:lnT>
+                    <a:lnB w="9525" cap="flat" cmpd="sng" algn="ctr">
+                      <a:solidFill>
+                        <a:srgbClr val="D6DADC"/>
+                      </a:solidFill>
+                      <a:prstDash val="solid"/>
+                      <a:round/>
+                      <a:headEnd type="none" w="med" len="med"/>
+                      <a:tailEnd type="none" w="med" len="med"/>
+                    </a:lnB>
+                    <a:solidFill>
+                      <a:srgbClr val="FFFFFF"/>
+                    </a:solidFill>
+                  </a:tcPr>
+                </a:tc>
+                <a:extLst>
+                  <a:ext uri="{0D108BD9-81ED-4DB2-BD59-A6C34878D82A}">
+                    <a16:rowId xmlns:a16="http://schemas.microsoft.com/office/drawing/2014/main" val="2326993115"/>
+                  </a:ext>
+                </a:extLst>
+              </a:tr>
+              <a:tr h="135420">
+                <a:tc>
+                  <a:txBody>
+                    <a:bodyPr/>
+                    <a:lstStyle/>
+                    <a:p>
+                      <a:pPr algn="r"/>
+                      <a:r>
+                        <a:rPr lang="en-US" altLang="ko-KR" sz="1000" b="1">
+                          <a:solidFill>
+                            <a:srgbClr val="000000"/>
+                          </a:solidFill>
+                          <a:effectLst/>
+                        </a:rPr>
+                        <a:t>28</a:t>
+                      </a:r>
+                    </a:p>
+                  </a:txBody>
+                  <a:tcPr marL="10193" marR="10193" marT="8155" marB="8155" anchor="ctr">
+                    <a:lnL>
+                      <a:noFill/>
+                    </a:lnL>
+                    <a:lnR w="9525" cap="flat" cmpd="sng" algn="ctr">
+                      <a:solidFill>
+                        <a:srgbClr val="D6DADC"/>
+                      </a:solidFill>
+                      <a:prstDash val="solid"/>
+                      <a:round/>
+                      <a:headEnd type="none" w="med" len="med"/>
+                      <a:tailEnd type="none" w="med" len="med"/>
+                    </a:lnR>
+                    <a:lnT w="9525" cap="flat" cmpd="sng" algn="ctr">
+                      <a:solidFill>
+                        <a:srgbClr val="D6DADC"/>
+                      </a:solidFill>
+                      <a:prstDash val="solid"/>
+                      <a:round/>
+                      <a:headEnd type="none" w="med" len="med"/>
+                      <a:tailEnd type="none" w="med" len="med"/>
+                    </a:lnT>
+                    <a:lnB w="9525" cap="flat" cmpd="sng" algn="ctr">
+                      <a:solidFill>
+                        <a:srgbClr val="D6DADC"/>
+                      </a:solidFill>
+                      <a:prstDash val="solid"/>
+                      <a:round/>
+                      <a:headEnd type="none" w="med" len="med"/>
+                      <a:tailEnd type="none" w="med" len="med"/>
+                    </a:lnB>
+                    <a:solidFill>
+                      <a:srgbClr val="F4F8F9"/>
+                    </a:solidFill>
+                  </a:tcPr>
+                </a:tc>
+                <a:tc>
+                  <a:txBody>
+                    <a:bodyPr/>
+                    <a:lstStyle/>
+                    <a:p>
+                      <a:r>
+                        <a:rPr lang="en-US" sz="1000">
+                          <a:effectLst/>
+                        </a:rPr>
+                        <a:t>SLITRK4</a:t>
+                      </a:r>
+                    </a:p>
+                  </a:txBody>
+                  <a:tcPr marL="10193" marR="10193" marT="8155" marB="8155" anchor="ctr">
+                    <a:lnL w="9525" cap="flat" cmpd="sng" algn="ctr">
+                      <a:solidFill>
+                        <a:srgbClr val="D6DADC"/>
+                      </a:solidFill>
+                      <a:prstDash val="solid"/>
+                      <a:round/>
+                      <a:headEnd type="none" w="med" len="med"/>
+                      <a:tailEnd type="none" w="med" len="med"/>
+                    </a:lnL>
+                    <a:lnR w="9525" cap="flat" cmpd="sng" algn="ctr">
+                      <a:solidFill>
+                        <a:srgbClr val="D6DADC"/>
+                      </a:solidFill>
+                      <a:prstDash val="solid"/>
+                      <a:round/>
+                      <a:headEnd type="none" w="med" len="med"/>
+                      <a:tailEnd type="none" w="med" len="med"/>
+                    </a:lnR>
+                    <a:lnT w="9525" cap="flat" cmpd="sng" algn="ctr">
+                      <a:solidFill>
+                        <a:srgbClr val="D6DADC"/>
+                      </a:solidFill>
+                      <a:prstDash val="solid"/>
+                      <a:round/>
+                      <a:headEnd type="none" w="med" len="med"/>
+                      <a:tailEnd type="none" w="med" len="med"/>
+                    </a:lnT>
+                    <a:lnB w="9525" cap="flat" cmpd="sng" algn="ctr">
+                      <a:solidFill>
+                        <a:srgbClr val="D6DADC"/>
+                      </a:solidFill>
+                      <a:prstDash val="solid"/>
+                      <a:round/>
+                      <a:headEnd type="none" w="med" len="med"/>
+                      <a:tailEnd type="none" w="med" len="med"/>
+                    </a:lnB>
+                    <a:solidFill>
+                      <a:srgbClr val="FFFFFF"/>
+                    </a:solidFill>
+                  </a:tcPr>
+                </a:tc>
+                <a:tc>
+                  <a:txBody>
+                    <a:bodyPr/>
+                    <a:lstStyle/>
+                    <a:p>
+                      <a:r>
+                        <a:rPr lang="en-US" altLang="ko-KR" sz="1000">
+                          <a:effectLst/>
+                        </a:rPr>
+                        <a:t>2</a:t>
+                      </a:r>
+                    </a:p>
+                  </a:txBody>
+                  <a:tcPr marL="10193" marR="10193" marT="8155" marB="8155" anchor="ctr">
+                    <a:lnL w="9525" cap="flat" cmpd="sng" algn="ctr">
+                      <a:solidFill>
+                        <a:srgbClr val="D6DADC"/>
+                      </a:solidFill>
+                      <a:prstDash val="solid"/>
+                      <a:round/>
+                      <a:headEnd type="none" w="med" len="med"/>
+                      <a:tailEnd type="none" w="med" len="med"/>
+                    </a:lnL>
+                    <a:lnR w="9525" cap="flat" cmpd="sng" algn="ctr">
+                      <a:solidFill>
+                        <a:srgbClr val="D6DADC"/>
+                      </a:solidFill>
+                      <a:prstDash val="solid"/>
+                      <a:round/>
+                      <a:headEnd type="none" w="med" len="med"/>
+                      <a:tailEnd type="none" w="med" len="med"/>
+                    </a:lnR>
+                    <a:lnT w="9525" cap="flat" cmpd="sng" algn="ctr">
+                      <a:solidFill>
+                        <a:srgbClr val="D6DADC"/>
+                      </a:solidFill>
+                      <a:prstDash val="solid"/>
+                      <a:round/>
+                      <a:headEnd type="none" w="med" len="med"/>
+                      <a:tailEnd type="none" w="med" len="med"/>
+                    </a:lnT>
+                    <a:lnB w="9525" cap="flat" cmpd="sng" algn="ctr">
+                      <a:solidFill>
+                        <a:srgbClr val="D6DADC"/>
+                      </a:solidFill>
+                      <a:prstDash val="solid"/>
+                      <a:round/>
+                      <a:headEnd type="none" w="med" len="med"/>
+                      <a:tailEnd type="none" w="med" len="med"/>
+                    </a:lnB>
+                    <a:solidFill>
+                      <a:srgbClr val="FFFFFF"/>
+                    </a:solidFill>
+                  </a:tcPr>
+                </a:tc>
+                <a:extLst>
+                  <a:ext uri="{0D108BD9-81ED-4DB2-BD59-A6C34878D82A}">
+                    <a16:rowId xmlns:a16="http://schemas.microsoft.com/office/drawing/2014/main" val="125206780"/>
+                  </a:ext>
+                </a:extLst>
+              </a:tr>
+              <a:tr h="135420">
+                <a:tc>
+                  <a:txBody>
+                    <a:bodyPr/>
+                    <a:lstStyle/>
+                    <a:p>
+                      <a:pPr algn="r"/>
+                      <a:r>
+                        <a:rPr lang="en-US" altLang="ko-KR" sz="1000" b="1">
+                          <a:solidFill>
+                            <a:srgbClr val="000000"/>
+                          </a:solidFill>
+                          <a:effectLst/>
+                        </a:rPr>
+                        <a:t>29</a:t>
+                      </a:r>
+                    </a:p>
+                  </a:txBody>
+                  <a:tcPr marL="10193" marR="10193" marT="8155" marB="8155" anchor="ctr">
+                    <a:lnL>
+                      <a:noFill/>
+                    </a:lnL>
+                    <a:lnR w="9525" cap="flat" cmpd="sng" algn="ctr">
+                      <a:solidFill>
+                        <a:srgbClr val="D6DADC"/>
+                      </a:solidFill>
+                      <a:prstDash val="solid"/>
+                      <a:round/>
+                      <a:headEnd type="none" w="med" len="med"/>
+                      <a:tailEnd type="none" w="med" len="med"/>
+                    </a:lnR>
+                    <a:lnT w="9525" cap="flat" cmpd="sng" algn="ctr">
+                      <a:solidFill>
+                        <a:srgbClr val="D6DADC"/>
+                      </a:solidFill>
+                      <a:prstDash val="solid"/>
+                      <a:round/>
+                      <a:headEnd type="none" w="med" len="med"/>
+                      <a:tailEnd type="none" w="med" len="med"/>
+                    </a:lnT>
+                    <a:lnB w="9525" cap="flat" cmpd="sng" algn="ctr">
+                      <a:solidFill>
+                        <a:srgbClr val="D6DADC"/>
+                      </a:solidFill>
+                      <a:prstDash val="solid"/>
+                      <a:round/>
+                      <a:headEnd type="none" w="med" len="med"/>
+                      <a:tailEnd type="none" w="med" len="med"/>
+                    </a:lnB>
+                    <a:solidFill>
+                      <a:srgbClr val="F4F8F9"/>
+                    </a:solidFill>
+                  </a:tcPr>
+                </a:tc>
+                <a:tc>
+                  <a:txBody>
+                    <a:bodyPr/>
+                    <a:lstStyle/>
+                    <a:p>
+                      <a:r>
+                        <a:rPr lang="en-US" sz="1000">
+                          <a:effectLst/>
+                        </a:rPr>
+                        <a:t>LOC642131</a:t>
+                      </a:r>
+                    </a:p>
+                  </a:txBody>
+                  <a:tcPr marL="10193" marR="10193" marT="8155" marB="8155" anchor="ctr">
+                    <a:lnL w="9525" cap="flat" cmpd="sng" algn="ctr">
+                      <a:solidFill>
+                        <a:srgbClr val="D6DADC"/>
+                      </a:solidFill>
+                      <a:prstDash val="solid"/>
+                      <a:round/>
+                      <a:headEnd type="none" w="med" len="med"/>
+                      <a:tailEnd type="none" w="med" len="med"/>
+                    </a:lnL>
+                    <a:lnR w="9525" cap="flat" cmpd="sng" algn="ctr">
+                      <a:solidFill>
+                        <a:srgbClr val="D6DADC"/>
+                      </a:solidFill>
+                      <a:prstDash val="solid"/>
+                      <a:round/>
+                      <a:headEnd type="none" w="med" len="med"/>
+                      <a:tailEnd type="none" w="med" len="med"/>
+                    </a:lnR>
+                    <a:lnT w="9525" cap="flat" cmpd="sng" algn="ctr">
+                      <a:solidFill>
+                        <a:srgbClr val="D6DADC"/>
+                      </a:solidFill>
+                      <a:prstDash val="solid"/>
+                      <a:round/>
+                      <a:headEnd type="none" w="med" len="med"/>
+                      <a:tailEnd type="none" w="med" len="med"/>
+                    </a:lnT>
+                    <a:lnB w="9525" cap="flat" cmpd="sng" algn="ctr">
+                      <a:solidFill>
+                        <a:srgbClr val="D6DADC"/>
+                      </a:solidFill>
+                      <a:prstDash val="solid"/>
+                      <a:round/>
+                      <a:headEnd type="none" w="med" len="med"/>
+                      <a:tailEnd type="none" w="med" len="med"/>
+                    </a:lnB>
+                    <a:solidFill>
+                      <a:srgbClr val="FFFFFF"/>
+                    </a:solidFill>
+                  </a:tcPr>
+                </a:tc>
+                <a:tc>
+                  <a:txBody>
+                    <a:bodyPr/>
+                    <a:lstStyle/>
+                    <a:p>
+                      <a:r>
+                        <a:rPr lang="en-US" altLang="ko-KR" sz="1000" dirty="0">
+                          <a:effectLst/>
+                        </a:rPr>
+                        <a:t>2</a:t>
+                      </a:r>
+                    </a:p>
+                  </a:txBody>
+                  <a:tcPr marL="10193" marR="10193" marT="8155" marB="8155" anchor="ctr">
+                    <a:lnL w="9525" cap="flat" cmpd="sng" algn="ctr">
+                      <a:solidFill>
+                        <a:srgbClr val="D6DADC"/>
+                      </a:solidFill>
+                      <a:prstDash val="solid"/>
+                      <a:round/>
+                      <a:headEnd type="none" w="med" len="med"/>
+                      <a:tailEnd type="none" w="med" len="med"/>
+                    </a:lnL>
+                    <a:lnR w="9525" cap="flat" cmpd="sng" algn="ctr">
+                      <a:solidFill>
+                        <a:srgbClr val="D6DADC"/>
+                      </a:solidFill>
+                      <a:prstDash val="solid"/>
+                      <a:round/>
+                      <a:headEnd type="none" w="med" len="med"/>
+                      <a:tailEnd type="none" w="med" len="med"/>
+                    </a:lnR>
+                    <a:lnT w="9525" cap="flat" cmpd="sng" algn="ctr">
+                      <a:solidFill>
+                        <a:srgbClr val="D6DADC"/>
+                      </a:solidFill>
+                      <a:prstDash val="solid"/>
+                      <a:round/>
+                      <a:headEnd type="none" w="med" len="med"/>
+                      <a:tailEnd type="none" w="med" len="med"/>
+                    </a:lnT>
+                    <a:lnB w="9525" cap="flat" cmpd="sng" algn="ctr">
+                      <a:solidFill>
+                        <a:srgbClr val="D6DADC"/>
+                      </a:solidFill>
+                      <a:prstDash val="solid"/>
+                      <a:round/>
+                      <a:headEnd type="none" w="med" len="med"/>
+                      <a:tailEnd type="none" w="med" len="med"/>
+                    </a:lnB>
+                    <a:solidFill>
+                      <a:srgbClr val="FFFFFF"/>
+                    </a:solidFill>
+                  </a:tcPr>
+                </a:tc>
+                <a:extLst>
+                  <a:ext uri="{0D108BD9-81ED-4DB2-BD59-A6C34878D82A}">
+                    <a16:rowId xmlns:a16="http://schemas.microsoft.com/office/drawing/2014/main" val="1953583359"/>
+                  </a:ext>
+                </a:extLst>
+              </a:tr>
+              <a:tr h="135420">
+                <a:tc>
+                  <a:txBody>
+                    <a:bodyPr/>
+                    <a:lstStyle/>
+                    <a:p>
+                      <a:pPr algn="r"/>
+                      <a:r>
+                        <a:rPr lang="en-US" altLang="ko-KR" sz="1000" b="1">
+                          <a:solidFill>
+                            <a:srgbClr val="000000"/>
+                          </a:solidFill>
+                          <a:effectLst/>
+                        </a:rPr>
+                        <a:t>30</a:t>
+                      </a:r>
+                    </a:p>
+                  </a:txBody>
+                  <a:tcPr marL="10193" marR="10193" marT="8155" marB="8155" anchor="ctr">
+                    <a:lnL>
+                      <a:noFill/>
+                    </a:lnL>
+                    <a:lnR w="9525" cap="flat" cmpd="sng" algn="ctr">
+                      <a:solidFill>
+                        <a:srgbClr val="D6DADC"/>
+                      </a:solidFill>
+                      <a:prstDash val="solid"/>
+                      <a:round/>
+                      <a:headEnd type="none" w="med" len="med"/>
+                      <a:tailEnd type="none" w="med" len="med"/>
+                    </a:lnR>
+                    <a:lnT w="9525" cap="flat" cmpd="sng" algn="ctr">
+                      <a:solidFill>
+                        <a:srgbClr val="D6DADC"/>
+                      </a:solidFill>
+                      <a:prstDash val="solid"/>
+                      <a:round/>
+                      <a:headEnd type="none" w="med" len="med"/>
+                      <a:tailEnd type="none" w="med" len="med"/>
+                    </a:lnT>
+                    <a:lnB w="9525" cap="flat" cmpd="sng" algn="ctr">
+                      <a:solidFill>
+                        <a:srgbClr val="D6DADC"/>
+                      </a:solidFill>
+                      <a:prstDash val="solid"/>
+                      <a:round/>
+                      <a:headEnd type="none" w="med" len="med"/>
+                      <a:tailEnd type="none" w="med" len="med"/>
+                    </a:lnB>
+                    <a:solidFill>
+                      <a:srgbClr val="F4F8F9"/>
+                    </a:solidFill>
+                  </a:tcPr>
+                </a:tc>
+                <a:tc>
+                  <a:txBody>
+                    <a:bodyPr/>
+                    <a:lstStyle/>
+                    <a:p>
+                      <a:r>
+                        <a:rPr lang="en-US" sz="1000">
+                          <a:effectLst/>
+                        </a:rPr>
+                        <a:t>PGM5-AS1</a:t>
+                      </a:r>
+                    </a:p>
+                  </a:txBody>
+                  <a:tcPr marL="10193" marR="10193" marT="8155" marB="8155" anchor="ctr">
+                    <a:lnL w="9525" cap="flat" cmpd="sng" algn="ctr">
+                      <a:solidFill>
+                        <a:srgbClr val="D6DADC"/>
+                      </a:solidFill>
+                      <a:prstDash val="solid"/>
+                      <a:round/>
+                      <a:headEnd type="none" w="med" len="med"/>
+                      <a:tailEnd type="none" w="med" len="med"/>
+                    </a:lnL>
+                    <a:lnR w="9525" cap="flat" cmpd="sng" algn="ctr">
+                      <a:solidFill>
+                        <a:srgbClr val="D6DADC"/>
+                      </a:solidFill>
+                      <a:prstDash val="solid"/>
+                      <a:round/>
+                      <a:headEnd type="none" w="med" len="med"/>
+                      <a:tailEnd type="none" w="med" len="med"/>
+                    </a:lnR>
+                    <a:lnT w="9525" cap="flat" cmpd="sng" algn="ctr">
+                      <a:solidFill>
+                        <a:srgbClr val="D6DADC"/>
+                      </a:solidFill>
+                      <a:prstDash val="solid"/>
+                      <a:round/>
+                      <a:headEnd type="none" w="med" len="med"/>
+                      <a:tailEnd type="none" w="med" len="med"/>
+                    </a:lnT>
+                    <a:lnB w="9525" cap="flat" cmpd="sng" algn="ctr">
+                      <a:solidFill>
+                        <a:srgbClr val="D6DADC"/>
+                      </a:solidFill>
+                      <a:prstDash val="solid"/>
+                      <a:round/>
+                      <a:headEnd type="none" w="med" len="med"/>
+                      <a:tailEnd type="none" w="med" len="med"/>
+                    </a:lnB>
+                    <a:solidFill>
+                      <a:srgbClr val="FFFFFF"/>
+                    </a:solidFill>
+                  </a:tcPr>
+                </a:tc>
+                <a:tc>
+                  <a:txBody>
+                    <a:bodyPr/>
+                    <a:lstStyle/>
+                    <a:p>
+                      <a:r>
+                        <a:rPr lang="en-US" altLang="ko-KR" sz="1000">
+                          <a:effectLst/>
+                        </a:rPr>
+                        <a:t>2</a:t>
+                      </a:r>
+                    </a:p>
+                  </a:txBody>
+                  <a:tcPr marL="10193" marR="10193" marT="8155" marB="8155" anchor="ctr">
+                    <a:lnL w="9525" cap="flat" cmpd="sng" algn="ctr">
+                      <a:solidFill>
+                        <a:srgbClr val="D6DADC"/>
+                      </a:solidFill>
+                      <a:prstDash val="solid"/>
+                      <a:round/>
+                      <a:headEnd type="none" w="med" len="med"/>
+                      <a:tailEnd type="none" w="med" len="med"/>
+                    </a:lnL>
+                    <a:lnR w="9525" cap="flat" cmpd="sng" algn="ctr">
+                      <a:solidFill>
+                        <a:srgbClr val="D6DADC"/>
+                      </a:solidFill>
+                      <a:prstDash val="solid"/>
+                      <a:round/>
+                      <a:headEnd type="none" w="med" len="med"/>
+                      <a:tailEnd type="none" w="med" len="med"/>
+                    </a:lnR>
+                    <a:lnT w="9525" cap="flat" cmpd="sng" algn="ctr">
+                      <a:solidFill>
+                        <a:srgbClr val="D6DADC"/>
+                      </a:solidFill>
+                      <a:prstDash val="solid"/>
+                      <a:round/>
+                      <a:headEnd type="none" w="med" len="med"/>
+                      <a:tailEnd type="none" w="med" len="med"/>
+                    </a:lnT>
+                    <a:lnB w="9525" cap="flat" cmpd="sng" algn="ctr">
+                      <a:solidFill>
+                        <a:srgbClr val="D6DADC"/>
+                      </a:solidFill>
+                      <a:prstDash val="solid"/>
+                      <a:round/>
+                      <a:headEnd type="none" w="med" len="med"/>
+                      <a:tailEnd type="none" w="med" len="med"/>
+                    </a:lnB>
+                    <a:solidFill>
+                      <a:srgbClr val="FFFFFF"/>
+                    </a:solidFill>
+                  </a:tcPr>
+                </a:tc>
+                <a:extLst>
+                  <a:ext uri="{0D108BD9-81ED-4DB2-BD59-A6C34878D82A}">
+                    <a16:rowId xmlns:a16="http://schemas.microsoft.com/office/drawing/2014/main" val="459101462"/>
+                  </a:ext>
+                </a:extLst>
+              </a:tr>
+              <a:tr h="135420">
+                <a:tc>
+                  <a:txBody>
+                    <a:bodyPr/>
+                    <a:lstStyle/>
+                    <a:p>
+                      <a:pPr algn="r"/>
+                      <a:r>
+                        <a:rPr lang="en-US" altLang="ko-KR" sz="1000" b="1">
+                          <a:solidFill>
+                            <a:srgbClr val="000000"/>
+                          </a:solidFill>
+                          <a:effectLst/>
+                        </a:rPr>
+                        <a:t>31</a:t>
+                      </a:r>
+                    </a:p>
+                  </a:txBody>
+                  <a:tcPr marL="10193" marR="10193" marT="8155" marB="8155" anchor="ctr">
+                    <a:lnL>
+                      <a:noFill/>
+                    </a:lnL>
+                    <a:lnR w="9525" cap="flat" cmpd="sng" algn="ctr">
+                      <a:solidFill>
+                        <a:srgbClr val="D6DADC"/>
+                      </a:solidFill>
+                      <a:prstDash val="solid"/>
+                      <a:round/>
+                      <a:headEnd type="none" w="med" len="med"/>
+                      <a:tailEnd type="none" w="med" len="med"/>
+                    </a:lnR>
+                    <a:lnT w="9525" cap="flat" cmpd="sng" algn="ctr">
+                      <a:solidFill>
+                        <a:srgbClr val="D6DADC"/>
+                      </a:solidFill>
+                      <a:prstDash val="solid"/>
+                      <a:round/>
+                      <a:headEnd type="none" w="med" len="med"/>
+                      <a:tailEnd type="none" w="med" len="med"/>
+                    </a:lnT>
+                    <a:lnB w="9525" cap="flat" cmpd="sng" algn="ctr">
+                      <a:solidFill>
+                        <a:srgbClr val="D6DADC"/>
+                      </a:solidFill>
+                      <a:prstDash val="solid"/>
+                      <a:round/>
+                      <a:headEnd type="none" w="med" len="med"/>
+                      <a:tailEnd type="none" w="med" len="med"/>
+                    </a:lnB>
+                    <a:solidFill>
+                      <a:srgbClr val="F4F8F9"/>
+                    </a:solidFill>
+                  </a:tcPr>
+                </a:tc>
+                <a:tc>
+                  <a:txBody>
+                    <a:bodyPr/>
+                    <a:lstStyle/>
+                    <a:p>
+                      <a:r>
+                        <a:rPr lang="en-US" sz="1000">
+                          <a:effectLst/>
+                        </a:rPr>
+                        <a:t>TVP23C-CDRT4</a:t>
+                      </a:r>
+                    </a:p>
+                  </a:txBody>
+                  <a:tcPr marL="10193" marR="10193" marT="8155" marB="8155" anchor="ctr">
+                    <a:lnL w="9525" cap="flat" cmpd="sng" algn="ctr">
+                      <a:solidFill>
+                        <a:srgbClr val="D6DADC"/>
+                      </a:solidFill>
+                      <a:prstDash val="solid"/>
+                      <a:round/>
+                      <a:headEnd type="none" w="med" len="med"/>
+                      <a:tailEnd type="none" w="med" len="med"/>
+                    </a:lnL>
+                    <a:lnR w="9525" cap="flat" cmpd="sng" algn="ctr">
+                      <a:solidFill>
+                        <a:srgbClr val="D6DADC"/>
+                      </a:solidFill>
+                      <a:prstDash val="solid"/>
+                      <a:round/>
+                      <a:headEnd type="none" w="med" len="med"/>
+                      <a:tailEnd type="none" w="med" len="med"/>
+                    </a:lnR>
+                    <a:lnT w="9525" cap="flat" cmpd="sng" algn="ctr">
+                      <a:solidFill>
+                        <a:srgbClr val="D6DADC"/>
+                      </a:solidFill>
+                      <a:prstDash val="solid"/>
+                      <a:round/>
+                      <a:headEnd type="none" w="med" len="med"/>
+                      <a:tailEnd type="none" w="med" len="med"/>
+                    </a:lnT>
+                    <a:lnB w="9525" cap="flat" cmpd="sng" algn="ctr">
+                      <a:solidFill>
+                        <a:srgbClr val="D6DADC"/>
+                      </a:solidFill>
+                      <a:prstDash val="solid"/>
+                      <a:round/>
+                      <a:headEnd type="none" w="med" len="med"/>
+                      <a:tailEnd type="none" w="med" len="med"/>
+                    </a:lnB>
+                    <a:solidFill>
+                      <a:srgbClr val="FFFFFF"/>
+                    </a:solidFill>
+                  </a:tcPr>
+                </a:tc>
+                <a:tc>
+                  <a:txBody>
+                    <a:bodyPr/>
+                    <a:lstStyle/>
+                    <a:p>
+                      <a:r>
+                        <a:rPr lang="en-US" altLang="ko-KR" sz="1000">
+                          <a:effectLst/>
+                        </a:rPr>
+                        <a:t>2</a:t>
+                      </a:r>
+                    </a:p>
+                  </a:txBody>
+                  <a:tcPr marL="10193" marR="10193" marT="8155" marB="8155" anchor="ctr">
+                    <a:lnL w="9525" cap="flat" cmpd="sng" algn="ctr">
+                      <a:solidFill>
+                        <a:srgbClr val="D6DADC"/>
+                      </a:solidFill>
+                      <a:prstDash val="solid"/>
+                      <a:round/>
+                      <a:headEnd type="none" w="med" len="med"/>
+                      <a:tailEnd type="none" w="med" len="med"/>
+                    </a:lnL>
+                    <a:lnR w="9525" cap="flat" cmpd="sng" algn="ctr">
+                      <a:solidFill>
+                        <a:srgbClr val="D6DADC"/>
+                      </a:solidFill>
+                      <a:prstDash val="solid"/>
+                      <a:round/>
+                      <a:headEnd type="none" w="med" len="med"/>
+                      <a:tailEnd type="none" w="med" len="med"/>
+                    </a:lnR>
+                    <a:lnT w="9525" cap="flat" cmpd="sng" algn="ctr">
+                      <a:solidFill>
+                        <a:srgbClr val="D6DADC"/>
+                      </a:solidFill>
+                      <a:prstDash val="solid"/>
+                      <a:round/>
+                      <a:headEnd type="none" w="med" len="med"/>
+                      <a:tailEnd type="none" w="med" len="med"/>
+                    </a:lnT>
+                    <a:lnB w="9525" cap="flat" cmpd="sng" algn="ctr">
+                      <a:solidFill>
+                        <a:srgbClr val="D6DADC"/>
+                      </a:solidFill>
+                      <a:prstDash val="solid"/>
+                      <a:round/>
+                      <a:headEnd type="none" w="med" len="med"/>
+                      <a:tailEnd type="none" w="med" len="med"/>
+                    </a:lnB>
+                    <a:solidFill>
+                      <a:srgbClr val="FFFFFF"/>
+                    </a:solidFill>
+                  </a:tcPr>
+                </a:tc>
+                <a:extLst>
+                  <a:ext uri="{0D108BD9-81ED-4DB2-BD59-A6C34878D82A}">
+                    <a16:rowId xmlns:a16="http://schemas.microsoft.com/office/drawing/2014/main" val="168224609"/>
+                  </a:ext>
+                </a:extLst>
+              </a:tr>
+              <a:tr h="135420">
+                <a:tc>
+                  <a:txBody>
+                    <a:bodyPr/>
+                    <a:lstStyle/>
+                    <a:p>
+                      <a:pPr algn="r"/>
+                      <a:r>
+                        <a:rPr lang="en-US" altLang="ko-KR" sz="1000" b="1">
+                          <a:solidFill>
+                            <a:srgbClr val="000000"/>
+                          </a:solidFill>
+                          <a:effectLst/>
+                        </a:rPr>
+                        <a:t>32</a:t>
+                      </a:r>
+                    </a:p>
+                  </a:txBody>
+                  <a:tcPr marL="10193" marR="10193" marT="8155" marB="8155" anchor="ctr">
+                    <a:lnL>
+                      <a:noFill/>
+                    </a:lnL>
+                    <a:lnR w="9525" cap="flat" cmpd="sng" algn="ctr">
+                      <a:solidFill>
+                        <a:srgbClr val="D6DADC"/>
+                      </a:solidFill>
+                      <a:prstDash val="solid"/>
+                      <a:round/>
+                      <a:headEnd type="none" w="med" len="med"/>
+                      <a:tailEnd type="none" w="med" len="med"/>
+                    </a:lnR>
+                    <a:lnT w="9525" cap="flat" cmpd="sng" algn="ctr">
+                      <a:solidFill>
+                        <a:srgbClr val="D6DADC"/>
+                      </a:solidFill>
+                      <a:prstDash val="solid"/>
+                      <a:round/>
+                      <a:headEnd type="none" w="med" len="med"/>
+                      <a:tailEnd type="none" w="med" len="med"/>
+                    </a:lnT>
+                    <a:lnB w="9525" cap="flat" cmpd="sng" algn="ctr">
+                      <a:solidFill>
+                        <a:srgbClr val="D6DADC"/>
+                      </a:solidFill>
+                      <a:prstDash val="solid"/>
+                      <a:round/>
+                      <a:headEnd type="none" w="med" len="med"/>
+                      <a:tailEnd type="none" w="med" len="med"/>
+                    </a:lnB>
+                    <a:solidFill>
+                      <a:srgbClr val="F4F8F9"/>
+                    </a:solidFill>
+                  </a:tcPr>
+                </a:tc>
+                <a:tc>
+                  <a:txBody>
+                    <a:bodyPr/>
+                    <a:lstStyle/>
+                    <a:p>
+                      <a:r>
+                        <a:rPr lang="en-US" sz="1000">
+                          <a:effectLst/>
+                        </a:rPr>
+                        <a:t>LONRF2</a:t>
+                      </a:r>
+                    </a:p>
+                  </a:txBody>
+                  <a:tcPr marL="10193" marR="10193" marT="8155" marB="8155" anchor="ctr">
+                    <a:lnL w="9525" cap="flat" cmpd="sng" algn="ctr">
+                      <a:solidFill>
+                        <a:srgbClr val="D6DADC"/>
+                      </a:solidFill>
+                      <a:prstDash val="solid"/>
+                      <a:round/>
+                      <a:headEnd type="none" w="med" len="med"/>
+                      <a:tailEnd type="none" w="med" len="med"/>
+                    </a:lnL>
+                    <a:lnR w="9525" cap="flat" cmpd="sng" algn="ctr">
+                      <a:solidFill>
+                        <a:srgbClr val="D6DADC"/>
+                      </a:solidFill>
+                      <a:prstDash val="solid"/>
+                      <a:round/>
+                      <a:headEnd type="none" w="med" len="med"/>
+                      <a:tailEnd type="none" w="med" len="med"/>
+                    </a:lnR>
+                    <a:lnT w="9525" cap="flat" cmpd="sng" algn="ctr">
+                      <a:solidFill>
+                        <a:srgbClr val="D6DADC"/>
+                      </a:solidFill>
+                      <a:prstDash val="solid"/>
+                      <a:round/>
+                      <a:headEnd type="none" w="med" len="med"/>
+                      <a:tailEnd type="none" w="med" len="med"/>
+                    </a:lnT>
+                    <a:lnB w="9525" cap="flat" cmpd="sng" algn="ctr">
+                      <a:solidFill>
+                        <a:srgbClr val="D6DADC"/>
+                      </a:solidFill>
+                      <a:prstDash val="solid"/>
+                      <a:round/>
+                      <a:headEnd type="none" w="med" len="med"/>
+                      <a:tailEnd type="none" w="med" len="med"/>
+                    </a:lnB>
+                    <a:solidFill>
+                      <a:srgbClr val="FFFFFF"/>
+                    </a:solidFill>
+                  </a:tcPr>
+                </a:tc>
+                <a:tc>
+                  <a:txBody>
+                    <a:bodyPr/>
+                    <a:lstStyle/>
+                    <a:p>
+                      <a:r>
+                        <a:rPr lang="en-US" altLang="ko-KR" sz="1000">
+                          <a:effectLst/>
+                        </a:rPr>
+                        <a:t>2</a:t>
+                      </a:r>
+                    </a:p>
+                  </a:txBody>
+                  <a:tcPr marL="10193" marR="10193" marT="8155" marB="8155" anchor="ctr">
+                    <a:lnL w="9525" cap="flat" cmpd="sng" algn="ctr">
+                      <a:solidFill>
+                        <a:srgbClr val="D6DADC"/>
+                      </a:solidFill>
+                      <a:prstDash val="solid"/>
+                      <a:round/>
+                      <a:headEnd type="none" w="med" len="med"/>
+                      <a:tailEnd type="none" w="med" len="med"/>
+                    </a:lnL>
+                    <a:lnR w="9525" cap="flat" cmpd="sng" algn="ctr">
+                      <a:solidFill>
+                        <a:srgbClr val="D6DADC"/>
+                      </a:solidFill>
+                      <a:prstDash val="solid"/>
+                      <a:round/>
+                      <a:headEnd type="none" w="med" len="med"/>
+                      <a:tailEnd type="none" w="med" len="med"/>
+                    </a:lnR>
+                    <a:lnT w="9525" cap="flat" cmpd="sng" algn="ctr">
+                      <a:solidFill>
+                        <a:srgbClr val="D6DADC"/>
+                      </a:solidFill>
+                      <a:prstDash val="solid"/>
+                      <a:round/>
+                      <a:headEnd type="none" w="med" len="med"/>
+                      <a:tailEnd type="none" w="med" len="med"/>
+                    </a:lnT>
+                    <a:lnB w="9525" cap="flat" cmpd="sng" algn="ctr">
+                      <a:solidFill>
+                        <a:srgbClr val="D6DADC"/>
+                      </a:solidFill>
+                      <a:prstDash val="solid"/>
+                      <a:round/>
+                      <a:headEnd type="none" w="med" len="med"/>
+                      <a:tailEnd type="none" w="med" len="med"/>
+                    </a:lnB>
+                    <a:solidFill>
+                      <a:srgbClr val="FFFFFF"/>
+                    </a:solidFill>
+                  </a:tcPr>
+                </a:tc>
+                <a:extLst>
+                  <a:ext uri="{0D108BD9-81ED-4DB2-BD59-A6C34878D82A}">
+                    <a16:rowId xmlns:a16="http://schemas.microsoft.com/office/drawing/2014/main" val="2795112744"/>
+                  </a:ext>
+                </a:extLst>
+              </a:tr>
+              <a:tr h="135420">
+                <a:tc>
+                  <a:txBody>
+                    <a:bodyPr/>
+                    <a:lstStyle/>
+                    <a:p>
+                      <a:pPr algn="r"/>
+                      <a:r>
+                        <a:rPr lang="en-US" altLang="ko-KR" sz="1000" b="1">
+                          <a:solidFill>
+                            <a:srgbClr val="000000"/>
+                          </a:solidFill>
+                          <a:effectLst/>
+                        </a:rPr>
+                        <a:t>33</a:t>
+                      </a:r>
+                    </a:p>
+                  </a:txBody>
+                  <a:tcPr marL="10193" marR="10193" marT="8155" marB="8155" anchor="ctr">
+                    <a:lnL>
+                      <a:noFill/>
+                    </a:lnL>
+                    <a:lnR w="9525" cap="flat" cmpd="sng" algn="ctr">
+                      <a:solidFill>
+                        <a:srgbClr val="D6DADC"/>
+                      </a:solidFill>
+                      <a:prstDash val="solid"/>
+                      <a:round/>
+                      <a:headEnd type="none" w="med" len="med"/>
+                      <a:tailEnd type="none" w="med" len="med"/>
+                    </a:lnR>
+                    <a:lnT w="9525" cap="flat" cmpd="sng" algn="ctr">
+                      <a:solidFill>
+                        <a:srgbClr val="D6DADC"/>
+                      </a:solidFill>
+                      <a:prstDash val="solid"/>
+                      <a:round/>
+                      <a:headEnd type="none" w="med" len="med"/>
+                      <a:tailEnd type="none" w="med" len="med"/>
+                    </a:lnT>
+                    <a:lnB w="9525" cap="flat" cmpd="sng" algn="ctr">
+                      <a:solidFill>
+                        <a:srgbClr val="D6DADC"/>
+                      </a:solidFill>
+                      <a:prstDash val="solid"/>
+                      <a:round/>
+                      <a:headEnd type="none" w="med" len="med"/>
+                      <a:tailEnd type="none" w="med" len="med"/>
+                    </a:lnB>
+                    <a:solidFill>
+                      <a:srgbClr val="F4F8F9"/>
+                    </a:solidFill>
+                  </a:tcPr>
+                </a:tc>
+                <a:tc>
+                  <a:txBody>
+                    <a:bodyPr/>
+                    <a:lstStyle/>
+                    <a:p>
+                      <a:r>
+                        <a:rPr lang="en-US" sz="1000">
+                          <a:effectLst/>
+                        </a:rPr>
+                        <a:t>SEMA3E</a:t>
+                      </a:r>
+                    </a:p>
+                  </a:txBody>
+                  <a:tcPr marL="10193" marR="10193" marT="8155" marB="8155" anchor="ctr">
+                    <a:lnL w="9525" cap="flat" cmpd="sng" algn="ctr">
+                      <a:solidFill>
+                        <a:srgbClr val="D6DADC"/>
+                      </a:solidFill>
+                      <a:prstDash val="solid"/>
+                      <a:round/>
+                      <a:headEnd type="none" w="med" len="med"/>
+                      <a:tailEnd type="none" w="med" len="med"/>
+                    </a:lnL>
+                    <a:lnR w="9525" cap="flat" cmpd="sng" algn="ctr">
+                      <a:solidFill>
+                        <a:srgbClr val="D6DADC"/>
+                      </a:solidFill>
+                      <a:prstDash val="solid"/>
+                      <a:round/>
+                      <a:headEnd type="none" w="med" len="med"/>
+                      <a:tailEnd type="none" w="med" len="med"/>
+                    </a:lnR>
+                    <a:lnT w="9525" cap="flat" cmpd="sng" algn="ctr">
+                      <a:solidFill>
+                        <a:srgbClr val="D6DADC"/>
+                      </a:solidFill>
+                      <a:prstDash val="solid"/>
+                      <a:round/>
+                      <a:headEnd type="none" w="med" len="med"/>
+                      <a:tailEnd type="none" w="med" len="med"/>
+                    </a:lnT>
+                    <a:lnB w="9525" cap="flat" cmpd="sng" algn="ctr">
+                      <a:solidFill>
+                        <a:srgbClr val="D6DADC"/>
+                      </a:solidFill>
+                      <a:prstDash val="solid"/>
+                      <a:round/>
+                      <a:headEnd type="none" w="med" len="med"/>
+                      <a:tailEnd type="none" w="med" len="med"/>
+                    </a:lnB>
+                    <a:solidFill>
+                      <a:srgbClr val="FFFFFF"/>
+                    </a:solidFill>
+                  </a:tcPr>
+                </a:tc>
+                <a:tc>
+                  <a:txBody>
+                    <a:bodyPr/>
+                    <a:lstStyle/>
+                    <a:p>
+                      <a:r>
+                        <a:rPr lang="en-US" altLang="ko-KR" sz="1000">
+                          <a:effectLst/>
+                        </a:rPr>
+                        <a:t>2</a:t>
+                      </a:r>
+                    </a:p>
+                  </a:txBody>
+                  <a:tcPr marL="10193" marR="10193" marT="8155" marB="8155" anchor="ctr">
+                    <a:lnL w="9525" cap="flat" cmpd="sng" algn="ctr">
+                      <a:solidFill>
+                        <a:srgbClr val="D6DADC"/>
+                      </a:solidFill>
+                      <a:prstDash val="solid"/>
+                      <a:round/>
+                      <a:headEnd type="none" w="med" len="med"/>
+                      <a:tailEnd type="none" w="med" len="med"/>
+                    </a:lnL>
+                    <a:lnR w="9525" cap="flat" cmpd="sng" algn="ctr">
+                      <a:solidFill>
+                        <a:srgbClr val="D6DADC"/>
+                      </a:solidFill>
+                      <a:prstDash val="solid"/>
+                      <a:round/>
+                      <a:headEnd type="none" w="med" len="med"/>
+                      <a:tailEnd type="none" w="med" len="med"/>
+                    </a:lnR>
+                    <a:lnT w="9525" cap="flat" cmpd="sng" algn="ctr">
+                      <a:solidFill>
+                        <a:srgbClr val="D6DADC"/>
+                      </a:solidFill>
+                      <a:prstDash val="solid"/>
+                      <a:round/>
+                      <a:headEnd type="none" w="med" len="med"/>
+                      <a:tailEnd type="none" w="med" len="med"/>
+                    </a:lnT>
+                    <a:lnB w="9525" cap="flat" cmpd="sng" algn="ctr">
+                      <a:solidFill>
+                        <a:srgbClr val="D6DADC"/>
+                      </a:solidFill>
+                      <a:prstDash val="solid"/>
+                      <a:round/>
+                      <a:headEnd type="none" w="med" len="med"/>
+                      <a:tailEnd type="none" w="med" len="med"/>
+                    </a:lnB>
+                    <a:solidFill>
+                      <a:srgbClr val="FFFFFF"/>
+                    </a:solidFill>
+                  </a:tcPr>
+                </a:tc>
+                <a:extLst>
+                  <a:ext uri="{0D108BD9-81ED-4DB2-BD59-A6C34878D82A}">
+                    <a16:rowId xmlns:a16="http://schemas.microsoft.com/office/drawing/2014/main" val="785810861"/>
+                  </a:ext>
+                </a:extLst>
+              </a:tr>
+              <a:tr h="135420">
+                <a:tc>
+                  <a:txBody>
+                    <a:bodyPr/>
+                    <a:lstStyle/>
+                    <a:p>
+                      <a:pPr algn="r"/>
+                      <a:r>
+                        <a:rPr lang="en-US" altLang="ko-KR" sz="1000" b="1">
+                          <a:solidFill>
+                            <a:srgbClr val="000000"/>
+                          </a:solidFill>
+                          <a:effectLst/>
+                        </a:rPr>
+                        <a:t>34</a:t>
+                      </a:r>
+                    </a:p>
+                  </a:txBody>
+                  <a:tcPr marL="10193" marR="10193" marT="8155" marB="8155" anchor="ctr">
+                    <a:lnL>
+                      <a:noFill/>
+                    </a:lnL>
+                    <a:lnR w="9525" cap="flat" cmpd="sng" algn="ctr">
+                      <a:solidFill>
+                        <a:srgbClr val="D6DADC"/>
+                      </a:solidFill>
+                      <a:prstDash val="solid"/>
+                      <a:round/>
+                      <a:headEnd type="none" w="med" len="med"/>
+                      <a:tailEnd type="none" w="med" len="med"/>
+                    </a:lnR>
+                    <a:lnT w="9525" cap="flat" cmpd="sng" algn="ctr">
+                      <a:solidFill>
+                        <a:srgbClr val="D6DADC"/>
+                      </a:solidFill>
+                      <a:prstDash val="solid"/>
+                      <a:round/>
+                      <a:headEnd type="none" w="med" len="med"/>
+                      <a:tailEnd type="none" w="med" len="med"/>
+                    </a:lnT>
+                    <a:lnB w="9525" cap="flat" cmpd="sng" algn="ctr">
+                      <a:solidFill>
+                        <a:srgbClr val="D6DADC"/>
+                      </a:solidFill>
+                      <a:prstDash val="solid"/>
+                      <a:round/>
+                      <a:headEnd type="none" w="med" len="med"/>
+                      <a:tailEnd type="none" w="med" len="med"/>
+                    </a:lnB>
+                    <a:solidFill>
+                      <a:srgbClr val="F4F8F9"/>
+                    </a:solidFill>
+                  </a:tcPr>
+                </a:tc>
+                <a:tc>
+                  <a:txBody>
+                    <a:bodyPr/>
+                    <a:lstStyle/>
+                    <a:p>
+                      <a:r>
+                        <a:rPr lang="en-US" sz="1000">
+                          <a:effectLst/>
+                        </a:rPr>
+                        <a:t>MIR3661</a:t>
+                      </a:r>
+                    </a:p>
+                  </a:txBody>
+                  <a:tcPr marL="10193" marR="10193" marT="8155" marB="8155" anchor="ctr">
+                    <a:lnL w="9525" cap="flat" cmpd="sng" algn="ctr">
+                      <a:solidFill>
+                        <a:srgbClr val="D6DADC"/>
+                      </a:solidFill>
+                      <a:prstDash val="solid"/>
+                      <a:round/>
+                      <a:headEnd type="none" w="med" len="med"/>
+                      <a:tailEnd type="none" w="med" len="med"/>
+                    </a:lnL>
+                    <a:lnR w="9525" cap="flat" cmpd="sng" algn="ctr">
+                      <a:solidFill>
+                        <a:srgbClr val="D6DADC"/>
+                      </a:solidFill>
+                      <a:prstDash val="solid"/>
+                      <a:round/>
+                      <a:headEnd type="none" w="med" len="med"/>
+                      <a:tailEnd type="none" w="med" len="med"/>
+                    </a:lnR>
+                    <a:lnT w="9525" cap="flat" cmpd="sng" algn="ctr">
+                      <a:solidFill>
+                        <a:srgbClr val="D6DADC"/>
+                      </a:solidFill>
+                      <a:prstDash val="solid"/>
+                      <a:round/>
+                      <a:headEnd type="none" w="med" len="med"/>
+                      <a:tailEnd type="none" w="med" len="med"/>
+                    </a:lnT>
+                    <a:lnB w="9525" cap="flat" cmpd="sng" algn="ctr">
+                      <a:solidFill>
+                        <a:srgbClr val="D6DADC"/>
+                      </a:solidFill>
+                      <a:prstDash val="solid"/>
+                      <a:round/>
+                      <a:headEnd type="none" w="med" len="med"/>
+                      <a:tailEnd type="none" w="med" len="med"/>
+                    </a:lnB>
+                    <a:solidFill>
+                      <a:srgbClr val="FFFFFF"/>
+                    </a:solidFill>
+                  </a:tcPr>
+                </a:tc>
+                <a:tc>
+                  <a:txBody>
+                    <a:bodyPr/>
+                    <a:lstStyle/>
+                    <a:p>
+                      <a:r>
+                        <a:rPr lang="en-US" altLang="ko-KR" sz="1000">
+                          <a:effectLst/>
+                        </a:rPr>
+                        <a:t>1</a:t>
+                      </a:r>
+                    </a:p>
+                  </a:txBody>
+                  <a:tcPr marL="10193" marR="10193" marT="8155" marB="8155" anchor="ctr">
+                    <a:lnL w="9525" cap="flat" cmpd="sng" algn="ctr">
+                      <a:solidFill>
+                        <a:srgbClr val="D6DADC"/>
+                      </a:solidFill>
+                      <a:prstDash val="solid"/>
+                      <a:round/>
+                      <a:headEnd type="none" w="med" len="med"/>
+                      <a:tailEnd type="none" w="med" len="med"/>
+                    </a:lnL>
+                    <a:lnR w="9525" cap="flat" cmpd="sng" algn="ctr">
+                      <a:solidFill>
+                        <a:srgbClr val="D6DADC"/>
+                      </a:solidFill>
+                      <a:prstDash val="solid"/>
+                      <a:round/>
+                      <a:headEnd type="none" w="med" len="med"/>
+                      <a:tailEnd type="none" w="med" len="med"/>
+                    </a:lnR>
+                    <a:lnT w="9525" cap="flat" cmpd="sng" algn="ctr">
+                      <a:solidFill>
+                        <a:srgbClr val="D6DADC"/>
+                      </a:solidFill>
+                      <a:prstDash val="solid"/>
+                      <a:round/>
+                      <a:headEnd type="none" w="med" len="med"/>
+                      <a:tailEnd type="none" w="med" len="med"/>
+                    </a:lnT>
+                    <a:lnB w="9525" cap="flat" cmpd="sng" algn="ctr">
+                      <a:solidFill>
+                        <a:srgbClr val="D6DADC"/>
+                      </a:solidFill>
+                      <a:prstDash val="solid"/>
+                      <a:round/>
+                      <a:headEnd type="none" w="med" len="med"/>
+                      <a:tailEnd type="none" w="med" len="med"/>
+                    </a:lnB>
+                    <a:solidFill>
+                      <a:srgbClr val="FFFFFF"/>
+                    </a:solidFill>
+                  </a:tcPr>
+                </a:tc>
+                <a:extLst>
+                  <a:ext uri="{0D108BD9-81ED-4DB2-BD59-A6C34878D82A}">
+                    <a16:rowId xmlns:a16="http://schemas.microsoft.com/office/drawing/2014/main" val="532966402"/>
+                  </a:ext>
+                </a:extLst>
+              </a:tr>
+              <a:tr h="135420">
+                <a:tc>
+                  <a:txBody>
+                    <a:bodyPr/>
+                    <a:lstStyle/>
+                    <a:p>
+                      <a:pPr algn="r"/>
+                      <a:r>
+                        <a:rPr lang="en-US" altLang="ko-KR" sz="1000" b="1">
+                          <a:solidFill>
+                            <a:srgbClr val="000000"/>
+                          </a:solidFill>
+                          <a:effectLst/>
+                        </a:rPr>
+                        <a:t>35</a:t>
+                      </a:r>
+                    </a:p>
+                  </a:txBody>
+                  <a:tcPr marL="10193" marR="10193" marT="8155" marB="8155" anchor="ctr">
+                    <a:lnL>
+                      <a:noFill/>
+                    </a:lnL>
+                    <a:lnR w="9525" cap="flat" cmpd="sng" algn="ctr">
+                      <a:solidFill>
+                        <a:srgbClr val="D6DADC"/>
+                      </a:solidFill>
+                      <a:prstDash val="solid"/>
+                      <a:round/>
+                      <a:headEnd type="none" w="med" len="med"/>
+                      <a:tailEnd type="none" w="med" len="med"/>
+                    </a:lnR>
+                    <a:lnT w="9525" cap="flat" cmpd="sng" algn="ctr">
+                      <a:solidFill>
+                        <a:srgbClr val="D6DADC"/>
+                      </a:solidFill>
+                      <a:prstDash val="solid"/>
+                      <a:round/>
+                      <a:headEnd type="none" w="med" len="med"/>
+                      <a:tailEnd type="none" w="med" len="med"/>
+                    </a:lnT>
+                    <a:lnB w="9525" cap="flat" cmpd="sng" algn="ctr">
+                      <a:solidFill>
+                        <a:srgbClr val="D6DADC"/>
+                      </a:solidFill>
+                      <a:prstDash val="solid"/>
+                      <a:round/>
+                      <a:headEnd type="none" w="med" len="med"/>
+                      <a:tailEnd type="none" w="med" len="med"/>
+                    </a:lnB>
+                    <a:solidFill>
+                      <a:srgbClr val="F4F8F9"/>
+                    </a:solidFill>
+                  </a:tcPr>
+                </a:tc>
+                <a:tc>
+                  <a:txBody>
+                    <a:bodyPr/>
+                    <a:lstStyle/>
+                    <a:p>
+                      <a:r>
+                        <a:rPr lang="en-US" sz="1000">
+                          <a:effectLst/>
+                        </a:rPr>
+                        <a:t>ZNF676</a:t>
+                      </a:r>
+                    </a:p>
+                  </a:txBody>
+                  <a:tcPr marL="10193" marR="10193" marT="8155" marB="8155" anchor="ctr">
+                    <a:lnL w="9525" cap="flat" cmpd="sng" algn="ctr">
+                      <a:solidFill>
+                        <a:srgbClr val="D6DADC"/>
+                      </a:solidFill>
+                      <a:prstDash val="solid"/>
+                      <a:round/>
+                      <a:headEnd type="none" w="med" len="med"/>
+                      <a:tailEnd type="none" w="med" len="med"/>
+                    </a:lnL>
+                    <a:lnR w="9525" cap="flat" cmpd="sng" algn="ctr">
+                      <a:solidFill>
+                        <a:srgbClr val="D6DADC"/>
+                      </a:solidFill>
+                      <a:prstDash val="solid"/>
+                      <a:round/>
+                      <a:headEnd type="none" w="med" len="med"/>
+                      <a:tailEnd type="none" w="med" len="med"/>
+                    </a:lnR>
+                    <a:lnT w="9525" cap="flat" cmpd="sng" algn="ctr">
+                      <a:solidFill>
+                        <a:srgbClr val="D6DADC"/>
+                      </a:solidFill>
+                      <a:prstDash val="solid"/>
+                      <a:round/>
+                      <a:headEnd type="none" w="med" len="med"/>
+                      <a:tailEnd type="none" w="med" len="med"/>
+                    </a:lnT>
+                    <a:lnB w="9525" cap="flat" cmpd="sng" algn="ctr">
+                      <a:solidFill>
+                        <a:srgbClr val="D6DADC"/>
+                      </a:solidFill>
+                      <a:prstDash val="solid"/>
+                      <a:round/>
+                      <a:headEnd type="none" w="med" len="med"/>
+                      <a:tailEnd type="none" w="med" len="med"/>
+                    </a:lnB>
+                    <a:solidFill>
+                      <a:srgbClr val="FFFFFF"/>
+                    </a:solidFill>
+                  </a:tcPr>
+                </a:tc>
+                <a:tc>
+                  <a:txBody>
+                    <a:bodyPr/>
+                    <a:lstStyle/>
+                    <a:p>
+                      <a:r>
+                        <a:rPr lang="en-US" altLang="ko-KR" sz="1000">
+                          <a:effectLst/>
+                        </a:rPr>
+                        <a:t>2</a:t>
+                      </a:r>
+                    </a:p>
+                  </a:txBody>
+                  <a:tcPr marL="10193" marR="10193" marT="8155" marB="8155" anchor="ctr">
+                    <a:lnL w="9525" cap="flat" cmpd="sng" algn="ctr">
+                      <a:solidFill>
+                        <a:srgbClr val="D6DADC"/>
+                      </a:solidFill>
+                      <a:prstDash val="solid"/>
+                      <a:round/>
+                      <a:headEnd type="none" w="med" len="med"/>
+                      <a:tailEnd type="none" w="med" len="med"/>
+                    </a:lnL>
+                    <a:lnR w="9525" cap="flat" cmpd="sng" algn="ctr">
+                      <a:solidFill>
+                        <a:srgbClr val="D6DADC"/>
+                      </a:solidFill>
+                      <a:prstDash val="solid"/>
+                      <a:round/>
+                      <a:headEnd type="none" w="med" len="med"/>
+                      <a:tailEnd type="none" w="med" len="med"/>
+                    </a:lnR>
+                    <a:lnT w="9525" cap="flat" cmpd="sng" algn="ctr">
+                      <a:solidFill>
+                        <a:srgbClr val="D6DADC"/>
+                      </a:solidFill>
+                      <a:prstDash val="solid"/>
+                      <a:round/>
+                      <a:headEnd type="none" w="med" len="med"/>
+                      <a:tailEnd type="none" w="med" len="med"/>
+                    </a:lnT>
+                    <a:lnB w="9525" cap="flat" cmpd="sng" algn="ctr">
+                      <a:solidFill>
+                        <a:srgbClr val="D6DADC"/>
+                      </a:solidFill>
+                      <a:prstDash val="solid"/>
+                      <a:round/>
+                      <a:headEnd type="none" w="med" len="med"/>
+                      <a:tailEnd type="none" w="med" len="med"/>
+                    </a:lnB>
+                    <a:solidFill>
+                      <a:srgbClr val="FFFFFF"/>
+                    </a:solidFill>
+                  </a:tcPr>
+                </a:tc>
+                <a:extLst>
+                  <a:ext uri="{0D108BD9-81ED-4DB2-BD59-A6C34878D82A}">
+                    <a16:rowId xmlns:a16="http://schemas.microsoft.com/office/drawing/2014/main" val="1295214100"/>
+                  </a:ext>
+                </a:extLst>
+              </a:tr>
+              <a:tr h="135420">
+                <a:tc>
+                  <a:txBody>
+                    <a:bodyPr/>
+                    <a:lstStyle/>
+                    <a:p>
+                      <a:pPr algn="r"/>
+                      <a:r>
+                        <a:rPr lang="en-US" altLang="ko-KR" sz="1000" b="1">
+                          <a:solidFill>
+                            <a:srgbClr val="000000"/>
+                          </a:solidFill>
+                          <a:effectLst/>
+                        </a:rPr>
+                        <a:t>36</a:t>
+                      </a:r>
+                    </a:p>
+                  </a:txBody>
+                  <a:tcPr marL="10193" marR="10193" marT="8155" marB="8155" anchor="ctr">
+                    <a:lnL>
+                      <a:noFill/>
+                    </a:lnL>
+                    <a:lnR w="9525" cap="flat" cmpd="sng" algn="ctr">
+                      <a:solidFill>
+                        <a:srgbClr val="D6DADC"/>
+                      </a:solidFill>
+                      <a:prstDash val="solid"/>
+                      <a:round/>
+                      <a:headEnd type="none" w="med" len="med"/>
+                      <a:tailEnd type="none" w="med" len="med"/>
+                    </a:lnR>
+                    <a:lnT w="9525" cap="flat" cmpd="sng" algn="ctr">
+                      <a:solidFill>
+                        <a:srgbClr val="D6DADC"/>
+                      </a:solidFill>
+                      <a:prstDash val="solid"/>
+                      <a:round/>
+                      <a:headEnd type="none" w="med" len="med"/>
+                      <a:tailEnd type="none" w="med" len="med"/>
+                    </a:lnT>
+                    <a:lnB w="9525" cap="flat" cmpd="sng" algn="ctr">
+                      <a:solidFill>
+                        <a:srgbClr val="D6DADC"/>
+                      </a:solidFill>
+                      <a:prstDash val="solid"/>
+                      <a:round/>
+                      <a:headEnd type="none" w="med" len="med"/>
+                      <a:tailEnd type="none" w="med" len="med"/>
+                    </a:lnB>
+                    <a:solidFill>
+                      <a:srgbClr val="F4F8F9"/>
+                    </a:solidFill>
+                  </a:tcPr>
+                </a:tc>
+                <a:tc>
+                  <a:txBody>
+                    <a:bodyPr/>
+                    <a:lstStyle/>
+                    <a:p>
+                      <a:r>
+                        <a:rPr lang="en-US" sz="1000">
+                          <a:effectLst/>
+                        </a:rPr>
+                        <a:t>PLCXD3</a:t>
+                      </a:r>
+                    </a:p>
+                  </a:txBody>
+                  <a:tcPr marL="10193" marR="10193" marT="8155" marB="8155" anchor="ctr">
+                    <a:lnL w="9525" cap="flat" cmpd="sng" algn="ctr">
+                      <a:solidFill>
+                        <a:srgbClr val="D6DADC"/>
+                      </a:solidFill>
+                      <a:prstDash val="solid"/>
+                      <a:round/>
+                      <a:headEnd type="none" w="med" len="med"/>
+                      <a:tailEnd type="none" w="med" len="med"/>
+                    </a:lnL>
+                    <a:lnR w="9525" cap="flat" cmpd="sng" algn="ctr">
+                      <a:solidFill>
+                        <a:srgbClr val="D6DADC"/>
+                      </a:solidFill>
+                      <a:prstDash val="solid"/>
+                      <a:round/>
+                      <a:headEnd type="none" w="med" len="med"/>
+                      <a:tailEnd type="none" w="med" len="med"/>
+                    </a:lnR>
+                    <a:lnT w="9525" cap="flat" cmpd="sng" algn="ctr">
+                      <a:solidFill>
+                        <a:srgbClr val="D6DADC"/>
+                      </a:solidFill>
+                      <a:prstDash val="solid"/>
+                      <a:round/>
+                      <a:headEnd type="none" w="med" len="med"/>
+                      <a:tailEnd type="none" w="med" len="med"/>
+                    </a:lnT>
+                    <a:lnB w="9525" cap="flat" cmpd="sng" algn="ctr">
+                      <a:solidFill>
+                        <a:srgbClr val="D6DADC"/>
+                      </a:solidFill>
+                      <a:prstDash val="solid"/>
+                      <a:round/>
+                      <a:headEnd type="none" w="med" len="med"/>
+                      <a:tailEnd type="none" w="med" len="med"/>
+                    </a:lnB>
+                    <a:solidFill>
+                      <a:srgbClr val="FFFFFF"/>
+                    </a:solidFill>
+                  </a:tcPr>
+                </a:tc>
+                <a:tc>
+                  <a:txBody>
+                    <a:bodyPr/>
+                    <a:lstStyle/>
+                    <a:p>
+                      <a:r>
+                        <a:rPr lang="en-US" altLang="ko-KR" sz="1000">
+                          <a:effectLst/>
+                        </a:rPr>
+                        <a:t>2</a:t>
+                      </a:r>
+                    </a:p>
+                  </a:txBody>
+                  <a:tcPr marL="10193" marR="10193" marT="8155" marB="8155" anchor="ctr">
+                    <a:lnL w="9525" cap="flat" cmpd="sng" algn="ctr">
+                      <a:solidFill>
+                        <a:srgbClr val="D6DADC"/>
+                      </a:solidFill>
+                      <a:prstDash val="solid"/>
+                      <a:round/>
+                      <a:headEnd type="none" w="med" len="med"/>
+                      <a:tailEnd type="none" w="med" len="med"/>
+                    </a:lnL>
+                    <a:lnR w="9525" cap="flat" cmpd="sng" algn="ctr">
+                      <a:solidFill>
+                        <a:srgbClr val="D6DADC"/>
+                      </a:solidFill>
+                      <a:prstDash val="solid"/>
+                      <a:round/>
+                      <a:headEnd type="none" w="med" len="med"/>
+                      <a:tailEnd type="none" w="med" len="med"/>
+                    </a:lnR>
+                    <a:lnT w="9525" cap="flat" cmpd="sng" algn="ctr">
+                      <a:solidFill>
+                        <a:srgbClr val="D6DADC"/>
+                      </a:solidFill>
+                      <a:prstDash val="solid"/>
+                      <a:round/>
+                      <a:headEnd type="none" w="med" len="med"/>
+                      <a:tailEnd type="none" w="med" len="med"/>
+                    </a:lnT>
+                    <a:lnB w="9525" cap="flat" cmpd="sng" algn="ctr">
+                      <a:solidFill>
+                        <a:srgbClr val="D6DADC"/>
+                      </a:solidFill>
+                      <a:prstDash val="solid"/>
+                      <a:round/>
+                      <a:headEnd type="none" w="med" len="med"/>
+                      <a:tailEnd type="none" w="med" len="med"/>
+                    </a:lnB>
+                    <a:solidFill>
+                      <a:srgbClr val="FFFFFF"/>
+                    </a:solidFill>
+                  </a:tcPr>
+                </a:tc>
+                <a:extLst>
+                  <a:ext uri="{0D108BD9-81ED-4DB2-BD59-A6C34878D82A}">
+                    <a16:rowId xmlns:a16="http://schemas.microsoft.com/office/drawing/2014/main" val="2831314237"/>
+                  </a:ext>
+                </a:extLst>
+              </a:tr>
+              <a:tr h="135420">
+                <a:tc>
+                  <a:txBody>
+                    <a:bodyPr/>
+                    <a:lstStyle/>
+                    <a:p>
+                      <a:pPr algn="r"/>
+                      <a:r>
+                        <a:rPr lang="en-US" altLang="ko-KR" sz="1000" b="1">
+                          <a:solidFill>
+                            <a:srgbClr val="000000"/>
+                          </a:solidFill>
+                          <a:effectLst/>
+                        </a:rPr>
+                        <a:t>37</a:t>
+                      </a:r>
+                    </a:p>
+                  </a:txBody>
+                  <a:tcPr marL="10193" marR="10193" marT="8155" marB="8155" anchor="ctr">
+                    <a:lnL>
+                      <a:noFill/>
+                    </a:lnL>
+                    <a:lnR w="9525" cap="flat" cmpd="sng" algn="ctr">
+                      <a:solidFill>
+                        <a:srgbClr val="D6DADC"/>
+                      </a:solidFill>
+                      <a:prstDash val="solid"/>
+                      <a:round/>
+                      <a:headEnd type="none" w="med" len="med"/>
+                      <a:tailEnd type="none" w="med" len="med"/>
+                    </a:lnR>
+                    <a:lnT w="9525" cap="flat" cmpd="sng" algn="ctr">
+                      <a:solidFill>
+                        <a:srgbClr val="D6DADC"/>
+                      </a:solidFill>
+                      <a:prstDash val="solid"/>
+                      <a:round/>
+                      <a:headEnd type="none" w="med" len="med"/>
+                      <a:tailEnd type="none" w="med" len="med"/>
+                    </a:lnT>
+                    <a:lnB w="9525" cap="flat" cmpd="sng" algn="ctr">
+                      <a:solidFill>
+                        <a:srgbClr val="D6DADC"/>
+                      </a:solidFill>
+                      <a:prstDash val="solid"/>
+                      <a:round/>
+                      <a:headEnd type="none" w="med" len="med"/>
+                      <a:tailEnd type="none" w="med" len="med"/>
+                    </a:lnB>
+                    <a:solidFill>
+                      <a:srgbClr val="F4F8F9"/>
+                    </a:solidFill>
+                  </a:tcPr>
+                </a:tc>
+                <a:tc>
+                  <a:txBody>
+                    <a:bodyPr/>
+                    <a:lstStyle/>
+                    <a:p>
+                      <a:r>
+                        <a:rPr lang="en-US" sz="1000">
+                          <a:effectLst/>
+                        </a:rPr>
+                        <a:t>PRR7</a:t>
+                      </a:r>
+                    </a:p>
+                  </a:txBody>
+                  <a:tcPr marL="10193" marR="10193" marT="8155" marB="8155" anchor="ctr">
+                    <a:lnL w="9525" cap="flat" cmpd="sng" algn="ctr">
+                      <a:solidFill>
+                        <a:srgbClr val="D6DADC"/>
+                      </a:solidFill>
+                      <a:prstDash val="solid"/>
+                      <a:round/>
+                      <a:headEnd type="none" w="med" len="med"/>
+                      <a:tailEnd type="none" w="med" len="med"/>
+                    </a:lnL>
+                    <a:lnR w="9525" cap="flat" cmpd="sng" algn="ctr">
+                      <a:solidFill>
+                        <a:srgbClr val="D6DADC"/>
+                      </a:solidFill>
+                      <a:prstDash val="solid"/>
+                      <a:round/>
+                      <a:headEnd type="none" w="med" len="med"/>
+                      <a:tailEnd type="none" w="med" len="med"/>
+                    </a:lnR>
+                    <a:lnT w="9525" cap="flat" cmpd="sng" algn="ctr">
+                      <a:solidFill>
+                        <a:srgbClr val="D6DADC"/>
+                      </a:solidFill>
+                      <a:prstDash val="solid"/>
+                      <a:round/>
+                      <a:headEnd type="none" w="med" len="med"/>
+                      <a:tailEnd type="none" w="med" len="med"/>
+                    </a:lnT>
+                    <a:lnB w="9525" cap="flat" cmpd="sng" algn="ctr">
+                      <a:solidFill>
+                        <a:srgbClr val="D6DADC"/>
+                      </a:solidFill>
+                      <a:prstDash val="solid"/>
+                      <a:round/>
+                      <a:headEnd type="none" w="med" len="med"/>
+                      <a:tailEnd type="none" w="med" len="med"/>
+                    </a:lnB>
+                    <a:solidFill>
+                      <a:srgbClr val="FFFFFF"/>
+                    </a:solidFill>
+                  </a:tcPr>
+                </a:tc>
+                <a:tc>
+                  <a:txBody>
+                    <a:bodyPr/>
+                    <a:lstStyle/>
+                    <a:p>
+                      <a:r>
+                        <a:rPr lang="en-US" altLang="ko-KR" sz="1000">
+                          <a:effectLst/>
+                        </a:rPr>
+                        <a:t>1</a:t>
+                      </a:r>
+                    </a:p>
+                  </a:txBody>
+                  <a:tcPr marL="10193" marR="10193" marT="8155" marB="8155" anchor="ctr">
+                    <a:lnL w="9525" cap="flat" cmpd="sng" algn="ctr">
+                      <a:solidFill>
+                        <a:srgbClr val="D6DADC"/>
+                      </a:solidFill>
+                      <a:prstDash val="solid"/>
+                      <a:round/>
+                      <a:headEnd type="none" w="med" len="med"/>
+                      <a:tailEnd type="none" w="med" len="med"/>
+                    </a:lnL>
+                    <a:lnR w="9525" cap="flat" cmpd="sng" algn="ctr">
+                      <a:solidFill>
+                        <a:srgbClr val="D6DADC"/>
+                      </a:solidFill>
+                      <a:prstDash val="solid"/>
+                      <a:round/>
+                      <a:headEnd type="none" w="med" len="med"/>
+                      <a:tailEnd type="none" w="med" len="med"/>
+                    </a:lnR>
+                    <a:lnT w="9525" cap="flat" cmpd="sng" algn="ctr">
+                      <a:solidFill>
+                        <a:srgbClr val="D6DADC"/>
+                      </a:solidFill>
+                      <a:prstDash val="solid"/>
+                      <a:round/>
+                      <a:headEnd type="none" w="med" len="med"/>
+                      <a:tailEnd type="none" w="med" len="med"/>
+                    </a:lnT>
+                    <a:lnB w="9525" cap="flat" cmpd="sng" algn="ctr">
+                      <a:solidFill>
+                        <a:srgbClr val="D6DADC"/>
+                      </a:solidFill>
+                      <a:prstDash val="solid"/>
+                      <a:round/>
+                      <a:headEnd type="none" w="med" len="med"/>
+                      <a:tailEnd type="none" w="med" len="med"/>
+                    </a:lnB>
+                    <a:solidFill>
+                      <a:srgbClr val="FFFFFF"/>
+                    </a:solidFill>
+                  </a:tcPr>
+                </a:tc>
+                <a:extLst>
+                  <a:ext uri="{0D108BD9-81ED-4DB2-BD59-A6C34878D82A}">
+                    <a16:rowId xmlns:a16="http://schemas.microsoft.com/office/drawing/2014/main" val="70535580"/>
+                  </a:ext>
+                </a:extLst>
+              </a:tr>
+              <a:tr h="135420">
+                <a:tc>
+                  <a:txBody>
+                    <a:bodyPr/>
+                    <a:lstStyle/>
+                    <a:p>
+                      <a:pPr algn="r"/>
+                      <a:r>
+                        <a:rPr lang="en-US" altLang="ko-KR" sz="1000" b="1">
+                          <a:solidFill>
+                            <a:srgbClr val="000000"/>
+                          </a:solidFill>
+                          <a:effectLst/>
+                        </a:rPr>
+                        <a:t>38</a:t>
+                      </a:r>
+                    </a:p>
+                  </a:txBody>
+                  <a:tcPr marL="10193" marR="10193" marT="8155" marB="8155" anchor="ctr">
+                    <a:lnL>
+                      <a:noFill/>
+                    </a:lnL>
+                    <a:lnR w="9525" cap="flat" cmpd="sng" algn="ctr">
+                      <a:solidFill>
+                        <a:srgbClr val="D6DADC"/>
+                      </a:solidFill>
+                      <a:prstDash val="solid"/>
+                      <a:round/>
+                      <a:headEnd type="none" w="med" len="med"/>
+                      <a:tailEnd type="none" w="med" len="med"/>
+                    </a:lnR>
+                    <a:lnT w="9525" cap="flat" cmpd="sng" algn="ctr">
+                      <a:solidFill>
+                        <a:srgbClr val="D6DADC"/>
+                      </a:solidFill>
+                      <a:prstDash val="solid"/>
+                      <a:round/>
+                      <a:headEnd type="none" w="med" len="med"/>
+                      <a:tailEnd type="none" w="med" len="med"/>
+                    </a:lnT>
+                    <a:lnB w="9525" cap="flat" cmpd="sng" algn="ctr">
+                      <a:solidFill>
+                        <a:srgbClr val="D6DADC"/>
+                      </a:solidFill>
+                      <a:prstDash val="solid"/>
+                      <a:round/>
+                      <a:headEnd type="none" w="med" len="med"/>
+                      <a:tailEnd type="none" w="med" len="med"/>
+                    </a:lnB>
+                    <a:solidFill>
+                      <a:srgbClr val="F4F8F9"/>
+                    </a:solidFill>
+                  </a:tcPr>
+                </a:tc>
+                <a:tc>
+                  <a:txBody>
+                    <a:bodyPr/>
+                    <a:lstStyle/>
+                    <a:p>
+                      <a:r>
+                        <a:rPr lang="en-US" sz="1000">
+                          <a:effectLst/>
+                        </a:rPr>
+                        <a:t>KIAA2022</a:t>
+                      </a:r>
+                    </a:p>
+                  </a:txBody>
+                  <a:tcPr marL="10193" marR="10193" marT="8155" marB="8155" anchor="ctr">
+                    <a:lnL w="9525" cap="flat" cmpd="sng" algn="ctr">
+                      <a:solidFill>
+                        <a:srgbClr val="D6DADC"/>
+                      </a:solidFill>
+                      <a:prstDash val="solid"/>
+                      <a:round/>
+                      <a:headEnd type="none" w="med" len="med"/>
+                      <a:tailEnd type="none" w="med" len="med"/>
+                    </a:lnL>
+                    <a:lnR w="9525" cap="flat" cmpd="sng" algn="ctr">
+                      <a:solidFill>
+                        <a:srgbClr val="D6DADC"/>
+                      </a:solidFill>
+                      <a:prstDash val="solid"/>
+                      <a:round/>
+                      <a:headEnd type="none" w="med" len="med"/>
+                      <a:tailEnd type="none" w="med" len="med"/>
+                    </a:lnR>
+                    <a:lnT w="9525" cap="flat" cmpd="sng" algn="ctr">
+                      <a:solidFill>
+                        <a:srgbClr val="D6DADC"/>
+                      </a:solidFill>
+                      <a:prstDash val="solid"/>
+                      <a:round/>
+                      <a:headEnd type="none" w="med" len="med"/>
+                      <a:tailEnd type="none" w="med" len="med"/>
+                    </a:lnT>
+                    <a:lnB w="9525" cap="flat" cmpd="sng" algn="ctr">
+                      <a:solidFill>
+                        <a:srgbClr val="D6DADC"/>
+                      </a:solidFill>
+                      <a:prstDash val="solid"/>
+                      <a:round/>
+                      <a:headEnd type="none" w="med" len="med"/>
+                      <a:tailEnd type="none" w="med" len="med"/>
+                    </a:lnB>
+                    <a:solidFill>
+                      <a:srgbClr val="FFFFFF"/>
+                    </a:solidFill>
+                  </a:tcPr>
+                </a:tc>
+                <a:tc>
+                  <a:txBody>
+                    <a:bodyPr/>
+                    <a:lstStyle/>
+                    <a:p>
+                      <a:r>
+                        <a:rPr lang="en-US" altLang="ko-KR" sz="1000">
+                          <a:effectLst/>
+                        </a:rPr>
+                        <a:t>2</a:t>
+                      </a:r>
+                    </a:p>
+                  </a:txBody>
+                  <a:tcPr marL="10193" marR="10193" marT="8155" marB="8155" anchor="ctr">
+                    <a:lnL w="9525" cap="flat" cmpd="sng" algn="ctr">
+                      <a:solidFill>
+                        <a:srgbClr val="D6DADC"/>
+                      </a:solidFill>
+                      <a:prstDash val="solid"/>
+                      <a:round/>
+                      <a:headEnd type="none" w="med" len="med"/>
+                      <a:tailEnd type="none" w="med" len="med"/>
+                    </a:lnL>
+                    <a:lnR w="9525" cap="flat" cmpd="sng" algn="ctr">
+                      <a:solidFill>
+                        <a:srgbClr val="D6DADC"/>
+                      </a:solidFill>
+                      <a:prstDash val="solid"/>
+                      <a:round/>
+                      <a:headEnd type="none" w="med" len="med"/>
+                      <a:tailEnd type="none" w="med" len="med"/>
+                    </a:lnR>
+                    <a:lnT w="9525" cap="flat" cmpd="sng" algn="ctr">
+                      <a:solidFill>
+                        <a:srgbClr val="D6DADC"/>
+                      </a:solidFill>
+                      <a:prstDash val="solid"/>
+                      <a:round/>
+                      <a:headEnd type="none" w="med" len="med"/>
+                      <a:tailEnd type="none" w="med" len="med"/>
+                    </a:lnT>
+                    <a:lnB w="9525" cap="flat" cmpd="sng" algn="ctr">
+                      <a:solidFill>
+                        <a:srgbClr val="D6DADC"/>
+                      </a:solidFill>
+                      <a:prstDash val="solid"/>
+                      <a:round/>
+                      <a:headEnd type="none" w="med" len="med"/>
+                      <a:tailEnd type="none" w="med" len="med"/>
+                    </a:lnB>
+                    <a:solidFill>
+                      <a:srgbClr val="FFFFFF"/>
+                    </a:solidFill>
+                  </a:tcPr>
+                </a:tc>
+                <a:extLst>
+                  <a:ext uri="{0D108BD9-81ED-4DB2-BD59-A6C34878D82A}">
+                    <a16:rowId xmlns:a16="http://schemas.microsoft.com/office/drawing/2014/main" val="1729398329"/>
+                  </a:ext>
+                </a:extLst>
+              </a:tr>
+              <a:tr h="135420">
+                <a:tc>
+                  <a:txBody>
+                    <a:bodyPr/>
+                    <a:lstStyle/>
+                    <a:p>
+                      <a:pPr algn="r"/>
+                      <a:r>
+                        <a:rPr lang="en-US" altLang="ko-KR" sz="1000" b="1">
+                          <a:solidFill>
+                            <a:srgbClr val="000000"/>
+                          </a:solidFill>
+                          <a:effectLst/>
+                        </a:rPr>
+                        <a:t>39</a:t>
+                      </a:r>
+                    </a:p>
+                  </a:txBody>
+                  <a:tcPr marL="10193" marR="10193" marT="8155" marB="8155" anchor="ctr">
+                    <a:lnL>
+                      <a:noFill/>
+                    </a:lnL>
+                    <a:lnR w="9525" cap="flat" cmpd="sng" algn="ctr">
+                      <a:solidFill>
+                        <a:srgbClr val="D6DADC"/>
+                      </a:solidFill>
+                      <a:prstDash val="solid"/>
+                      <a:round/>
+                      <a:headEnd type="none" w="med" len="med"/>
+                      <a:tailEnd type="none" w="med" len="med"/>
+                    </a:lnR>
+                    <a:lnT w="9525" cap="flat" cmpd="sng" algn="ctr">
+                      <a:solidFill>
+                        <a:srgbClr val="D6DADC"/>
+                      </a:solidFill>
+                      <a:prstDash val="solid"/>
+                      <a:round/>
+                      <a:headEnd type="none" w="med" len="med"/>
+                      <a:tailEnd type="none" w="med" len="med"/>
+                    </a:lnT>
+                    <a:lnB w="9525" cap="flat" cmpd="sng" algn="ctr">
+                      <a:solidFill>
+                        <a:srgbClr val="D6DADC"/>
+                      </a:solidFill>
+                      <a:prstDash val="solid"/>
+                      <a:round/>
+                      <a:headEnd type="none" w="med" len="med"/>
+                      <a:tailEnd type="none" w="med" len="med"/>
+                    </a:lnB>
+                    <a:solidFill>
+                      <a:srgbClr val="F4F8F9"/>
+                    </a:solidFill>
+                  </a:tcPr>
+                </a:tc>
+                <a:tc>
+                  <a:txBody>
+                    <a:bodyPr/>
+                    <a:lstStyle/>
+                    <a:p>
+                      <a:r>
+                        <a:rPr lang="en-US" sz="1000">
+                          <a:effectLst/>
+                        </a:rPr>
+                        <a:t>EPHA6</a:t>
+                      </a:r>
+                    </a:p>
+                  </a:txBody>
+                  <a:tcPr marL="10193" marR="10193" marT="8155" marB="8155" anchor="ctr">
+                    <a:lnL w="9525" cap="flat" cmpd="sng" algn="ctr">
+                      <a:solidFill>
+                        <a:srgbClr val="D6DADC"/>
+                      </a:solidFill>
+                      <a:prstDash val="solid"/>
+                      <a:round/>
+                      <a:headEnd type="none" w="med" len="med"/>
+                      <a:tailEnd type="none" w="med" len="med"/>
+                    </a:lnL>
+                    <a:lnR w="9525" cap="flat" cmpd="sng" algn="ctr">
+                      <a:solidFill>
+                        <a:srgbClr val="D6DADC"/>
+                      </a:solidFill>
+                      <a:prstDash val="solid"/>
+                      <a:round/>
+                      <a:headEnd type="none" w="med" len="med"/>
+                      <a:tailEnd type="none" w="med" len="med"/>
+                    </a:lnR>
+                    <a:lnT w="9525" cap="flat" cmpd="sng" algn="ctr">
+                      <a:solidFill>
+                        <a:srgbClr val="D6DADC"/>
+                      </a:solidFill>
+                      <a:prstDash val="solid"/>
+                      <a:round/>
+                      <a:headEnd type="none" w="med" len="med"/>
+                      <a:tailEnd type="none" w="med" len="med"/>
+                    </a:lnT>
+                    <a:lnB w="9525" cap="flat" cmpd="sng" algn="ctr">
+                      <a:solidFill>
+                        <a:srgbClr val="D6DADC"/>
+                      </a:solidFill>
+                      <a:prstDash val="solid"/>
+                      <a:round/>
+                      <a:headEnd type="none" w="med" len="med"/>
+                      <a:tailEnd type="none" w="med" len="med"/>
+                    </a:lnB>
+                    <a:solidFill>
+                      <a:srgbClr val="FFFFFF"/>
+                    </a:solidFill>
+                  </a:tcPr>
+                </a:tc>
+                <a:tc>
+                  <a:txBody>
+                    <a:bodyPr/>
+                    <a:lstStyle/>
+                    <a:p>
+                      <a:r>
+                        <a:rPr lang="en-US" altLang="ko-KR" sz="1000">
+                          <a:effectLst/>
+                        </a:rPr>
+                        <a:t>2</a:t>
+                      </a:r>
+                    </a:p>
+                  </a:txBody>
+                  <a:tcPr marL="10193" marR="10193" marT="8155" marB="8155" anchor="ctr">
+                    <a:lnL w="9525" cap="flat" cmpd="sng" algn="ctr">
+                      <a:solidFill>
+                        <a:srgbClr val="D6DADC"/>
+                      </a:solidFill>
+                      <a:prstDash val="solid"/>
+                      <a:round/>
+                      <a:headEnd type="none" w="med" len="med"/>
+                      <a:tailEnd type="none" w="med" len="med"/>
+                    </a:lnL>
+                    <a:lnR w="9525" cap="flat" cmpd="sng" algn="ctr">
+                      <a:solidFill>
+                        <a:srgbClr val="D6DADC"/>
+                      </a:solidFill>
+                      <a:prstDash val="solid"/>
+                      <a:round/>
+                      <a:headEnd type="none" w="med" len="med"/>
+                      <a:tailEnd type="none" w="med" len="med"/>
+                    </a:lnR>
+                    <a:lnT w="9525" cap="flat" cmpd="sng" algn="ctr">
+                      <a:solidFill>
+                        <a:srgbClr val="D6DADC"/>
+                      </a:solidFill>
+                      <a:prstDash val="solid"/>
+                      <a:round/>
+                      <a:headEnd type="none" w="med" len="med"/>
+                      <a:tailEnd type="none" w="med" len="med"/>
+                    </a:lnT>
+                    <a:lnB w="9525" cap="flat" cmpd="sng" algn="ctr">
+                      <a:solidFill>
+                        <a:srgbClr val="D6DADC"/>
+                      </a:solidFill>
+                      <a:prstDash val="solid"/>
+                      <a:round/>
+                      <a:headEnd type="none" w="med" len="med"/>
+                      <a:tailEnd type="none" w="med" len="med"/>
+                    </a:lnB>
+                    <a:solidFill>
+                      <a:srgbClr val="FFFFFF"/>
+                    </a:solidFill>
+                  </a:tcPr>
+                </a:tc>
+                <a:extLst>
+                  <a:ext uri="{0D108BD9-81ED-4DB2-BD59-A6C34878D82A}">
+                    <a16:rowId xmlns:a16="http://schemas.microsoft.com/office/drawing/2014/main" val="190924499"/>
+                  </a:ext>
+                </a:extLst>
+              </a:tr>
+              <a:tr h="135420">
+                <a:tc>
+                  <a:txBody>
+                    <a:bodyPr/>
+                    <a:lstStyle/>
+                    <a:p>
+                      <a:pPr algn="r"/>
+                      <a:r>
+                        <a:rPr lang="en-US" altLang="ko-KR" sz="1000" b="1">
+                          <a:solidFill>
+                            <a:srgbClr val="000000"/>
+                          </a:solidFill>
+                          <a:effectLst/>
+                        </a:rPr>
+                        <a:t>40</a:t>
+                      </a:r>
+                    </a:p>
+                  </a:txBody>
+                  <a:tcPr marL="10193" marR="10193" marT="8155" marB="8155" anchor="ctr">
+                    <a:lnL>
+                      <a:noFill/>
+                    </a:lnL>
+                    <a:lnR w="9525" cap="flat" cmpd="sng" algn="ctr">
+                      <a:solidFill>
+                        <a:srgbClr val="D6DADC"/>
+                      </a:solidFill>
+                      <a:prstDash val="solid"/>
+                      <a:round/>
+                      <a:headEnd type="none" w="med" len="med"/>
+                      <a:tailEnd type="none" w="med" len="med"/>
+                    </a:lnR>
+                    <a:lnT w="9525" cap="flat" cmpd="sng" algn="ctr">
+                      <a:solidFill>
+                        <a:srgbClr val="D6DADC"/>
+                      </a:solidFill>
+                      <a:prstDash val="solid"/>
+                      <a:round/>
+                      <a:headEnd type="none" w="med" len="med"/>
+                      <a:tailEnd type="none" w="med" len="med"/>
+                    </a:lnT>
+                    <a:lnB w="9525" cap="flat" cmpd="sng" algn="ctr">
+                      <a:solidFill>
+                        <a:srgbClr val="D6DADC"/>
+                      </a:solidFill>
+                      <a:prstDash val="solid"/>
+                      <a:round/>
+                      <a:headEnd type="none" w="med" len="med"/>
+                      <a:tailEnd type="none" w="med" len="med"/>
+                    </a:lnB>
+                    <a:solidFill>
+                      <a:srgbClr val="F4F8F9"/>
+                    </a:solidFill>
+                  </a:tcPr>
+                </a:tc>
+                <a:tc>
+                  <a:txBody>
+                    <a:bodyPr/>
+                    <a:lstStyle/>
+                    <a:p>
+                      <a:r>
+                        <a:rPr lang="en-US" sz="1000">
+                          <a:effectLst/>
+                        </a:rPr>
+                        <a:t>NLGN1</a:t>
+                      </a:r>
+                    </a:p>
+                  </a:txBody>
+                  <a:tcPr marL="10193" marR="10193" marT="8155" marB="8155" anchor="ctr">
+                    <a:lnL w="9525" cap="flat" cmpd="sng" algn="ctr">
+                      <a:solidFill>
+                        <a:srgbClr val="D6DADC"/>
+                      </a:solidFill>
+                      <a:prstDash val="solid"/>
+                      <a:round/>
+                      <a:headEnd type="none" w="med" len="med"/>
+                      <a:tailEnd type="none" w="med" len="med"/>
+                    </a:lnL>
+                    <a:lnR w="9525" cap="flat" cmpd="sng" algn="ctr">
+                      <a:solidFill>
+                        <a:srgbClr val="D6DADC"/>
+                      </a:solidFill>
+                      <a:prstDash val="solid"/>
+                      <a:round/>
+                      <a:headEnd type="none" w="med" len="med"/>
+                      <a:tailEnd type="none" w="med" len="med"/>
+                    </a:lnR>
+                    <a:lnT w="9525" cap="flat" cmpd="sng" algn="ctr">
+                      <a:solidFill>
+                        <a:srgbClr val="D6DADC"/>
+                      </a:solidFill>
+                      <a:prstDash val="solid"/>
+                      <a:round/>
+                      <a:headEnd type="none" w="med" len="med"/>
+                      <a:tailEnd type="none" w="med" len="med"/>
+                    </a:lnT>
+                    <a:lnB w="9525" cap="flat" cmpd="sng" algn="ctr">
+                      <a:solidFill>
+                        <a:srgbClr val="D6DADC"/>
+                      </a:solidFill>
+                      <a:prstDash val="solid"/>
+                      <a:round/>
+                      <a:headEnd type="none" w="med" len="med"/>
+                      <a:tailEnd type="none" w="med" len="med"/>
+                    </a:lnB>
+                    <a:solidFill>
+                      <a:srgbClr val="FFFFFF"/>
+                    </a:solidFill>
+                  </a:tcPr>
+                </a:tc>
+                <a:tc>
+                  <a:txBody>
+                    <a:bodyPr/>
+                    <a:lstStyle/>
+                    <a:p>
+                      <a:r>
+                        <a:rPr lang="en-US" altLang="ko-KR" sz="1000" dirty="0">
+                          <a:effectLst/>
+                        </a:rPr>
+                        <a:t>2</a:t>
+                      </a:r>
+                    </a:p>
+                  </a:txBody>
+                  <a:tcPr marL="10193" marR="10193" marT="8155" marB="8155" anchor="ctr">
+                    <a:lnL w="9525" cap="flat" cmpd="sng" algn="ctr">
+                      <a:solidFill>
+                        <a:srgbClr val="D6DADC"/>
+                      </a:solidFill>
+                      <a:prstDash val="solid"/>
+                      <a:round/>
+                      <a:headEnd type="none" w="med" len="med"/>
+                      <a:tailEnd type="none" w="med" len="med"/>
+                    </a:lnL>
+                    <a:lnR w="9525" cap="flat" cmpd="sng" algn="ctr">
+                      <a:solidFill>
+                        <a:srgbClr val="D6DADC"/>
+                      </a:solidFill>
+                      <a:prstDash val="solid"/>
+                      <a:round/>
+                      <a:headEnd type="none" w="med" len="med"/>
+                      <a:tailEnd type="none" w="med" len="med"/>
+                    </a:lnR>
+                    <a:lnT w="9525" cap="flat" cmpd="sng" algn="ctr">
+                      <a:solidFill>
+                        <a:srgbClr val="D6DADC"/>
+                      </a:solidFill>
+                      <a:prstDash val="solid"/>
+                      <a:round/>
+                      <a:headEnd type="none" w="med" len="med"/>
+                      <a:tailEnd type="none" w="med" len="med"/>
+                    </a:lnT>
+                    <a:lnB w="9525" cap="flat" cmpd="sng" algn="ctr">
+                      <a:solidFill>
+                        <a:srgbClr val="D6DADC"/>
+                      </a:solidFill>
+                      <a:prstDash val="solid"/>
+                      <a:round/>
+                      <a:headEnd type="none" w="med" len="med"/>
+                      <a:tailEnd type="none" w="med" len="med"/>
+                    </a:lnB>
+                    <a:solidFill>
+                      <a:srgbClr val="FFFFFF"/>
+                    </a:solidFill>
+                  </a:tcPr>
+                </a:tc>
+                <a:extLst>
+                  <a:ext uri="{0D108BD9-81ED-4DB2-BD59-A6C34878D82A}">
+                    <a16:rowId xmlns:a16="http://schemas.microsoft.com/office/drawing/2014/main" val="2246460901"/>
+                  </a:ext>
+                </a:extLst>
+              </a:tr>
+            </a:tbl>
+          </a:graphicData>
+        </a:graphic>
+      </p:graphicFrame>
+    </p:spTree>
+    <p:extLst>
+      <p:ext uri="{BB962C8B-B14F-4D97-AF65-F5344CB8AC3E}">
+        <p14:creationId xmlns:p14="http://schemas.microsoft.com/office/powerpoint/2010/main" val="3492498105"/>
+      </p:ext>
+    </p:extLst>
+  </p:cSld>
+  <p:clrMapOvr>
+    <a:masterClrMapping/>
+  </p:clrMapOvr>
+  <p:timing>
+    <p:tnLst>
+      <p:par>
+        <p:cTn id="1" dur="indefinite" restart="never" nodeType="tmRoot"/>
+      </p:par>
+    </p:tnLst>
+  </p:timing>
+</p:sld>
+</file>
+
+<file path=ppt/slides/slide8.xml><?xml version="1.0" encoding="utf-8"?>
+<p:sld xmlns:a="http://schemas.openxmlformats.org/drawingml/2006/main" xmlns:r="http://schemas.openxmlformats.org/officeDocument/2006/relationships" xmlns:p="http://schemas.openxmlformats.org/presentationml/2006/main">
+  <p:cSld>
+    <p:spTree>
+      <p:nvGrpSpPr>
+        <p:cNvPr id="1" name=""/>
+        <p:cNvGrpSpPr/>
+        <p:nvPr/>
+      </p:nvGrpSpPr>
+      <p:grpSpPr>
+        <a:xfrm>
+          <a:off x="0" y="0"/>
+          <a:ext cx="0" cy="0"/>
+          <a:chOff x="0" y="0"/>
+          <a:chExt cx="0" cy="0"/>
+        </a:xfrm>
+      </p:grpSpPr>
+      <p:sp>
+        <p:nvSpPr>
+          <p:cNvPr id="2" name="TextBox 1"/>
+          <p:cNvSpPr txBox="1"/>
+          <p:nvPr/>
+        </p:nvSpPr>
+        <p:spPr>
+          <a:xfrm>
+            <a:off x="424425" y="405982"/>
+            <a:ext cx="5474930" cy="369332"/>
+          </a:xfrm>
+          <a:prstGeom prst="rect">
+            <a:avLst/>
+          </a:prstGeom>
+          <a:noFill/>
+        </p:spPr>
+        <p:txBody>
+          <a:bodyPr wrap="square" rtlCol="0">
+            <a:spAutoFit/>
+          </a:bodyPr>
+          <a:lstStyle/>
+          <a:p>
+            <a:r>
+              <a:rPr lang="en-US" altLang="ko-KR" dirty="0" err="1" smtClean="0"/>
+              <a:t>Yonsei</a:t>
+            </a:r>
+            <a:r>
+              <a:rPr lang="en-US" altLang="ko-KR" dirty="0" smtClean="0"/>
+              <a:t> data validation: NTP analysis(CMS caller)</a:t>
+            </a:r>
+          </a:p>
+        </p:txBody>
+      </p:sp>
+      <p:pic>
+        <p:nvPicPr>
+          <p:cNvPr id="4" name="그림 3"/>
+          <p:cNvPicPr>
+            <a:picLocks noChangeAspect="1"/>
+          </p:cNvPicPr>
+          <p:nvPr/>
+        </p:nvPicPr>
+        <p:blipFill>
+          <a:blip r:embed="rId2"/>
+          <a:stretch>
+            <a:fillRect/>
+          </a:stretch>
+        </p:blipFill>
+        <p:spPr>
+          <a:xfrm>
+            <a:off x="102355" y="1716098"/>
+            <a:ext cx="4990966" cy="3289636"/>
+          </a:xfrm>
+          <a:prstGeom prst="rect">
+            <a:avLst/>
+          </a:prstGeom>
+        </p:spPr>
+      </p:pic>
+      <p:pic>
+        <p:nvPicPr>
+          <p:cNvPr id="5" name="그림 4"/>
+          <p:cNvPicPr>
+            <a:picLocks noChangeAspect="1"/>
+          </p:cNvPicPr>
+          <p:nvPr/>
+        </p:nvPicPr>
+        <p:blipFill>
+          <a:blip r:embed="rId3"/>
+          <a:stretch>
+            <a:fillRect/>
+          </a:stretch>
+        </p:blipFill>
+        <p:spPr>
+          <a:xfrm>
+            <a:off x="4998820" y="1839370"/>
+            <a:ext cx="4803941" cy="3166364"/>
+          </a:xfrm>
+          <a:prstGeom prst="rect">
+            <a:avLst/>
+          </a:prstGeom>
+        </p:spPr>
+      </p:pic>
+    </p:spTree>
+    <p:extLst>
+      <p:ext uri="{BB962C8B-B14F-4D97-AF65-F5344CB8AC3E}">
+        <p14:creationId xmlns:p14="http://schemas.microsoft.com/office/powerpoint/2010/main" val="3994271318"/>
+      </p:ext>
+    </p:extLst>
+  </p:cSld>
+  <p:clrMapOvr>
+    <a:masterClrMapping/>
+  </p:clrMapOvr>
+  <p:timing>
+    <p:tnLst>
+      <p:par>
+        <p:cTn id="1" dur="indefinite" restart="never" nodeType="tmRoot"/>
+      </p:par>
+    </p:tnLst>
+  </p:timing>
+</p:sld>
+</file>
+
+<file path=ppt/slides/slide9.xml><?xml version="1.0" encoding="utf-8"?>
+<p:sld xmlns:a="http://schemas.openxmlformats.org/drawingml/2006/main" xmlns:r="http://schemas.openxmlformats.org/officeDocument/2006/relationships" xmlns:p="http://schemas.openxmlformats.org/presentationml/2006/main">
+  <p:cSld>
+    <p:spTree>
+      <p:nvGrpSpPr>
+        <p:cNvPr id="1" name=""/>
+        <p:cNvGrpSpPr/>
+        <p:nvPr/>
+      </p:nvGrpSpPr>
+      <p:grpSpPr>
+        <a:xfrm>
+          <a:off x="0" y="0"/>
+          <a:ext cx="0" cy="0"/>
+          <a:chOff x="0" y="0"/>
+          <a:chExt cx="0" cy="0"/>
+        </a:xfrm>
+      </p:grpSpPr>
+      <p:sp>
+        <p:nvSpPr>
+          <p:cNvPr id="6" name="TextBox 5"/>
+          <p:cNvSpPr txBox="1"/>
+          <p:nvPr/>
+        </p:nvSpPr>
+        <p:spPr>
+          <a:xfrm>
+            <a:off x="424425" y="405982"/>
+            <a:ext cx="5474930" cy="369332"/>
+          </a:xfrm>
+          <a:prstGeom prst="rect">
+            <a:avLst/>
+          </a:prstGeom>
+          <a:noFill/>
+        </p:spPr>
+        <p:txBody>
+          <a:bodyPr wrap="square" rtlCol="0">
+            <a:spAutoFit/>
+          </a:bodyPr>
+          <a:lstStyle/>
+          <a:p>
+            <a:r>
+              <a:rPr lang="en-US" altLang="ko-KR" dirty="0" err="1" smtClean="0"/>
+              <a:t>Yonsei</a:t>
+            </a:r>
+            <a:r>
+              <a:rPr lang="en-US" altLang="ko-KR" dirty="0" smtClean="0"/>
+              <a:t> data validation: Survival / DFS / </a:t>
+            </a:r>
+            <a:r>
+              <a:rPr lang="en-US" altLang="ko-KR" dirty="0" err="1" smtClean="0"/>
+              <a:t>pCR</a:t>
+            </a:r>
+            <a:endParaRPr lang="en-US" altLang="ko-KR" dirty="0" smtClean="0"/>
+          </a:p>
+        </p:txBody>
+      </p:sp>
+      <p:pic>
+        <p:nvPicPr>
+          <p:cNvPr id="7" name="그림 6"/>
+          <p:cNvPicPr>
+            <a:picLocks noChangeAspect="1"/>
+          </p:cNvPicPr>
+          <p:nvPr/>
+        </p:nvPicPr>
+        <p:blipFill>
+          <a:blip r:embed="rId2"/>
+          <a:stretch>
+            <a:fillRect/>
+          </a:stretch>
+        </p:blipFill>
+        <p:spPr>
+          <a:xfrm>
+            <a:off x="957762" y="795666"/>
+            <a:ext cx="7990476" cy="5266667"/>
+          </a:xfrm>
+          <a:prstGeom prst="rect">
+            <a:avLst/>
+          </a:prstGeom>
+        </p:spPr>
+      </p:pic>
+      <p:sp>
+        <p:nvSpPr>
+          <p:cNvPr id="8" name="TextBox 7"/>
+          <p:cNvSpPr txBox="1"/>
+          <p:nvPr/>
+        </p:nvSpPr>
+        <p:spPr>
+          <a:xfrm>
+            <a:off x="3757560" y="6095376"/>
+            <a:ext cx="5474930" cy="369332"/>
+          </a:xfrm>
+          <a:prstGeom prst="rect">
+            <a:avLst/>
+          </a:prstGeom>
+          <a:noFill/>
+        </p:spPr>
+        <p:txBody>
+          <a:bodyPr wrap="square" rtlCol="0">
+            <a:spAutoFit/>
+          </a:bodyPr>
+          <a:lstStyle/>
+          <a:p>
+            <a:pPr algn="r"/>
+            <a:r>
+              <a:rPr lang="en-US" altLang="ko-KR" dirty="0" smtClean="0">
+                <a:solidFill>
+                  <a:srgbClr val="FF0000"/>
+                </a:solidFill>
+              </a:rPr>
+              <a:t>FDR not filtered</a:t>
+            </a:r>
+          </a:p>
+        </p:txBody>
+      </p:sp>
+    </p:spTree>
+    <p:extLst>
+      <p:ext uri="{BB962C8B-B14F-4D97-AF65-F5344CB8AC3E}">
+        <p14:creationId xmlns:p14="http://schemas.microsoft.com/office/powerpoint/2010/main" val="1340843418"/>
+      </p:ext>
+    </p:extLst>
+  </p:cSld>
+  <p:clrMapOvr>
+    <a:masterClrMapping/>
+  </p:clrMapOvr>
+  <p:timing>
+    <p:tnLst>
+      <p:par>
+        <p:cTn id="1" dur="indefinite" restart="never" nodeType="tmRoot"/>
+      </p:par>
+    </p:tnLst>
+  </p:timing>
 </p:sld>
 </file>
 

--- a/Introduction.pptx
+++ b/Introduction.pptx
@@ -4,6 +4,9 @@
   <p:sldMasterIdLst>
     <p:sldMasterId id="2147483660" r:id="rId1"/>
   </p:sldMasterIdLst>
+  <p:notesMasterIdLst>
+    <p:notesMasterId r:id="rId21"/>
+  </p:notesMasterIdLst>
   <p:sldIdLst>
     <p:sldId id="256" r:id="rId2"/>
     <p:sldId id="257" r:id="rId3"/>
@@ -130,6 +133,1292 @@
 </p:presentation>
 </file>
 
+<file path=ppt/notesMasters/notesMaster1.xml><?xml version="1.0" encoding="utf-8"?>
+<p:notesMaster xmlns:a="http://schemas.openxmlformats.org/drawingml/2006/main" xmlns:r="http://schemas.openxmlformats.org/officeDocument/2006/relationships" xmlns:p="http://schemas.openxmlformats.org/presentationml/2006/main">
+  <p:cSld>
+    <p:bg>
+      <p:bgRef idx="1001">
+        <a:schemeClr val="bg1"/>
+      </p:bgRef>
+    </p:bg>
+    <p:spTree>
+      <p:nvGrpSpPr>
+        <p:cNvPr id="1" name=""/>
+        <p:cNvGrpSpPr/>
+        <p:nvPr/>
+      </p:nvGrpSpPr>
+      <p:grpSpPr>
+        <a:xfrm>
+          <a:off x="0" y="0"/>
+          <a:ext cx="0" cy="0"/>
+          <a:chOff x="0" y="0"/>
+          <a:chExt cx="0" cy="0"/>
+        </a:xfrm>
+      </p:grpSpPr>
+      <p:sp>
+        <p:nvSpPr>
+          <p:cNvPr id="2" name="머리글 개체 틀 1"/>
+          <p:cNvSpPr>
+            <a:spLocks noGrp="1"/>
+          </p:cNvSpPr>
+          <p:nvPr>
+            <p:ph type="hdr" sz="quarter"/>
+          </p:nvPr>
+        </p:nvSpPr>
+        <p:spPr>
+          <a:xfrm>
+            <a:off x="0" y="0"/>
+            <a:ext cx="2971800" cy="458788"/>
+          </a:xfrm>
+          <a:prstGeom prst="rect">
+            <a:avLst/>
+          </a:prstGeom>
+        </p:spPr>
+        <p:txBody>
+          <a:bodyPr vert="horz" lIns="91440" tIns="45720" rIns="91440" bIns="45720" rtlCol="0"/>
+          <a:lstStyle>
+            <a:lvl1pPr algn="l">
+              <a:defRPr sz="1200"/>
+            </a:lvl1pPr>
+          </a:lstStyle>
+          <a:p>
+            <a:endParaRPr lang="ko-KR" altLang="en-US"/>
+          </a:p>
+        </p:txBody>
+      </p:sp>
+      <p:sp>
+        <p:nvSpPr>
+          <p:cNvPr id="3" name="날짜 개체 틀 2"/>
+          <p:cNvSpPr>
+            <a:spLocks noGrp="1"/>
+          </p:cNvSpPr>
+          <p:nvPr>
+            <p:ph type="dt" idx="1"/>
+          </p:nvPr>
+        </p:nvSpPr>
+        <p:spPr>
+          <a:xfrm>
+            <a:off x="3884613" y="0"/>
+            <a:ext cx="2971800" cy="458788"/>
+          </a:xfrm>
+          <a:prstGeom prst="rect">
+            <a:avLst/>
+          </a:prstGeom>
+        </p:spPr>
+        <p:txBody>
+          <a:bodyPr vert="horz" lIns="91440" tIns="45720" rIns="91440" bIns="45720" rtlCol="0"/>
+          <a:lstStyle>
+            <a:lvl1pPr algn="r">
+              <a:defRPr sz="1200"/>
+            </a:lvl1pPr>
+          </a:lstStyle>
+          <a:p>
+            <a:fld id="{8007442A-B019-4AC4-AB04-D8AD4C8C5805}" type="datetimeFigureOut">
+              <a:rPr lang="ko-KR" altLang="en-US" smtClean="0"/>
+              <a:t>2019-08-27</a:t>
+            </a:fld>
+            <a:endParaRPr lang="ko-KR" altLang="en-US"/>
+          </a:p>
+        </p:txBody>
+      </p:sp>
+      <p:sp>
+        <p:nvSpPr>
+          <p:cNvPr id="4" name="슬라이드 이미지 개체 틀 3"/>
+          <p:cNvSpPr>
+            <a:spLocks noGrp="1" noRot="1" noChangeAspect="1"/>
+          </p:cNvSpPr>
+          <p:nvPr>
+            <p:ph type="sldImg" idx="2"/>
+          </p:nvPr>
+        </p:nvSpPr>
+        <p:spPr>
+          <a:xfrm>
+            <a:off x="1200150" y="1143000"/>
+            <a:ext cx="4457700" cy="3086100"/>
+          </a:xfrm>
+          <a:prstGeom prst="rect">
+            <a:avLst/>
+          </a:prstGeom>
+          <a:noFill/>
+          <a:ln w="12700">
+            <a:solidFill>
+              <a:prstClr val="black"/>
+            </a:solidFill>
+          </a:ln>
+        </p:spPr>
+        <p:txBody>
+          <a:bodyPr vert="horz" lIns="91440" tIns="45720" rIns="91440" bIns="45720" rtlCol="0" anchor="ctr"/>
+          <a:lstStyle/>
+          <a:p>
+            <a:endParaRPr lang="ko-KR" altLang="en-US"/>
+          </a:p>
+        </p:txBody>
+      </p:sp>
+      <p:sp>
+        <p:nvSpPr>
+          <p:cNvPr id="5" name="슬라이드 노트 개체 틀 4"/>
+          <p:cNvSpPr>
+            <a:spLocks noGrp="1"/>
+          </p:cNvSpPr>
+          <p:nvPr>
+            <p:ph type="body" sz="quarter" idx="3"/>
+          </p:nvPr>
+        </p:nvSpPr>
+        <p:spPr>
+          <a:xfrm>
+            <a:off x="685800" y="4400550"/>
+            <a:ext cx="5486400" cy="3600450"/>
+          </a:xfrm>
+          <a:prstGeom prst="rect">
+            <a:avLst/>
+          </a:prstGeom>
+        </p:spPr>
+        <p:txBody>
+          <a:bodyPr vert="horz" lIns="91440" tIns="45720" rIns="91440" bIns="45720" rtlCol="0"/>
+          <a:lstStyle/>
+          <a:p>
+            <a:pPr lvl="0"/>
+            <a:r>
+              <a:rPr lang="ko-KR" altLang="en-US" smtClean="0"/>
+              <a:t>마스터 텍스트 스타일 편집</a:t>
+            </a:r>
+          </a:p>
+          <a:p>
+            <a:pPr lvl="1"/>
+            <a:r>
+              <a:rPr lang="ko-KR" altLang="en-US" smtClean="0"/>
+              <a:t>둘째 수준</a:t>
+            </a:r>
+          </a:p>
+          <a:p>
+            <a:pPr lvl="2"/>
+            <a:r>
+              <a:rPr lang="ko-KR" altLang="en-US" smtClean="0"/>
+              <a:t>셋째 수준</a:t>
+            </a:r>
+          </a:p>
+          <a:p>
+            <a:pPr lvl="3"/>
+            <a:r>
+              <a:rPr lang="ko-KR" altLang="en-US" smtClean="0"/>
+              <a:t>넷째 수준</a:t>
+            </a:r>
+          </a:p>
+          <a:p>
+            <a:pPr lvl="4"/>
+            <a:r>
+              <a:rPr lang="ko-KR" altLang="en-US" smtClean="0"/>
+              <a:t>다섯째 수준</a:t>
+            </a:r>
+            <a:endParaRPr lang="ko-KR" altLang="en-US"/>
+          </a:p>
+        </p:txBody>
+      </p:sp>
+      <p:sp>
+        <p:nvSpPr>
+          <p:cNvPr id="6" name="바닥글 개체 틀 5"/>
+          <p:cNvSpPr>
+            <a:spLocks noGrp="1"/>
+          </p:cNvSpPr>
+          <p:nvPr>
+            <p:ph type="ftr" sz="quarter" idx="4"/>
+          </p:nvPr>
+        </p:nvSpPr>
+        <p:spPr>
+          <a:xfrm>
+            <a:off x="0" y="8685213"/>
+            <a:ext cx="2971800" cy="458787"/>
+          </a:xfrm>
+          <a:prstGeom prst="rect">
+            <a:avLst/>
+          </a:prstGeom>
+        </p:spPr>
+        <p:txBody>
+          <a:bodyPr vert="horz" lIns="91440" tIns="45720" rIns="91440" bIns="45720" rtlCol="0" anchor="b"/>
+          <a:lstStyle>
+            <a:lvl1pPr algn="l">
+              <a:defRPr sz="1200"/>
+            </a:lvl1pPr>
+          </a:lstStyle>
+          <a:p>
+            <a:endParaRPr lang="ko-KR" altLang="en-US"/>
+          </a:p>
+        </p:txBody>
+      </p:sp>
+      <p:sp>
+        <p:nvSpPr>
+          <p:cNvPr id="7" name="슬라이드 번호 개체 틀 6"/>
+          <p:cNvSpPr>
+            <a:spLocks noGrp="1"/>
+          </p:cNvSpPr>
+          <p:nvPr>
+            <p:ph type="sldNum" sz="quarter" idx="5"/>
+          </p:nvPr>
+        </p:nvSpPr>
+        <p:spPr>
+          <a:xfrm>
+            <a:off x="3884613" y="8685213"/>
+            <a:ext cx="2971800" cy="458787"/>
+          </a:xfrm>
+          <a:prstGeom prst="rect">
+            <a:avLst/>
+          </a:prstGeom>
+        </p:spPr>
+        <p:txBody>
+          <a:bodyPr vert="horz" lIns="91440" tIns="45720" rIns="91440" bIns="45720" rtlCol="0" anchor="b"/>
+          <a:lstStyle>
+            <a:lvl1pPr algn="r">
+              <a:defRPr sz="1200"/>
+            </a:lvl1pPr>
+          </a:lstStyle>
+          <a:p>
+            <a:fld id="{37069B0A-189B-45FC-80B6-F4A3DC0B46A2}" type="slidenum">
+              <a:rPr lang="ko-KR" altLang="en-US" smtClean="0"/>
+              <a:t>‹#›</a:t>
+            </a:fld>
+            <a:endParaRPr lang="ko-KR" altLang="en-US"/>
+          </a:p>
+        </p:txBody>
+      </p:sp>
+    </p:spTree>
+    <p:extLst>
+      <p:ext uri="{BB962C8B-B14F-4D97-AF65-F5344CB8AC3E}">
+        <p14:creationId xmlns:p14="http://schemas.microsoft.com/office/powerpoint/2010/main" val="1139155375"/>
+      </p:ext>
+    </p:extLst>
+  </p:cSld>
+  <p:clrMap bg1="lt1" tx1="dk1" bg2="lt2" tx2="dk2" accent1="accent1" accent2="accent2" accent3="accent3" accent4="accent4" accent5="accent5" accent6="accent6" hlink="hlink" folHlink="folHlink"/>
+  <p:notesStyle>
+    <a:lvl1pPr marL="0" algn="l" defTabSz="914400" rtl="0" eaLnBrk="1" latinLnBrk="1" hangingPunct="1">
+      <a:defRPr sz="1200" kern="1200">
+        <a:solidFill>
+          <a:schemeClr val="tx1"/>
+        </a:solidFill>
+        <a:latin typeface="+mn-lt"/>
+        <a:ea typeface="+mn-ea"/>
+        <a:cs typeface="+mn-cs"/>
+      </a:defRPr>
+    </a:lvl1pPr>
+    <a:lvl2pPr marL="457200" algn="l" defTabSz="914400" rtl="0" eaLnBrk="1" latinLnBrk="1" hangingPunct="1">
+      <a:defRPr sz="1200" kern="1200">
+        <a:solidFill>
+          <a:schemeClr val="tx1"/>
+        </a:solidFill>
+        <a:latin typeface="+mn-lt"/>
+        <a:ea typeface="+mn-ea"/>
+        <a:cs typeface="+mn-cs"/>
+      </a:defRPr>
+    </a:lvl2pPr>
+    <a:lvl3pPr marL="914400" algn="l" defTabSz="914400" rtl="0" eaLnBrk="1" latinLnBrk="1" hangingPunct="1">
+      <a:defRPr sz="1200" kern="1200">
+        <a:solidFill>
+          <a:schemeClr val="tx1"/>
+        </a:solidFill>
+        <a:latin typeface="+mn-lt"/>
+        <a:ea typeface="+mn-ea"/>
+        <a:cs typeface="+mn-cs"/>
+      </a:defRPr>
+    </a:lvl3pPr>
+    <a:lvl4pPr marL="1371600" algn="l" defTabSz="914400" rtl="0" eaLnBrk="1" latinLnBrk="1" hangingPunct="1">
+      <a:defRPr sz="1200" kern="1200">
+        <a:solidFill>
+          <a:schemeClr val="tx1"/>
+        </a:solidFill>
+        <a:latin typeface="+mn-lt"/>
+        <a:ea typeface="+mn-ea"/>
+        <a:cs typeface="+mn-cs"/>
+      </a:defRPr>
+    </a:lvl4pPr>
+    <a:lvl5pPr marL="1828800" algn="l" defTabSz="914400" rtl="0" eaLnBrk="1" latinLnBrk="1" hangingPunct="1">
+      <a:defRPr sz="1200" kern="1200">
+        <a:solidFill>
+          <a:schemeClr val="tx1"/>
+        </a:solidFill>
+        <a:latin typeface="+mn-lt"/>
+        <a:ea typeface="+mn-ea"/>
+        <a:cs typeface="+mn-cs"/>
+      </a:defRPr>
+    </a:lvl5pPr>
+    <a:lvl6pPr marL="2286000" algn="l" defTabSz="914400" rtl="0" eaLnBrk="1" latinLnBrk="1" hangingPunct="1">
+      <a:defRPr sz="1200" kern="1200">
+        <a:solidFill>
+          <a:schemeClr val="tx1"/>
+        </a:solidFill>
+        <a:latin typeface="+mn-lt"/>
+        <a:ea typeface="+mn-ea"/>
+        <a:cs typeface="+mn-cs"/>
+      </a:defRPr>
+    </a:lvl6pPr>
+    <a:lvl7pPr marL="2743200" algn="l" defTabSz="914400" rtl="0" eaLnBrk="1" latinLnBrk="1" hangingPunct="1">
+      <a:defRPr sz="1200" kern="1200">
+        <a:solidFill>
+          <a:schemeClr val="tx1"/>
+        </a:solidFill>
+        <a:latin typeface="+mn-lt"/>
+        <a:ea typeface="+mn-ea"/>
+        <a:cs typeface="+mn-cs"/>
+      </a:defRPr>
+    </a:lvl7pPr>
+    <a:lvl8pPr marL="3200400" algn="l" defTabSz="914400" rtl="0" eaLnBrk="1" latinLnBrk="1" hangingPunct="1">
+      <a:defRPr sz="1200" kern="1200">
+        <a:solidFill>
+          <a:schemeClr val="tx1"/>
+        </a:solidFill>
+        <a:latin typeface="+mn-lt"/>
+        <a:ea typeface="+mn-ea"/>
+        <a:cs typeface="+mn-cs"/>
+      </a:defRPr>
+    </a:lvl8pPr>
+    <a:lvl9pPr marL="3657600" algn="l" defTabSz="914400" rtl="0" eaLnBrk="1" latinLnBrk="1" hangingPunct="1">
+      <a:defRPr sz="1200" kern="1200">
+        <a:solidFill>
+          <a:schemeClr val="tx1"/>
+        </a:solidFill>
+        <a:latin typeface="+mn-lt"/>
+        <a:ea typeface="+mn-ea"/>
+        <a:cs typeface="+mn-cs"/>
+      </a:defRPr>
+    </a:lvl9pPr>
+  </p:notesStyle>
+</p:notesMaster>
+</file>
+
+<file path=ppt/notesSlides/notesSlide1.xml><?xml version="1.0" encoding="utf-8"?>
+<p:notes xmlns:a="http://schemas.openxmlformats.org/drawingml/2006/main" xmlns:r="http://schemas.openxmlformats.org/officeDocument/2006/relationships" xmlns:p="http://schemas.openxmlformats.org/presentationml/2006/main">
+  <p:cSld>
+    <p:spTree>
+      <p:nvGrpSpPr>
+        <p:cNvPr id="1" name=""/>
+        <p:cNvGrpSpPr/>
+        <p:nvPr/>
+      </p:nvGrpSpPr>
+      <p:grpSpPr>
+        <a:xfrm>
+          <a:off x="0" y="0"/>
+          <a:ext cx="0" cy="0"/>
+          <a:chOff x="0" y="0"/>
+          <a:chExt cx="0" cy="0"/>
+        </a:xfrm>
+      </p:grpSpPr>
+      <p:sp>
+        <p:nvSpPr>
+          <p:cNvPr id="2" name="슬라이드 이미지 개체 틀 1"/>
+          <p:cNvSpPr>
+            <a:spLocks noGrp="1" noRot="1" noChangeAspect="1"/>
+          </p:cNvSpPr>
+          <p:nvPr>
+            <p:ph type="sldImg"/>
+          </p:nvPr>
+        </p:nvSpPr>
+        <p:spPr/>
+      </p:sp>
+      <p:sp>
+        <p:nvSpPr>
+          <p:cNvPr id="3" name="슬라이드 노트 개체 틀 2"/>
+          <p:cNvSpPr>
+            <a:spLocks noGrp="1"/>
+          </p:cNvSpPr>
+          <p:nvPr>
+            <p:ph type="body" idx="1"/>
+          </p:nvPr>
+        </p:nvSpPr>
+        <p:spPr/>
+        <p:txBody>
+          <a:bodyPr/>
+          <a:lstStyle/>
+          <a:p>
+            <a:r>
+              <a:rPr lang="en-US" altLang="ko-KR" dirty="0" smtClean="0"/>
+              <a:t>Flow</a:t>
+            </a:r>
+            <a:r>
+              <a:rPr lang="en-US" altLang="ko-KR" baseline="0" dirty="0" smtClean="0"/>
+              <a:t>chart of data analysis.</a:t>
+            </a:r>
+            <a:endParaRPr lang="ko-KR" altLang="en-US" dirty="0"/>
+          </a:p>
+        </p:txBody>
+      </p:sp>
+      <p:sp>
+        <p:nvSpPr>
+          <p:cNvPr id="4" name="슬라이드 번호 개체 틀 3"/>
+          <p:cNvSpPr>
+            <a:spLocks noGrp="1"/>
+          </p:cNvSpPr>
+          <p:nvPr>
+            <p:ph type="sldNum" sz="quarter" idx="10"/>
+          </p:nvPr>
+        </p:nvSpPr>
+        <p:spPr/>
+        <p:txBody>
+          <a:bodyPr/>
+          <a:lstStyle/>
+          <a:p>
+            <a:fld id="{37069B0A-189B-45FC-80B6-F4A3DC0B46A2}" type="slidenum">
+              <a:rPr lang="ko-KR" altLang="en-US" smtClean="0"/>
+              <a:t>1</a:t>
+            </a:fld>
+            <a:endParaRPr lang="ko-KR" altLang="en-US"/>
+          </a:p>
+        </p:txBody>
+      </p:sp>
+    </p:spTree>
+    <p:extLst>
+      <p:ext uri="{BB962C8B-B14F-4D97-AF65-F5344CB8AC3E}">
+        <p14:creationId xmlns:p14="http://schemas.microsoft.com/office/powerpoint/2010/main" val="2667754609"/>
+      </p:ext>
+    </p:extLst>
+  </p:cSld>
+  <p:clrMapOvr>
+    <a:masterClrMapping/>
+  </p:clrMapOvr>
+</p:notes>
+</file>
+
+<file path=ppt/notesSlides/notesSlide2.xml><?xml version="1.0" encoding="utf-8"?>
+<p:notes xmlns:a="http://schemas.openxmlformats.org/drawingml/2006/main" xmlns:r="http://schemas.openxmlformats.org/officeDocument/2006/relationships" xmlns:p="http://schemas.openxmlformats.org/presentationml/2006/main">
+  <p:cSld>
+    <p:spTree>
+      <p:nvGrpSpPr>
+        <p:cNvPr id="1" name=""/>
+        <p:cNvGrpSpPr/>
+        <p:nvPr/>
+      </p:nvGrpSpPr>
+      <p:grpSpPr>
+        <a:xfrm>
+          <a:off x="0" y="0"/>
+          <a:ext cx="0" cy="0"/>
+          <a:chOff x="0" y="0"/>
+          <a:chExt cx="0" cy="0"/>
+        </a:xfrm>
+      </p:grpSpPr>
+      <p:sp>
+        <p:nvSpPr>
+          <p:cNvPr id="2" name="슬라이드 이미지 개체 틀 1"/>
+          <p:cNvSpPr>
+            <a:spLocks noGrp="1" noRot="1" noChangeAspect="1"/>
+          </p:cNvSpPr>
+          <p:nvPr>
+            <p:ph type="sldImg"/>
+          </p:nvPr>
+        </p:nvSpPr>
+        <p:spPr/>
+      </p:sp>
+      <p:sp>
+        <p:nvSpPr>
+          <p:cNvPr id="3" name="슬라이드 노트 개체 틀 2"/>
+          <p:cNvSpPr>
+            <a:spLocks noGrp="1"/>
+          </p:cNvSpPr>
+          <p:nvPr>
+            <p:ph type="body" idx="1"/>
+          </p:nvPr>
+        </p:nvSpPr>
+        <p:spPr/>
+        <p:txBody>
+          <a:bodyPr/>
+          <a:lstStyle/>
+          <a:p>
+            <a:r>
+              <a:rPr lang="en-US" altLang="ko-KR" dirty="0" smtClean="0"/>
+              <a:t>Data</a:t>
+            </a:r>
+            <a:r>
+              <a:rPr lang="en-US" altLang="ko-KR" baseline="0" dirty="0" smtClean="0"/>
+              <a:t> property of </a:t>
+            </a:r>
+            <a:r>
+              <a:rPr lang="en-US" altLang="ko-KR" dirty="0" smtClean="0"/>
+              <a:t>TCGA-</a:t>
+            </a:r>
+            <a:r>
+              <a:rPr lang="en-US" altLang="ko-KR" dirty="0" err="1" smtClean="0"/>
+              <a:t>READ.htseq_fpkm</a:t>
+            </a:r>
+            <a:r>
+              <a:rPr lang="en-US" altLang="ko-KR" dirty="0" smtClean="0"/>
+              <a:t>-</a:t>
+            </a:r>
+            <a:r>
+              <a:rPr lang="en-US" altLang="ko-KR" dirty="0" err="1" smtClean="0"/>
+              <a:t>uq</a:t>
+            </a:r>
+            <a:r>
+              <a:rPr lang="en-US" altLang="ko-KR" dirty="0" smtClean="0"/>
+              <a:t>. The data is upper-quantile</a:t>
+            </a:r>
+            <a:r>
+              <a:rPr lang="en-US" altLang="ko-KR" baseline="0" dirty="0" smtClean="0"/>
+              <a:t> normalized. Any 0 values are treated as 0.001</a:t>
+            </a:r>
+            <a:endParaRPr lang="ko-KR" altLang="en-US" dirty="0"/>
+          </a:p>
+        </p:txBody>
+      </p:sp>
+      <p:sp>
+        <p:nvSpPr>
+          <p:cNvPr id="4" name="슬라이드 번호 개체 틀 3"/>
+          <p:cNvSpPr>
+            <a:spLocks noGrp="1"/>
+          </p:cNvSpPr>
+          <p:nvPr>
+            <p:ph type="sldNum" sz="quarter" idx="10"/>
+          </p:nvPr>
+        </p:nvSpPr>
+        <p:spPr/>
+        <p:txBody>
+          <a:bodyPr/>
+          <a:lstStyle/>
+          <a:p>
+            <a:fld id="{37069B0A-189B-45FC-80B6-F4A3DC0B46A2}" type="slidenum">
+              <a:rPr lang="ko-KR" altLang="en-US" smtClean="0"/>
+              <a:t>2</a:t>
+            </a:fld>
+            <a:endParaRPr lang="ko-KR" altLang="en-US"/>
+          </a:p>
+        </p:txBody>
+      </p:sp>
+    </p:spTree>
+    <p:extLst>
+      <p:ext uri="{BB962C8B-B14F-4D97-AF65-F5344CB8AC3E}">
+        <p14:creationId xmlns:p14="http://schemas.microsoft.com/office/powerpoint/2010/main" val="1725883749"/>
+      </p:ext>
+    </p:extLst>
+  </p:cSld>
+  <p:clrMapOvr>
+    <a:masterClrMapping/>
+  </p:clrMapOvr>
+</p:notes>
+</file>
+
+<file path=ppt/notesSlides/notesSlide3.xml><?xml version="1.0" encoding="utf-8"?>
+<p:notes xmlns:a="http://schemas.openxmlformats.org/drawingml/2006/main" xmlns:r="http://schemas.openxmlformats.org/officeDocument/2006/relationships" xmlns:p="http://schemas.openxmlformats.org/presentationml/2006/main">
+  <p:cSld>
+    <p:spTree>
+      <p:nvGrpSpPr>
+        <p:cNvPr id="1" name=""/>
+        <p:cNvGrpSpPr/>
+        <p:nvPr/>
+      </p:nvGrpSpPr>
+      <p:grpSpPr>
+        <a:xfrm>
+          <a:off x="0" y="0"/>
+          <a:ext cx="0" cy="0"/>
+          <a:chOff x="0" y="0"/>
+          <a:chExt cx="0" cy="0"/>
+        </a:xfrm>
+      </p:grpSpPr>
+      <p:sp>
+        <p:nvSpPr>
+          <p:cNvPr id="2" name="슬라이드 이미지 개체 틀 1"/>
+          <p:cNvSpPr>
+            <a:spLocks noGrp="1" noRot="1" noChangeAspect="1"/>
+          </p:cNvSpPr>
+          <p:nvPr>
+            <p:ph type="sldImg"/>
+          </p:nvPr>
+        </p:nvSpPr>
+        <p:spPr/>
+      </p:sp>
+      <p:sp>
+        <p:nvSpPr>
+          <p:cNvPr id="3" name="슬라이드 노트 개체 틀 2"/>
+          <p:cNvSpPr>
+            <a:spLocks noGrp="1"/>
+          </p:cNvSpPr>
+          <p:nvPr>
+            <p:ph type="body" idx="1"/>
+          </p:nvPr>
+        </p:nvSpPr>
+        <p:spPr/>
+        <p:txBody>
+          <a:bodyPr/>
+          <a:lstStyle/>
+          <a:p>
+            <a:pPr marL="0" marR="0" indent="0" algn="l" defTabSz="914400" rtl="0" eaLnBrk="1" fontAlgn="auto" latinLnBrk="1" hangingPunct="1">
+              <a:lnSpc>
+                <a:spcPct val="100000"/>
+              </a:lnSpc>
+              <a:spcBef>
+                <a:spcPts val="0"/>
+              </a:spcBef>
+              <a:spcAft>
+                <a:spcPts val="0"/>
+              </a:spcAft>
+              <a:buClrTx/>
+              <a:buSzTx/>
+              <a:buFontTx/>
+              <a:buNone/>
+              <a:tabLst/>
+              <a:defRPr/>
+            </a:pPr>
+            <a:r>
+              <a:rPr lang="en-US" altLang="ko-KR" dirty="0" smtClean="0"/>
+              <a:t>NMF rank estimation with </a:t>
+            </a:r>
+            <a:r>
+              <a:rPr lang="en-US" altLang="ko-KR" dirty="0" smtClean="0"/>
+              <a:t>TCGA-</a:t>
+            </a:r>
+            <a:r>
+              <a:rPr lang="en-US" altLang="ko-KR" dirty="0" err="1" smtClean="0"/>
+              <a:t>READ.htseq_fpkm</a:t>
+            </a:r>
+            <a:r>
+              <a:rPr lang="en-US" altLang="ko-KR" dirty="0" smtClean="0"/>
+              <a:t>-</a:t>
+            </a:r>
+            <a:r>
+              <a:rPr lang="en-US" altLang="ko-KR" dirty="0" err="1" smtClean="0"/>
+              <a:t>uq</a:t>
+            </a:r>
+            <a:r>
+              <a:rPr lang="en-US" altLang="ko-KR" dirty="0" smtClean="0"/>
+              <a:t> data.</a:t>
+            </a:r>
+            <a:endParaRPr lang="ko-KR" altLang="en-US" dirty="0" smtClean="0"/>
+          </a:p>
+          <a:p>
+            <a:endParaRPr lang="ko-KR" altLang="en-US" dirty="0"/>
+          </a:p>
+        </p:txBody>
+      </p:sp>
+      <p:sp>
+        <p:nvSpPr>
+          <p:cNvPr id="4" name="슬라이드 번호 개체 틀 3"/>
+          <p:cNvSpPr>
+            <a:spLocks noGrp="1"/>
+          </p:cNvSpPr>
+          <p:nvPr>
+            <p:ph type="sldNum" sz="quarter" idx="10"/>
+          </p:nvPr>
+        </p:nvSpPr>
+        <p:spPr/>
+        <p:txBody>
+          <a:bodyPr/>
+          <a:lstStyle/>
+          <a:p>
+            <a:fld id="{37069B0A-189B-45FC-80B6-F4A3DC0B46A2}" type="slidenum">
+              <a:rPr lang="ko-KR" altLang="en-US" smtClean="0"/>
+              <a:t>3</a:t>
+            </a:fld>
+            <a:endParaRPr lang="ko-KR" altLang="en-US"/>
+          </a:p>
+        </p:txBody>
+      </p:sp>
+    </p:spTree>
+    <p:extLst>
+      <p:ext uri="{BB962C8B-B14F-4D97-AF65-F5344CB8AC3E}">
+        <p14:creationId xmlns:p14="http://schemas.microsoft.com/office/powerpoint/2010/main" val="2160860473"/>
+      </p:ext>
+    </p:extLst>
+  </p:cSld>
+  <p:clrMapOvr>
+    <a:masterClrMapping/>
+  </p:clrMapOvr>
+</p:notes>
+</file>
+
+<file path=ppt/notesSlides/notesSlide4.xml><?xml version="1.0" encoding="utf-8"?>
+<p:notes xmlns:a="http://schemas.openxmlformats.org/drawingml/2006/main" xmlns:r="http://schemas.openxmlformats.org/officeDocument/2006/relationships" xmlns:p="http://schemas.openxmlformats.org/presentationml/2006/main">
+  <p:cSld>
+    <p:spTree>
+      <p:nvGrpSpPr>
+        <p:cNvPr id="1" name=""/>
+        <p:cNvGrpSpPr/>
+        <p:nvPr/>
+      </p:nvGrpSpPr>
+      <p:grpSpPr>
+        <a:xfrm>
+          <a:off x="0" y="0"/>
+          <a:ext cx="0" cy="0"/>
+          <a:chOff x="0" y="0"/>
+          <a:chExt cx="0" cy="0"/>
+        </a:xfrm>
+      </p:grpSpPr>
+      <p:sp>
+        <p:nvSpPr>
+          <p:cNvPr id="2" name="슬라이드 이미지 개체 틀 1"/>
+          <p:cNvSpPr>
+            <a:spLocks noGrp="1" noRot="1" noChangeAspect="1"/>
+          </p:cNvSpPr>
+          <p:nvPr>
+            <p:ph type="sldImg"/>
+          </p:nvPr>
+        </p:nvSpPr>
+        <p:spPr/>
+      </p:sp>
+      <p:sp>
+        <p:nvSpPr>
+          <p:cNvPr id="3" name="슬라이드 노트 개체 틀 2"/>
+          <p:cNvSpPr>
+            <a:spLocks noGrp="1"/>
+          </p:cNvSpPr>
+          <p:nvPr>
+            <p:ph type="body" idx="1"/>
+          </p:nvPr>
+        </p:nvSpPr>
+        <p:spPr/>
+        <p:txBody>
+          <a:bodyPr/>
+          <a:lstStyle/>
+          <a:p>
+            <a:r>
+              <a:rPr lang="en-US" altLang="ko-KR" dirty="0" smtClean="0"/>
+              <a:t>Consensus</a:t>
+            </a:r>
+            <a:r>
+              <a:rPr lang="en-US" altLang="ko-KR" baseline="0" dirty="0" smtClean="0"/>
+              <a:t> map of NMF rank estimation.</a:t>
+            </a:r>
+            <a:endParaRPr lang="ko-KR" altLang="en-US" dirty="0"/>
+          </a:p>
+        </p:txBody>
+      </p:sp>
+      <p:sp>
+        <p:nvSpPr>
+          <p:cNvPr id="4" name="슬라이드 번호 개체 틀 3"/>
+          <p:cNvSpPr>
+            <a:spLocks noGrp="1"/>
+          </p:cNvSpPr>
+          <p:nvPr>
+            <p:ph type="sldNum" sz="quarter" idx="10"/>
+          </p:nvPr>
+        </p:nvSpPr>
+        <p:spPr/>
+        <p:txBody>
+          <a:bodyPr/>
+          <a:lstStyle/>
+          <a:p>
+            <a:fld id="{37069B0A-189B-45FC-80B6-F4A3DC0B46A2}" type="slidenum">
+              <a:rPr lang="ko-KR" altLang="en-US" smtClean="0"/>
+              <a:t>4</a:t>
+            </a:fld>
+            <a:endParaRPr lang="ko-KR" altLang="en-US"/>
+          </a:p>
+        </p:txBody>
+      </p:sp>
+    </p:spTree>
+    <p:extLst>
+      <p:ext uri="{BB962C8B-B14F-4D97-AF65-F5344CB8AC3E}">
+        <p14:creationId xmlns:p14="http://schemas.microsoft.com/office/powerpoint/2010/main" val="1570205419"/>
+      </p:ext>
+    </p:extLst>
+  </p:cSld>
+  <p:clrMapOvr>
+    <a:masterClrMapping/>
+  </p:clrMapOvr>
+</p:notes>
+</file>
+
+<file path=ppt/notesSlides/notesSlide5.xml><?xml version="1.0" encoding="utf-8"?>
+<p:notes xmlns:a="http://schemas.openxmlformats.org/drawingml/2006/main" xmlns:r="http://schemas.openxmlformats.org/officeDocument/2006/relationships" xmlns:p="http://schemas.openxmlformats.org/presentationml/2006/main">
+  <p:cSld>
+    <p:spTree>
+      <p:nvGrpSpPr>
+        <p:cNvPr id="1" name=""/>
+        <p:cNvGrpSpPr/>
+        <p:nvPr/>
+      </p:nvGrpSpPr>
+      <p:grpSpPr>
+        <a:xfrm>
+          <a:off x="0" y="0"/>
+          <a:ext cx="0" cy="0"/>
+          <a:chOff x="0" y="0"/>
+          <a:chExt cx="0" cy="0"/>
+        </a:xfrm>
+      </p:grpSpPr>
+      <p:sp>
+        <p:nvSpPr>
+          <p:cNvPr id="2" name="슬라이드 이미지 개체 틀 1"/>
+          <p:cNvSpPr>
+            <a:spLocks noGrp="1" noRot="1" noChangeAspect="1"/>
+          </p:cNvSpPr>
+          <p:nvPr>
+            <p:ph type="sldImg"/>
+          </p:nvPr>
+        </p:nvSpPr>
+        <p:spPr/>
+      </p:sp>
+      <p:sp>
+        <p:nvSpPr>
+          <p:cNvPr id="3" name="슬라이드 노트 개체 틀 2"/>
+          <p:cNvSpPr>
+            <a:spLocks noGrp="1"/>
+          </p:cNvSpPr>
+          <p:nvPr>
+            <p:ph type="body" idx="1"/>
+          </p:nvPr>
+        </p:nvSpPr>
+        <p:spPr/>
+        <p:txBody>
+          <a:bodyPr/>
+          <a:lstStyle/>
+          <a:p>
+            <a:r>
+              <a:rPr lang="en-US" altLang="ko-KR" dirty="0" smtClean="0"/>
+              <a:t>Survival difference by NMF-predicted classifier. (p=0.56)</a:t>
+            </a:r>
+            <a:endParaRPr lang="ko-KR" altLang="en-US" dirty="0"/>
+          </a:p>
+        </p:txBody>
+      </p:sp>
+      <p:sp>
+        <p:nvSpPr>
+          <p:cNvPr id="4" name="슬라이드 번호 개체 틀 3"/>
+          <p:cNvSpPr>
+            <a:spLocks noGrp="1"/>
+          </p:cNvSpPr>
+          <p:nvPr>
+            <p:ph type="sldNum" sz="quarter" idx="10"/>
+          </p:nvPr>
+        </p:nvSpPr>
+        <p:spPr/>
+        <p:txBody>
+          <a:bodyPr/>
+          <a:lstStyle/>
+          <a:p>
+            <a:fld id="{37069B0A-189B-45FC-80B6-F4A3DC0B46A2}" type="slidenum">
+              <a:rPr lang="ko-KR" altLang="en-US" smtClean="0"/>
+              <a:t>5</a:t>
+            </a:fld>
+            <a:endParaRPr lang="ko-KR" altLang="en-US"/>
+          </a:p>
+        </p:txBody>
+      </p:sp>
+    </p:spTree>
+    <p:extLst>
+      <p:ext uri="{BB962C8B-B14F-4D97-AF65-F5344CB8AC3E}">
+        <p14:creationId xmlns:p14="http://schemas.microsoft.com/office/powerpoint/2010/main" val="1656599326"/>
+      </p:ext>
+    </p:extLst>
+  </p:cSld>
+  <p:clrMapOvr>
+    <a:masterClrMapping/>
+  </p:clrMapOvr>
+</p:notes>
+</file>
+
+<file path=ppt/notesSlides/notesSlide6.xml><?xml version="1.0" encoding="utf-8"?>
+<p:notes xmlns:a="http://schemas.openxmlformats.org/drawingml/2006/main" xmlns:r="http://schemas.openxmlformats.org/officeDocument/2006/relationships" xmlns:p="http://schemas.openxmlformats.org/presentationml/2006/main">
+  <p:cSld>
+    <p:spTree>
+      <p:nvGrpSpPr>
+        <p:cNvPr id="1" name=""/>
+        <p:cNvGrpSpPr/>
+        <p:nvPr/>
+      </p:nvGrpSpPr>
+      <p:grpSpPr>
+        <a:xfrm>
+          <a:off x="0" y="0"/>
+          <a:ext cx="0" cy="0"/>
+          <a:chOff x="0" y="0"/>
+          <a:chExt cx="0" cy="0"/>
+        </a:xfrm>
+      </p:grpSpPr>
+      <p:sp>
+        <p:nvSpPr>
+          <p:cNvPr id="2" name="슬라이드 이미지 개체 틀 1"/>
+          <p:cNvSpPr>
+            <a:spLocks noGrp="1" noRot="1" noChangeAspect="1"/>
+          </p:cNvSpPr>
+          <p:nvPr>
+            <p:ph type="sldImg"/>
+          </p:nvPr>
+        </p:nvSpPr>
+        <p:spPr/>
+      </p:sp>
+      <p:sp>
+        <p:nvSpPr>
+          <p:cNvPr id="3" name="슬라이드 노트 개체 틀 2"/>
+          <p:cNvSpPr>
+            <a:spLocks noGrp="1"/>
+          </p:cNvSpPr>
+          <p:nvPr>
+            <p:ph type="body" idx="1"/>
+          </p:nvPr>
+        </p:nvSpPr>
+        <p:spPr/>
+        <p:txBody>
+          <a:bodyPr/>
+          <a:lstStyle/>
+          <a:p>
+            <a:r>
+              <a:rPr lang="en-US" altLang="ko-KR" dirty="0" smtClean="0"/>
+              <a:t>PAM cross-validation</a:t>
+            </a:r>
+            <a:r>
+              <a:rPr lang="en-US" altLang="ko-KR" baseline="0" dirty="0" smtClean="0"/>
+              <a:t> error curves. We set threshold as 4.4, considering misclassification error and number of genes needed for classification</a:t>
+            </a:r>
+          </a:p>
+        </p:txBody>
+      </p:sp>
+      <p:sp>
+        <p:nvSpPr>
+          <p:cNvPr id="4" name="슬라이드 번호 개체 틀 3"/>
+          <p:cNvSpPr>
+            <a:spLocks noGrp="1"/>
+          </p:cNvSpPr>
+          <p:nvPr>
+            <p:ph type="sldNum" sz="quarter" idx="10"/>
+          </p:nvPr>
+        </p:nvSpPr>
+        <p:spPr/>
+        <p:txBody>
+          <a:bodyPr/>
+          <a:lstStyle/>
+          <a:p>
+            <a:fld id="{37069B0A-189B-45FC-80B6-F4A3DC0B46A2}" type="slidenum">
+              <a:rPr lang="ko-KR" altLang="en-US" smtClean="0"/>
+              <a:t>6</a:t>
+            </a:fld>
+            <a:endParaRPr lang="ko-KR" altLang="en-US"/>
+          </a:p>
+        </p:txBody>
+      </p:sp>
+    </p:spTree>
+    <p:extLst>
+      <p:ext uri="{BB962C8B-B14F-4D97-AF65-F5344CB8AC3E}">
+        <p14:creationId xmlns:p14="http://schemas.microsoft.com/office/powerpoint/2010/main" val="1556626075"/>
+      </p:ext>
+    </p:extLst>
+  </p:cSld>
+  <p:clrMapOvr>
+    <a:masterClrMapping/>
+  </p:clrMapOvr>
+</p:notes>
+</file>
+
+<file path=ppt/notesSlides/notesSlide7.xml><?xml version="1.0" encoding="utf-8"?>
+<p:notes xmlns:a="http://schemas.openxmlformats.org/drawingml/2006/main" xmlns:r="http://schemas.openxmlformats.org/officeDocument/2006/relationships" xmlns:p="http://schemas.openxmlformats.org/presentationml/2006/main">
+  <p:cSld>
+    <p:spTree>
+      <p:nvGrpSpPr>
+        <p:cNvPr id="1" name=""/>
+        <p:cNvGrpSpPr/>
+        <p:nvPr/>
+      </p:nvGrpSpPr>
+      <p:grpSpPr>
+        <a:xfrm>
+          <a:off x="0" y="0"/>
+          <a:ext cx="0" cy="0"/>
+          <a:chOff x="0" y="0"/>
+          <a:chExt cx="0" cy="0"/>
+        </a:xfrm>
+      </p:grpSpPr>
+      <p:sp>
+        <p:nvSpPr>
+          <p:cNvPr id="2" name="슬라이드 이미지 개체 틀 1"/>
+          <p:cNvSpPr>
+            <a:spLocks noGrp="1" noRot="1" noChangeAspect="1"/>
+          </p:cNvSpPr>
+          <p:nvPr>
+            <p:ph type="sldImg"/>
+          </p:nvPr>
+        </p:nvSpPr>
+        <p:spPr/>
+      </p:sp>
+      <p:sp>
+        <p:nvSpPr>
+          <p:cNvPr id="3" name="슬라이드 노트 개체 틀 2"/>
+          <p:cNvSpPr>
+            <a:spLocks noGrp="1"/>
+          </p:cNvSpPr>
+          <p:nvPr>
+            <p:ph type="body" idx="1"/>
+          </p:nvPr>
+        </p:nvSpPr>
+        <p:spPr/>
+        <p:txBody>
+          <a:bodyPr/>
+          <a:lstStyle/>
+          <a:p>
+            <a:r>
+              <a:rPr lang="en-US" altLang="ko-KR" dirty="0" smtClean="0"/>
+              <a:t>PAM</a:t>
+            </a:r>
+            <a:r>
+              <a:rPr lang="en-US" altLang="ko-KR" baseline="0" dirty="0" smtClean="0"/>
+              <a:t> centroid plot of 2 clusters</a:t>
+            </a:r>
+          </a:p>
+          <a:p>
+            <a:endParaRPr lang="en-US" altLang="ko-KR" baseline="0" dirty="0" smtClean="0"/>
+          </a:p>
+          <a:p>
+            <a:endParaRPr lang="en-US" altLang="ko-KR" baseline="0" dirty="0" smtClean="0"/>
+          </a:p>
+          <a:p>
+            <a:r>
+              <a:rPr lang="en-US" altLang="ko-KR" baseline="0" dirty="0" smtClean="0"/>
+              <a:t>Conducted gene sets for each cluster. First column represents the gene symbol, and the second column is which cluster the gene belongs to.</a:t>
+            </a:r>
+            <a:endParaRPr lang="ko-KR" altLang="en-US" dirty="0"/>
+          </a:p>
+        </p:txBody>
+      </p:sp>
+      <p:sp>
+        <p:nvSpPr>
+          <p:cNvPr id="4" name="슬라이드 번호 개체 틀 3"/>
+          <p:cNvSpPr>
+            <a:spLocks noGrp="1"/>
+          </p:cNvSpPr>
+          <p:nvPr>
+            <p:ph type="sldNum" sz="quarter" idx="10"/>
+          </p:nvPr>
+        </p:nvSpPr>
+        <p:spPr/>
+        <p:txBody>
+          <a:bodyPr/>
+          <a:lstStyle/>
+          <a:p>
+            <a:fld id="{37069B0A-189B-45FC-80B6-F4A3DC0B46A2}" type="slidenum">
+              <a:rPr lang="ko-KR" altLang="en-US" smtClean="0"/>
+              <a:t>7</a:t>
+            </a:fld>
+            <a:endParaRPr lang="ko-KR" altLang="en-US"/>
+          </a:p>
+        </p:txBody>
+      </p:sp>
+    </p:spTree>
+    <p:extLst>
+      <p:ext uri="{BB962C8B-B14F-4D97-AF65-F5344CB8AC3E}">
+        <p14:creationId xmlns:p14="http://schemas.microsoft.com/office/powerpoint/2010/main" val="3451285985"/>
+      </p:ext>
+    </p:extLst>
+  </p:cSld>
+  <p:clrMapOvr>
+    <a:masterClrMapping/>
+  </p:clrMapOvr>
+</p:notes>
+</file>
+
+<file path=ppt/notesSlides/notesSlide8.xml><?xml version="1.0" encoding="utf-8"?>
+<p:notes xmlns:a="http://schemas.openxmlformats.org/drawingml/2006/main" xmlns:r="http://schemas.openxmlformats.org/officeDocument/2006/relationships" xmlns:p="http://schemas.openxmlformats.org/presentationml/2006/main">
+  <p:cSld>
+    <p:spTree>
+      <p:nvGrpSpPr>
+        <p:cNvPr id="1" name=""/>
+        <p:cNvGrpSpPr/>
+        <p:nvPr/>
+      </p:nvGrpSpPr>
+      <p:grpSpPr>
+        <a:xfrm>
+          <a:off x="0" y="0"/>
+          <a:ext cx="0" cy="0"/>
+          <a:chOff x="0" y="0"/>
+          <a:chExt cx="0" cy="0"/>
+        </a:xfrm>
+      </p:grpSpPr>
+      <p:sp>
+        <p:nvSpPr>
+          <p:cNvPr id="2" name="슬라이드 이미지 개체 틀 1"/>
+          <p:cNvSpPr>
+            <a:spLocks noGrp="1" noRot="1" noChangeAspect="1"/>
+          </p:cNvSpPr>
+          <p:nvPr>
+            <p:ph type="sldImg"/>
+          </p:nvPr>
+        </p:nvSpPr>
+        <p:spPr/>
+      </p:sp>
+      <p:sp>
+        <p:nvSpPr>
+          <p:cNvPr id="3" name="슬라이드 노트 개체 틀 2"/>
+          <p:cNvSpPr>
+            <a:spLocks noGrp="1"/>
+          </p:cNvSpPr>
+          <p:nvPr>
+            <p:ph type="body" idx="1"/>
+          </p:nvPr>
+        </p:nvSpPr>
+        <p:spPr/>
+        <p:txBody>
+          <a:bodyPr/>
+          <a:lstStyle/>
+          <a:p>
+            <a:pPr marL="0" marR="0" indent="0" algn="l" defTabSz="914400" rtl="0" eaLnBrk="1" fontAlgn="auto" latinLnBrk="1" hangingPunct="1">
+              <a:lnSpc>
+                <a:spcPct val="100000"/>
+              </a:lnSpc>
+              <a:spcBef>
+                <a:spcPts val="0"/>
+              </a:spcBef>
+              <a:spcAft>
+                <a:spcPts val="0"/>
+              </a:spcAft>
+              <a:buClrTx/>
+              <a:buSzTx/>
+              <a:buFontTx/>
+              <a:buNone/>
+              <a:tabLst/>
+              <a:defRPr/>
+            </a:pPr>
+            <a:r>
+              <a:rPr lang="en-US" altLang="ko-KR" dirty="0" smtClean="0"/>
+              <a:t>NTP analysis (by </a:t>
+            </a:r>
+            <a:r>
+              <a:rPr lang="en-US" altLang="ko-KR" dirty="0" err="1" smtClean="0"/>
+              <a:t>CMScaller</a:t>
+            </a:r>
+            <a:r>
+              <a:rPr lang="en-US" altLang="ko-KR" dirty="0" smtClean="0"/>
+              <a:t> package)</a:t>
+            </a:r>
+            <a:r>
+              <a:rPr lang="en-US" altLang="ko-KR" baseline="0" dirty="0" smtClean="0"/>
+              <a:t> using gene sets from NMF analysis of </a:t>
+            </a:r>
+            <a:r>
+              <a:rPr lang="en-US" altLang="ko-KR" dirty="0" smtClean="0"/>
+              <a:t>TCGA-</a:t>
+            </a:r>
+            <a:r>
+              <a:rPr lang="en-US" altLang="ko-KR" dirty="0" err="1" smtClean="0"/>
+              <a:t>READ.htseq_fpkm</a:t>
+            </a:r>
+            <a:r>
+              <a:rPr lang="en-US" altLang="ko-KR" dirty="0" smtClean="0"/>
+              <a:t>-</a:t>
+            </a:r>
+            <a:r>
+              <a:rPr lang="en-US" altLang="ko-KR" dirty="0" err="1" smtClean="0"/>
+              <a:t>uq</a:t>
+            </a:r>
+            <a:r>
+              <a:rPr lang="ko-KR" altLang="en-US" baseline="0" dirty="0" smtClean="0"/>
+              <a:t> </a:t>
+            </a:r>
+            <a:r>
+              <a:rPr lang="en-US" altLang="ko-KR" baseline="0" dirty="0" smtClean="0"/>
+              <a:t>data.</a:t>
+            </a:r>
+            <a:endParaRPr lang="ko-KR" altLang="en-US" dirty="0" smtClean="0"/>
+          </a:p>
+        </p:txBody>
+      </p:sp>
+      <p:sp>
+        <p:nvSpPr>
+          <p:cNvPr id="4" name="슬라이드 번호 개체 틀 3"/>
+          <p:cNvSpPr>
+            <a:spLocks noGrp="1"/>
+          </p:cNvSpPr>
+          <p:nvPr>
+            <p:ph type="sldNum" sz="quarter" idx="10"/>
+          </p:nvPr>
+        </p:nvSpPr>
+        <p:spPr/>
+        <p:txBody>
+          <a:bodyPr/>
+          <a:lstStyle/>
+          <a:p>
+            <a:fld id="{37069B0A-189B-45FC-80B6-F4A3DC0B46A2}" type="slidenum">
+              <a:rPr lang="ko-KR" altLang="en-US" smtClean="0"/>
+              <a:t>8</a:t>
+            </a:fld>
+            <a:endParaRPr lang="ko-KR" altLang="en-US"/>
+          </a:p>
+        </p:txBody>
+      </p:sp>
+    </p:spTree>
+    <p:extLst>
+      <p:ext uri="{BB962C8B-B14F-4D97-AF65-F5344CB8AC3E}">
+        <p14:creationId xmlns:p14="http://schemas.microsoft.com/office/powerpoint/2010/main" val="4215609898"/>
+      </p:ext>
+    </p:extLst>
+  </p:cSld>
+  <p:clrMapOvr>
+    <a:masterClrMapping/>
+  </p:clrMapOvr>
+</p:notes>
+</file>
+
+<file path=ppt/notesSlides/notesSlide9.xml><?xml version="1.0" encoding="utf-8"?>
+<p:notes xmlns:a="http://schemas.openxmlformats.org/drawingml/2006/main" xmlns:r="http://schemas.openxmlformats.org/officeDocument/2006/relationships" xmlns:p="http://schemas.openxmlformats.org/presentationml/2006/main">
+  <p:cSld>
+    <p:spTree>
+      <p:nvGrpSpPr>
+        <p:cNvPr id="1" name=""/>
+        <p:cNvGrpSpPr/>
+        <p:nvPr/>
+      </p:nvGrpSpPr>
+      <p:grpSpPr>
+        <a:xfrm>
+          <a:off x="0" y="0"/>
+          <a:ext cx="0" cy="0"/>
+          <a:chOff x="0" y="0"/>
+          <a:chExt cx="0" cy="0"/>
+        </a:xfrm>
+      </p:grpSpPr>
+      <p:sp>
+        <p:nvSpPr>
+          <p:cNvPr id="2" name="슬라이드 이미지 개체 틀 1"/>
+          <p:cNvSpPr>
+            <a:spLocks noGrp="1" noRot="1" noChangeAspect="1"/>
+          </p:cNvSpPr>
+          <p:nvPr>
+            <p:ph type="sldImg"/>
+          </p:nvPr>
+        </p:nvSpPr>
+        <p:spPr/>
+      </p:sp>
+      <p:sp>
+        <p:nvSpPr>
+          <p:cNvPr id="3" name="슬라이드 노트 개체 틀 2"/>
+          <p:cNvSpPr>
+            <a:spLocks noGrp="1"/>
+          </p:cNvSpPr>
+          <p:nvPr>
+            <p:ph type="body" idx="1"/>
+          </p:nvPr>
+        </p:nvSpPr>
+        <p:spPr/>
+        <p:txBody>
+          <a:bodyPr/>
+          <a:lstStyle/>
+          <a:p>
+            <a:endParaRPr lang="ko-KR" altLang="en-US" dirty="0"/>
+          </a:p>
+        </p:txBody>
+      </p:sp>
+      <p:sp>
+        <p:nvSpPr>
+          <p:cNvPr id="4" name="슬라이드 번호 개체 틀 3"/>
+          <p:cNvSpPr>
+            <a:spLocks noGrp="1"/>
+          </p:cNvSpPr>
+          <p:nvPr>
+            <p:ph type="sldNum" sz="quarter" idx="10"/>
+          </p:nvPr>
+        </p:nvSpPr>
+        <p:spPr/>
+        <p:txBody>
+          <a:bodyPr/>
+          <a:lstStyle/>
+          <a:p>
+            <a:fld id="{37069B0A-189B-45FC-80B6-F4A3DC0B46A2}" type="slidenum">
+              <a:rPr lang="ko-KR" altLang="en-US" smtClean="0"/>
+              <a:t>9</a:t>
+            </a:fld>
+            <a:endParaRPr lang="ko-KR" altLang="en-US"/>
+          </a:p>
+        </p:txBody>
+      </p:sp>
+    </p:spTree>
+    <p:extLst>
+      <p:ext uri="{BB962C8B-B14F-4D97-AF65-F5344CB8AC3E}">
+        <p14:creationId xmlns:p14="http://schemas.microsoft.com/office/powerpoint/2010/main" val="3896389086"/>
+      </p:ext>
+    </p:extLst>
+  </p:cSld>
+  <p:clrMapOvr>
+    <a:masterClrMapping/>
+  </p:clrMapOvr>
+</p:notes>
+</file>
+
 <file path=ppt/slideLayouts/slideLayout1.xml><?xml version="1.0" encoding="utf-8"?>
 <p:sldLayout xmlns:a="http://schemas.openxmlformats.org/drawingml/2006/main" xmlns:r="http://schemas.openxmlformats.org/officeDocument/2006/relationships" xmlns:p="http://schemas.openxmlformats.org/presentationml/2006/main" type="title" preserve="1">
   <p:cSld name="제목 슬라이드">
@@ -261,7 +1550,7 @@
           <a:p>
             <a:fld id="{A8FAF8E4-BF5D-4DEB-A491-76AF3FA8D3FD}" type="datetimeFigureOut">
               <a:rPr lang="ko-KR" altLang="en-US" smtClean="0"/>
-              <a:t>2019-08-22</a:t>
+              <a:t>2019-08-27</a:t>
             </a:fld>
             <a:endParaRPr lang="ko-KR" altLang="en-US"/>
           </a:p>
@@ -431,7 +1720,7 @@
           <a:p>
             <a:fld id="{A8FAF8E4-BF5D-4DEB-A491-76AF3FA8D3FD}" type="datetimeFigureOut">
               <a:rPr lang="ko-KR" altLang="en-US" smtClean="0"/>
-              <a:t>2019-08-22</a:t>
+              <a:t>2019-08-27</a:t>
             </a:fld>
             <a:endParaRPr lang="ko-KR" altLang="en-US"/>
           </a:p>
@@ -611,7 +1900,7 @@
           <a:p>
             <a:fld id="{A8FAF8E4-BF5D-4DEB-A491-76AF3FA8D3FD}" type="datetimeFigureOut">
               <a:rPr lang="ko-KR" altLang="en-US" smtClean="0"/>
-              <a:t>2019-08-22</a:t>
+              <a:t>2019-08-27</a:t>
             </a:fld>
             <a:endParaRPr lang="ko-KR" altLang="en-US"/>
           </a:p>
@@ -781,7 +2070,7 @@
           <a:p>
             <a:fld id="{A8FAF8E4-BF5D-4DEB-A491-76AF3FA8D3FD}" type="datetimeFigureOut">
               <a:rPr lang="ko-KR" altLang="en-US" smtClean="0"/>
-              <a:t>2019-08-22</a:t>
+              <a:t>2019-08-27</a:t>
             </a:fld>
             <a:endParaRPr lang="ko-KR" altLang="en-US"/>
           </a:p>
@@ -1025,7 +2314,7 @@
           <a:p>
             <a:fld id="{A8FAF8E4-BF5D-4DEB-A491-76AF3FA8D3FD}" type="datetimeFigureOut">
               <a:rPr lang="ko-KR" altLang="en-US" smtClean="0"/>
-              <a:t>2019-08-22</a:t>
+              <a:t>2019-08-27</a:t>
             </a:fld>
             <a:endParaRPr lang="ko-KR" altLang="en-US"/>
           </a:p>
@@ -1257,7 +2546,7 @@
           <a:p>
             <a:fld id="{A8FAF8E4-BF5D-4DEB-A491-76AF3FA8D3FD}" type="datetimeFigureOut">
               <a:rPr lang="ko-KR" altLang="en-US" smtClean="0"/>
-              <a:t>2019-08-22</a:t>
+              <a:t>2019-08-27</a:t>
             </a:fld>
             <a:endParaRPr lang="ko-KR" altLang="en-US"/>
           </a:p>
@@ -1624,7 +2913,7 @@
           <a:p>
             <a:fld id="{A8FAF8E4-BF5D-4DEB-A491-76AF3FA8D3FD}" type="datetimeFigureOut">
               <a:rPr lang="ko-KR" altLang="en-US" smtClean="0"/>
-              <a:t>2019-08-22</a:t>
+              <a:t>2019-08-27</a:t>
             </a:fld>
             <a:endParaRPr lang="ko-KR" altLang="en-US"/>
           </a:p>
@@ -1742,7 +3031,7 @@
           <a:p>
             <a:fld id="{A8FAF8E4-BF5D-4DEB-A491-76AF3FA8D3FD}" type="datetimeFigureOut">
               <a:rPr lang="ko-KR" altLang="en-US" smtClean="0"/>
-              <a:t>2019-08-22</a:t>
+              <a:t>2019-08-27</a:t>
             </a:fld>
             <a:endParaRPr lang="ko-KR" altLang="en-US"/>
           </a:p>
@@ -1837,7 +3126,7 @@
           <a:p>
             <a:fld id="{A8FAF8E4-BF5D-4DEB-A491-76AF3FA8D3FD}" type="datetimeFigureOut">
               <a:rPr lang="ko-KR" altLang="en-US" smtClean="0"/>
-              <a:t>2019-08-22</a:t>
+              <a:t>2019-08-27</a:t>
             </a:fld>
             <a:endParaRPr lang="ko-KR" altLang="en-US"/>
           </a:p>
@@ -2114,7 +3403,7 @@
           <a:p>
             <a:fld id="{A8FAF8E4-BF5D-4DEB-A491-76AF3FA8D3FD}" type="datetimeFigureOut">
               <a:rPr lang="ko-KR" altLang="en-US" smtClean="0"/>
-              <a:t>2019-08-22</a:t>
+              <a:t>2019-08-27</a:t>
             </a:fld>
             <a:endParaRPr lang="ko-KR" altLang="en-US"/>
           </a:p>
@@ -2371,7 +3660,7 @@
           <a:p>
             <a:fld id="{A8FAF8E4-BF5D-4DEB-A491-76AF3FA8D3FD}" type="datetimeFigureOut">
               <a:rPr lang="ko-KR" altLang="en-US" smtClean="0"/>
-              <a:t>2019-08-22</a:t>
+              <a:t>2019-08-27</a:t>
             </a:fld>
             <a:endParaRPr lang="ko-KR" altLang="en-US"/>
           </a:p>
@@ -2584,7 +3873,7 @@
           <a:p>
             <a:fld id="{A8FAF8E4-BF5D-4DEB-A491-76AF3FA8D3FD}" type="datetimeFigureOut">
               <a:rPr lang="ko-KR" altLang="en-US" smtClean="0"/>
-              <a:t>2019-08-22</a:t>
+              <a:t>2019-08-27</a:t>
             </a:fld>
             <a:endParaRPr lang="ko-KR" altLang="en-US"/>
           </a:p>
@@ -4345,15 +5634,7 @@
                   <a:srgbClr val="FF0000"/>
                 </a:solidFill>
               </a:rPr>
-              <a:t>10_</a:t>
-            </a:r>
-            <a:r>
-              <a:rPr lang="en-US" altLang="ko-KR" sz="1400" dirty="0" smtClean="0">
-                <a:solidFill>
-                  <a:srgbClr val="FF0000"/>
-                </a:solidFill>
-              </a:rPr>
-              <a:t>GSEA_analysis.R</a:t>
+              <a:t>10_GSEA_analysis.R</a:t>
             </a:r>
           </a:p>
         </p:txBody>
@@ -5481,6 +6762,98 @@
           </a:p>
         </p:txBody>
       </p:sp>
+      <p:sp>
+        <p:nvSpPr>
+          <p:cNvPr id="8" name="오른쪽 중괄호 7"/>
+          <p:cNvSpPr/>
+          <p:nvPr/>
+        </p:nvSpPr>
+        <p:spPr>
+          <a:xfrm>
+            <a:off x="5017515" y="1071553"/>
+            <a:ext cx="254978" cy="985847"/>
+          </a:xfrm>
+          <a:prstGeom prst="rightBrace">
+            <a:avLst>
+              <a:gd name="adj1" fmla="val 35256"/>
+              <a:gd name="adj2" fmla="val 48856"/>
+            </a:avLst>
+          </a:prstGeom>
+          <a:ln w="28575">
+            <a:solidFill>
+              <a:srgbClr val="FF0000"/>
+            </a:solidFill>
+          </a:ln>
+        </p:spPr>
+        <p:style>
+          <a:lnRef idx="1">
+            <a:schemeClr val="accent1"/>
+          </a:lnRef>
+          <a:fillRef idx="0">
+            <a:schemeClr val="accent1"/>
+          </a:fillRef>
+          <a:effectRef idx="0">
+            <a:schemeClr val="accent1"/>
+          </a:effectRef>
+          <a:fontRef idx="minor">
+            <a:schemeClr val="tx1"/>
+          </a:fontRef>
+        </p:style>
+        <p:txBody>
+          <a:bodyPr rtlCol="0" anchor="ctr"/>
+          <a:lstStyle/>
+          <a:p>
+            <a:pPr algn="ctr"/>
+            <a:endParaRPr lang="ko-KR" altLang="en-US"/>
+          </a:p>
+        </p:txBody>
+      </p:sp>
+      <p:sp>
+        <p:nvSpPr>
+          <p:cNvPr id="9" name="오른쪽 중괄호 8"/>
+          <p:cNvSpPr/>
+          <p:nvPr/>
+        </p:nvSpPr>
+        <p:spPr>
+          <a:xfrm>
+            <a:off x="5017515" y="3208084"/>
+            <a:ext cx="254978" cy="3434894"/>
+          </a:xfrm>
+          <a:prstGeom prst="rightBrace">
+            <a:avLst>
+              <a:gd name="adj1" fmla="val 35256"/>
+              <a:gd name="adj2" fmla="val 48856"/>
+            </a:avLst>
+          </a:prstGeom>
+          <a:ln w="28575">
+            <a:solidFill>
+              <a:srgbClr val="FF0000"/>
+            </a:solidFill>
+          </a:ln>
+        </p:spPr>
+        <p:style>
+          <a:lnRef idx="1">
+            <a:schemeClr val="accent1"/>
+          </a:lnRef>
+          <a:fillRef idx="0">
+            <a:schemeClr val="accent1"/>
+          </a:fillRef>
+          <a:effectRef idx="0">
+            <a:schemeClr val="accent1"/>
+          </a:effectRef>
+          <a:fontRef idx="minor">
+            <a:schemeClr val="tx1"/>
+          </a:fontRef>
+        </p:style>
+        <p:txBody>
+          <a:bodyPr rtlCol="0" anchor="ctr"/>
+          <a:lstStyle/>
+          <a:p>
+            <a:pPr algn="ctr"/>
+            <a:endParaRPr lang="ko-KR" altLang="en-US"/>
+          </a:p>
+        </p:txBody>
+      </p:sp>
     </p:spTree>
     <p:extLst>
       <p:ext uri="{BB962C8B-B14F-4D97-AF65-F5344CB8AC3E}">
@@ -5564,7 +6937,7 @@
           <p:nvPr/>
         </p:nvPicPr>
         <p:blipFill>
-          <a:blip r:embed="rId2"/>
+          <a:blip r:embed="rId3"/>
           <a:stretch>
             <a:fillRect/>
           </a:stretch>
@@ -5697,7 +7070,7 @@
           <p:nvPr/>
         </p:nvPicPr>
         <p:blipFill>
-          <a:blip r:embed="rId2"/>
+          <a:blip r:embed="rId3"/>
           <a:stretch>
             <a:fillRect/>
           </a:stretch>
@@ -5788,7 +7161,7 @@
           <p:nvPr/>
         </p:nvPicPr>
         <p:blipFill>
-          <a:blip r:embed="rId2"/>
+          <a:blip r:embed="rId3"/>
           <a:stretch>
             <a:fillRect/>
           </a:stretch>
@@ -5888,7 +7261,7 @@
           <p:nvPr/>
         </p:nvPicPr>
         <p:blipFill>
-          <a:blip r:embed="rId2"/>
+          <a:blip r:embed="rId3"/>
           <a:stretch>
             <a:fillRect/>
           </a:stretch>
@@ -5979,7 +7352,7 @@
           <p:nvPr/>
         </p:nvPicPr>
         <p:blipFill>
-          <a:blip r:embed="rId2"/>
+          <a:blip r:embed="rId3"/>
           <a:stretch>
             <a:fillRect/>
           </a:stretch>
@@ -6079,7 +7452,7 @@
           <p:nvPr/>
         </p:nvPicPr>
         <p:blipFill>
-          <a:blip r:embed="rId2" cstate="print">
+          <a:blip r:embed="rId3" cstate="print">
             <a:extLst>
               <a:ext uri="{28A0092B-C50C-407E-A947-70E740481C1C}">
                 <a14:useLocalDpi xmlns:a14="http://schemas.microsoft.com/office/drawing/2010/main" val="0"/>
@@ -13056,7 +14429,7 @@
           <p:nvPr/>
         </p:nvPicPr>
         <p:blipFill>
-          <a:blip r:embed="rId2"/>
+          <a:blip r:embed="rId3"/>
           <a:stretch>
             <a:fillRect/>
           </a:stretch>
@@ -13080,7 +14453,7 @@
           <p:nvPr/>
         </p:nvPicPr>
         <p:blipFill>
-          <a:blip r:embed="rId3"/>
+          <a:blip r:embed="rId4"/>
           <a:stretch>
             <a:fillRect/>
           </a:stretch>
@@ -13179,7 +14552,7 @@
           <p:nvPr/>
         </p:nvPicPr>
         <p:blipFill>
-          <a:blip r:embed="rId2"/>
+          <a:blip r:embed="rId3"/>
           <a:stretch>
             <a:fillRect/>
           </a:stretch>
@@ -13507,4 +14880,265 @@
     </a:ext>
   </a:extLst>
 </a:theme>
+</file>
+
+<file path=ppt/theme/theme2.xml><?xml version="1.0" encoding="utf-8"?>
+<a:theme xmlns:a="http://schemas.openxmlformats.org/drawingml/2006/main" name="Office 테마">
+  <a:themeElements>
+    <a:clrScheme name="Office">
+      <a:dk1>
+        <a:sysClr val="windowText" lastClr="000000"/>
+      </a:dk1>
+      <a:lt1>
+        <a:sysClr val="window" lastClr="FFFFFF"/>
+      </a:lt1>
+      <a:dk2>
+        <a:srgbClr val="44546A"/>
+      </a:dk2>
+      <a:lt2>
+        <a:srgbClr val="E7E6E6"/>
+      </a:lt2>
+      <a:accent1>
+        <a:srgbClr val="5B9BD5"/>
+      </a:accent1>
+      <a:accent2>
+        <a:srgbClr val="ED7D31"/>
+      </a:accent2>
+      <a:accent3>
+        <a:srgbClr val="A5A5A5"/>
+      </a:accent3>
+      <a:accent4>
+        <a:srgbClr val="FFC000"/>
+      </a:accent4>
+      <a:accent5>
+        <a:srgbClr val="4472C4"/>
+      </a:accent5>
+      <a:accent6>
+        <a:srgbClr val="70AD47"/>
+      </a:accent6>
+      <a:hlink>
+        <a:srgbClr val="0563C1"/>
+      </a:hlink>
+      <a:folHlink>
+        <a:srgbClr val="954F72"/>
+      </a:folHlink>
+    </a:clrScheme>
+    <a:fontScheme name="Office">
+      <a:majorFont>
+        <a:latin typeface="맑은 고딕" panose="020F0302020204030204"/>
+        <a:ea typeface=""/>
+        <a:cs typeface=""/>
+        <a:font script="Jpan" typeface="游ゴシック Light"/>
+        <a:font script="Hang" typeface="맑은 고딕"/>
+        <a:font script="Hans" typeface="等线 Light"/>
+        <a:font script="Hant" typeface="新細明體"/>
+        <a:font script="Arab" typeface="Times New Roman"/>
+        <a:font script="Hebr" typeface="Times New Roman"/>
+        <a:font script="Thai" typeface="Angsana New"/>
+        <a:font script="Ethi" typeface="Nyala"/>
+        <a:font script="Beng" typeface="Vrinda"/>
+        <a:font script="Gujr" typeface="Shruti"/>
+        <a:font script="Khmr" typeface="MoolBoran"/>
+        <a:font script="Knda" typeface="Tunga"/>
+        <a:font script="Guru" typeface="Raavi"/>
+        <a:font script="Cans" typeface="Euphemia"/>
+        <a:font script="Cher" typeface="Plantagenet Cherokee"/>
+        <a:font script="Yiii" typeface="Microsoft Yi Baiti"/>
+        <a:font script="Tibt" typeface="Microsoft Himalaya"/>
+        <a:font script="Thaa" typeface="MV Boli"/>
+        <a:font script="Deva" typeface="Mangal"/>
+        <a:font script="Telu" typeface="Gautami"/>
+        <a:font script="Taml" typeface="Latha"/>
+        <a:font script="Syrc" typeface="Estrangelo Edessa"/>
+        <a:font script="Orya" typeface="Kalinga"/>
+        <a:font script="Mlym" typeface="Kartika"/>
+        <a:font script="Laoo" typeface="DokChampa"/>
+        <a:font script="Sinh" typeface="Iskoola Pota"/>
+        <a:font script="Mong" typeface="Mongolian Baiti"/>
+        <a:font script="Viet" typeface="Times New Roman"/>
+        <a:font script="Uigh" typeface="Microsoft Uighur"/>
+        <a:font script="Geor" typeface="Sylfaen"/>
+      </a:majorFont>
+      <a:minorFont>
+        <a:latin typeface="맑은 고딕" panose="020F0502020204030204"/>
+        <a:ea typeface=""/>
+        <a:cs typeface=""/>
+        <a:font script="Jpan" typeface="游ゴシック"/>
+        <a:font script="Hang" typeface="맑은 고딕"/>
+        <a:font script="Hans" typeface="等线"/>
+        <a:font script="Hant" typeface="新細明體"/>
+        <a:font script="Arab" typeface="Arial"/>
+        <a:font script="Hebr" typeface="Arial"/>
+        <a:font script="Thai" typeface="Cordia New"/>
+        <a:font script="Ethi" typeface="Nyala"/>
+        <a:font script="Beng" typeface="Vrinda"/>
+        <a:font script="Gujr" typeface="Shruti"/>
+        <a:font script="Khmr" typeface="DaunPenh"/>
+        <a:font script="Knda" typeface="Tunga"/>
+        <a:font script="Guru" typeface="Raavi"/>
+        <a:font script="Cans" typeface="Euphemia"/>
+        <a:font script="Cher" typeface="Plantagenet Cherokee"/>
+        <a:font script="Yiii" typeface="Microsoft Yi Baiti"/>
+        <a:font script="Tibt" typeface="Microsoft Himalaya"/>
+        <a:font script="Thaa" typeface="MV Boli"/>
+        <a:font script="Deva" typeface="Mangal"/>
+        <a:font script="Telu" typeface="Gautami"/>
+        <a:font script="Taml" typeface="Latha"/>
+        <a:font script="Syrc" typeface="Estrangelo Edessa"/>
+        <a:font script="Orya" typeface="Kalinga"/>
+        <a:font script="Mlym" typeface="Kartika"/>
+        <a:font script="Laoo" typeface="DokChampa"/>
+        <a:font script="Sinh" typeface="Iskoola Pota"/>
+        <a:font script="Mong" typeface="Mongolian Baiti"/>
+        <a:font script="Viet" typeface="Arial"/>
+        <a:font script="Uigh" typeface="Microsoft Uighur"/>
+        <a:font script="Geor" typeface="Sylfaen"/>
+      </a:minorFont>
+    </a:fontScheme>
+    <a:fmtScheme name="Office">
+      <a:fillStyleLst>
+        <a:solidFill>
+          <a:schemeClr val="phClr"/>
+        </a:solidFill>
+        <a:gradFill rotWithShape="1">
+          <a:gsLst>
+            <a:gs pos="0">
+              <a:schemeClr val="phClr">
+                <a:lumMod val="110000"/>
+                <a:satMod val="105000"/>
+                <a:tint val="67000"/>
+              </a:schemeClr>
+            </a:gs>
+            <a:gs pos="50000">
+              <a:schemeClr val="phClr">
+                <a:lumMod val="105000"/>
+                <a:satMod val="103000"/>
+                <a:tint val="73000"/>
+              </a:schemeClr>
+            </a:gs>
+            <a:gs pos="100000">
+              <a:schemeClr val="phClr">
+                <a:lumMod val="105000"/>
+                <a:satMod val="109000"/>
+                <a:tint val="81000"/>
+              </a:schemeClr>
+            </a:gs>
+          </a:gsLst>
+          <a:lin ang="5400000" scaled="0"/>
+        </a:gradFill>
+        <a:gradFill rotWithShape="1">
+          <a:gsLst>
+            <a:gs pos="0">
+              <a:schemeClr val="phClr">
+                <a:satMod val="103000"/>
+                <a:lumMod val="102000"/>
+                <a:tint val="94000"/>
+              </a:schemeClr>
+            </a:gs>
+            <a:gs pos="50000">
+              <a:schemeClr val="phClr">
+                <a:satMod val="110000"/>
+                <a:lumMod val="100000"/>
+                <a:shade val="100000"/>
+              </a:schemeClr>
+            </a:gs>
+            <a:gs pos="100000">
+              <a:schemeClr val="phClr">
+                <a:lumMod val="99000"/>
+                <a:satMod val="120000"/>
+                <a:shade val="78000"/>
+              </a:schemeClr>
+            </a:gs>
+          </a:gsLst>
+          <a:lin ang="5400000" scaled="0"/>
+        </a:gradFill>
+      </a:fillStyleLst>
+      <a:lnStyleLst>
+        <a:ln w="6350" cap="flat" cmpd="sng" algn="ctr">
+          <a:solidFill>
+            <a:schemeClr val="phClr"/>
+          </a:solidFill>
+          <a:prstDash val="solid"/>
+          <a:miter lim="800000"/>
+        </a:ln>
+        <a:ln w="12700" cap="flat" cmpd="sng" algn="ctr">
+          <a:solidFill>
+            <a:schemeClr val="phClr"/>
+          </a:solidFill>
+          <a:prstDash val="solid"/>
+          <a:miter lim="800000"/>
+        </a:ln>
+        <a:ln w="19050" cap="flat" cmpd="sng" algn="ctr">
+          <a:solidFill>
+            <a:schemeClr val="phClr"/>
+          </a:solidFill>
+          <a:prstDash val="solid"/>
+          <a:miter lim="800000"/>
+        </a:ln>
+      </a:lnStyleLst>
+      <a:effectStyleLst>
+        <a:effectStyle>
+          <a:effectLst/>
+        </a:effectStyle>
+        <a:effectStyle>
+          <a:effectLst/>
+        </a:effectStyle>
+        <a:effectStyle>
+          <a:effectLst>
+            <a:outerShdw blurRad="57150" dist="19050" dir="5400000" algn="ctr" rotWithShape="0">
+              <a:srgbClr val="000000">
+                <a:alpha val="63000"/>
+              </a:srgbClr>
+            </a:outerShdw>
+          </a:effectLst>
+        </a:effectStyle>
+      </a:effectStyleLst>
+      <a:bgFillStyleLst>
+        <a:solidFill>
+          <a:schemeClr val="phClr"/>
+        </a:solidFill>
+        <a:solidFill>
+          <a:schemeClr val="phClr">
+            <a:tint val="95000"/>
+            <a:satMod val="170000"/>
+          </a:schemeClr>
+        </a:solidFill>
+        <a:gradFill rotWithShape="1">
+          <a:gsLst>
+            <a:gs pos="0">
+              <a:schemeClr val="phClr">
+                <a:tint val="93000"/>
+                <a:satMod val="150000"/>
+                <a:shade val="98000"/>
+                <a:lumMod val="102000"/>
+              </a:schemeClr>
+            </a:gs>
+            <a:gs pos="50000">
+              <a:schemeClr val="phClr">
+                <a:tint val="98000"/>
+                <a:satMod val="130000"/>
+                <a:shade val="90000"/>
+                <a:lumMod val="103000"/>
+              </a:schemeClr>
+            </a:gs>
+            <a:gs pos="100000">
+              <a:schemeClr val="phClr">
+                <a:shade val="63000"/>
+                <a:satMod val="120000"/>
+              </a:schemeClr>
+            </a:gs>
+          </a:gsLst>
+          <a:lin ang="5400000" scaled="0"/>
+        </a:gradFill>
+      </a:bgFillStyleLst>
+    </a:fmtScheme>
+  </a:themeElements>
+  <a:objectDefaults/>
+  <a:extraClrSchemeLst/>
+  <a:extLst>
+    <a:ext uri="{05A4C25C-085E-4340-85A3-A5531E510DB2}">
+      <thm15:themeFamily xmlns:thm15="http://schemas.microsoft.com/office/thememl/2012/main" name="Office Theme" id="{62F939B6-93AF-4DB8-9C6B-D6C7DFDC589F}" vid="{4A3C46E8-61CC-4603-A589-7422A47A8E4A}"/>
+    </a:ext>
+  </a:extLst>
+</a:theme>
 </file>